--- a/presentation.pptx
+++ b/presentation.pptx
@@ -111,7 +111,16 @@
       </a:defRPr>
     </a:lvl9pPr>
   </p:defaultTextStyle>
+  <p:extLst>
+    <p:ext uri="{EFAFB233-063F-42B5-8137-9DF3F51BA10A}">
+      <p15:sldGuideLst xmlns:p15="http://schemas.microsoft.com/office/powerpoint/2012/main"/>
+    </p:ext>
+  </p:extLst>
 </p:presentation>
+</file>
+
+<file path=ppt/revisionInfo.xml><?xml version="1.0" encoding="utf-8"?>
+<p1510:revInfo xmlns:a="http://schemas.openxmlformats.org/drawingml/2006/main" xmlns:r="http://schemas.openxmlformats.org/officeDocument/2006/relationships" xmlns:p1510="http://schemas.microsoft.com/office/powerpoint/2015/10/main"/>
 </file>
 
 <file path=ppt/notesMasters/notesMaster1.xml><?xml version="1.0" encoding="utf-8"?>
@@ -196,7 +205,7 @@
           <a:p>
             <a:fld id="{A580F231-D6C1-46FE-BB12-C1D6E54C7F64}" type="datetimeFigureOut">
               <a:rPr lang="en-US" smtClean="0"/>
-              <a:t>13-Jun-17</a:t>
+              <a:t>6/13/2017</a:t>
             </a:fld>
             <a:endParaRPr lang="en-US"/>
           </a:p>
@@ -613,7 +622,7 @@
           <a:p>
             <a:fld id="{3CDEC65A-793D-48D9-A90D-089CA926FEAD}" type="datetimeFigureOut">
               <a:rPr lang="en-US" smtClean="0"/>
-              <a:t>13-Jun-17</a:t>
+              <a:t>6/13/2017</a:t>
             </a:fld>
             <a:endParaRPr lang="en-US"/>
           </a:p>
@@ -813,7 +822,7 @@
           <a:p>
             <a:fld id="{3CDEC65A-793D-48D9-A90D-089CA926FEAD}" type="datetimeFigureOut">
               <a:rPr lang="en-US" smtClean="0"/>
-              <a:t>13-Jun-17</a:t>
+              <a:t>6/13/2017</a:t>
             </a:fld>
             <a:endParaRPr lang="en-US"/>
           </a:p>
@@ -1023,7 +1032,7 @@
           <a:p>
             <a:fld id="{3CDEC65A-793D-48D9-A90D-089CA926FEAD}" type="datetimeFigureOut">
               <a:rPr lang="en-US" smtClean="0"/>
-              <a:t>13-Jun-17</a:t>
+              <a:t>6/13/2017</a:t>
             </a:fld>
             <a:endParaRPr lang="en-US"/>
           </a:p>
@@ -1223,7 +1232,7 @@
           <a:p>
             <a:fld id="{3CDEC65A-793D-48D9-A90D-089CA926FEAD}" type="datetimeFigureOut">
               <a:rPr lang="en-US" smtClean="0"/>
-              <a:t>13-Jun-17</a:t>
+              <a:t>6/13/2017</a:t>
             </a:fld>
             <a:endParaRPr lang="en-US"/>
           </a:p>
@@ -1499,7 +1508,7 @@
           <a:p>
             <a:fld id="{3CDEC65A-793D-48D9-A90D-089CA926FEAD}" type="datetimeFigureOut">
               <a:rPr lang="en-US" smtClean="0"/>
-              <a:t>13-Jun-17</a:t>
+              <a:t>6/13/2017</a:t>
             </a:fld>
             <a:endParaRPr lang="en-US"/>
           </a:p>
@@ -1767,7 +1776,7 @@
           <a:p>
             <a:fld id="{3CDEC65A-793D-48D9-A90D-089CA926FEAD}" type="datetimeFigureOut">
               <a:rPr lang="en-US" smtClean="0"/>
-              <a:t>13-Jun-17</a:t>
+              <a:t>6/13/2017</a:t>
             </a:fld>
             <a:endParaRPr lang="en-US"/>
           </a:p>
@@ -2182,7 +2191,7 @@
           <a:p>
             <a:fld id="{3CDEC65A-793D-48D9-A90D-089CA926FEAD}" type="datetimeFigureOut">
               <a:rPr lang="en-US" smtClean="0"/>
-              <a:t>13-Jun-17</a:t>
+              <a:t>6/13/2017</a:t>
             </a:fld>
             <a:endParaRPr lang="en-US"/>
           </a:p>
@@ -2324,7 +2333,7 @@
           <a:p>
             <a:fld id="{3CDEC65A-793D-48D9-A90D-089CA926FEAD}" type="datetimeFigureOut">
               <a:rPr lang="en-US" smtClean="0"/>
-              <a:t>13-Jun-17</a:t>
+              <a:t>6/13/2017</a:t>
             </a:fld>
             <a:endParaRPr lang="en-US"/>
           </a:p>
@@ -2437,7 +2446,7 @@
           <a:p>
             <a:fld id="{3CDEC65A-793D-48D9-A90D-089CA926FEAD}" type="datetimeFigureOut">
               <a:rPr lang="en-US" smtClean="0"/>
-              <a:t>13-Jun-17</a:t>
+              <a:t>6/13/2017</a:t>
             </a:fld>
             <a:endParaRPr lang="en-US"/>
           </a:p>
@@ -2750,7 +2759,7 @@
           <a:p>
             <a:fld id="{3CDEC65A-793D-48D9-A90D-089CA926FEAD}" type="datetimeFigureOut">
               <a:rPr lang="en-US" smtClean="0"/>
-              <a:t>13-Jun-17</a:t>
+              <a:t>6/13/2017</a:t>
             </a:fld>
             <a:endParaRPr lang="en-US"/>
           </a:p>
@@ -3039,7 +3048,7 @@
           <a:p>
             <a:fld id="{3CDEC65A-793D-48D9-A90D-089CA926FEAD}" type="datetimeFigureOut">
               <a:rPr lang="en-US" smtClean="0"/>
-              <a:t>13-Jun-17</a:t>
+              <a:t>6/13/2017</a:t>
             </a:fld>
             <a:endParaRPr lang="en-US"/>
           </a:p>
@@ -3282,7 +3291,7 @@
           <a:p>
             <a:fld id="{3CDEC65A-793D-48D9-A90D-089CA926FEAD}" type="datetimeFigureOut">
               <a:rPr lang="en-US" smtClean="0"/>
-              <a:t>13-Jun-17</a:t>
+              <a:t>6/13/2017</a:t>
             </a:fld>
             <a:endParaRPr lang="en-US"/>
           </a:p>
@@ -4197,8 +4206,8 @@
         </p:nvSpPr>
         <p:spPr>
           <a:xfrm>
-            <a:off x="1003275" y="261842"/>
-            <a:ext cx="9808391" cy="923330"/>
+            <a:off x="3705745" y="261842"/>
+            <a:ext cx="4403450" cy="923330"/>
           </a:xfrm>
           <a:prstGeom prst="rect">
             <a:avLst/>
@@ -4228,22 +4237,19 @@
               </a:rPr>
               <a:t>Gene Ontology</a:t>
             </a:r>
-            <a:r>
-              <a:rPr lang="en-US" sz="5400" dirty="0">
-                <a:ln w="0"/>
-                <a:solidFill>
-                  <a:schemeClr val="accent1"/>
-                </a:solidFill>
-                <a:effectLst>
-                  <a:outerShdw blurRad="38100" dist="25400" dir="5400000" algn="ctr" rotWithShape="0">
-                    <a:srgbClr val="6E747A">
-                      <a:alpha val="43000"/>
-                    </a:srgbClr>
-                  </a:outerShdw>
-                </a:effectLst>
-              </a:rPr>
-              <a:t> annotation project</a:t>
-            </a:r>
+            <a:endParaRPr lang="en-US" sz="5400" dirty="0">
+              <a:ln w="0"/>
+              <a:solidFill>
+                <a:schemeClr val="accent1"/>
+              </a:solidFill>
+              <a:effectLst>
+                <a:outerShdw blurRad="38100" dist="25400" dir="5400000" algn="ctr" rotWithShape="0">
+                  <a:srgbClr val="6E747A">
+                    <a:alpha val="43000"/>
+                  </a:srgbClr>
+                </a:outerShdw>
+              </a:effectLst>
+            </a:endParaRPr>
           </a:p>
         </p:txBody>
       </p:sp>
@@ -4275,18 +4281,64 @@
           </a:bodyPr>
           <a:lstStyle/>
           <a:p>
+            <a:pPr marL="285750" indent="-285750">
+              <a:buFontTx/>
+              <a:buChar char="-"/>
+            </a:pPr>
+            <a:r>
+              <a:rPr lang="en-US" dirty="0"/>
+              <a:t>GO annotations</a:t>
+            </a:r>
             <a:r>
               <a:rPr lang="he-IL" dirty="0"/>
-              <a:t>המידע מהפרויקט מכיל מאגר נתונים על הגנים האנושיים. המאגר חוזה את התוצאה של שילוב מוטציות בשני גנים. </a:t>
-            </a:r>
-          </a:p>
-          <a:p>
+              <a:t>: כל גן משויך ל</a:t>
+            </a:r>
+            <a:r>
+              <a:rPr lang="en-US" dirty="0"/>
+              <a:t>GO-terms</a:t>
+            </a:r>
             <a:r>
               <a:rPr lang="he-IL" dirty="0"/>
-              <a:t>בעזרת מאגר זה ניתן לבנות עץ, שכן כל תוצאה היא האב של שתי המוטציות תחתיו. </a:t>
-            </a:r>
-          </a:p>
-          <a:p>
+              <a:t>(אחד או יותר), בעזרת המאגר הזה נוכל לשייך כל גן מהדגימות של הפציינטים ל</a:t>
+            </a:r>
+            <a:r>
+              <a:rPr lang="en-US" dirty="0"/>
+              <a:t>GO-terms</a:t>
+            </a:r>
+            <a:r>
+              <a:rPr lang="he-IL" dirty="0"/>
+              <a:t> המתאימים לו.</a:t>
+            </a:r>
+          </a:p>
+          <a:p>
+            <a:pPr marL="285750" indent="-285750">
+              <a:buFontTx/>
+              <a:buChar char="-"/>
+            </a:pPr>
+            <a:r>
+              <a:rPr lang="en-US" dirty="0"/>
+              <a:t>GO graph</a:t>
+            </a:r>
+            <a:r>
+              <a:rPr lang="he-IL" dirty="0"/>
+              <a:t>: גרף המראה קשרי אב-בן בין </a:t>
+            </a:r>
+            <a:r>
+              <a:rPr lang="en-US" dirty="0"/>
+              <a:t>GO-terms</a:t>
+            </a:r>
+            <a:r>
+              <a:rPr lang="he-IL" dirty="0"/>
+              <a:t>, נוכל לצמצם את הגרף הזה ל</a:t>
+            </a:r>
+            <a:r>
+              <a:rPr lang="en-US" dirty="0"/>
+              <a:t>GO-terms</a:t>
+            </a:r>
+            <a:r>
+              <a:rPr lang="he-IL" dirty="0"/>
+              <a:t> הרלוונטיים עבורנו(לפי הגנים המשויכים אליהם).</a:t>
+            </a:r>
             <a:endParaRPr lang="en-US" dirty="0"/>
           </a:p>
         </p:txBody>
@@ -4336,7 +4388,7 @@
         <p:spPr>
           <a:xfrm>
             <a:off x="1318339" y="2234153"/>
-            <a:ext cx="9793034" cy="2031325"/>
+            <a:ext cx="9793034" cy="2585323"/>
           </a:xfrm>
           <a:prstGeom prst="rect">
             <a:avLst/>
@@ -4351,15 +4403,7 @@
           <a:p>
             <a:r>
               <a:rPr lang="he-IL" dirty="0"/>
-              <a:t>המידע </a:t>
-            </a:r>
-            <a:r>
-              <a:rPr lang="he-IL" dirty="0" err="1"/>
-              <a:t>ברשותינו</a:t>
-            </a:r>
-            <a:r>
-              <a:rPr lang="he-IL" dirty="0"/>
-              <a:t>:</a:t>
+              <a:t>המידע ברשותנו:</a:t>
             </a:r>
           </a:p>
           <a:p>
@@ -4373,6 +4417,46 @@
             </a:r>
             <a:r>
               <a:rPr lang="he-IL" dirty="0"/>
+              <a:t> האמתי.</a:t>
+            </a:r>
+          </a:p>
+          <a:p>
+            <a:r>
+              <a:rPr lang="he-IL" dirty="0"/>
+              <a:t>מוטציות – גנים אשר עברו מוטציות אצל מטופלים שונים בדגימות שונות. </a:t>
+            </a:r>
+          </a:p>
+          <a:p>
+            <a:endParaRPr lang="he-IL" dirty="0"/>
+          </a:p>
+          <a:p>
+            <a:endParaRPr lang="he-IL" dirty="0"/>
+          </a:p>
+          <a:p>
+            <a:r>
+              <a:rPr lang="he-IL" dirty="0"/>
+              <a:t>הצלבת המידע הנ"ל עם המידע על המטופלים מהמחקר, ייצרה לנו מסד נתונים עם וקטור של הגנים שנדגמו אצל כל מטופל עם ערך 1 אם הגן עבר מוטציה ו-0 אם לא.</a:t>
+            </a:r>
+          </a:p>
+          <a:p>
+            <a:r>
+              <a:rPr lang="he-IL" dirty="0"/>
+              <a:t>לבסוף הפעלת ה</a:t>
+            </a:r>
+            <a:r>
+              <a:rPr lang="en-US" dirty="0" err="1"/>
+              <a:t>Ontotype</a:t>
+            </a:r>
+            <a:r>
+              <a:rPr lang="he-IL" dirty="0"/>
+              <a:t> על מאגר זה ייצרה לנו את המאגר הדרוש בו כל שורה עבור דגימה המכילה גיל , מין, אורך </a:t>
+            </a:r>
+            <a:r>
+              <a:rPr lang="he-IL" dirty="0" err="1"/>
+              <a:t>הטלומר</a:t>
+            </a:r>
+            <a:r>
+              <a:rPr lang="he-IL" dirty="0"/>
               <a:t> </a:t>
             </a:r>
             <a:r>
@@ -4381,33 +4465,15 @@
             </a:r>
             <a:r>
               <a:rPr lang="he-IL" dirty="0"/>
-              <a:t>.</a:t>
-            </a:r>
-          </a:p>
-          <a:p>
+              <a:t> וקטור של </a:t>
+            </a:r>
+            <a:r>
+              <a:rPr lang="en-US" dirty="0"/>
+              <a:t>GO-terms</a:t>
+            </a:r>
             <a:r>
               <a:rPr lang="he-IL" dirty="0"/>
-              <a:t>מוטציות – גנים אשר עברו מוטציות אצל מטופלים שונים בדגימות שונות. </a:t>
-            </a:r>
-          </a:p>
-          <a:p>
-            <a:endParaRPr lang="he-IL" dirty="0"/>
-          </a:p>
-          <a:p>
-            <a:endParaRPr lang="he-IL" dirty="0"/>
-          </a:p>
-          <a:p>
-            <a:r>
-              <a:rPr lang="he-IL" dirty="0"/>
-              <a:t>הצלבת המידע הנ"ל עם המידע על המטופלים מהמחקר, ייצרה לנו </a:t>
-            </a:r>
-            <a:r>
-              <a:rPr lang="he-IL" dirty="0" err="1"/>
-              <a:t>דאטאבייס</a:t>
-            </a:r>
-            <a:r>
-              <a:rPr lang="he-IL" dirty="0"/>
-              <a:t> עם וקטור של הגנים שנדגמו אצל כל מטופל עם ערך 1 אם הגן עבר מוטציה ו-0 אם לא.</a:t>
+              <a:t> עם ערכים טבעיים.</a:t>
             </a:r>
             <a:endParaRPr lang="en-US" dirty="0"/>
           </a:p>
@@ -4427,8 +4493,8 @@
         </p:nvSpPr>
         <p:spPr>
           <a:xfrm>
-            <a:off x="4221563" y="601208"/>
-            <a:ext cx="5049780" cy="923330"/>
+            <a:off x="4024396" y="601208"/>
+            <a:ext cx="5444119" cy="923330"/>
           </a:xfrm>
           <a:prstGeom prst="rect">
             <a:avLst/>
@@ -4456,39 +4522,7 @@
                   </a:outerShdw>
                 </a:effectLst>
               </a:rPr>
-              <a:t>בניית </a:t>
-            </a:r>
-            <a:r>
-              <a:rPr lang="he-IL" sz="5400" dirty="0" err="1">
-                <a:ln w="0"/>
-                <a:solidFill>
-                  <a:schemeClr val="accent1"/>
-                </a:solidFill>
-                <a:effectLst>
-                  <a:outerShdw blurRad="38100" dist="25400" dir="5400000" algn="ctr" rotWithShape="0">
-                    <a:srgbClr val="6E747A">
-                      <a:alpha val="43000"/>
-                    </a:srgbClr>
-                  </a:outerShdw>
-                </a:effectLst>
-              </a:rPr>
-              <a:t>הדאטאבייס</a:t>
-            </a:r>
-            <a:r>
-              <a:rPr lang="he-IL" sz="5400" dirty="0">
-                <a:ln w="0"/>
-                <a:solidFill>
-                  <a:schemeClr val="accent1"/>
-                </a:solidFill>
-                <a:effectLst>
-                  <a:outerShdw blurRad="38100" dist="25400" dir="5400000" algn="ctr" rotWithShape="0">
-                    <a:srgbClr val="6E747A">
-                      <a:alpha val="43000"/>
-                    </a:srgbClr>
-                  </a:outerShdw>
-                </a:effectLst>
-              </a:rPr>
-              <a:t> </a:t>
+              <a:t>בניית המסד נתונים </a:t>
             </a:r>
             <a:endParaRPr lang="he-IL" sz="5400" b="0" cap="none" spc="0" dirty="0">
               <a:ln w="0"/>
@@ -4664,7 +4698,7 @@
         <p:spPr>
           <a:xfrm>
             <a:off x="2913469" y="1762813"/>
-            <a:ext cx="8399282" cy="1200329"/>
+            <a:ext cx="8399282" cy="1477328"/>
           </a:xfrm>
           <a:prstGeom prst="rect">
             <a:avLst/>
@@ -4687,15 +4721,31 @@
             </a:r>
             <a:r>
               <a:rPr lang="he-IL" dirty="0"/>
-              <a:t>. כל דגימה של פציינט עם וקטור הגנים </a:t>
+              <a:t>. כל דגימה של פציינט עם וקטור הגנים עדכנה את ערכי הצמתים, כאשר לכל </a:t>
+            </a:r>
+            <a:r>
+              <a:rPr lang="en-US" dirty="0"/>
+              <a:t>term</a:t>
+            </a:r>
+            <a:r>
+              <a:rPr lang="he-IL" dirty="0"/>
+              <a:t> אנו </a:t>
             </a:r>
             <a:r>
               <a:rPr lang="he-IL" dirty="0" err="1"/>
-              <a:t>עידכנה</a:t>
+              <a:t>סוכמים</a:t>
             </a:r>
             <a:r>
               <a:rPr lang="he-IL" dirty="0"/>
-              <a:t> את ערכי הצמתים. </a:t>
+              <a:t> את ערך הבנים(</a:t>
+            </a:r>
+            <a:r>
+              <a:rPr lang="en-US" dirty="0"/>
+              <a:t>bottom-up</a:t>
+            </a:r>
+            <a:r>
+              <a:rPr lang="he-IL" dirty="0"/>
+              <a:t>). </a:t>
             </a:r>
           </a:p>
           <a:p>

--- a/presentation.pptx
+++ b/presentation.pptx
@@ -5,7 +5,7 @@
     <p:sldMasterId id="2147483648" r:id="rId1"/>
   </p:sldMasterIdLst>
   <p:notesMasterIdLst>
-    <p:notesMasterId r:id="rId7"/>
+    <p:notesMasterId r:id="rId9"/>
   </p:notesMasterIdLst>
   <p:sldIdLst>
     <p:sldId id="256" r:id="rId2"/>
@@ -13,6 +13,8 @@
     <p:sldId id="261" r:id="rId4"/>
     <p:sldId id="259" r:id="rId5"/>
     <p:sldId id="258" r:id="rId6"/>
+    <p:sldId id="262" r:id="rId7"/>
+    <p:sldId id="263" r:id="rId8"/>
   </p:sldIdLst>
   <p:sldSz cx="12192000" cy="6858000"/>
   <p:notesSz cx="6858000" cy="9144000"/>
@@ -205,7 +207,7 @@
           <a:p>
             <a:fld id="{A580F231-D6C1-46FE-BB12-C1D6E54C7F64}" type="datetimeFigureOut">
               <a:rPr lang="en-US" smtClean="0"/>
-              <a:t>6/13/2017</a:t>
+              <a:t>07-Oct-17</a:t>
             </a:fld>
             <a:endParaRPr lang="en-US"/>
           </a:p>
@@ -622,7 +624,7 @@
           <a:p>
             <a:fld id="{3CDEC65A-793D-48D9-A90D-089CA926FEAD}" type="datetimeFigureOut">
               <a:rPr lang="en-US" smtClean="0"/>
-              <a:t>6/13/2017</a:t>
+              <a:t>07-Oct-17</a:t>
             </a:fld>
             <a:endParaRPr lang="en-US"/>
           </a:p>
@@ -822,7 +824,7 @@
           <a:p>
             <a:fld id="{3CDEC65A-793D-48D9-A90D-089CA926FEAD}" type="datetimeFigureOut">
               <a:rPr lang="en-US" smtClean="0"/>
-              <a:t>6/13/2017</a:t>
+              <a:t>07-Oct-17</a:t>
             </a:fld>
             <a:endParaRPr lang="en-US"/>
           </a:p>
@@ -1032,7 +1034,7 @@
           <a:p>
             <a:fld id="{3CDEC65A-793D-48D9-A90D-089CA926FEAD}" type="datetimeFigureOut">
               <a:rPr lang="en-US" smtClean="0"/>
-              <a:t>6/13/2017</a:t>
+              <a:t>07-Oct-17</a:t>
             </a:fld>
             <a:endParaRPr lang="en-US"/>
           </a:p>
@@ -1232,7 +1234,7 @@
           <a:p>
             <a:fld id="{3CDEC65A-793D-48D9-A90D-089CA926FEAD}" type="datetimeFigureOut">
               <a:rPr lang="en-US" smtClean="0"/>
-              <a:t>6/13/2017</a:t>
+              <a:t>07-Oct-17</a:t>
             </a:fld>
             <a:endParaRPr lang="en-US"/>
           </a:p>
@@ -1508,7 +1510,7 @@
           <a:p>
             <a:fld id="{3CDEC65A-793D-48D9-A90D-089CA926FEAD}" type="datetimeFigureOut">
               <a:rPr lang="en-US" smtClean="0"/>
-              <a:t>6/13/2017</a:t>
+              <a:t>07-Oct-17</a:t>
             </a:fld>
             <a:endParaRPr lang="en-US"/>
           </a:p>
@@ -1776,7 +1778,7 @@
           <a:p>
             <a:fld id="{3CDEC65A-793D-48D9-A90D-089CA926FEAD}" type="datetimeFigureOut">
               <a:rPr lang="en-US" smtClean="0"/>
-              <a:t>6/13/2017</a:t>
+              <a:t>07-Oct-17</a:t>
             </a:fld>
             <a:endParaRPr lang="en-US"/>
           </a:p>
@@ -2191,7 +2193,7 @@
           <a:p>
             <a:fld id="{3CDEC65A-793D-48D9-A90D-089CA926FEAD}" type="datetimeFigureOut">
               <a:rPr lang="en-US" smtClean="0"/>
-              <a:t>6/13/2017</a:t>
+              <a:t>07-Oct-17</a:t>
             </a:fld>
             <a:endParaRPr lang="en-US"/>
           </a:p>
@@ -2333,7 +2335,7 @@
           <a:p>
             <a:fld id="{3CDEC65A-793D-48D9-A90D-089CA926FEAD}" type="datetimeFigureOut">
               <a:rPr lang="en-US" smtClean="0"/>
-              <a:t>6/13/2017</a:t>
+              <a:t>07-Oct-17</a:t>
             </a:fld>
             <a:endParaRPr lang="en-US"/>
           </a:p>
@@ -2446,7 +2448,7 @@
           <a:p>
             <a:fld id="{3CDEC65A-793D-48D9-A90D-089CA926FEAD}" type="datetimeFigureOut">
               <a:rPr lang="en-US" smtClean="0"/>
-              <a:t>6/13/2017</a:t>
+              <a:t>07-Oct-17</a:t>
             </a:fld>
             <a:endParaRPr lang="en-US"/>
           </a:p>
@@ -2759,7 +2761,7 @@
           <a:p>
             <a:fld id="{3CDEC65A-793D-48D9-A90D-089CA926FEAD}" type="datetimeFigureOut">
               <a:rPr lang="en-US" smtClean="0"/>
-              <a:t>6/13/2017</a:t>
+              <a:t>07-Oct-17</a:t>
             </a:fld>
             <a:endParaRPr lang="en-US"/>
           </a:p>
@@ -3048,7 +3050,7 @@
           <a:p>
             <a:fld id="{3CDEC65A-793D-48D9-A90D-089CA926FEAD}" type="datetimeFigureOut">
               <a:rPr lang="en-US" smtClean="0"/>
-              <a:t>6/13/2017</a:t>
+              <a:t>07-Oct-17</a:t>
             </a:fld>
             <a:endParaRPr lang="en-US"/>
           </a:p>
@@ -3291,7 +3293,7 @@
           <a:p>
             <a:fld id="{3CDEC65A-793D-48D9-A90D-089CA926FEAD}" type="datetimeFigureOut">
               <a:rPr lang="en-US" smtClean="0"/>
-              <a:t>6/13/2017</a:t>
+              <a:t>07-Oct-17</a:t>
             </a:fld>
             <a:endParaRPr lang="en-US"/>
           </a:p>
@@ -3771,10 +3773,10 @@
       </p:sp>
       <p:sp>
         <p:nvSpPr>
-          <p:cNvPr id="5" name="TextBox 4">
-            <a:extLst>
-              <a:ext uri="{FF2B5EF4-FFF2-40B4-BE49-F238E27FC236}">
-                <a16:creationId xmlns:a16="http://schemas.microsoft.com/office/drawing/2014/main" id="{9C9CB6B4-CF65-4E5C-9C6E-754D87FC9457}"/>
+          <p:cNvPr id="6" name="TextBox 5">
+            <a:extLst>
+              <a:ext uri="{FF2B5EF4-FFF2-40B4-BE49-F238E27FC236}">
+                <a16:creationId xmlns:a16="http://schemas.microsoft.com/office/drawing/2014/main" id="{AC17E809-0518-400A-AD00-9B64C1ED2DBE}"/>
               </a:ext>
             </a:extLst>
           </p:cNvPr>
@@ -3783,8 +3785,8 @@
         </p:nvSpPr>
         <p:spPr>
           <a:xfrm>
-            <a:off x="3004710" y="2234153"/>
-            <a:ext cx="8401723" cy="1477328"/>
+            <a:off x="239489" y="4015818"/>
+            <a:ext cx="11715088" cy="1077218"/>
           </a:xfrm>
           <a:prstGeom prst="rect">
             <a:avLst/>
@@ -3792,100 +3794,6 @@
           <a:noFill/>
         </p:spPr>
         <p:txBody>
-          <a:bodyPr wrap="none" rtlCol="0">
-            <a:spAutoFit/>
-          </a:bodyPr>
-          <a:lstStyle/>
-          <a:p>
-            <a:r>
-              <a:rPr lang="he-IL" dirty="0" err="1"/>
-              <a:t>טלומר</a:t>
-            </a:r>
-            <a:r>
-              <a:rPr lang="he-IL" dirty="0"/>
-              <a:t>- הוא אזור הקצה של הכרומוזומים, המכילים את החומר התורשתי שבגרעין התא. </a:t>
-            </a:r>
-            <a:br>
-              <a:rPr lang="en-US" dirty="0"/>
-            </a:br>
-            <a:r>
-              <a:rPr lang="he-IL" dirty="0"/>
-              <a:t>לכל כרומוזום שני קצוות ולפיכך - שני </a:t>
-            </a:r>
-            <a:r>
-              <a:rPr lang="he-IL" dirty="0" err="1"/>
-              <a:t>טלומרים</a:t>
-            </a:r>
-            <a:r>
-              <a:rPr lang="he-IL" dirty="0"/>
-              <a:t>, המיועדים בעיקר להגן עליו.</a:t>
-            </a:r>
-            <a:br>
-              <a:rPr lang="en-US" dirty="0"/>
-            </a:br>
-            <a:r>
-              <a:rPr lang="he-IL" dirty="0"/>
-              <a:t>בכל התחלקות של התא, אורך </a:t>
-            </a:r>
-            <a:r>
-              <a:rPr lang="he-IL" dirty="0" err="1"/>
-              <a:t>הטלומר</a:t>
-            </a:r>
-            <a:r>
-              <a:rPr lang="he-IL" dirty="0"/>
-              <a:t> מתקצר יותר ויותר, לכן שמזדקנים אורך </a:t>
-            </a:r>
-            <a:r>
-              <a:rPr lang="he-IL" dirty="0" err="1"/>
-              <a:t>הטלומר</a:t>
-            </a:r>
-            <a:r>
-              <a:rPr lang="he-IL" dirty="0"/>
-              <a:t> קצר. </a:t>
-            </a:r>
-          </a:p>
-          <a:p>
-            <a:r>
-              <a:rPr lang="he-IL" dirty="0"/>
-              <a:t>אצל חולי סרטן, אורך </a:t>
-            </a:r>
-            <a:r>
-              <a:rPr lang="he-IL" dirty="0" err="1"/>
-              <a:t>הטלומר</a:t>
-            </a:r>
-            <a:r>
-              <a:rPr lang="he-IL" dirty="0"/>
-              <a:t> ארוך יותר.</a:t>
-            </a:r>
-          </a:p>
-          <a:p>
-            <a:endParaRPr lang="he-IL" dirty="0"/>
-          </a:p>
-        </p:txBody>
-      </p:sp>
-      <p:sp>
-        <p:nvSpPr>
-          <p:cNvPr id="6" name="TextBox 5">
-            <a:extLst>
-              <a:ext uri="{FF2B5EF4-FFF2-40B4-BE49-F238E27FC236}">
-                <a16:creationId xmlns:a16="http://schemas.microsoft.com/office/drawing/2014/main" id="{AC17E809-0518-400A-AD00-9B64C1ED2DBE}"/>
-              </a:ext>
-            </a:extLst>
-          </p:cNvPr>
-          <p:cNvSpPr txBox="1"/>
-          <p:nvPr/>
-        </p:nvSpPr>
-        <p:spPr>
-          <a:xfrm>
-            <a:off x="1253765" y="4015818"/>
-            <a:ext cx="9851338" cy="1077218"/>
-          </a:xfrm>
-          <a:prstGeom prst="rect">
-            <a:avLst/>
-          </a:prstGeom>
-          <a:noFill/>
-        </p:spPr>
-        <p:txBody>
           <a:bodyPr wrap="square" rtlCol="0">
             <a:spAutoFit/>
           </a:bodyPr>
@@ -3893,24 +3801,17 @@
           <a:p>
             <a:pPr algn="ctr"/>
             <a:r>
-              <a:rPr lang="he-IL" sz="3600" b="1" dirty="0"/>
-              <a:t>מטרת הפרויקט</a:t>
-            </a:r>
-          </a:p>
-          <a:p>
-            <a:r>
-              <a:rPr lang="he-IL" sz="2800" b="1" dirty="0"/>
-              <a:t>לחזות את אורך </a:t>
-            </a:r>
-            <a:r>
-              <a:rPr lang="he-IL" sz="2800" b="1" dirty="0" err="1"/>
-              <a:t>הטלומר</a:t>
-            </a:r>
-            <a:r>
-              <a:rPr lang="he-IL" sz="2800" b="1" dirty="0"/>
-              <a:t> של מטופלים לפי הגנום והמוטציות בגנים. </a:t>
-            </a:r>
-            <a:endParaRPr lang="en-US" sz="2800" b="1" dirty="0"/>
+              <a:rPr lang="en-US" sz="3600" b="1" dirty="0"/>
+              <a:t>GOAL</a:t>
+            </a:r>
+            <a:br>
+              <a:rPr lang="en-US" sz="3600" b="1" dirty="0"/>
+            </a:br>
+            <a:r>
+              <a:rPr lang="en-US" sz="2800" b="1" dirty="0"/>
+              <a:t>predict patients’ telomere length according to genome and gene mutations. </a:t>
+            </a:r>
+            <a:endParaRPr lang="he-IL" sz="3600" b="1" dirty="0"/>
           </a:p>
         </p:txBody>
       </p:sp>
@@ -3943,10 +3844,75 @@
           <a:lstStyle/>
           <a:p>
             <a:r>
-              <a:rPr lang="he-IL" dirty="0"/>
-              <a:t>ברוך מקרו                   מארי מישל</a:t>
-            </a:r>
-            <a:endParaRPr lang="en-US" dirty="0"/>
+              <a:rPr lang="en-US" dirty="0"/>
+              <a:t>Baruch </a:t>
+            </a:r>
+            <a:r>
+              <a:rPr lang="en-US" dirty="0" err="1"/>
+              <a:t>Makro</a:t>
+            </a:r>
+            <a:r>
+              <a:rPr lang="en-US" dirty="0"/>
+              <a:t>       Mari </a:t>
+            </a:r>
+            <a:r>
+              <a:rPr lang="en-US" dirty="0" err="1"/>
+              <a:t>Mishel</a:t>
+            </a:r>
+            <a:r>
+              <a:rPr lang="en-US" dirty="0"/>
+              <a:t>     </a:t>
+            </a:r>
+          </a:p>
+        </p:txBody>
+      </p:sp>
+      <p:sp>
+        <p:nvSpPr>
+          <p:cNvPr id="2" name="TextBox 1">
+            <a:extLst>
+              <a:ext uri="{FF2B5EF4-FFF2-40B4-BE49-F238E27FC236}">
+                <a16:creationId xmlns:a16="http://schemas.microsoft.com/office/drawing/2014/main" id="{6E87026C-92CF-478E-ACD7-310F70A741F8}"/>
+              </a:ext>
+            </a:extLst>
+          </p:cNvPr>
+          <p:cNvSpPr txBox="1"/>
+          <p:nvPr/>
+        </p:nvSpPr>
+        <p:spPr>
+          <a:xfrm>
+            <a:off x="433633" y="1769633"/>
+            <a:ext cx="10925666" cy="1200329"/>
+          </a:xfrm>
+          <a:prstGeom prst="rect">
+            <a:avLst/>
+          </a:prstGeom>
+          <a:noFill/>
+        </p:spPr>
+        <p:txBody>
+          <a:bodyPr wrap="square" rtlCol="0">
+            <a:spAutoFit/>
+          </a:bodyPr>
+          <a:lstStyle/>
+          <a:p>
+            <a:pPr algn="l"/>
+            <a:r>
+              <a:rPr lang="en-US" dirty="0"/>
+              <a:t>Telomere: A telomere is a region of repetitive nucleotide sequences at each end of a chromosome, which protects the end of the chromosome from deterioration or from fusion with neighboring chromosomes. </a:t>
+            </a:r>
+          </a:p>
+          <a:p>
+            <a:pPr algn="l"/>
+            <a:r>
+              <a:rPr lang="en-US" dirty="0"/>
+              <a:t>With every division of the cell, the telomere length is getting shorter and shorter. </a:t>
+            </a:r>
+            <a:br>
+              <a:rPr lang="en-US" dirty="0"/>
+            </a:br>
+            <a:r>
+              <a:rPr lang="en-US" dirty="0"/>
+              <a:t>Cancer patients has shorter telomere than other people with  the same age and gander. </a:t>
+            </a:r>
           </a:p>
         </p:txBody>
       </p:sp>
@@ -3995,7 +3961,7 @@
         <p:spPr>
           <a:xfrm>
             <a:off x="8128104" y="1250639"/>
-            <a:ext cx="3947631" cy="1877437"/>
+            <a:ext cx="3947631" cy="2154436"/>
           </a:xfrm>
           <a:prstGeom prst="rect">
             <a:avLst/>
@@ -4008,11 +3974,11 @@
           </a:bodyPr>
           <a:lstStyle/>
           <a:p>
-            <a:r>
-              <a:rPr lang="he-IL" dirty="0"/>
-              <a:t>הפרויקט שלנו מתבסס על המחקר הבא:</a:t>
-            </a:r>
-            <a:endParaRPr lang="en-US" dirty="0"/>
+            <a:pPr algn="l"/>
+            <a:r>
+              <a:rPr lang="en-US" dirty="0"/>
+              <a:t>Our project is based on the following research:</a:t>
+            </a:r>
           </a:p>
           <a:p>
             <a:endParaRPr lang="he-IL" sz="2000" b="1" dirty="0"/>
@@ -4062,8 +4028,8 @@
         </p:nvSpPr>
         <p:spPr>
           <a:xfrm>
-            <a:off x="3310074" y="327310"/>
-            <a:ext cx="6495689" cy="923330"/>
+            <a:off x="3043950" y="327310"/>
+            <a:ext cx="7027951" cy="923330"/>
           </a:xfrm>
           <a:prstGeom prst="rect">
             <a:avLst/>
@@ -4078,7 +4044,7 @@
           <a:p>
             <a:pPr algn="ctr"/>
             <a:r>
-              <a:rPr lang="he-IL" sz="5400" b="0" cap="none" spc="0" dirty="0">
+              <a:rPr lang="en-US" sz="5400" b="0" cap="none" spc="0" dirty="0">
                 <a:ln w="0"/>
                 <a:solidFill>
                   <a:schemeClr val="accent1"/>
@@ -4091,8 +4057,21 @@
                   </a:outerShdw>
                 </a:effectLst>
               </a:rPr>
-              <a:t>המחקר לבסיס הפרויקט</a:t>
-            </a:r>
+              <a:t>Research for this project</a:t>
+            </a:r>
+            <a:endParaRPr lang="he-IL" sz="5400" b="0" cap="none" spc="0" dirty="0">
+              <a:ln w="0"/>
+              <a:solidFill>
+                <a:schemeClr val="accent1"/>
+              </a:solidFill>
+              <a:effectLst>
+                <a:outerShdw blurRad="38100" dist="25400" dir="5400000" algn="ctr" rotWithShape="0">
+                  <a:srgbClr val="6E747A">
+                    <a:alpha val="43000"/>
+                  </a:srgbClr>
+                </a:outerShdw>
+              </a:effectLst>
+            </a:endParaRPr>
           </a:p>
         </p:txBody>
       </p:sp>
@@ -4206,8 +4185,8 @@
         </p:nvSpPr>
         <p:spPr>
           <a:xfrm>
-            <a:off x="3705745" y="261842"/>
-            <a:ext cx="4403450" cy="923330"/>
+            <a:off x="1003275" y="261842"/>
+            <a:ext cx="9808391" cy="923330"/>
           </a:xfrm>
           <a:prstGeom prst="rect">
             <a:avLst/>
@@ -4237,19 +4216,22 @@
               </a:rPr>
               <a:t>Gene Ontology</a:t>
             </a:r>
-            <a:endParaRPr lang="en-US" sz="5400" dirty="0">
-              <a:ln w="0"/>
-              <a:solidFill>
-                <a:schemeClr val="accent1"/>
-              </a:solidFill>
-              <a:effectLst>
-                <a:outerShdw blurRad="38100" dist="25400" dir="5400000" algn="ctr" rotWithShape="0">
-                  <a:srgbClr val="6E747A">
-                    <a:alpha val="43000"/>
-                  </a:srgbClr>
-                </a:outerShdw>
-              </a:effectLst>
-            </a:endParaRPr>
+            <a:r>
+              <a:rPr lang="en-US" sz="5400" dirty="0">
+                <a:ln w="0"/>
+                <a:solidFill>
+                  <a:schemeClr val="accent1"/>
+                </a:solidFill>
+                <a:effectLst>
+                  <a:outerShdw blurRad="38100" dist="25400" dir="5400000" algn="ctr" rotWithShape="0">
+                    <a:srgbClr val="6E747A">
+                      <a:alpha val="43000"/>
+                    </a:srgbClr>
+                  </a:outerShdw>
+                </a:effectLst>
+              </a:rPr>
+              <a:t> annotation project</a:t>
+            </a:r>
           </a:p>
         </p:txBody>
       </p:sp>
@@ -4268,7 +4250,7 @@
         <p:spPr>
           <a:xfrm>
             <a:off x="2384981" y="1640262"/>
-            <a:ext cx="7937370" cy="1200329"/>
+            <a:ext cx="7937370" cy="2585323"/>
           </a:xfrm>
           <a:prstGeom prst="rect">
             <a:avLst/>
@@ -4281,64 +4263,34 @@
           </a:bodyPr>
           <a:lstStyle/>
           <a:p>
-            <a:pPr marL="285750" indent="-285750">
-              <a:buFontTx/>
-              <a:buChar char="-"/>
-            </a:pPr>
+            <a:r>
+              <a:rPr lang="he-IL" dirty="0"/>
+              <a:t>המידע מהפרויקט מכיל מאגר נתונים על הגנים האנושיים. המאגר חוזה את התוצאה של שילוב מוטציות בשני גנים. </a:t>
+            </a:r>
+          </a:p>
+          <a:p>
+            <a:r>
+              <a:rPr lang="he-IL" dirty="0"/>
+              <a:t>בעזרת מאגר זה ניתן לבנות עץ, שכן כל תוצאה היא האב של שתי המוטציות תחתיו. </a:t>
+            </a:r>
+            <a:endParaRPr lang="en-US" dirty="0"/>
+          </a:p>
+          <a:p>
+            <a:pPr algn="l"/>
+            <a:endParaRPr lang="en-US" dirty="0"/>
+          </a:p>
+          <a:p>
+            <a:pPr algn="l"/>
             <a:r>
               <a:rPr lang="en-US" dirty="0"/>
-              <a:t>GO annotations</a:t>
-            </a:r>
-            <a:r>
-              <a:rPr lang="he-IL" dirty="0"/>
-              <a:t>: כל גן משויך ל</a:t>
-            </a:r>
-            <a:r>
-              <a:rPr lang="en-US" dirty="0"/>
-              <a:t>GO-terms</a:t>
-            </a:r>
-            <a:r>
-              <a:rPr lang="he-IL" dirty="0"/>
-              <a:t>(אחד או יותר), בעזרת המאגר הזה נוכל לשייך כל גן מהדגימות של הפציינטים ל</a:t>
-            </a:r>
-            <a:r>
-              <a:rPr lang="en-US" dirty="0"/>
-              <a:t>GO-terms</a:t>
-            </a:r>
-            <a:r>
-              <a:rPr lang="he-IL" dirty="0"/>
-              <a:t> המתאימים לו.</a:t>
-            </a:r>
-          </a:p>
-          <a:p>
-            <a:pPr marL="285750" indent="-285750">
-              <a:buFontTx/>
-              <a:buChar char="-"/>
-            </a:pPr>
-            <a:r>
-              <a:rPr lang="en-US" dirty="0"/>
-              <a:t>GO graph</a:t>
-            </a:r>
-            <a:r>
-              <a:rPr lang="he-IL" dirty="0"/>
-              <a:t>: גרף המראה קשרי אב-בן בין </a:t>
-            </a:r>
-            <a:r>
-              <a:rPr lang="en-US" dirty="0"/>
-              <a:t>GO-terms</a:t>
-            </a:r>
-            <a:r>
-              <a:rPr lang="he-IL" dirty="0"/>
-              <a:t>, נוכל לצמצם את הגרף הזה ל</a:t>
-            </a:r>
-            <a:r>
-              <a:rPr lang="en-US" dirty="0"/>
-              <a:t>GO-terms</a:t>
-            </a:r>
-            <a:r>
-              <a:rPr lang="he-IL" dirty="0"/>
-              <a:t> הרלוונטיים עבורנו(לפי הגנים המשויכים אליהם).</a:t>
-            </a:r>
+              <a:t>The data from  GOA project has databases on human genes. The database predicts the outcome on mutations in two genes. Using this database, we are able to build a tree in which the father is the outcome of two gene-children. </a:t>
+            </a:r>
+          </a:p>
+          <a:p>
+            <a:pPr algn="l"/>
+            <a:endParaRPr lang="he-IL" dirty="0"/>
+          </a:p>
+          <a:p>
             <a:endParaRPr lang="en-US" dirty="0"/>
           </a:p>
         </p:txBody>
@@ -4387,8 +4339,8 @@
         </p:nvSpPr>
         <p:spPr>
           <a:xfrm>
-            <a:off x="1318339" y="2234153"/>
-            <a:ext cx="9793034" cy="2585323"/>
+            <a:off x="1370893" y="1524538"/>
+            <a:ext cx="9793034" cy="3139321"/>
           </a:xfrm>
           <a:prstGeom prst="rect">
             <a:avLst/>
@@ -4401,81 +4353,54 @@
           </a:bodyPr>
           <a:lstStyle/>
           <a:p>
-            <a:r>
-              <a:rPr lang="he-IL" dirty="0"/>
-              <a:t>המידע ברשותנו:</a:t>
-            </a:r>
-          </a:p>
-          <a:p>
-            <a:r>
-              <a:rPr lang="he-IL" dirty="0"/>
-              <a:t>מידע קליני- מכיל רשימת מטופלים ודגימותיהם, ביחד עם המידע הקליני כמו גיל ומין ואורך </a:t>
-            </a:r>
-            <a:r>
-              <a:rPr lang="he-IL" dirty="0" err="1"/>
-              <a:t>הטלומר</a:t>
-            </a:r>
-            <a:r>
-              <a:rPr lang="he-IL" dirty="0"/>
-              <a:t> האמתי.</a:t>
-            </a:r>
-          </a:p>
-          <a:p>
-            <a:r>
-              <a:rPr lang="he-IL" dirty="0"/>
-              <a:t>מוטציות – גנים אשר עברו מוטציות אצל מטופלים שונים בדגימות שונות. </a:t>
-            </a:r>
-          </a:p>
-          <a:p>
+            <a:pPr algn="l"/>
+            <a:r>
+              <a:rPr lang="en-US" dirty="0"/>
+              <a:t>We have the following data: </a:t>
+            </a:r>
+            <a:br>
+              <a:rPr lang="en-US" dirty="0"/>
+            </a:br>
+            <a:r>
+              <a:rPr lang="en-US" u="sng" dirty="0"/>
+              <a:t>Clinical data</a:t>
+            </a:r>
+            <a:r>
+              <a:rPr lang="en-US" dirty="0"/>
+              <a:t> – has lists of patients with their samples and clinical info such as gender and age. </a:t>
+            </a:r>
+            <a:br>
+              <a:rPr lang="en-US" dirty="0"/>
+            </a:br>
+            <a:r>
+              <a:rPr lang="en-US" u="sng" dirty="0"/>
+              <a:t>Mutations data</a:t>
+            </a:r>
+            <a:r>
+              <a:rPr lang="en-US" dirty="0"/>
+              <a:t> – list of genes with mutations for each sample of patient. Only 3 types of mutations    	were taken: Missense Mutation, Frame Shift Del, Nonsense Mutation</a:t>
+            </a:r>
             <a:endParaRPr lang="he-IL" dirty="0"/>
           </a:p>
           <a:p>
+            <a:endParaRPr lang="en-US" dirty="0"/>
+          </a:p>
+          <a:p>
+            <a:pPr algn="l"/>
+            <a:r>
+              <a:rPr lang="en-US" dirty="0"/>
+              <a:t>The telomere lengths in the database are binary. The mean lengths is found (~1), length above are written as 1 and bellow as 0. </a:t>
+            </a:r>
+          </a:p>
+          <a:p>
             <a:endParaRPr lang="he-IL" dirty="0"/>
           </a:p>
           <a:p>
-            <a:r>
-              <a:rPr lang="he-IL" dirty="0"/>
-              <a:t>הצלבת המידע הנ"ל עם המידע על המטופלים מהמחקר, ייצרה לנו מסד נתונים עם וקטור של הגנים שנדגמו אצל כל מטופל עם ערך 1 אם הגן עבר מוטציה ו-0 אם לא.</a:t>
-            </a:r>
-          </a:p>
-          <a:p>
-            <a:r>
-              <a:rPr lang="he-IL" dirty="0"/>
-              <a:t>לבסוף הפעלת ה</a:t>
-            </a:r>
-            <a:r>
-              <a:rPr lang="en-US" dirty="0" err="1"/>
-              <a:t>Ontotype</a:t>
-            </a:r>
-            <a:r>
-              <a:rPr lang="he-IL" dirty="0"/>
-              <a:t> על מאגר זה ייצרה לנו את המאגר הדרוש בו כל שורה עבור דגימה המכילה גיל , מין, אורך </a:t>
-            </a:r>
-            <a:r>
-              <a:rPr lang="he-IL" dirty="0" err="1"/>
-              <a:t>הטלומר</a:t>
-            </a:r>
-            <a:r>
-              <a:rPr lang="he-IL" dirty="0"/>
-              <a:t> </a:t>
-            </a:r>
-            <a:r>
-              <a:rPr lang="he-IL" dirty="0" err="1"/>
-              <a:t>האמיתי</a:t>
-            </a:r>
-            <a:r>
-              <a:rPr lang="he-IL" dirty="0"/>
-              <a:t> וקטור של </a:t>
-            </a:r>
+            <a:pPr algn="l"/>
             <a:r>
               <a:rPr lang="en-US" dirty="0"/>
-              <a:t>GO-terms</a:t>
-            </a:r>
-            <a:r>
-              <a:rPr lang="he-IL" dirty="0"/>
-              <a:t> עם ערכים טבעיים.</a:t>
-            </a:r>
-            <a:endParaRPr lang="en-US" dirty="0"/>
+              <a:t>Crossing those databases with the patients’ database from previous research, we created a new database with genes binary vector for each sample- 1 for gene with a mutation and 0 for gene without a mutation. </a:t>
+            </a:r>
           </a:p>
         </p:txBody>
       </p:sp>
@@ -4493,8 +4418,8 @@
         </p:nvSpPr>
         <p:spPr>
           <a:xfrm>
-            <a:off x="4024396" y="601208"/>
-            <a:ext cx="5444119" cy="923330"/>
+            <a:off x="3566965" y="601208"/>
+            <a:ext cx="6358985" cy="923330"/>
           </a:xfrm>
           <a:prstGeom prst="rect">
             <a:avLst/>
@@ -4509,7 +4434,7 @@
           <a:p>
             <a:pPr algn="ctr"/>
             <a:r>
-              <a:rPr lang="he-IL" sz="5400" dirty="0">
+              <a:rPr lang="en-US" sz="5400" dirty="0">
                 <a:ln w="0"/>
                 <a:solidFill>
                   <a:schemeClr val="accent1"/>
@@ -4522,7 +4447,7 @@
                   </a:outerShdw>
                 </a:effectLst>
               </a:rPr>
-              <a:t>בניית המסד נתונים </a:t>
+              <a:t>Building our Database</a:t>
             </a:r>
             <a:endParaRPr lang="he-IL" sz="5400" b="0" cap="none" spc="0" dirty="0">
               <a:ln w="0"/>
@@ -4554,8 +4479,8 @@
         </p:nvSpPr>
         <p:spPr>
           <a:xfrm>
-            <a:off x="1423447" y="4835951"/>
-            <a:ext cx="9687926" cy="646331"/>
+            <a:off x="1304905" y="4873063"/>
+            <a:ext cx="9687926" cy="369332"/>
           </a:xfrm>
           <a:prstGeom prst="rect">
             <a:avLst/>
@@ -4568,11 +4493,11 @@
           </a:bodyPr>
           <a:lstStyle/>
           <a:p>
-            <a:r>
-              <a:rPr lang="he-IL" dirty="0"/>
-              <a:t>לבסוף, נבנה את האלגוריתם לפי המידע שנלמד על 80% מהדגימות, בעוד שעל 20% הדגימות הנותרות נבדוק את הנכונות האלגוריתם העתידי. </a:t>
-            </a:r>
-            <a:endParaRPr lang="en-US" dirty="0"/>
+            <a:pPr algn="l"/>
+            <a:r>
+              <a:rPr lang="en-US" dirty="0"/>
+              <a:t>Finally, using cross validation (20%-80%), an algorithm was built to predict telomere lengths. </a:t>
+            </a:r>
           </a:p>
         </p:txBody>
       </p:sp>
@@ -4620,8 +4545,8 @@
         </p:nvSpPr>
         <p:spPr>
           <a:xfrm>
-            <a:off x="2913469" y="657768"/>
-            <a:ext cx="6421631" cy="923330"/>
+            <a:off x="3224422" y="657768"/>
+            <a:ext cx="5799729" cy="923330"/>
           </a:xfrm>
           <a:prstGeom prst="rect">
             <a:avLst/>
@@ -4635,22 +4560,6 @@
           <a:lstStyle/>
           <a:p>
             <a:pPr algn="ctr"/>
-            <a:r>
-              <a:rPr lang="he-IL" sz="5400" b="0" cap="none" spc="0" dirty="0">
-                <a:ln w="0"/>
-                <a:solidFill>
-                  <a:schemeClr val="accent1"/>
-                </a:solidFill>
-                <a:effectLst>
-                  <a:outerShdw blurRad="38100" dist="25400" dir="5400000" algn="ctr" rotWithShape="0">
-                    <a:srgbClr val="6E747A">
-                      <a:alpha val="43000"/>
-                    </a:srgbClr>
-                  </a:outerShdw>
-                </a:effectLst>
-              </a:rPr>
-              <a:t>אלגוריתם ה- </a:t>
-            </a:r>
             <a:r>
               <a:rPr lang="en-US" sz="5400" b="0" cap="none" spc="0" dirty="0" err="1">
                 <a:ln w="0"/>
@@ -4667,6 +4576,22 @@
               </a:rPr>
               <a:t>Ontotype</a:t>
             </a:r>
+            <a:r>
+              <a:rPr lang="en-US" sz="5400" b="0" cap="none" spc="0" dirty="0">
+                <a:ln w="0"/>
+                <a:solidFill>
+                  <a:schemeClr val="accent1"/>
+                </a:solidFill>
+                <a:effectLst>
+                  <a:outerShdw blurRad="38100" dist="25400" dir="5400000" algn="ctr" rotWithShape="0">
+                    <a:srgbClr val="6E747A">
+                      <a:alpha val="43000"/>
+                    </a:srgbClr>
+                  </a:outerShdw>
+                </a:effectLst>
+              </a:rPr>
+              <a:t> Algorithm</a:t>
+            </a:r>
             <a:endParaRPr lang="he-IL" sz="5400" b="0" cap="none" spc="0" dirty="0">
               <a:ln w="0"/>
               <a:solidFill>
@@ -4697,8 +4622,8 @@
         </p:nvSpPr>
         <p:spPr>
           <a:xfrm>
-            <a:off x="2913469" y="1762813"/>
-            <a:ext cx="8399282" cy="1477328"/>
+            <a:off x="405353" y="1762813"/>
+            <a:ext cx="10907398" cy="923330"/>
           </a:xfrm>
           <a:prstGeom prst="rect">
             <a:avLst/>
@@ -4711,51 +4636,19 @@
           </a:bodyPr>
           <a:lstStyle/>
           <a:p>
-            <a:r>
-              <a:rPr lang="he-IL" dirty="0"/>
-              <a:t>האלגוריתם בונה גרף שבו העלים הם הגנים והצמתים הפנימיים הם</a:t>
-            </a:r>
+            <a:pPr algn="l"/>
             <a:r>
               <a:rPr lang="en-US" dirty="0"/>
-              <a:t>GO term </a:t>
-            </a:r>
-            <a:r>
-              <a:rPr lang="he-IL" dirty="0"/>
-              <a:t>. כל דגימה של פציינט עם וקטור הגנים עדכנה את ערכי הצמתים, כאשר לכל </a:t>
-            </a:r>
-            <a:r>
+              <a:t>The algorithm builds a graph with genes in leaves and GO terms in vertexes. Every sample with gene-vector influences graph values.  </a:t>
+            </a:r>
+            <a:br>
               <a:rPr lang="en-US" dirty="0"/>
-              <a:t>term</a:t>
-            </a:r>
-            <a:r>
-              <a:rPr lang="he-IL" dirty="0"/>
-              <a:t> אנו </a:t>
-            </a:r>
-            <a:r>
-              <a:rPr lang="he-IL" dirty="0" err="1"/>
-              <a:t>סוכמים</a:t>
-            </a:r>
-            <a:r>
-              <a:rPr lang="he-IL" dirty="0"/>
-              <a:t> את ערך הבנים(</a:t>
-            </a:r>
+            </a:br>
             <a:r>
               <a:rPr lang="en-US" dirty="0"/>
-              <a:t>bottom-up</a:t>
-            </a:r>
-            <a:r>
-              <a:rPr lang="he-IL" dirty="0"/>
-              <a:t>). </a:t>
-            </a:r>
-          </a:p>
-          <a:p>
+              <a:t>Sub-graph:</a:t>
+            </a:r>
             <a:endParaRPr lang="he-IL" dirty="0"/>
-          </a:p>
-          <a:p>
-            <a:r>
-              <a:rPr lang="he-IL" dirty="0"/>
-              <a:t>תת הגרף:</a:t>
-            </a:r>
           </a:p>
         </p:txBody>
       </p:sp>
@@ -4793,6 +4686,495 @@
     <p:extLst>
       <p:ext uri="{BB962C8B-B14F-4D97-AF65-F5344CB8AC3E}">
         <p14:creationId xmlns:p14="http://schemas.microsoft.com/office/powerpoint/2010/main" val="486313131"/>
+      </p:ext>
+    </p:extLst>
+  </p:cSld>
+  <p:clrMapOvr>
+    <a:masterClrMapping/>
+  </p:clrMapOvr>
+</p:sld>
+</file>
+
+<file path=ppt/slides/slide6.xml><?xml version="1.0" encoding="utf-8"?>
+<p:sld xmlns:a="http://schemas.openxmlformats.org/drawingml/2006/main" xmlns:r="http://schemas.openxmlformats.org/officeDocument/2006/relationships" xmlns:p="http://schemas.openxmlformats.org/presentationml/2006/main">
+  <p:cSld>
+    <p:spTree>
+      <p:nvGrpSpPr>
+        <p:cNvPr id="1" name=""/>
+        <p:cNvGrpSpPr/>
+        <p:nvPr/>
+      </p:nvGrpSpPr>
+      <p:grpSpPr>
+        <a:xfrm>
+          <a:off x="0" y="0"/>
+          <a:ext cx="0" cy="0"/>
+          <a:chOff x="0" y="0"/>
+          <a:chExt cx="0" cy="0"/>
+        </a:xfrm>
+      </p:grpSpPr>
+      <p:sp>
+        <p:nvSpPr>
+          <p:cNvPr id="4" name="מלבן 3">
+            <a:extLst>
+              <a:ext uri="{FF2B5EF4-FFF2-40B4-BE49-F238E27FC236}">
+                <a16:creationId xmlns:a16="http://schemas.microsoft.com/office/drawing/2014/main" id="{A3E32CB0-9533-46A8-BF94-0D40181200E0}"/>
+              </a:ext>
+            </a:extLst>
+          </p:cNvPr>
+          <p:cNvSpPr/>
+          <p:nvPr/>
+        </p:nvSpPr>
+        <p:spPr>
+          <a:xfrm>
+            <a:off x="2426329" y="657768"/>
+            <a:ext cx="7395935" cy="923330"/>
+          </a:xfrm>
+          <a:prstGeom prst="rect">
+            <a:avLst/>
+          </a:prstGeom>
+          <a:noFill/>
+        </p:spPr>
+        <p:txBody>
+          <a:bodyPr wrap="none" lIns="91440" tIns="45720" rIns="91440" bIns="45720">
+            <a:spAutoFit/>
+          </a:bodyPr>
+          <a:lstStyle/>
+          <a:p>
+            <a:pPr algn="ctr"/>
+            <a:r>
+              <a:rPr lang="en-US" sz="5400" b="0" cap="none" spc="0" dirty="0">
+                <a:ln w="0"/>
+                <a:solidFill>
+                  <a:schemeClr val="accent1"/>
+                </a:solidFill>
+                <a:effectLst>
+                  <a:outerShdw blurRad="38100" dist="25400" dir="5400000" algn="ctr" rotWithShape="0">
+                    <a:srgbClr val="6E747A">
+                      <a:alpha val="43000"/>
+                    </a:srgbClr>
+                  </a:outerShdw>
+                </a:effectLst>
+              </a:rPr>
+              <a:t>Random Forest Algorithm</a:t>
+            </a:r>
+            <a:endParaRPr lang="he-IL" sz="5400" b="0" cap="none" spc="0" dirty="0">
+              <a:ln w="0"/>
+              <a:solidFill>
+                <a:schemeClr val="accent1"/>
+              </a:solidFill>
+              <a:effectLst>
+                <a:outerShdw blurRad="38100" dist="25400" dir="5400000" algn="ctr" rotWithShape="0">
+                  <a:srgbClr val="6E747A">
+                    <a:alpha val="43000"/>
+                  </a:srgbClr>
+                </a:outerShdw>
+              </a:effectLst>
+            </a:endParaRPr>
+          </a:p>
+        </p:txBody>
+      </p:sp>
+      <p:sp>
+        <p:nvSpPr>
+          <p:cNvPr id="5" name="TextBox 4">
+            <a:extLst>
+              <a:ext uri="{FF2B5EF4-FFF2-40B4-BE49-F238E27FC236}">
+                <a16:creationId xmlns:a16="http://schemas.microsoft.com/office/drawing/2014/main" id="{197BA136-8275-4EBA-8FC5-AE48D276CD58}"/>
+              </a:ext>
+            </a:extLst>
+          </p:cNvPr>
+          <p:cNvSpPr txBox="1"/>
+          <p:nvPr/>
+        </p:nvSpPr>
+        <p:spPr>
+          <a:xfrm>
+            <a:off x="9294099" y="473102"/>
+            <a:ext cx="2432845" cy="369332"/>
+          </a:xfrm>
+          <a:prstGeom prst="rect">
+            <a:avLst/>
+          </a:prstGeom>
+          <a:noFill/>
+        </p:spPr>
+        <p:txBody>
+          <a:bodyPr wrap="none" rtlCol="0">
+            <a:spAutoFit/>
+          </a:bodyPr>
+          <a:lstStyle/>
+          <a:p>
+            <a:r>
+              <a:rPr lang="en-US" dirty="0"/>
+              <a:t>Random forest classifier</a:t>
+            </a:r>
+          </a:p>
+        </p:txBody>
+      </p:sp>
+      <p:sp>
+        <p:nvSpPr>
+          <p:cNvPr id="6" name="TextBox 5">
+            <a:extLst>
+              <a:ext uri="{FF2B5EF4-FFF2-40B4-BE49-F238E27FC236}">
+                <a16:creationId xmlns:a16="http://schemas.microsoft.com/office/drawing/2014/main" id="{34923DDA-CD10-4C8D-AAE4-EF58D51D45C4}"/>
+              </a:ext>
+            </a:extLst>
+          </p:cNvPr>
+          <p:cNvSpPr txBox="1"/>
+          <p:nvPr/>
+        </p:nvSpPr>
+        <p:spPr>
+          <a:xfrm>
+            <a:off x="584462" y="1649691"/>
+            <a:ext cx="11142482" cy="2031325"/>
+          </a:xfrm>
+          <a:prstGeom prst="rect">
+            <a:avLst/>
+          </a:prstGeom>
+          <a:noFill/>
+        </p:spPr>
+        <p:txBody>
+          <a:bodyPr wrap="square" rtlCol="0">
+            <a:spAutoFit/>
+          </a:bodyPr>
+          <a:lstStyle/>
+          <a:p>
+            <a:pPr algn="l"/>
+            <a:r>
+              <a:rPr lang="en-US" dirty="0"/>
+              <a:t>We used a random forest classifier algorithm with cross validation and calculate the ROC curve and AUC. </a:t>
+            </a:r>
+            <a:br>
+              <a:rPr lang="en-US" dirty="0"/>
+            </a:br>
+            <a:r>
+              <a:rPr lang="en-US" dirty="0"/>
+              <a:t>This process was run twice:</a:t>
+            </a:r>
+          </a:p>
+          <a:p>
+            <a:pPr marL="285750" indent="-285750" algn="l" rtl="0">
+              <a:buFont typeface="Arial" panose="020B0604020202020204" pitchFamily="34" charset="0"/>
+              <a:buChar char="•"/>
+            </a:pPr>
+            <a:r>
+              <a:rPr lang="en-US" dirty="0"/>
+              <a:t>On samples database with gander, age and gene-vector.</a:t>
+            </a:r>
+          </a:p>
+          <a:p>
+            <a:pPr marL="285750" indent="-285750" algn="l" rtl="0">
+              <a:buFont typeface="Arial" panose="020B0604020202020204" pitchFamily="34" charset="0"/>
+              <a:buChar char="•"/>
+            </a:pPr>
+            <a:r>
+              <a:rPr lang="en-US" dirty="0"/>
+              <a:t>On samples database with only gender and age. </a:t>
+            </a:r>
+          </a:p>
+          <a:p>
+            <a:pPr marL="285750" indent="-285750" algn="l" rtl="0">
+              <a:buFont typeface="Arial" panose="020B0604020202020204" pitchFamily="34" charset="0"/>
+              <a:buChar char="•"/>
+            </a:pPr>
+            <a:endParaRPr lang="en-US" dirty="0"/>
+          </a:p>
+          <a:p>
+            <a:pPr algn="l" rtl="0"/>
+            <a:r>
+              <a:rPr lang="en-US" dirty="0"/>
+              <a:t>If the first run gives better results, we can conclude the genes and mutations data is useful in predicting telomere lengths. </a:t>
+            </a:r>
+          </a:p>
+        </p:txBody>
+      </p:sp>
+    </p:spTree>
+    <p:extLst>
+      <p:ext uri="{BB962C8B-B14F-4D97-AF65-F5344CB8AC3E}">
+        <p14:creationId xmlns:p14="http://schemas.microsoft.com/office/powerpoint/2010/main" val="2798381865"/>
+      </p:ext>
+    </p:extLst>
+  </p:cSld>
+  <p:clrMapOvr>
+    <a:masterClrMapping/>
+  </p:clrMapOvr>
+</p:sld>
+</file>
+
+<file path=ppt/slides/slide7.xml><?xml version="1.0" encoding="utf-8"?>
+<p:sld xmlns:a="http://schemas.openxmlformats.org/drawingml/2006/main" xmlns:r="http://schemas.openxmlformats.org/officeDocument/2006/relationships" xmlns:p="http://schemas.openxmlformats.org/presentationml/2006/main">
+  <p:cSld>
+    <p:spTree>
+      <p:nvGrpSpPr>
+        <p:cNvPr id="1" name=""/>
+        <p:cNvGrpSpPr/>
+        <p:nvPr/>
+      </p:nvGrpSpPr>
+      <p:grpSpPr>
+        <a:xfrm>
+          <a:off x="0" y="0"/>
+          <a:ext cx="0" cy="0"/>
+          <a:chOff x="0" y="0"/>
+          <a:chExt cx="0" cy="0"/>
+        </a:xfrm>
+      </p:grpSpPr>
+      <p:sp>
+        <p:nvSpPr>
+          <p:cNvPr id="4" name="מלבן 3">
+            <a:extLst>
+              <a:ext uri="{FF2B5EF4-FFF2-40B4-BE49-F238E27FC236}">
+                <a16:creationId xmlns:a16="http://schemas.microsoft.com/office/drawing/2014/main" id="{D4E26B7A-E221-4DB1-83C2-28A8B61A4557}"/>
+              </a:ext>
+            </a:extLst>
+          </p:cNvPr>
+          <p:cNvSpPr/>
+          <p:nvPr/>
+        </p:nvSpPr>
+        <p:spPr>
+          <a:xfrm>
+            <a:off x="3514675" y="657768"/>
+            <a:ext cx="5219249" cy="923330"/>
+          </a:xfrm>
+          <a:prstGeom prst="rect">
+            <a:avLst/>
+          </a:prstGeom>
+          <a:noFill/>
+        </p:spPr>
+        <p:txBody>
+          <a:bodyPr wrap="none" lIns="91440" tIns="45720" rIns="91440" bIns="45720">
+            <a:spAutoFit/>
+          </a:bodyPr>
+          <a:lstStyle/>
+          <a:p>
+            <a:pPr algn="ctr"/>
+            <a:r>
+              <a:rPr lang="en-US" sz="5400" b="0" cap="none" spc="0" dirty="0">
+                <a:ln w="0"/>
+                <a:solidFill>
+                  <a:schemeClr val="accent1"/>
+                </a:solidFill>
+                <a:effectLst>
+                  <a:outerShdw blurRad="38100" dist="25400" dir="5400000" algn="ctr" rotWithShape="0">
+                    <a:srgbClr val="6E747A">
+                      <a:alpha val="43000"/>
+                    </a:srgbClr>
+                  </a:outerShdw>
+                </a:effectLst>
+              </a:rPr>
+              <a:t>Prediction </a:t>
+            </a:r>
+            <a:r>
+              <a:rPr lang="en-US" sz="5400" dirty="0">
+                <a:ln w="0"/>
+                <a:solidFill>
+                  <a:schemeClr val="accent1"/>
+                </a:solidFill>
+                <a:effectLst>
+                  <a:outerShdw blurRad="38100" dist="25400" dir="5400000" algn="ctr" rotWithShape="0">
+                    <a:srgbClr val="6E747A">
+                      <a:alpha val="43000"/>
+                    </a:srgbClr>
+                  </a:outerShdw>
+                </a:effectLst>
+              </a:rPr>
+              <a:t>R</a:t>
+            </a:r>
+            <a:r>
+              <a:rPr lang="en-US" sz="5400" b="0" cap="none" spc="0" dirty="0">
+                <a:ln w="0"/>
+                <a:solidFill>
+                  <a:schemeClr val="accent1"/>
+                </a:solidFill>
+                <a:effectLst>
+                  <a:outerShdw blurRad="38100" dist="25400" dir="5400000" algn="ctr" rotWithShape="0">
+                    <a:srgbClr val="6E747A">
+                      <a:alpha val="43000"/>
+                    </a:srgbClr>
+                  </a:outerShdw>
+                </a:effectLst>
+              </a:rPr>
+              <a:t>esults</a:t>
+            </a:r>
+            <a:endParaRPr lang="he-IL" sz="5400" b="0" cap="none" spc="0" dirty="0">
+              <a:ln w="0"/>
+              <a:solidFill>
+                <a:schemeClr val="accent1"/>
+              </a:solidFill>
+              <a:effectLst>
+                <a:outerShdw blurRad="38100" dist="25400" dir="5400000" algn="ctr" rotWithShape="0">
+                  <a:srgbClr val="6E747A">
+                    <a:alpha val="43000"/>
+                  </a:srgbClr>
+                </a:outerShdw>
+              </a:effectLst>
+            </a:endParaRPr>
+          </a:p>
+        </p:txBody>
+      </p:sp>
+      <p:sp>
+        <p:nvSpPr>
+          <p:cNvPr id="5" name="TextBox 4">
+            <a:extLst>
+              <a:ext uri="{FF2B5EF4-FFF2-40B4-BE49-F238E27FC236}">
+                <a16:creationId xmlns:a16="http://schemas.microsoft.com/office/drawing/2014/main" id="{0AFD510F-F161-41F6-B611-47BBB07BF887}"/>
+              </a:ext>
+            </a:extLst>
+          </p:cNvPr>
+          <p:cNvSpPr txBox="1"/>
+          <p:nvPr/>
+        </p:nvSpPr>
+        <p:spPr>
+          <a:xfrm>
+            <a:off x="688157" y="1581098"/>
+            <a:ext cx="4854804" cy="923330"/>
+          </a:xfrm>
+          <a:prstGeom prst="rect">
+            <a:avLst/>
+          </a:prstGeom>
+          <a:noFill/>
+        </p:spPr>
+        <p:txBody>
+          <a:bodyPr wrap="square" rtlCol="0">
+            <a:spAutoFit/>
+          </a:bodyPr>
+          <a:lstStyle/>
+          <a:p>
+            <a:pPr algn="l"/>
+            <a:r>
+              <a:rPr lang="en-US" dirty="0"/>
+              <a:t>First run results: </a:t>
+            </a:r>
+            <a:br>
+              <a:rPr lang="en-US" dirty="0"/>
+            </a:br>
+            <a:r>
+              <a:rPr lang="en-US" dirty="0"/>
+              <a:t>AUC of Random Forest Classifier: 0.912412733529</a:t>
+            </a:r>
+          </a:p>
+          <a:p>
+            <a:pPr algn="l"/>
+            <a:endParaRPr lang="en-US" dirty="0"/>
+          </a:p>
+        </p:txBody>
+      </p:sp>
+      <p:sp>
+        <p:nvSpPr>
+          <p:cNvPr id="6" name="TextBox 5">
+            <a:extLst>
+              <a:ext uri="{FF2B5EF4-FFF2-40B4-BE49-F238E27FC236}">
+                <a16:creationId xmlns:a16="http://schemas.microsoft.com/office/drawing/2014/main" id="{3EA663C4-B689-406E-A444-5D3BCDF8768A}"/>
+              </a:ext>
+            </a:extLst>
+          </p:cNvPr>
+          <p:cNvSpPr txBox="1"/>
+          <p:nvPr/>
+        </p:nvSpPr>
+        <p:spPr>
+          <a:xfrm>
+            <a:off x="6243687" y="1581098"/>
+            <a:ext cx="5948313" cy="646331"/>
+          </a:xfrm>
+          <a:prstGeom prst="rect">
+            <a:avLst/>
+          </a:prstGeom>
+          <a:noFill/>
+        </p:spPr>
+        <p:txBody>
+          <a:bodyPr wrap="square" rtlCol="0">
+            <a:spAutoFit/>
+          </a:bodyPr>
+          <a:lstStyle/>
+          <a:p>
+            <a:pPr algn="l"/>
+            <a:r>
+              <a:rPr lang="en-US"/>
+              <a:t>Second run results:</a:t>
+            </a:r>
+          </a:p>
+          <a:p>
+            <a:pPr algn="l"/>
+            <a:r>
+              <a:rPr lang="en-US"/>
+              <a:t>AUC of Random Forest Classifier: 0.578167763269</a:t>
+            </a:r>
+            <a:endParaRPr lang="en-US" dirty="0"/>
+          </a:p>
+        </p:txBody>
+      </p:sp>
+      <p:pic>
+        <p:nvPicPr>
+          <p:cNvPr id="8" name="תמונה 7">
+            <a:extLst>
+              <a:ext uri="{FF2B5EF4-FFF2-40B4-BE49-F238E27FC236}">
+                <a16:creationId xmlns:a16="http://schemas.microsoft.com/office/drawing/2014/main" id="{16BF8ED2-B25E-4B6B-89E9-9833766F0957}"/>
+              </a:ext>
+            </a:extLst>
+          </p:cNvPr>
+          <p:cNvPicPr>
+            <a:picLocks noChangeAspect="1"/>
+          </p:cNvPicPr>
+          <p:nvPr/>
+        </p:nvPicPr>
+        <p:blipFill>
+          <a:blip r:embed="rId2">
+            <a:extLst>
+              <a:ext uri="{28A0092B-C50C-407E-A947-70E740481C1C}">
+                <a14:useLocalDpi xmlns:a14="http://schemas.microsoft.com/office/drawing/2010/main" val="0"/>
+              </a:ext>
+            </a:extLst>
+          </a:blip>
+          <a:stretch>
+            <a:fillRect/>
+          </a:stretch>
+        </p:blipFill>
+        <p:spPr>
+          <a:xfrm>
+            <a:off x="6446887" y="2504428"/>
+            <a:ext cx="5003433" cy="3777943"/>
+          </a:xfrm>
+          <a:prstGeom prst="rect">
+            <a:avLst/>
+          </a:prstGeom>
+        </p:spPr>
+      </p:pic>
+      <p:pic>
+        <p:nvPicPr>
+          <p:cNvPr id="10" name="תמונה 9">
+            <a:extLst>
+              <a:ext uri="{FF2B5EF4-FFF2-40B4-BE49-F238E27FC236}">
+                <a16:creationId xmlns:a16="http://schemas.microsoft.com/office/drawing/2014/main" id="{9F481D7E-05B5-42C2-BA78-D5DECDA25F07}"/>
+              </a:ext>
+            </a:extLst>
+          </p:cNvPr>
+          <p:cNvPicPr>
+            <a:picLocks noChangeAspect="1"/>
+          </p:cNvPicPr>
+          <p:nvPr/>
+        </p:nvPicPr>
+        <p:blipFill>
+          <a:blip r:embed="rId3">
+            <a:extLst>
+              <a:ext uri="{28A0092B-C50C-407E-A947-70E740481C1C}">
+                <a14:useLocalDpi xmlns:a14="http://schemas.microsoft.com/office/drawing/2010/main" val="0"/>
+              </a:ext>
+            </a:extLst>
+          </a:blip>
+          <a:stretch>
+            <a:fillRect/>
+          </a:stretch>
+        </p:blipFill>
+        <p:spPr>
+          <a:xfrm>
+            <a:off x="688157" y="2504427"/>
+            <a:ext cx="5001130" cy="3777943"/>
+          </a:xfrm>
+          <a:prstGeom prst="rect">
+            <a:avLst/>
+          </a:prstGeom>
+        </p:spPr>
+      </p:pic>
+    </p:spTree>
+    <p:extLst>
+      <p:ext uri="{BB962C8B-B14F-4D97-AF65-F5344CB8AC3E}">
+        <p14:creationId xmlns:p14="http://schemas.microsoft.com/office/powerpoint/2010/main" val="1785286163"/>
       </p:ext>
     </p:extLst>
   </p:cSld>

--- a/presentation.pptx
+++ b/presentation.pptx
@@ -2,19 +2,23 @@
 <file path=ppt/presentation.xml><?xml version="1.0" encoding="utf-8"?>
 <p:presentation xmlns:a="http://schemas.openxmlformats.org/drawingml/2006/main" xmlns:r="http://schemas.openxmlformats.org/officeDocument/2006/relationships" xmlns:p="http://schemas.openxmlformats.org/presentationml/2006/main" rtl="1" saveSubsetFonts="1">
   <p:sldMasterIdLst>
-    <p:sldMasterId id="2147483648" r:id="rId1"/>
+    <p:sldMasterId id="2147483728" r:id="rId1"/>
+    <p:sldMasterId id="2147483752" r:id="rId2"/>
   </p:sldMasterIdLst>
   <p:notesMasterIdLst>
-    <p:notesMasterId r:id="rId9"/>
+    <p:notesMasterId r:id="rId10"/>
   </p:notesMasterIdLst>
+  <p:handoutMasterIdLst>
+    <p:handoutMasterId r:id="rId11"/>
+  </p:handoutMasterIdLst>
   <p:sldIdLst>
-    <p:sldId id="256" r:id="rId2"/>
-    <p:sldId id="257" r:id="rId3"/>
-    <p:sldId id="261" r:id="rId4"/>
-    <p:sldId id="259" r:id="rId5"/>
-    <p:sldId id="258" r:id="rId6"/>
-    <p:sldId id="262" r:id="rId7"/>
-    <p:sldId id="263" r:id="rId8"/>
+    <p:sldId id="256" r:id="rId3"/>
+    <p:sldId id="257" r:id="rId4"/>
+    <p:sldId id="261" r:id="rId5"/>
+    <p:sldId id="259" r:id="rId6"/>
+    <p:sldId id="258" r:id="rId7"/>
+    <p:sldId id="262" r:id="rId8"/>
+    <p:sldId id="263" r:id="rId9"/>
   </p:sldIdLst>
   <p:sldSz cx="12192000" cy="6858000"/>
   <p:notesSz cx="6858000" cy="9144000"/>
@@ -22,7 +26,7 @@
     <a:defPPr>
       <a:defRPr lang="en-US"/>
     </a:defPPr>
-    <a:lvl1pPr marL="0" algn="r" defTabSz="914400" rtl="1" eaLnBrk="1" latinLnBrk="0" hangingPunct="1">
+    <a:lvl1pPr marL="0" algn="l" defTabSz="914400" rtl="0" eaLnBrk="1" latinLnBrk="0" hangingPunct="1">
       <a:defRPr sz="1800" kern="1200">
         <a:solidFill>
           <a:schemeClr val="tx1"/>
@@ -32,7 +36,7 @@
         <a:cs typeface="+mn-cs"/>
       </a:defRPr>
     </a:lvl1pPr>
-    <a:lvl2pPr marL="457200" algn="r" defTabSz="914400" rtl="1" eaLnBrk="1" latinLnBrk="0" hangingPunct="1">
+    <a:lvl2pPr marL="457200" algn="l" defTabSz="914400" rtl="0" eaLnBrk="1" latinLnBrk="0" hangingPunct="1">
       <a:defRPr sz="1800" kern="1200">
         <a:solidFill>
           <a:schemeClr val="tx1"/>
@@ -42,7 +46,7 @@
         <a:cs typeface="+mn-cs"/>
       </a:defRPr>
     </a:lvl2pPr>
-    <a:lvl3pPr marL="914400" algn="r" defTabSz="914400" rtl="1" eaLnBrk="1" latinLnBrk="0" hangingPunct="1">
+    <a:lvl3pPr marL="914400" algn="l" defTabSz="914400" rtl="0" eaLnBrk="1" latinLnBrk="0" hangingPunct="1">
       <a:defRPr sz="1800" kern="1200">
         <a:solidFill>
           <a:schemeClr val="tx1"/>
@@ -52,7 +56,7 @@
         <a:cs typeface="+mn-cs"/>
       </a:defRPr>
     </a:lvl3pPr>
-    <a:lvl4pPr marL="1371600" algn="r" defTabSz="914400" rtl="1" eaLnBrk="1" latinLnBrk="0" hangingPunct="1">
+    <a:lvl4pPr marL="1371600" algn="l" defTabSz="914400" rtl="0" eaLnBrk="1" latinLnBrk="0" hangingPunct="1">
       <a:defRPr sz="1800" kern="1200">
         <a:solidFill>
           <a:schemeClr val="tx1"/>
@@ -62,7 +66,7 @@
         <a:cs typeface="+mn-cs"/>
       </a:defRPr>
     </a:lvl4pPr>
-    <a:lvl5pPr marL="1828800" algn="r" defTabSz="914400" rtl="1" eaLnBrk="1" latinLnBrk="0" hangingPunct="1">
+    <a:lvl5pPr marL="1828800" algn="l" defTabSz="914400" rtl="0" eaLnBrk="1" latinLnBrk="0" hangingPunct="1">
       <a:defRPr sz="1800" kern="1200">
         <a:solidFill>
           <a:schemeClr val="tx1"/>
@@ -72,7 +76,7 @@
         <a:cs typeface="+mn-cs"/>
       </a:defRPr>
     </a:lvl5pPr>
-    <a:lvl6pPr marL="2286000" algn="r" defTabSz="914400" rtl="1" eaLnBrk="1" latinLnBrk="0" hangingPunct="1">
+    <a:lvl6pPr marL="2286000" algn="l" defTabSz="914400" rtl="0" eaLnBrk="1" latinLnBrk="0" hangingPunct="1">
       <a:defRPr sz="1800" kern="1200">
         <a:solidFill>
           <a:schemeClr val="tx1"/>
@@ -82,7 +86,7 @@
         <a:cs typeface="+mn-cs"/>
       </a:defRPr>
     </a:lvl6pPr>
-    <a:lvl7pPr marL="2743200" algn="r" defTabSz="914400" rtl="1" eaLnBrk="1" latinLnBrk="0" hangingPunct="1">
+    <a:lvl7pPr marL="2743200" algn="l" defTabSz="914400" rtl="0" eaLnBrk="1" latinLnBrk="0" hangingPunct="1">
       <a:defRPr sz="1800" kern="1200">
         <a:solidFill>
           <a:schemeClr val="tx1"/>
@@ -92,7 +96,7 @@
         <a:cs typeface="+mn-cs"/>
       </a:defRPr>
     </a:lvl7pPr>
-    <a:lvl8pPr marL="3200400" algn="r" defTabSz="914400" rtl="1" eaLnBrk="1" latinLnBrk="0" hangingPunct="1">
+    <a:lvl8pPr marL="3200400" algn="l" defTabSz="914400" rtl="0" eaLnBrk="1" latinLnBrk="0" hangingPunct="1">
       <a:defRPr sz="1800" kern="1200">
         <a:solidFill>
           <a:schemeClr val="tx1"/>
@@ -102,7 +106,7 @@
         <a:cs typeface="+mn-cs"/>
       </a:defRPr>
     </a:lvl8pPr>
-    <a:lvl9pPr marL="3657600" algn="r" defTabSz="914400" rtl="1" eaLnBrk="1" latinLnBrk="0" hangingPunct="1">
+    <a:lvl9pPr marL="3657600" algn="l" defTabSz="914400" rtl="0" eaLnBrk="1" latinLnBrk="0" hangingPunct="1">
       <a:defRPr sz="1800" kern="1200">
         <a:solidFill>
           <a:schemeClr val="tx1"/>
@@ -121,8 +125,173 @@
 </p:presentation>
 </file>
 
+<file path=ppt/commentAuthors.xml><?xml version="1.0" encoding="utf-8"?>
+<p:cmAuthorLst xmlns:a="http://schemas.openxmlformats.org/drawingml/2006/main" xmlns:r="http://schemas.openxmlformats.org/officeDocument/2006/relationships" xmlns:p="http://schemas.openxmlformats.org/presentationml/2006/main">
+  <p:cmAuthor id="1" name="Baruch Makro" initials="BM" lastIdx="3" clrIdx="0">
+    <p:extLst>
+      <p:ext uri="{19B8F6BF-5375-455C-9EA6-DF929625EA0E}">
+        <p15:presenceInfo xmlns:p15="http://schemas.microsoft.com/office/powerpoint/2012/main" userId="1d4b47dc913cab6a" providerId="Windows Live"/>
+      </p:ext>
+    </p:extLst>
+  </p:cmAuthor>
+</p:cmAuthorLst>
+</file>
+
 <file path=ppt/revisionInfo.xml><?xml version="1.0" encoding="utf-8"?>
 <p1510:revInfo xmlns:a="http://schemas.openxmlformats.org/drawingml/2006/main" xmlns:r="http://schemas.openxmlformats.org/officeDocument/2006/relationships" xmlns:p1510="http://schemas.microsoft.com/office/powerpoint/2015/10/main"/>
+</file>
+
+<file path=ppt/handoutMasters/handoutMaster1.xml><?xml version="1.0" encoding="utf-8"?>
+<p:handoutMaster xmlns:a="http://schemas.openxmlformats.org/drawingml/2006/main" xmlns:r="http://schemas.openxmlformats.org/officeDocument/2006/relationships" xmlns:p="http://schemas.openxmlformats.org/presentationml/2006/main">
+  <p:cSld>
+    <p:bg>
+      <p:bgRef idx="1001">
+        <a:schemeClr val="bg1"/>
+      </p:bgRef>
+    </p:bg>
+    <p:spTree>
+      <p:nvGrpSpPr>
+        <p:cNvPr id="1" name=""/>
+        <p:cNvGrpSpPr/>
+        <p:nvPr/>
+      </p:nvGrpSpPr>
+      <p:grpSpPr>
+        <a:xfrm>
+          <a:off x="0" y="0"/>
+          <a:ext cx="0" cy="0"/>
+          <a:chOff x="0" y="0"/>
+          <a:chExt cx="0" cy="0"/>
+        </a:xfrm>
+      </p:grpSpPr>
+      <p:sp>
+        <p:nvSpPr>
+          <p:cNvPr id="2" name="מציין מיקום של כותרת עליונה 1">
+            <a:extLst>
+              <a:ext uri="{FF2B5EF4-FFF2-40B4-BE49-F238E27FC236}">
+                <a16:creationId xmlns:a16="http://schemas.microsoft.com/office/drawing/2014/main" id="{A786AAAC-B0CC-42C2-A175-A7632360CC90}"/>
+              </a:ext>
+            </a:extLst>
+          </p:cNvPr>
+          <p:cNvSpPr>
+            <a:spLocks noGrp="1"/>
+          </p:cNvSpPr>
+          <p:nvPr>
+            <p:ph type="hdr" sz="quarter"/>
+          </p:nvPr>
+        </p:nvSpPr>
+        <p:spPr>
+          <a:xfrm>
+            <a:off x="3886200" y="0"/>
+            <a:ext cx="2971800" cy="458788"/>
+          </a:xfrm>
+          <a:prstGeom prst="rect">
+            <a:avLst/>
+          </a:prstGeom>
+        </p:spPr>
+        <p:txBody>
+          <a:bodyPr vert="horz" lIns="91440" tIns="45720" rIns="91440" bIns="45720" rtlCol="1"/>
+          <a:lstStyle>
+            <a:lvl1pPr algn="r">
+              <a:defRPr sz="1200"/>
+            </a:lvl1pPr>
+          </a:lstStyle>
+          <a:p>
+            <a:r>
+              <a:rPr lang="en-US" dirty="0"/>
+              <a:t>Baruch Makro  Mari Mishel</a:t>
+            </a:r>
+            <a:endParaRPr lang="he-IL" dirty="0"/>
+          </a:p>
+        </p:txBody>
+      </p:sp>
+      <p:sp>
+        <p:nvSpPr>
+          <p:cNvPr id="4" name="מציין מיקום של כותרת תחתונה 3">
+            <a:extLst>
+              <a:ext uri="{FF2B5EF4-FFF2-40B4-BE49-F238E27FC236}">
+                <a16:creationId xmlns:a16="http://schemas.microsoft.com/office/drawing/2014/main" id="{02BC0A4D-BAAD-49AA-BA96-E48B7F47B25B}"/>
+              </a:ext>
+            </a:extLst>
+          </p:cNvPr>
+          <p:cNvSpPr>
+            <a:spLocks noGrp="1"/>
+          </p:cNvSpPr>
+          <p:nvPr>
+            <p:ph type="ftr" sz="quarter" idx="2"/>
+          </p:nvPr>
+        </p:nvSpPr>
+        <p:spPr>
+          <a:xfrm>
+            <a:off x="3886200" y="8685213"/>
+            <a:ext cx="2971800" cy="458787"/>
+          </a:xfrm>
+          <a:prstGeom prst="rect">
+            <a:avLst/>
+          </a:prstGeom>
+        </p:spPr>
+        <p:txBody>
+          <a:bodyPr vert="horz" lIns="91440" tIns="45720" rIns="91440" bIns="45720" rtlCol="1" anchor="b"/>
+          <a:lstStyle>
+            <a:lvl1pPr algn="r">
+              <a:defRPr sz="1200"/>
+            </a:lvl1pPr>
+          </a:lstStyle>
+          <a:p>
+            <a:endParaRPr lang="he-IL" dirty="0"/>
+          </a:p>
+        </p:txBody>
+      </p:sp>
+      <p:sp>
+        <p:nvSpPr>
+          <p:cNvPr id="5" name="מציין מיקום של מספר שקופית 4">
+            <a:extLst>
+              <a:ext uri="{FF2B5EF4-FFF2-40B4-BE49-F238E27FC236}">
+                <a16:creationId xmlns:a16="http://schemas.microsoft.com/office/drawing/2014/main" id="{08E81FD2-B11C-4157-BAC2-FBC1A67BC6CF}"/>
+              </a:ext>
+            </a:extLst>
+          </p:cNvPr>
+          <p:cNvSpPr>
+            <a:spLocks noGrp="1"/>
+          </p:cNvSpPr>
+          <p:nvPr>
+            <p:ph type="sldNum" sz="quarter" idx="3"/>
+          </p:nvPr>
+        </p:nvSpPr>
+        <p:spPr>
+          <a:xfrm>
+            <a:off x="1588" y="8685213"/>
+            <a:ext cx="2971800" cy="458787"/>
+          </a:xfrm>
+          <a:prstGeom prst="rect">
+            <a:avLst/>
+          </a:prstGeom>
+        </p:spPr>
+        <p:txBody>
+          <a:bodyPr vert="horz" lIns="91440" tIns="45720" rIns="91440" bIns="45720" rtlCol="1" anchor="b"/>
+          <a:lstStyle>
+            <a:lvl1pPr algn="l">
+              <a:defRPr sz="1200"/>
+            </a:lvl1pPr>
+          </a:lstStyle>
+          <a:p>
+            <a:fld id="{2B3DA670-82CF-4226-B875-C1FFBCE73378}" type="slidenum">
+              <a:rPr lang="he-IL" smtClean="0"/>
+              <a:t>‹#›</a:t>
+            </a:fld>
+            <a:endParaRPr lang="he-IL" dirty="0"/>
+          </a:p>
+        </p:txBody>
+      </p:sp>
+    </p:spTree>
+    <p:extLst>
+      <p:ext uri="{BB962C8B-B14F-4D97-AF65-F5344CB8AC3E}">
+        <p14:creationId xmlns:p14="http://schemas.microsoft.com/office/powerpoint/2010/main" val="4182395492"/>
+      </p:ext>
+    </p:extLst>
+  </p:cSld>
+  <p:clrMap bg1="lt1" tx1="dk1" bg2="lt2" tx2="dk2" accent1="accent1" accent2="accent2" accent3="accent3" accent4="accent4" accent5="accent5" accent6="accent6" hlink="hlink" folHlink="folHlink"/>
+  <p:hf hdr="0" ftr="0" dt="0"/>
+</p:handoutMaster>
 </file>
 
 <file path=ppt/notesMasters/notesMaster1.xml><?xml version="1.0" encoding="utf-8"?>
@@ -174,7 +343,10 @@
             </a:lvl1pPr>
           </a:lstStyle>
           <a:p>
-            <a:endParaRPr lang="en-US"/>
+            <a:r>
+              <a:rPr lang="en-US" dirty="0"/>
+              <a:t>Baruch Makro  Mari Mishel</a:t>
+            </a:r>
           </a:p>
         </p:txBody>
       </p:sp>
@@ -207,9 +379,9 @@
           <a:p>
             <a:fld id="{A580F231-D6C1-46FE-BB12-C1D6E54C7F64}" type="datetimeFigureOut">
               <a:rPr lang="en-US" smtClean="0"/>
-              <a:t>07-Oct-17</a:t>
+              <a:t>10/8/2017</a:t>
             </a:fld>
-            <a:endParaRPr lang="en-US"/>
+            <a:endParaRPr lang="en-US" dirty="0"/>
           </a:p>
         </p:txBody>
       </p:sp>
@@ -242,7 +414,7 @@
           <a:bodyPr vert="horz" lIns="91440" tIns="45720" rIns="91440" bIns="45720" rtlCol="1" anchor="ctr"/>
           <a:lstStyle/>
           <a:p>
-            <a:endParaRPr lang="en-US"/>
+            <a:endParaRPr lang="en-US" dirty="0"/>
           </a:p>
         </p:txBody>
       </p:sp>
@@ -333,7 +505,7 @@
             </a:lvl1pPr>
           </a:lstStyle>
           <a:p>
-            <a:endParaRPr lang="en-US"/>
+            <a:endParaRPr lang="en-US" dirty="0"/>
           </a:p>
         </p:txBody>
       </p:sp>
@@ -368,7 +540,7 @@
               <a:rPr lang="en-US" smtClean="0"/>
               <a:t>‹#›</a:t>
             </a:fld>
-            <a:endParaRPr lang="en-US"/>
+            <a:endParaRPr lang="en-US" dirty="0"/>
           </a:p>
         </p:txBody>
       </p:sp>
@@ -380,6 +552,7 @@
     </p:extLst>
   </p:cSld>
   <p:clrMap bg1="lt1" tx1="dk1" bg2="lt2" tx2="dk2" accent1="accent1" accent2="accent2" accent3="accent3" accent4="accent4" accent5="accent5" accent6="accent6" hlink="hlink" folHlink="folHlink"/>
+  <p:hf hdr="0" ftr="0" dt="0"/>
   <p:notesStyle>
     <a:lvl1pPr marL="0" algn="r" defTabSz="914400" rtl="1" eaLnBrk="1" latinLnBrk="0" hangingPunct="1">
       <a:defRPr sz="1200" kern="1200">
@@ -475,6 +648,90 @@
 </p:notesMaster>
 </file>
 
+<file path=ppt/notesSlides/notesSlide1.xml><?xml version="1.0" encoding="utf-8"?>
+<p:notes xmlns:a="http://schemas.openxmlformats.org/drawingml/2006/main" xmlns:r="http://schemas.openxmlformats.org/officeDocument/2006/relationships" xmlns:p="http://schemas.openxmlformats.org/presentationml/2006/main">
+  <p:cSld>
+    <p:spTree>
+      <p:nvGrpSpPr>
+        <p:cNvPr id="1" name=""/>
+        <p:cNvGrpSpPr/>
+        <p:nvPr/>
+      </p:nvGrpSpPr>
+      <p:grpSpPr>
+        <a:xfrm>
+          <a:off x="0" y="0"/>
+          <a:ext cx="0" cy="0"/>
+          <a:chOff x="0" y="0"/>
+          <a:chExt cx="0" cy="0"/>
+        </a:xfrm>
+      </p:grpSpPr>
+      <p:sp>
+        <p:nvSpPr>
+          <p:cNvPr id="2" name="מציין מיקום של תמונת שקופית 1"/>
+          <p:cNvSpPr>
+            <a:spLocks noGrp="1" noRot="1" noChangeAspect="1"/>
+          </p:cNvSpPr>
+          <p:nvPr>
+            <p:ph type="sldImg"/>
+          </p:nvPr>
+        </p:nvSpPr>
+        <p:spPr/>
+      </p:sp>
+      <p:sp>
+        <p:nvSpPr>
+          <p:cNvPr id="3" name="מציין מיקום של הערות 2"/>
+          <p:cNvSpPr>
+            <a:spLocks noGrp="1"/>
+          </p:cNvSpPr>
+          <p:nvPr>
+            <p:ph type="body" idx="1"/>
+          </p:nvPr>
+        </p:nvSpPr>
+        <p:spPr/>
+        <p:txBody>
+          <a:bodyPr/>
+          <a:lstStyle/>
+          <a:p>
+            <a:endParaRPr lang="he-IL" dirty="0"/>
+          </a:p>
+        </p:txBody>
+      </p:sp>
+      <p:sp>
+        <p:nvSpPr>
+          <p:cNvPr id="4" name="מציין מיקום של מספר שקופית 3"/>
+          <p:cNvSpPr>
+            <a:spLocks noGrp="1"/>
+          </p:cNvSpPr>
+          <p:nvPr>
+            <p:ph type="sldNum" sz="quarter" idx="10"/>
+          </p:nvPr>
+        </p:nvSpPr>
+        <p:spPr/>
+        <p:txBody>
+          <a:bodyPr/>
+          <a:lstStyle/>
+          <a:p>
+            <a:fld id="{9E541050-A66D-434C-A7CB-F4D2D261D546}" type="slidenum">
+              <a:rPr lang="en-US" smtClean="0"/>
+              <a:t>1</a:t>
+            </a:fld>
+            <a:endParaRPr lang="en-US" dirty="0"/>
+          </a:p>
+        </p:txBody>
+      </p:sp>
+    </p:spTree>
+    <p:extLst>
+      <p:ext uri="{BB962C8B-B14F-4D97-AF65-F5344CB8AC3E}">
+        <p14:creationId xmlns:p14="http://schemas.microsoft.com/office/powerpoint/2010/main" val="464126944"/>
+      </p:ext>
+    </p:extLst>
+  </p:cSld>
+  <p:clrMapOvr>
+    <a:masterClrMapping/>
+  </p:clrMapOvr>
+</p:notes>
+</file>
+
 <file path=ppt/slideLayouts/slideLayout1.xml><?xml version="1.0" encoding="utf-8"?>
 <p:sldLayout xmlns:a="http://schemas.openxmlformats.org/drawingml/2006/main" xmlns:r="http://schemas.openxmlformats.org/officeDocument/2006/relationships" xmlns:p="http://schemas.openxmlformats.org/presentationml/2006/main" type="title" preserve="1">
   <p:cSld name="שקופית כותרת">
@@ -494,13 +751,7 @@
       </p:grpSpPr>
       <p:sp>
         <p:nvSpPr>
-          <p:cNvPr id="2" name="כותרת 1">
-            <a:extLst>
-              <a:ext uri="{FF2B5EF4-FFF2-40B4-BE49-F238E27FC236}">
-                <a16:creationId xmlns:a16="http://schemas.microsoft.com/office/drawing/2014/main" id="{5BF23B12-6728-4913-ACAB-5323CFDC47F2}"/>
-              </a:ext>
-            </a:extLst>
-          </p:cNvPr>
+          <p:cNvPr id="2" name="Title 1"/>
           <p:cNvSpPr>
             <a:spLocks noGrp="1"/>
           </p:cNvSpPr>
@@ -510,12 +761,14 @@
         </p:nvSpPr>
         <p:spPr>
           <a:xfrm>
-            <a:off x="1524000" y="1122363"/>
+            <a:off x="1524000" y="1124530"/>
             <a:ext cx="9144000" cy="2387600"/>
           </a:xfrm>
         </p:spPr>
         <p:txBody>
-          <a:bodyPr anchor="b"/>
+          <a:bodyPr anchor="b">
+            <a:normAutofit/>
+          </a:bodyPr>
           <a:lstStyle>
             <a:lvl1pPr algn="ctr">
               <a:defRPr sz="6000"/>
@@ -526,19 +779,13 @@
               <a:rPr lang="he-IL"/>
               <a:t>לחץ כדי לערוך סגנון כותרת של תבנית בסיס</a:t>
             </a:r>
-            <a:endParaRPr lang="en-US"/>
-          </a:p>
-        </p:txBody>
-      </p:sp>
-      <p:sp>
-        <p:nvSpPr>
-          <p:cNvPr id="3" name="כותרת משנה 2">
-            <a:extLst>
-              <a:ext uri="{FF2B5EF4-FFF2-40B4-BE49-F238E27FC236}">
-                <a16:creationId xmlns:a16="http://schemas.microsoft.com/office/drawing/2014/main" id="{596265D8-7F25-4F6A-AED3-05DEA877603F}"/>
-              </a:ext>
-            </a:extLst>
-          </p:cNvPr>
+            <a:endParaRPr lang="en-US" dirty="0"/>
+          </a:p>
+        </p:txBody>
+      </p:sp>
+      <p:sp>
+        <p:nvSpPr>
+          <p:cNvPr id="3" name="Subtitle 2"/>
           <p:cNvSpPr>
             <a:spLocks noGrp="1"/>
           </p:cNvSpPr>
@@ -553,43 +800,52 @@
           </a:xfrm>
         </p:spPr>
         <p:txBody>
-          <a:bodyPr/>
+          <a:bodyPr>
+            <a:normAutofit/>
+          </a:bodyPr>
           <a:lstStyle>
             <a:lvl1pPr marL="0" indent="0" algn="ctr">
               <a:buNone/>
-              <a:defRPr sz="2400"/>
+              <a:defRPr sz="2400">
+                <a:solidFill>
+                  <a:schemeClr val="tx1">
+                    <a:lumMod val="75000"/>
+                    <a:lumOff val="25000"/>
+                  </a:schemeClr>
+                </a:solidFill>
+              </a:defRPr>
             </a:lvl1pPr>
             <a:lvl2pPr marL="457200" indent="0" algn="ctr">
               <a:buNone/>
-              <a:defRPr sz="2000"/>
+              <a:defRPr sz="2800"/>
             </a:lvl2pPr>
             <a:lvl3pPr marL="914400" indent="0" algn="ctr">
               <a:buNone/>
-              <a:defRPr sz="1800"/>
+              <a:defRPr sz="2400"/>
             </a:lvl3pPr>
             <a:lvl4pPr marL="1371600" indent="0" algn="ctr">
               <a:buNone/>
-              <a:defRPr sz="1600"/>
+              <a:defRPr sz="2000"/>
             </a:lvl4pPr>
             <a:lvl5pPr marL="1828800" indent="0" algn="ctr">
               <a:buNone/>
-              <a:defRPr sz="1600"/>
+              <a:defRPr sz="2000"/>
             </a:lvl5pPr>
             <a:lvl6pPr marL="2286000" indent="0" algn="ctr">
               <a:buNone/>
-              <a:defRPr sz="1600"/>
+              <a:defRPr sz="2000"/>
             </a:lvl6pPr>
             <a:lvl7pPr marL="2743200" indent="0" algn="ctr">
               <a:buNone/>
-              <a:defRPr sz="1600"/>
+              <a:defRPr sz="2000"/>
             </a:lvl7pPr>
             <a:lvl8pPr marL="3200400" indent="0" algn="ctr">
               <a:buNone/>
-              <a:defRPr sz="1600"/>
+              <a:defRPr sz="2000"/>
             </a:lvl8pPr>
             <a:lvl9pPr marL="3657600" indent="0" algn="ctr">
               <a:buNone/>
-              <a:defRPr sz="1600"/>
+              <a:defRPr sz="2000"/>
             </a:lvl9pPr>
           </a:lstStyle>
           <a:p>
@@ -597,19 +853,13 @@
               <a:rPr lang="he-IL"/>
               <a:t>לחץ כדי לערוך סגנון כותרת משנה של תבנית בסיס</a:t>
             </a:r>
-            <a:endParaRPr lang="en-US"/>
-          </a:p>
-        </p:txBody>
-      </p:sp>
-      <p:sp>
-        <p:nvSpPr>
-          <p:cNvPr id="4" name="מציין מיקום של תאריך 3">
-            <a:extLst>
-              <a:ext uri="{FF2B5EF4-FFF2-40B4-BE49-F238E27FC236}">
-                <a16:creationId xmlns:a16="http://schemas.microsoft.com/office/drawing/2014/main" id="{7B4AF178-A32D-4901-B785-BF23A76EE8E1}"/>
-              </a:ext>
-            </a:extLst>
-          </p:cNvPr>
+            <a:endParaRPr lang="en-US" dirty="0"/>
+          </a:p>
+        </p:txBody>
+      </p:sp>
+      <p:sp>
+        <p:nvSpPr>
+          <p:cNvPr id="4" name="Date Placeholder 3"/>
           <p:cNvSpPr>
             <a:spLocks noGrp="1"/>
           </p:cNvSpPr>
@@ -622,23 +872,17 @@
           <a:bodyPr/>
           <a:lstStyle/>
           <a:p>
-            <a:fld id="{3CDEC65A-793D-48D9-A90D-089CA926FEAD}" type="datetimeFigureOut">
+            <a:fld id="{85C7E2EA-0B63-4782-B0A2-D1820704ACAC}" type="datetime1">
               <a:rPr lang="en-US" smtClean="0"/>
-              <a:t>07-Oct-17</a:t>
+              <a:t>10/8/2017</a:t>
             </a:fld>
-            <a:endParaRPr lang="en-US"/>
-          </a:p>
-        </p:txBody>
-      </p:sp>
-      <p:sp>
-        <p:nvSpPr>
-          <p:cNvPr id="5" name="מציין מיקום של כותרת תחתונה 4">
-            <a:extLst>
-              <a:ext uri="{FF2B5EF4-FFF2-40B4-BE49-F238E27FC236}">
-                <a16:creationId xmlns:a16="http://schemas.microsoft.com/office/drawing/2014/main" id="{58654228-DFE4-419B-BE9C-FBFDAA84C830}"/>
-              </a:ext>
-            </a:extLst>
-          </p:cNvPr>
+            <a:endParaRPr lang="en-US" dirty="0"/>
+          </a:p>
+        </p:txBody>
+      </p:sp>
+      <p:sp>
+        <p:nvSpPr>
+          <p:cNvPr id="5" name="Footer Placeholder 4"/>
           <p:cNvSpPr>
             <a:spLocks noGrp="1"/>
           </p:cNvSpPr>
@@ -651,19 +895,13 @@
           <a:bodyPr/>
           <a:lstStyle/>
           <a:p>
-            <a:endParaRPr lang="en-US"/>
-          </a:p>
-        </p:txBody>
-      </p:sp>
-      <p:sp>
-        <p:nvSpPr>
-          <p:cNvPr id="6" name="מציין מיקום של מספר שקופית 5">
-            <a:extLst>
-              <a:ext uri="{FF2B5EF4-FFF2-40B4-BE49-F238E27FC236}">
-                <a16:creationId xmlns:a16="http://schemas.microsoft.com/office/drawing/2014/main" id="{C66E0010-7BBE-4AAD-AD3F-76736F644C15}"/>
-              </a:ext>
-            </a:extLst>
-          </p:cNvPr>
+            <a:endParaRPr lang="en-US" dirty="0"/>
+          </a:p>
+        </p:txBody>
+      </p:sp>
+      <p:sp>
+        <p:nvSpPr>
+          <p:cNvPr id="6" name="Slide Number Placeholder 5"/>
           <p:cNvSpPr>
             <a:spLocks noGrp="1"/>
           </p:cNvSpPr>
@@ -680,14 +918,14 @@
               <a:rPr lang="en-US" smtClean="0"/>
               <a:t>‹#›</a:t>
             </a:fld>
-            <a:endParaRPr lang="en-US"/>
+            <a:endParaRPr lang="en-US" dirty="0"/>
           </a:p>
         </p:txBody>
       </p:sp>
     </p:spTree>
     <p:extLst>
       <p:ext uri="{BB962C8B-B14F-4D97-AF65-F5344CB8AC3E}">
-        <p14:creationId xmlns:p14="http://schemas.microsoft.com/office/powerpoint/2010/main" val="1315011945"/>
+        <p14:creationId xmlns:p14="http://schemas.microsoft.com/office/powerpoint/2010/main" val="773744518"/>
       </p:ext>
     </p:extLst>
   </p:cSld>
@@ -716,13 +954,7 @@
       </p:grpSpPr>
       <p:sp>
         <p:nvSpPr>
-          <p:cNvPr id="2" name="כותרת 1">
-            <a:extLst>
-              <a:ext uri="{FF2B5EF4-FFF2-40B4-BE49-F238E27FC236}">
-                <a16:creationId xmlns:a16="http://schemas.microsoft.com/office/drawing/2014/main" id="{12BA2D92-9B64-4344-9E23-39202425BE86}"/>
-              </a:ext>
-            </a:extLst>
-          </p:cNvPr>
+          <p:cNvPr id="2" name="Title 1"/>
           <p:cNvSpPr>
             <a:spLocks noGrp="1"/>
           </p:cNvSpPr>
@@ -745,13 +977,7 @@
       </p:sp>
       <p:sp>
         <p:nvSpPr>
-          <p:cNvPr id="3" name="מציין מיקום של טקסט אנכי 2">
-            <a:extLst>
-              <a:ext uri="{FF2B5EF4-FFF2-40B4-BE49-F238E27FC236}">
-                <a16:creationId xmlns:a16="http://schemas.microsoft.com/office/drawing/2014/main" id="{334097C2-DA22-40E6-9FC9-98AFAA156E5E}"/>
-              </a:ext>
-            </a:extLst>
-          </p:cNvPr>
+          <p:cNvPr id="3" name="Vertical Text Placeholder 2"/>
           <p:cNvSpPr>
             <a:spLocks noGrp="1"/>
           </p:cNvSpPr>
@@ -797,19 +1023,13 @@
               <a:rPr lang="he-IL"/>
               <a:t>רמה חמישית</a:t>
             </a:r>
-            <a:endParaRPr lang="en-US"/>
-          </a:p>
-        </p:txBody>
-      </p:sp>
-      <p:sp>
-        <p:nvSpPr>
-          <p:cNvPr id="4" name="מציין מיקום של תאריך 3">
-            <a:extLst>
-              <a:ext uri="{FF2B5EF4-FFF2-40B4-BE49-F238E27FC236}">
-                <a16:creationId xmlns:a16="http://schemas.microsoft.com/office/drawing/2014/main" id="{83FB714F-30DE-482A-97EC-9C654E174A82}"/>
-              </a:ext>
-            </a:extLst>
-          </p:cNvPr>
+            <a:endParaRPr lang="en-US" dirty="0"/>
+          </a:p>
+        </p:txBody>
+      </p:sp>
+      <p:sp>
+        <p:nvSpPr>
+          <p:cNvPr id="4" name="Date Placeholder 3"/>
           <p:cNvSpPr>
             <a:spLocks noGrp="1"/>
           </p:cNvSpPr>
@@ -822,23 +1042,17 @@
           <a:bodyPr/>
           <a:lstStyle/>
           <a:p>
-            <a:fld id="{3CDEC65A-793D-48D9-A90D-089CA926FEAD}" type="datetimeFigureOut">
+            <a:fld id="{9DD2DDD0-1666-496C-BFA0-BBB8A2DFBA98}" type="datetime1">
               <a:rPr lang="en-US" smtClean="0"/>
-              <a:t>07-Oct-17</a:t>
+              <a:t>10/8/2017</a:t>
             </a:fld>
-            <a:endParaRPr lang="en-US"/>
-          </a:p>
-        </p:txBody>
-      </p:sp>
-      <p:sp>
-        <p:nvSpPr>
-          <p:cNvPr id="5" name="מציין מיקום של כותרת תחתונה 4">
-            <a:extLst>
-              <a:ext uri="{FF2B5EF4-FFF2-40B4-BE49-F238E27FC236}">
-                <a16:creationId xmlns:a16="http://schemas.microsoft.com/office/drawing/2014/main" id="{5EF20A36-4807-48B9-841B-ED0D9ACC5395}"/>
-              </a:ext>
-            </a:extLst>
-          </p:cNvPr>
+            <a:endParaRPr lang="en-US" dirty="0"/>
+          </a:p>
+        </p:txBody>
+      </p:sp>
+      <p:sp>
+        <p:nvSpPr>
+          <p:cNvPr id="5" name="Footer Placeholder 4"/>
           <p:cNvSpPr>
             <a:spLocks noGrp="1"/>
           </p:cNvSpPr>
@@ -851,19 +1065,13 @@
           <a:bodyPr/>
           <a:lstStyle/>
           <a:p>
-            <a:endParaRPr lang="en-US"/>
-          </a:p>
-        </p:txBody>
-      </p:sp>
-      <p:sp>
-        <p:nvSpPr>
-          <p:cNvPr id="6" name="מציין מיקום של מספר שקופית 5">
-            <a:extLst>
-              <a:ext uri="{FF2B5EF4-FFF2-40B4-BE49-F238E27FC236}">
-                <a16:creationId xmlns:a16="http://schemas.microsoft.com/office/drawing/2014/main" id="{33F78140-68E0-42FD-8AD4-D3CC6B6EDBEE}"/>
-              </a:ext>
-            </a:extLst>
-          </p:cNvPr>
+            <a:endParaRPr lang="en-US" dirty="0"/>
+          </a:p>
+        </p:txBody>
+      </p:sp>
+      <p:sp>
+        <p:nvSpPr>
+          <p:cNvPr id="6" name="Slide Number Placeholder 5"/>
           <p:cNvSpPr>
             <a:spLocks noGrp="1"/>
           </p:cNvSpPr>
@@ -880,14 +1088,14 @@
               <a:rPr lang="en-US" smtClean="0"/>
               <a:t>‹#›</a:t>
             </a:fld>
-            <a:endParaRPr lang="en-US"/>
+            <a:endParaRPr lang="en-US" dirty="0"/>
           </a:p>
         </p:txBody>
       </p:sp>
     </p:spTree>
     <p:extLst>
       <p:ext uri="{BB962C8B-B14F-4D97-AF65-F5344CB8AC3E}">
-        <p14:creationId xmlns:p14="http://schemas.microsoft.com/office/powerpoint/2010/main" val="3859104596"/>
+        <p14:creationId xmlns:p14="http://schemas.microsoft.com/office/powerpoint/2010/main" val="2748374544"/>
       </p:ext>
     </p:extLst>
   </p:cSld>
@@ -916,13 +1124,7 @@
       </p:grpSpPr>
       <p:sp>
         <p:nvSpPr>
-          <p:cNvPr id="2" name="כותרת אנכית 1">
-            <a:extLst>
-              <a:ext uri="{FF2B5EF4-FFF2-40B4-BE49-F238E27FC236}">
-                <a16:creationId xmlns:a16="http://schemas.microsoft.com/office/drawing/2014/main" id="{B5C821ED-E2CD-485A-ACB4-B2F1614154DC}"/>
-              </a:ext>
-            </a:extLst>
-          </p:cNvPr>
+          <p:cNvPr id="2" name="Vertical Title 1"/>
           <p:cNvSpPr>
             <a:spLocks noGrp="1"/>
           </p:cNvSpPr>
@@ -932,7 +1134,7 @@
         </p:nvSpPr>
         <p:spPr>
           <a:xfrm>
-            <a:off x="8724900" y="365125"/>
+            <a:off x="8724900" y="360362"/>
             <a:ext cx="2628900" cy="5811838"/>
           </a:xfrm>
         </p:spPr>
@@ -950,13 +1152,7 @@
       </p:sp>
       <p:sp>
         <p:nvSpPr>
-          <p:cNvPr id="3" name="מציין מיקום של טקסט אנכי 2">
-            <a:extLst>
-              <a:ext uri="{FF2B5EF4-FFF2-40B4-BE49-F238E27FC236}">
-                <a16:creationId xmlns:a16="http://schemas.microsoft.com/office/drawing/2014/main" id="{1D7EA02B-B903-4E68-A180-C44EF5D715EC}"/>
-              </a:ext>
-            </a:extLst>
-          </p:cNvPr>
+          <p:cNvPr id="3" name="Vertical Text Placeholder 2"/>
           <p:cNvSpPr>
             <a:spLocks noGrp="1"/>
           </p:cNvSpPr>
@@ -966,8 +1162,8 @@
         </p:nvSpPr>
         <p:spPr>
           <a:xfrm>
-            <a:off x="838200" y="365125"/>
-            <a:ext cx="7734300" cy="5811838"/>
+            <a:off x="838200" y="360362"/>
+            <a:ext cx="7734300" cy="5811837"/>
           </a:xfrm>
         </p:spPr>
         <p:txBody>
@@ -1013,13 +1209,7 @@
       </p:sp>
       <p:sp>
         <p:nvSpPr>
-          <p:cNvPr id="4" name="מציין מיקום של תאריך 3">
-            <a:extLst>
-              <a:ext uri="{FF2B5EF4-FFF2-40B4-BE49-F238E27FC236}">
-                <a16:creationId xmlns:a16="http://schemas.microsoft.com/office/drawing/2014/main" id="{9DB8E40D-E230-45ED-86B0-EBC7662A95C2}"/>
-              </a:ext>
-            </a:extLst>
-          </p:cNvPr>
+          <p:cNvPr id="4" name="Date Placeholder 3"/>
           <p:cNvSpPr>
             <a:spLocks noGrp="1"/>
           </p:cNvSpPr>
@@ -1032,23 +1222,17 @@
           <a:bodyPr/>
           <a:lstStyle/>
           <a:p>
-            <a:fld id="{3CDEC65A-793D-48D9-A90D-089CA926FEAD}" type="datetimeFigureOut">
+            <a:fld id="{335CE6C8-95FA-4211-B452-5F2AC49D10F5}" type="datetime1">
               <a:rPr lang="en-US" smtClean="0"/>
-              <a:t>07-Oct-17</a:t>
+              <a:t>10/8/2017</a:t>
             </a:fld>
-            <a:endParaRPr lang="en-US"/>
-          </a:p>
-        </p:txBody>
-      </p:sp>
-      <p:sp>
-        <p:nvSpPr>
-          <p:cNvPr id="5" name="מציין מיקום של כותרת תחתונה 4">
-            <a:extLst>
-              <a:ext uri="{FF2B5EF4-FFF2-40B4-BE49-F238E27FC236}">
-                <a16:creationId xmlns:a16="http://schemas.microsoft.com/office/drawing/2014/main" id="{A47CA90D-D2EA-4C2C-88AC-C36CC5CD232B}"/>
-              </a:ext>
-            </a:extLst>
-          </p:cNvPr>
+            <a:endParaRPr lang="en-US" dirty="0"/>
+          </a:p>
+        </p:txBody>
+      </p:sp>
+      <p:sp>
+        <p:nvSpPr>
+          <p:cNvPr id="5" name="Footer Placeholder 4"/>
           <p:cNvSpPr>
             <a:spLocks noGrp="1"/>
           </p:cNvSpPr>
@@ -1061,19 +1245,13 @@
           <a:bodyPr/>
           <a:lstStyle/>
           <a:p>
-            <a:endParaRPr lang="en-US"/>
-          </a:p>
-        </p:txBody>
-      </p:sp>
-      <p:sp>
-        <p:nvSpPr>
-          <p:cNvPr id="6" name="מציין מיקום של מספר שקופית 5">
-            <a:extLst>
-              <a:ext uri="{FF2B5EF4-FFF2-40B4-BE49-F238E27FC236}">
-                <a16:creationId xmlns:a16="http://schemas.microsoft.com/office/drawing/2014/main" id="{9B5FCA46-2534-4750-91EA-DC39F30C0356}"/>
-              </a:ext>
-            </a:extLst>
-          </p:cNvPr>
+            <a:endParaRPr lang="en-US" dirty="0"/>
+          </a:p>
+        </p:txBody>
+      </p:sp>
+      <p:sp>
+        <p:nvSpPr>
+          <p:cNvPr id="6" name="Slide Number Placeholder 5"/>
           <p:cNvSpPr>
             <a:spLocks noGrp="1"/>
           </p:cNvSpPr>
@@ -1090,14 +1268,1680 @@
               <a:rPr lang="en-US" smtClean="0"/>
               <a:t>‹#›</a:t>
             </a:fld>
-            <a:endParaRPr lang="en-US"/>
+            <a:endParaRPr lang="en-US" dirty="0"/>
           </a:p>
         </p:txBody>
       </p:sp>
     </p:spTree>
     <p:extLst>
       <p:ext uri="{BB962C8B-B14F-4D97-AF65-F5344CB8AC3E}">
-        <p14:creationId xmlns:p14="http://schemas.microsoft.com/office/powerpoint/2010/main" val="453176215"/>
+        <p14:creationId xmlns:p14="http://schemas.microsoft.com/office/powerpoint/2010/main" val="176150570"/>
+      </p:ext>
+    </p:extLst>
+  </p:cSld>
+  <p:clrMapOvr>
+    <a:masterClrMapping/>
+  </p:clrMapOvr>
+</p:sldLayout>
+</file>
+
+<file path=ppt/slideLayouts/slideLayout12.xml><?xml version="1.0" encoding="utf-8"?>
+<p:sldLayout xmlns:a="http://schemas.openxmlformats.org/drawingml/2006/main" xmlns:r="http://schemas.openxmlformats.org/officeDocument/2006/relationships" xmlns:p="http://schemas.openxmlformats.org/presentationml/2006/main" preserve="1" userDrawn="1">
+  <p:cSld name="פריסה מותאמת אישית">
+    <p:spTree>
+      <p:nvGrpSpPr>
+        <p:cNvPr id="1" name=""/>
+        <p:cNvGrpSpPr/>
+        <p:nvPr/>
+      </p:nvGrpSpPr>
+      <p:grpSpPr>
+        <a:xfrm>
+          <a:off x="0" y="0"/>
+          <a:ext cx="0" cy="0"/>
+          <a:chOff x="0" y="0"/>
+          <a:chExt cx="0" cy="0"/>
+        </a:xfrm>
+      </p:grpSpPr>
+      <p:sp>
+        <p:nvSpPr>
+          <p:cNvPr id="2" name="כותרת 1">
+            <a:extLst>
+              <a:ext uri="{FF2B5EF4-FFF2-40B4-BE49-F238E27FC236}">
+                <a16:creationId xmlns:a16="http://schemas.microsoft.com/office/drawing/2014/main" id="{AD219BF1-6C37-4C3E-9B0D-AF97F1C577A8}"/>
+              </a:ext>
+            </a:extLst>
+          </p:cNvPr>
+          <p:cNvSpPr>
+            <a:spLocks noGrp="1"/>
+          </p:cNvSpPr>
+          <p:nvPr>
+            <p:ph type="title"/>
+          </p:nvPr>
+        </p:nvSpPr>
+        <p:spPr/>
+        <p:txBody>
+          <a:bodyPr/>
+          <a:lstStyle/>
+          <a:p>
+            <a:r>
+              <a:rPr lang="he-IL"/>
+              <a:t>לחץ כדי לערוך סגנון כותרת של תבנית בסיס</a:t>
+            </a:r>
+          </a:p>
+        </p:txBody>
+      </p:sp>
+      <p:sp>
+        <p:nvSpPr>
+          <p:cNvPr id="3" name="מציין מיקום של תאריך 2">
+            <a:extLst>
+              <a:ext uri="{FF2B5EF4-FFF2-40B4-BE49-F238E27FC236}">
+                <a16:creationId xmlns:a16="http://schemas.microsoft.com/office/drawing/2014/main" id="{AA350BBE-CADB-4923-95F1-408E52774925}"/>
+              </a:ext>
+            </a:extLst>
+          </p:cNvPr>
+          <p:cNvSpPr>
+            <a:spLocks noGrp="1"/>
+          </p:cNvSpPr>
+          <p:nvPr>
+            <p:ph type="dt" sz="half" idx="10"/>
+          </p:nvPr>
+        </p:nvSpPr>
+        <p:spPr/>
+        <p:txBody>
+          <a:bodyPr/>
+          <a:lstStyle/>
+          <a:p>
+            <a:fld id="{A60C36D3-DFBB-4DCE-B44F-FEFD77496B89}" type="datetime1">
+              <a:rPr lang="en-US" smtClean="0"/>
+              <a:t>10/8/2017</a:t>
+            </a:fld>
+            <a:endParaRPr lang="en-US" dirty="0"/>
+          </a:p>
+        </p:txBody>
+      </p:sp>
+      <p:sp>
+        <p:nvSpPr>
+          <p:cNvPr id="4" name="מציין מיקום של כותרת תחתונה 3">
+            <a:extLst>
+              <a:ext uri="{FF2B5EF4-FFF2-40B4-BE49-F238E27FC236}">
+                <a16:creationId xmlns:a16="http://schemas.microsoft.com/office/drawing/2014/main" id="{2FAF73B2-23E8-4BF2-A010-E4247CE82C7C}"/>
+              </a:ext>
+            </a:extLst>
+          </p:cNvPr>
+          <p:cNvSpPr>
+            <a:spLocks noGrp="1"/>
+          </p:cNvSpPr>
+          <p:nvPr>
+            <p:ph type="ftr" sz="quarter" idx="11"/>
+          </p:nvPr>
+        </p:nvSpPr>
+        <p:spPr/>
+        <p:txBody>
+          <a:bodyPr/>
+          <a:lstStyle/>
+          <a:p>
+            <a:endParaRPr lang="en-US" dirty="0"/>
+          </a:p>
+        </p:txBody>
+      </p:sp>
+      <p:sp>
+        <p:nvSpPr>
+          <p:cNvPr id="5" name="מציין מיקום של מספר שקופית 4">
+            <a:extLst>
+              <a:ext uri="{FF2B5EF4-FFF2-40B4-BE49-F238E27FC236}">
+                <a16:creationId xmlns:a16="http://schemas.microsoft.com/office/drawing/2014/main" id="{8F303E8F-C712-4CAB-9B76-D8B040966CF8}"/>
+              </a:ext>
+            </a:extLst>
+          </p:cNvPr>
+          <p:cNvSpPr>
+            <a:spLocks noGrp="1"/>
+          </p:cNvSpPr>
+          <p:nvPr>
+            <p:ph type="sldNum" sz="quarter" idx="12"/>
+          </p:nvPr>
+        </p:nvSpPr>
+        <p:spPr/>
+        <p:txBody>
+          <a:bodyPr/>
+          <a:lstStyle/>
+          <a:p>
+            <a:fld id="{28EC0DFB-B55B-494E-B27A-B4FF8B9EF525}" type="slidenum">
+              <a:rPr lang="en-US" smtClean="0"/>
+              <a:t>‹#›</a:t>
+            </a:fld>
+            <a:endParaRPr lang="en-US" dirty="0"/>
+          </a:p>
+        </p:txBody>
+      </p:sp>
+    </p:spTree>
+    <p:extLst>
+      <p:ext uri="{BB962C8B-B14F-4D97-AF65-F5344CB8AC3E}">
+        <p14:creationId xmlns:p14="http://schemas.microsoft.com/office/powerpoint/2010/main" val="1873827907"/>
+      </p:ext>
+    </p:extLst>
+  </p:cSld>
+  <p:clrMapOvr>
+    <a:masterClrMapping/>
+  </p:clrMapOvr>
+</p:sldLayout>
+</file>
+
+<file path=ppt/slideLayouts/slideLayout13.xml><?xml version="1.0" encoding="utf-8"?>
+<p:sldLayout xmlns:a="http://schemas.openxmlformats.org/drawingml/2006/main" xmlns:r="http://schemas.openxmlformats.org/officeDocument/2006/relationships" xmlns:p="http://schemas.openxmlformats.org/presentationml/2006/main" preserve="1" userDrawn="1">
+  <p:cSld name="1_פריסה מותאמת אישית">
+    <p:spTree>
+      <p:nvGrpSpPr>
+        <p:cNvPr id="1" name=""/>
+        <p:cNvGrpSpPr/>
+        <p:nvPr/>
+      </p:nvGrpSpPr>
+      <p:grpSpPr>
+        <a:xfrm>
+          <a:off x="0" y="0"/>
+          <a:ext cx="0" cy="0"/>
+          <a:chOff x="0" y="0"/>
+          <a:chExt cx="0" cy="0"/>
+        </a:xfrm>
+      </p:grpSpPr>
+      <p:sp>
+        <p:nvSpPr>
+          <p:cNvPr id="2" name="כותרת 1">
+            <a:extLst>
+              <a:ext uri="{FF2B5EF4-FFF2-40B4-BE49-F238E27FC236}">
+                <a16:creationId xmlns:a16="http://schemas.microsoft.com/office/drawing/2014/main" id="{BD74441E-B53B-49B8-AD30-842C5F967711}"/>
+              </a:ext>
+            </a:extLst>
+          </p:cNvPr>
+          <p:cNvSpPr>
+            <a:spLocks noGrp="1"/>
+          </p:cNvSpPr>
+          <p:nvPr>
+            <p:ph type="title"/>
+          </p:nvPr>
+        </p:nvSpPr>
+        <p:spPr/>
+        <p:txBody>
+          <a:bodyPr/>
+          <a:lstStyle/>
+          <a:p>
+            <a:r>
+              <a:rPr lang="he-IL"/>
+              <a:t>לחץ כדי לערוך סגנון כותרת של תבנית בסיס</a:t>
+            </a:r>
+          </a:p>
+        </p:txBody>
+      </p:sp>
+      <p:sp>
+        <p:nvSpPr>
+          <p:cNvPr id="3" name="מציין מיקום של תאריך 2">
+            <a:extLst>
+              <a:ext uri="{FF2B5EF4-FFF2-40B4-BE49-F238E27FC236}">
+                <a16:creationId xmlns:a16="http://schemas.microsoft.com/office/drawing/2014/main" id="{2B65A5D8-2175-4A9A-828F-493339CD1FDD}"/>
+              </a:ext>
+            </a:extLst>
+          </p:cNvPr>
+          <p:cNvSpPr>
+            <a:spLocks noGrp="1"/>
+          </p:cNvSpPr>
+          <p:nvPr>
+            <p:ph type="dt" sz="half" idx="10"/>
+          </p:nvPr>
+        </p:nvSpPr>
+        <p:spPr/>
+        <p:txBody>
+          <a:bodyPr/>
+          <a:lstStyle/>
+          <a:p>
+            <a:fld id="{24A2D068-8FDA-4EC6-8081-C29671AFF31D}" type="datetime1">
+              <a:rPr lang="en-US" smtClean="0"/>
+              <a:t>10/8/2017</a:t>
+            </a:fld>
+            <a:endParaRPr lang="en-US" dirty="0"/>
+          </a:p>
+        </p:txBody>
+      </p:sp>
+      <p:sp>
+        <p:nvSpPr>
+          <p:cNvPr id="4" name="מציין מיקום של כותרת תחתונה 3">
+            <a:extLst>
+              <a:ext uri="{FF2B5EF4-FFF2-40B4-BE49-F238E27FC236}">
+                <a16:creationId xmlns:a16="http://schemas.microsoft.com/office/drawing/2014/main" id="{3EE1F0C0-3B99-4278-A98D-3F141E191E98}"/>
+              </a:ext>
+            </a:extLst>
+          </p:cNvPr>
+          <p:cNvSpPr>
+            <a:spLocks noGrp="1"/>
+          </p:cNvSpPr>
+          <p:nvPr>
+            <p:ph type="ftr" sz="quarter" idx="11"/>
+          </p:nvPr>
+        </p:nvSpPr>
+        <p:spPr/>
+        <p:txBody>
+          <a:bodyPr/>
+          <a:lstStyle/>
+          <a:p>
+            <a:endParaRPr lang="en-US" dirty="0"/>
+          </a:p>
+        </p:txBody>
+      </p:sp>
+      <p:sp>
+        <p:nvSpPr>
+          <p:cNvPr id="5" name="מציין מיקום של מספר שקופית 4">
+            <a:extLst>
+              <a:ext uri="{FF2B5EF4-FFF2-40B4-BE49-F238E27FC236}">
+                <a16:creationId xmlns:a16="http://schemas.microsoft.com/office/drawing/2014/main" id="{14B16D40-516B-4CCE-AA84-D0462368889F}"/>
+              </a:ext>
+            </a:extLst>
+          </p:cNvPr>
+          <p:cNvSpPr>
+            <a:spLocks noGrp="1"/>
+          </p:cNvSpPr>
+          <p:nvPr>
+            <p:ph type="sldNum" sz="quarter" idx="12"/>
+          </p:nvPr>
+        </p:nvSpPr>
+        <p:spPr/>
+        <p:txBody>
+          <a:bodyPr/>
+          <a:lstStyle/>
+          <a:p>
+            <a:fld id="{28EC0DFB-B55B-494E-B27A-B4FF8B9EF525}" type="slidenum">
+              <a:rPr lang="en-US" smtClean="0"/>
+              <a:t>‹#›</a:t>
+            </a:fld>
+            <a:endParaRPr lang="en-US" dirty="0"/>
+          </a:p>
+        </p:txBody>
+      </p:sp>
+    </p:spTree>
+    <p:extLst>
+      <p:ext uri="{BB962C8B-B14F-4D97-AF65-F5344CB8AC3E}">
+        <p14:creationId xmlns:p14="http://schemas.microsoft.com/office/powerpoint/2010/main" val="844264625"/>
+      </p:ext>
+    </p:extLst>
+  </p:cSld>
+  <p:clrMapOvr>
+    <a:masterClrMapping/>
+  </p:clrMapOvr>
+</p:sldLayout>
+</file>
+
+<file path=ppt/slideLayouts/slideLayout14.xml><?xml version="1.0" encoding="utf-8"?>
+<p:sldLayout xmlns:a="http://schemas.openxmlformats.org/drawingml/2006/main" xmlns:r="http://schemas.openxmlformats.org/officeDocument/2006/relationships" xmlns:p="http://schemas.openxmlformats.org/presentationml/2006/main" type="title" preserve="1">
+  <p:cSld name="שקופית כותרת">
+    <p:spTree>
+      <p:nvGrpSpPr>
+        <p:cNvPr id="1" name=""/>
+        <p:cNvGrpSpPr/>
+        <p:nvPr/>
+      </p:nvGrpSpPr>
+      <p:grpSpPr>
+        <a:xfrm>
+          <a:off x="0" y="0"/>
+          <a:ext cx="0" cy="0"/>
+          <a:chOff x="0" y="0"/>
+          <a:chExt cx="0" cy="0"/>
+        </a:xfrm>
+      </p:grpSpPr>
+      <p:sp>
+        <p:nvSpPr>
+          <p:cNvPr id="2" name="Title 1"/>
+          <p:cNvSpPr>
+            <a:spLocks noGrp="1"/>
+          </p:cNvSpPr>
+          <p:nvPr>
+            <p:ph type="ctrTitle"/>
+          </p:nvPr>
+        </p:nvSpPr>
+        <p:spPr>
+          <a:xfrm>
+            <a:off x="1524000" y="1122363"/>
+            <a:ext cx="9144000" cy="2387600"/>
+          </a:xfrm>
+        </p:spPr>
+        <p:txBody>
+          <a:bodyPr anchor="b"/>
+          <a:lstStyle>
+            <a:lvl1pPr algn="ctr">
+              <a:defRPr sz="6000"/>
+            </a:lvl1pPr>
+          </a:lstStyle>
+          <a:p>
+            <a:r>
+              <a:rPr lang="he-IL" dirty="0"/>
+              <a:t>לחץ כדי לערוך סגנון כותרת של תבנית בסיס</a:t>
+            </a:r>
+            <a:endParaRPr lang="en-US" dirty="0"/>
+          </a:p>
+        </p:txBody>
+      </p:sp>
+      <p:sp>
+        <p:nvSpPr>
+          <p:cNvPr id="3" name="Subtitle 2"/>
+          <p:cNvSpPr>
+            <a:spLocks noGrp="1"/>
+          </p:cNvSpPr>
+          <p:nvPr>
+            <p:ph type="subTitle" idx="1"/>
+          </p:nvPr>
+        </p:nvSpPr>
+        <p:spPr>
+          <a:xfrm>
+            <a:off x="1524000" y="3602038"/>
+            <a:ext cx="9144000" cy="1655762"/>
+          </a:xfrm>
+        </p:spPr>
+        <p:txBody>
+          <a:bodyPr/>
+          <a:lstStyle>
+            <a:lvl1pPr marL="0" indent="0" algn="ctr">
+              <a:buNone/>
+              <a:defRPr sz="2400"/>
+            </a:lvl1pPr>
+            <a:lvl2pPr marL="457200" indent="0" algn="ctr">
+              <a:buNone/>
+              <a:defRPr sz="2000"/>
+            </a:lvl2pPr>
+            <a:lvl3pPr marL="914400" indent="0" algn="ctr">
+              <a:buNone/>
+              <a:defRPr sz="1800"/>
+            </a:lvl3pPr>
+            <a:lvl4pPr marL="1371600" indent="0" algn="ctr">
+              <a:buNone/>
+              <a:defRPr sz="1600"/>
+            </a:lvl4pPr>
+            <a:lvl5pPr marL="1828800" indent="0" algn="ctr">
+              <a:buNone/>
+              <a:defRPr sz="1600"/>
+            </a:lvl5pPr>
+            <a:lvl6pPr marL="2286000" indent="0" algn="ctr">
+              <a:buNone/>
+              <a:defRPr sz="1600"/>
+            </a:lvl6pPr>
+            <a:lvl7pPr marL="2743200" indent="0" algn="ctr">
+              <a:buNone/>
+              <a:defRPr sz="1600"/>
+            </a:lvl7pPr>
+            <a:lvl8pPr marL="3200400" indent="0" algn="ctr">
+              <a:buNone/>
+              <a:defRPr sz="1600"/>
+            </a:lvl8pPr>
+            <a:lvl9pPr marL="3657600" indent="0" algn="ctr">
+              <a:buNone/>
+              <a:defRPr sz="1600"/>
+            </a:lvl9pPr>
+          </a:lstStyle>
+          <a:p>
+            <a:r>
+              <a:rPr lang="he-IL" dirty="0"/>
+              <a:t>לחץ כדי לערוך סגנון כותרת משנה של תבנית בסיס</a:t>
+            </a:r>
+            <a:endParaRPr lang="en-US" dirty="0"/>
+          </a:p>
+        </p:txBody>
+      </p:sp>
+      <p:sp>
+        <p:nvSpPr>
+          <p:cNvPr id="4" name="Date Placeholder 3"/>
+          <p:cNvSpPr>
+            <a:spLocks noGrp="1"/>
+          </p:cNvSpPr>
+          <p:nvPr>
+            <p:ph type="dt" sz="half" idx="10"/>
+          </p:nvPr>
+        </p:nvSpPr>
+        <p:spPr/>
+        <p:txBody>
+          <a:bodyPr/>
+          <a:lstStyle/>
+          <a:p>
+            <a:fld id="{1761E6B2-446E-4D20-96A1-A4DB5335A725}" type="datetime1">
+              <a:rPr lang="en-US" smtClean="0"/>
+              <a:t>10/8/2017</a:t>
+            </a:fld>
+            <a:endParaRPr lang="en-US" dirty="0"/>
+          </a:p>
+        </p:txBody>
+      </p:sp>
+      <p:sp>
+        <p:nvSpPr>
+          <p:cNvPr id="5" name="Footer Placeholder 4"/>
+          <p:cNvSpPr>
+            <a:spLocks noGrp="1"/>
+          </p:cNvSpPr>
+          <p:nvPr>
+            <p:ph type="ftr" sz="quarter" idx="11"/>
+          </p:nvPr>
+        </p:nvSpPr>
+        <p:spPr/>
+        <p:txBody>
+          <a:bodyPr/>
+          <a:lstStyle/>
+          <a:p>
+            <a:endParaRPr lang="en-US" dirty="0"/>
+          </a:p>
+        </p:txBody>
+      </p:sp>
+      <p:sp>
+        <p:nvSpPr>
+          <p:cNvPr id="6" name="Slide Number Placeholder 5"/>
+          <p:cNvSpPr>
+            <a:spLocks noGrp="1"/>
+          </p:cNvSpPr>
+          <p:nvPr>
+            <p:ph type="sldNum" sz="quarter" idx="12"/>
+          </p:nvPr>
+        </p:nvSpPr>
+        <p:spPr/>
+        <p:txBody>
+          <a:bodyPr/>
+          <a:lstStyle/>
+          <a:p>
+            <a:fld id="{28EC0DFB-B55B-494E-B27A-B4FF8B9EF525}" type="slidenum">
+              <a:rPr lang="en-US" smtClean="0"/>
+              <a:t>‹#›</a:t>
+            </a:fld>
+            <a:endParaRPr lang="en-US" dirty="0"/>
+          </a:p>
+        </p:txBody>
+      </p:sp>
+      <p:sp>
+        <p:nvSpPr>
+          <p:cNvPr id="10" name="TextBox 9">
+            <a:extLst>
+              <a:ext uri="{FF2B5EF4-FFF2-40B4-BE49-F238E27FC236}">
+                <a16:creationId xmlns:a16="http://schemas.microsoft.com/office/drawing/2014/main" id="{2428C498-6A1E-4CF5-8186-301FA1E9E622}"/>
+              </a:ext>
+            </a:extLst>
+          </p:cNvPr>
+          <p:cNvSpPr txBox="1"/>
+          <p:nvPr userDrawn="1"/>
+        </p:nvSpPr>
+        <p:spPr>
+          <a:xfrm>
+            <a:off x="1737360" y="23813"/>
+            <a:ext cx="8791303" cy="369332"/>
+          </a:xfrm>
+          <a:prstGeom prst="rect">
+            <a:avLst/>
+          </a:prstGeom>
+          <a:noFill/>
+        </p:spPr>
+        <p:txBody>
+          <a:bodyPr wrap="square" rtlCol="1">
+            <a:spAutoFit/>
+          </a:bodyPr>
+          <a:lstStyle/>
+          <a:p>
+            <a:pPr marL="0" marR="0" lvl="0" indent="0" algn="ctr" defTabSz="914400" rtl="0" eaLnBrk="1" fontAlgn="auto" latinLnBrk="0" hangingPunct="1">
+              <a:lnSpc>
+                <a:spcPct val="100000"/>
+              </a:lnSpc>
+              <a:spcBef>
+                <a:spcPts val="0"/>
+              </a:spcBef>
+              <a:spcAft>
+                <a:spcPts val="0"/>
+              </a:spcAft>
+              <a:buClrTx/>
+              <a:buSzTx/>
+              <a:buFontTx/>
+              <a:buNone/>
+              <a:tabLst/>
+              <a:defRPr/>
+            </a:pPr>
+            <a:r>
+              <a:rPr lang="en-US" sz="1800" b="1" dirty="0">
+                <a:solidFill>
+                  <a:schemeClr val="tx1">
+                    <a:lumMod val="50000"/>
+                    <a:lumOff val="50000"/>
+                  </a:schemeClr>
+                </a:solidFill>
+              </a:rPr>
+              <a:t>Baruch Makro       Mari Mishel     </a:t>
+            </a:r>
+          </a:p>
+        </p:txBody>
+      </p:sp>
+    </p:spTree>
+    <p:extLst>
+      <p:ext uri="{BB962C8B-B14F-4D97-AF65-F5344CB8AC3E}">
+        <p14:creationId xmlns:p14="http://schemas.microsoft.com/office/powerpoint/2010/main" val="932500028"/>
+      </p:ext>
+    </p:extLst>
+  </p:cSld>
+  <p:clrMapOvr>
+    <a:masterClrMapping/>
+  </p:clrMapOvr>
+</p:sldLayout>
+</file>
+
+<file path=ppt/slideLayouts/slideLayout15.xml><?xml version="1.0" encoding="utf-8"?>
+<p:sldLayout xmlns:a="http://schemas.openxmlformats.org/drawingml/2006/main" xmlns:r="http://schemas.openxmlformats.org/officeDocument/2006/relationships" xmlns:p="http://schemas.openxmlformats.org/presentationml/2006/main" type="obj" preserve="1">
+  <p:cSld name="כותרת ותוכן">
+    <p:spTree>
+      <p:nvGrpSpPr>
+        <p:cNvPr id="1" name=""/>
+        <p:cNvGrpSpPr/>
+        <p:nvPr/>
+      </p:nvGrpSpPr>
+      <p:grpSpPr>
+        <a:xfrm>
+          <a:off x="0" y="0"/>
+          <a:ext cx="0" cy="0"/>
+          <a:chOff x="0" y="0"/>
+          <a:chExt cx="0" cy="0"/>
+        </a:xfrm>
+      </p:grpSpPr>
+      <p:sp>
+        <p:nvSpPr>
+          <p:cNvPr id="2" name="Title 1"/>
+          <p:cNvSpPr>
+            <a:spLocks noGrp="1"/>
+          </p:cNvSpPr>
+          <p:nvPr>
+            <p:ph type="title"/>
+          </p:nvPr>
+        </p:nvSpPr>
+        <p:spPr/>
+        <p:txBody>
+          <a:bodyPr/>
+          <a:lstStyle/>
+          <a:p>
+            <a:r>
+              <a:rPr lang="he-IL"/>
+              <a:t>לחץ כדי לערוך סגנון כותרת של תבנית בסיס</a:t>
+            </a:r>
+            <a:endParaRPr lang="en-US" dirty="0"/>
+          </a:p>
+        </p:txBody>
+      </p:sp>
+      <p:sp>
+        <p:nvSpPr>
+          <p:cNvPr id="3" name="Content Placeholder 2"/>
+          <p:cNvSpPr>
+            <a:spLocks noGrp="1"/>
+          </p:cNvSpPr>
+          <p:nvPr>
+            <p:ph idx="1"/>
+          </p:nvPr>
+        </p:nvSpPr>
+        <p:spPr/>
+        <p:txBody>
+          <a:bodyPr/>
+          <a:lstStyle/>
+          <a:p>
+            <a:pPr lvl="0"/>
+            <a:r>
+              <a:rPr lang="he-IL"/>
+              <a:t>ערוך סגנונות טקסט של תבנית בסיס</a:t>
+            </a:r>
+          </a:p>
+          <a:p>
+            <a:pPr lvl="1"/>
+            <a:r>
+              <a:rPr lang="he-IL"/>
+              <a:t>רמה שניה</a:t>
+            </a:r>
+          </a:p>
+          <a:p>
+            <a:pPr lvl="2"/>
+            <a:r>
+              <a:rPr lang="he-IL"/>
+              <a:t>רמה שלישית</a:t>
+            </a:r>
+          </a:p>
+          <a:p>
+            <a:pPr lvl="3"/>
+            <a:r>
+              <a:rPr lang="he-IL"/>
+              <a:t>רמה רביעית</a:t>
+            </a:r>
+          </a:p>
+          <a:p>
+            <a:pPr lvl="4"/>
+            <a:r>
+              <a:rPr lang="he-IL"/>
+              <a:t>רמה חמישית</a:t>
+            </a:r>
+            <a:endParaRPr lang="en-US" dirty="0"/>
+          </a:p>
+        </p:txBody>
+      </p:sp>
+      <p:sp>
+        <p:nvSpPr>
+          <p:cNvPr id="4" name="Date Placeholder 3"/>
+          <p:cNvSpPr>
+            <a:spLocks noGrp="1"/>
+          </p:cNvSpPr>
+          <p:nvPr>
+            <p:ph type="dt" sz="half" idx="10"/>
+          </p:nvPr>
+        </p:nvSpPr>
+        <p:spPr/>
+        <p:txBody>
+          <a:bodyPr/>
+          <a:lstStyle/>
+          <a:p>
+            <a:fld id="{7A338D65-5DC5-4A3F-8C30-DDCB78553476}" type="datetime1">
+              <a:rPr lang="en-US" smtClean="0"/>
+              <a:t>10/8/2017</a:t>
+            </a:fld>
+            <a:endParaRPr lang="en-US" dirty="0"/>
+          </a:p>
+        </p:txBody>
+      </p:sp>
+      <p:sp>
+        <p:nvSpPr>
+          <p:cNvPr id="5" name="Footer Placeholder 4"/>
+          <p:cNvSpPr>
+            <a:spLocks noGrp="1"/>
+          </p:cNvSpPr>
+          <p:nvPr>
+            <p:ph type="ftr" sz="quarter" idx="11"/>
+          </p:nvPr>
+        </p:nvSpPr>
+        <p:spPr/>
+        <p:txBody>
+          <a:bodyPr/>
+          <a:lstStyle/>
+          <a:p>
+            <a:endParaRPr lang="en-US" dirty="0"/>
+          </a:p>
+        </p:txBody>
+      </p:sp>
+      <p:sp>
+        <p:nvSpPr>
+          <p:cNvPr id="6" name="Slide Number Placeholder 5"/>
+          <p:cNvSpPr>
+            <a:spLocks noGrp="1"/>
+          </p:cNvSpPr>
+          <p:nvPr>
+            <p:ph type="sldNum" sz="quarter" idx="12"/>
+          </p:nvPr>
+        </p:nvSpPr>
+        <p:spPr/>
+        <p:txBody>
+          <a:bodyPr/>
+          <a:lstStyle/>
+          <a:p>
+            <a:fld id="{28EC0DFB-B55B-494E-B27A-B4FF8B9EF525}" type="slidenum">
+              <a:rPr lang="en-US" smtClean="0"/>
+              <a:t>‹#›</a:t>
+            </a:fld>
+            <a:endParaRPr lang="en-US" dirty="0"/>
+          </a:p>
+        </p:txBody>
+      </p:sp>
+    </p:spTree>
+    <p:extLst>
+      <p:ext uri="{BB962C8B-B14F-4D97-AF65-F5344CB8AC3E}">
+        <p14:creationId xmlns:p14="http://schemas.microsoft.com/office/powerpoint/2010/main" val="3704489906"/>
+      </p:ext>
+    </p:extLst>
+  </p:cSld>
+  <p:clrMapOvr>
+    <a:masterClrMapping/>
+  </p:clrMapOvr>
+</p:sldLayout>
+</file>
+
+<file path=ppt/slideLayouts/slideLayout16.xml><?xml version="1.0" encoding="utf-8"?>
+<p:sldLayout xmlns:a="http://schemas.openxmlformats.org/drawingml/2006/main" xmlns:r="http://schemas.openxmlformats.org/officeDocument/2006/relationships" xmlns:p="http://schemas.openxmlformats.org/presentationml/2006/main" type="secHead" preserve="1">
+  <p:cSld name="כותרת מקטע עליונה">
+    <p:spTree>
+      <p:nvGrpSpPr>
+        <p:cNvPr id="1" name=""/>
+        <p:cNvGrpSpPr/>
+        <p:nvPr/>
+      </p:nvGrpSpPr>
+      <p:grpSpPr>
+        <a:xfrm>
+          <a:off x="0" y="0"/>
+          <a:ext cx="0" cy="0"/>
+          <a:chOff x="0" y="0"/>
+          <a:chExt cx="0" cy="0"/>
+        </a:xfrm>
+      </p:grpSpPr>
+      <p:sp>
+        <p:nvSpPr>
+          <p:cNvPr id="2" name="Title 1"/>
+          <p:cNvSpPr>
+            <a:spLocks noGrp="1"/>
+          </p:cNvSpPr>
+          <p:nvPr>
+            <p:ph type="title"/>
+          </p:nvPr>
+        </p:nvSpPr>
+        <p:spPr>
+          <a:xfrm>
+            <a:off x="831850" y="1709738"/>
+            <a:ext cx="10515600" cy="2852737"/>
+          </a:xfrm>
+        </p:spPr>
+        <p:txBody>
+          <a:bodyPr anchor="b"/>
+          <a:lstStyle>
+            <a:lvl1pPr>
+              <a:defRPr sz="6000"/>
+            </a:lvl1pPr>
+          </a:lstStyle>
+          <a:p>
+            <a:r>
+              <a:rPr lang="he-IL"/>
+              <a:t>לחץ כדי לערוך סגנון כותרת של תבנית בסיס</a:t>
+            </a:r>
+            <a:endParaRPr lang="en-US" dirty="0"/>
+          </a:p>
+        </p:txBody>
+      </p:sp>
+      <p:sp>
+        <p:nvSpPr>
+          <p:cNvPr id="3" name="Text Placeholder 2"/>
+          <p:cNvSpPr>
+            <a:spLocks noGrp="1"/>
+          </p:cNvSpPr>
+          <p:nvPr>
+            <p:ph type="body" idx="1"/>
+          </p:nvPr>
+        </p:nvSpPr>
+        <p:spPr>
+          <a:xfrm>
+            <a:off x="831850" y="4589463"/>
+            <a:ext cx="10515600" cy="1500187"/>
+          </a:xfrm>
+        </p:spPr>
+        <p:txBody>
+          <a:bodyPr/>
+          <a:lstStyle>
+            <a:lvl1pPr marL="0" indent="0">
+              <a:buNone/>
+              <a:defRPr sz="2400">
+                <a:solidFill>
+                  <a:schemeClr val="tx1">
+                    <a:tint val="75000"/>
+                  </a:schemeClr>
+                </a:solidFill>
+              </a:defRPr>
+            </a:lvl1pPr>
+            <a:lvl2pPr marL="457200" indent="0">
+              <a:buNone/>
+              <a:defRPr sz="2000">
+                <a:solidFill>
+                  <a:schemeClr val="tx1">
+                    <a:tint val="75000"/>
+                  </a:schemeClr>
+                </a:solidFill>
+              </a:defRPr>
+            </a:lvl2pPr>
+            <a:lvl3pPr marL="914400" indent="0">
+              <a:buNone/>
+              <a:defRPr sz="1800">
+                <a:solidFill>
+                  <a:schemeClr val="tx1">
+                    <a:tint val="75000"/>
+                  </a:schemeClr>
+                </a:solidFill>
+              </a:defRPr>
+            </a:lvl3pPr>
+            <a:lvl4pPr marL="1371600" indent="0">
+              <a:buNone/>
+              <a:defRPr sz="1600">
+                <a:solidFill>
+                  <a:schemeClr val="tx1">
+                    <a:tint val="75000"/>
+                  </a:schemeClr>
+                </a:solidFill>
+              </a:defRPr>
+            </a:lvl4pPr>
+            <a:lvl5pPr marL="1828800" indent="0">
+              <a:buNone/>
+              <a:defRPr sz="1600">
+                <a:solidFill>
+                  <a:schemeClr val="tx1">
+                    <a:tint val="75000"/>
+                  </a:schemeClr>
+                </a:solidFill>
+              </a:defRPr>
+            </a:lvl5pPr>
+            <a:lvl6pPr marL="2286000" indent="0">
+              <a:buNone/>
+              <a:defRPr sz="1600">
+                <a:solidFill>
+                  <a:schemeClr val="tx1">
+                    <a:tint val="75000"/>
+                  </a:schemeClr>
+                </a:solidFill>
+              </a:defRPr>
+            </a:lvl6pPr>
+            <a:lvl7pPr marL="2743200" indent="0">
+              <a:buNone/>
+              <a:defRPr sz="1600">
+                <a:solidFill>
+                  <a:schemeClr val="tx1">
+                    <a:tint val="75000"/>
+                  </a:schemeClr>
+                </a:solidFill>
+              </a:defRPr>
+            </a:lvl7pPr>
+            <a:lvl8pPr marL="3200400" indent="0">
+              <a:buNone/>
+              <a:defRPr sz="1600">
+                <a:solidFill>
+                  <a:schemeClr val="tx1">
+                    <a:tint val="75000"/>
+                  </a:schemeClr>
+                </a:solidFill>
+              </a:defRPr>
+            </a:lvl8pPr>
+            <a:lvl9pPr marL="3657600" indent="0">
+              <a:buNone/>
+              <a:defRPr sz="1600">
+                <a:solidFill>
+                  <a:schemeClr val="tx1">
+                    <a:tint val="75000"/>
+                  </a:schemeClr>
+                </a:solidFill>
+              </a:defRPr>
+            </a:lvl9pPr>
+          </a:lstStyle>
+          <a:p>
+            <a:pPr lvl="0"/>
+            <a:r>
+              <a:rPr lang="he-IL"/>
+              <a:t>ערוך סגנונות טקסט של תבנית בסיס</a:t>
+            </a:r>
+          </a:p>
+        </p:txBody>
+      </p:sp>
+      <p:sp>
+        <p:nvSpPr>
+          <p:cNvPr id="4" name="Date Placeholder 3"/>
+          <p:cNvSpPr>
+            <a:spLocks noGrp="1"/>
+          </p:cNvSpPr>
+          <p:nvPr>
+            <p:ph type="dt" sz="half" idx="10"/>
+          </p:nvPr>
+        </p:nvSpPr>
+        <p:spPr/>
+        <p:txBody>
+          <a:bodyPr/>
+          <a:lstStyle/>
+          <a:p>
+            <a:fld id="{2E52C290-29B8-4481-ABCC-4124D7F2A3F8}" type="datetime1">
+              <a:rPr lang="en-US" smtClean="0"/>
+              <a:t>10/8/2017</a:t>
+            </a:fld>
+            <a:endParaRPr lang="en-US" dirty="0"/>
+          </a:p>
+        </p:txBody>
+      </p:sp>
+      <p:sp>
+        <p:nvSpPr>
+          <p:cNvPr id="5" name="Footer Placeholder 4"/>
+          <p:cNvSpPr>
+            <a:spLocks noGrp="1"/>
+          </p:cNvSpPr>
+          <p:nvPr>
+            <p:ph type="ftr" sz="quarter" idx="11"/>
+          </p:nvPr>
+        </p:nvSpPr>
+        <p:spPr/>
+        <p:txBody>
+          <a:bodyPr/>
+          <a:lstStyle/>
+          <a:p>
+            <a:endParaRPr lang="en-US" dirty="0"/>
+          </a:p>
+        </p:txBody>
+      </p:sp>
+      <p:sp>
+        <p:nvSpPr>
+          <p:cNvPr id="6" name="Slide Number Placeholder 5"/>
+          <p:cNvSpPr>
+            <a:spLocks noGrp="1"/>
+          </p:cNvSpPr>
+          <p:nvPr>
+            <p:ph type="sldNum" sz="quarter" idx="12"/>
+          </p:nvPr>
+        </p:nvSpPr>
+        <p:spPr/>
+        <p:txBody>
+          <a:bodyPr/>
+          <a:lstStyle/>
+          <a:p>
+            <a:fld id="{28EC0DFB-B55B-494E-B27A-B4FF8B9EF525}" type="slidenum">
+              <a:rPr lang="en-US" smtClean="0"/>
+              <a:t>‹#›</a:t>
+            </a:fld>
+            <a:endParaRPr lang="en-US" dirty="0"/>
+          </a:p>
+        </p:txBody>
+      </p:sp>
+    </p:spTree>
+    <p:extLst>
+      <p:ext uri="{BB962C8B-B14F-4D97-AF65-F5344CB8AC3E}">
+        <p14:creationId xmlns:p14="http://schemas.microsoft.com/office/powerpoint/2010/main" val="607832472"/>
+      </p:ext>
+    </p:extLst>
+  </p:cSld>
+  <p:clrMapOvr>
+    <a:masterClrMapping/>
+  </p:clrMapOvr>
+</p:sldLayout>
+</file>
+
+<file path=ppt/slideLayouts/slideLayout17.xml><?xml version="1.0" encoding="utf-8"?>
+<p:sldLayout xmlns:a="http://schemas.openxmlformats.org/drawingml/2006/main" xmlns:r="http://schemas.openxmlformats.org/officeDocument/2006/relationships" xmlns:p="http://schemas.openxmlformats.org/presentationml/2006/main" type="twoObj" preserve="1">
+  <p:cSld name="שני תכנים">
+    <p:spTree>
+      <p:nvGrpSpPr>
+        <p:cNvPr id="1" name=""/>
+        <p:cNvGrpSpPr/>
+        <p:nvPr/>
+      </p:nvGrpSpPr>
+      <p:grpSpPr>
+        <a:xfrm>
+          <a:off x="0" y="0"/>
+          <a:ext cx="0" cy="0"/>
+          <a:chOff x="0" y="0"/>
+          <a:chExt cx="0" cy="0"/>
+        </a:xfrm>
+      </p:grpSpPr>
+      <p:sp>
+        <p:nvSpPr>
+          <p:cNvPr id="2" name="Title 1"/>
+          <p:cNvSpPr>
+            <a:spLocks noGrp="1"/>
+          </p:cNvSpPr>
+          <p:nvPr>
+            <p:ph type="title"/>
+          </p:nvPr>
+        </p:nvSpPr>
+        <p:spPr/>
+        <p:txBody>
+          <a:bodyPr/>
+          <a:lstStyle/>
+          <a:p>
+            <a:r>
+              <a:rPr lang="he-IL"/>
+              <a:t>לחץ כדי לערוך סגנון כותרת של תבנית בסיס</a:t>
+            </a:r>
+            <a:endParaRPr lang="en-US" dirty="0"/>
+          </a:p>
+        </p:txBody>
+      </p:sp>
+      <p:sp>
+        <p:nvSpPr>
+          <p:cNvPr id="3" name="Content Placeholder 2"/>
+          <p:cNvSpPr>
+            <a:spLocks noGrp="1"/>
+          </p:cNvSpPr>
+          <p:nvPr>
+            <p:ph sz="half" idx="1"/>
+          </p:nvPr>
+        </p:nvSpPr>
+        <p:spPr>
+          <a:xfrm>
+            <a:off x="838200" y="1825625"/>
+            <a:ext cx="5181600" cy="4351338"/>
+          </a:xfrm>
+        </p:spPr>
+        <p:txBody>
+          <a:bodyPr/>
+          <a:lstStyle/>
+          <a:p>
+            <a:pPr lvl="0"/>
+            <a:r>
+              <a:rPr lang="he-IL"/>
+              <a:t>ערוך סגנונות טקסט של תבנית בסיס</a:t>
+            </a:r>
+          </a:p>
+          <a:p>
+            <a:pPr lvl="1"/>
+            <a:r>
+              <a:rPr lang="he-IL"/>
+              <a:t>רמה שניה</a:t>
+            </a:r>
+          </a:p>
+          <a:p>
+            <a:pPr lvl="2"/>
+            <a:r>
+              <a:rPr lang="he-IL"/>
+              <a:t>רמה שלישית</a:t>
+            </a:r>
+          </a:p>
+          <a:p>
+            <a:pPr lvl="3"/>
+            <a:r>
+              <a:rPr lang="he-IL"/>
+              <a:t>רמה רביעית</a:t>
+            </a:r>
+          </a:p>
+          <a:p>
+            <a:pPr lvl="4"/>
+            <a:r>
+              <a:rPr lang="he-IL"/>
+              <a:t>רמה חמישית</a:t>
+            </a:r>
+            <a:endParaRPr lang="en-US" dirty="0"/>
+          </a:p>
+        </p:txBody>
+      </p:sp>
+      <p:sp>
+        <p:nvSpPr>
+          <p:cNvPr id="4" name="Content Placeholder 3"/>
+          <p:cNvSpPr>
+            <a:spLocks noGrp="1"/>
+          </p:cNvSpPr>
+          <p:nvPr>
+            <p:ph sz="half" idx="2"/>
+          </p:nvPr>
+        </p:nvSpPr>
+        <p:spPr>
+          <a:xfrm>
+            <a:off x="6172200" y="1825625"/>
+            <a:ext cx="5181600" cy="4351338"/>
+          </a:xfrm>
+        </p:spPr>
+        <p:txBody>
+          <a:bodyPr/>
+          <a:lstStyle/>
+          <a:p>
+            <a:pPr lvl="0"/>
+            <a:r>
+              <a:rPr lang="he-IL"/>
+              <a:t>ערוך סגנונות טקסט של תבנית בסיס</a:t>
+            </a:r>
+          </a:p>
+          <a:p>
+            <a:pPr lvl="1"/>
+            <a:r>
+              <a:rPr lang="he-IL"/>
+              <a:t>רמה שניה</a:t>
+            </a:r>
+          </a:p>
+          <a:p>
+            <a:pPr lvl="2"/>
+            <a:r>
+              <a:rPr lang="he-IL"/>
+              <a:t>רמה שלישית</a:t>
+            </a:r>
+          </a:p>
+          <a:p>
+            <a:pPr lvl="3"/>
+            <a:r>
+              <a:rPr lang="he-IL"/>
+              <a:t>רמה רביעית</a:t>
+            </a:r>
+          </a:p>
+          <a:p>
+            <a:pPr lvl="4"/>
+            <a:r>
+              <a:rPr lang="he-IL"/>
+              <a:t>רמה חמישית</a:t>
+            </a:r>
+            <a:endParaRPr lang="en-US" dirty="0"/>
+          </a:p>
+        </p:txBody>
+      </p:sp>
+      <p:sp>
+        <p:nvSpPr>
+          <p:cNvPr id="5" name="Date Placeholder 4"/>
+          <p:cNvSpPr>
+            <a:spLocks noGrp="1"/>
+          </p:cNvSpPr>
+          <p:nvPr>
+            <p:ph type="dt" sz="half" idx="10"/>
+          </p:nvPr>
+        </p:nvSpPr>
+        <p:spPr/>
+        <p:txBody>
+          <a:bodyPr/>
+          <a:lstStyle/>
+          <a:p>
+            <a:fld id="{64134C16-AE74-463C-95A5-0B65E535CDAC}" type="datetime1">
+              <a:rPr lang="en-US" smtClean="0"/>
+              <a:t>10/8/2017</a:t>
+            </a:fld>
+            <a:endParaRPr lang="en-US" dirty="0"/>
+          </a:p>
+        </p:txBody>
+      </p:sp>
+      <p:sp>
+        <p:nvSpPr>
+          <p:cNvPr id="6" name="Footer Placeholder 5"/>
+          <p:cNvSpPr>
+            <a:spLocks noGrp="1"/>
+          </p:cNvSpPr>
+          <p:nvPr>
+            <p:ph type="ftr" sz="quarter" idx="11"/>
+          </p:nvPr>
+        </p:nvSpPr>
+        <p:spPr/>
+        <p:txBody>
+          <a:bodyPr/>
+          <a:lstStyle/>
+          <a:p>
+            <a:endParaRPr lang="en-US" dirty="0"/>
+          </a:p>
+        </p:txBody>
+      </p:sp>
+      <p:sp>
+        <p:nvSpPr>
+          <p:cNvPr id="7" name="Slide Number Placeholder 6"/>
+          <p:cNvSpPr>
+            <a:spLocks noGrp="1"/>
+          </p:cNvSpPr>
+          <p:nvPr>
+            <p:ph type="sldNum" sz="quarter" idx="12"/>
+          </p:nvPr>
+        </p:nvSpPr>
+        <p:spPr/>
+        <p:txBody>
+          <a:bodyPr/>
+          <a:lstStyle/>
+          <a:p>
+            <a:fld id="{28EC0DFB-B55B-494E-B27A-B4FF8B9EF525}" type="slidenum">
+              <a:rPr lang="en-US" smtClean="0"/>
+              <a:t>‹#›</a:t>
+            </a:fld>
+            <a:endParaRPr lang="en-US" dirty="0"/>
+          </a:p>
+        </p:txBody>
+      </p:sp>
+    </p:spTree>
+    <p:extLst>
+      <p:ext uri="{BB962C8B-B14F-4D97-AF65-F5344CB8AC3E}">
+        <p14:creationId xmlns:p14="http://schemas.microsoft.com/office/powerpoint/2010/main" val="2397860716"/>
+      </p:ext>
+    </p:extLst>
+  </p:cSld>
+  <p:clrMapOvr>
+    <a:masterClrMapping/>
+  </p:clrMapOvr>
+</p:sldLayout>
+</file>
+
+<file path=ppt/slideLayouts/slideLayout18.xml><?xml version="1.0" encoding="utf-8"?>
+<p:sldLayout xmlns:a="http://schemas.openxmlformats.org/drawingml/2006/main" xmlns:r="http://schemas.openxmlformats.org/officeDocument/2006/relationships" xmlns:p="http://schemas.openxmlformats.org/presentationml/2006/main" type="twoTxTwoObj" preserve="1">
+  <p:cSld name="השוואה">
+    <p:spTree>
+      <p:nvGrpSpPr>
+        <p:cNvPr id="1" name=""/>
+        <p:cNvGrpSpPr/>
+        <p:nvPr/>
+      </p:nvGrpSpPr>
+      <p:grpSpPr>
+        <a:xfrm>
+          <a:off x="0" y="0"/>
+          <a:ext cx="0" cy="0"/>
+          <a:chOff x="0" y="0"/>
+          <a:chExt cx="0" cy="0"/>
+        </a:xfrm>
+      </p:grpSpPr>
+      <p:sp>
+        <p:nvSpPr>
+          <p:cNvPr id="2" name="Title 1"/>
+          <p:cNvSpPr>
+            <a:spLocks noGrp="1"/>
+          </p:cNvSpPr>
+          <p:nvPr>
+            <p:ph type="title"/>
+          </p:nvPr>
+        </p:nvSpPr>
+        <p:spPr>
+          <a:xfrm>
+            <a:off x="839788" y="365125"/>
+            <a:ext cx="10515600" cy="1325563"/>
+          </a:xfrm>
+        </p:spPr>
+        <p:txBody>
+          <a:bodyPr/>
+          <a:lstStyle/>
+          <a:p>
+            <a:r>
+              <a:rPr lang="he-IL"/>
+              <a:t>לחץ כדי לערוך סגנון כותרת של תבנית בסיס</a:t>
+            </a:r>
+            <a:endParaRPr lang="en-US" dirty="0"/>
+          </a:p>
+        </p:txBody>
+      </p:sp>
+      <p:sp>
+        <p:nvSpPr>
+          <p:cNvPr id="3" name="Text Placeholder 2"/>
+          <p:cNvSpPr>
+            <a:spLocks noGrp="1"/>
+          </p:cNvSpPr>
+          <p:nvPr>
+            <p:ph type="body" idx="1"/>
+          </p:nvPr>
+        </p:nvSpPr>
+        <p:spPr>
+          <a:xfrm>
+            <a:off x="839788" y="1681163"/>
+            <a:ext cx="5157787" cy="823912"/>
+          </a:xfrm>
+        </p:spPr>
+        <p:txBody>
+          <a:bodyPr anchor="b"/>
+          <a:lstStyle>
+            <a:lvl1pPr marL="0" indent="0">
+              <a:buNone/>
+              <a:defRPr sz="2400" b="1"/>
+            </a:lvl1pPr>
+            <a:lvl2pPr marL="457200" indent="0">
+              <a:buNone/>
+              <a:defRPr sz="2000" b="1"/>
+            </a:lvl2pPr>
+            <a:lvl3pPr marL="914400" indent="0">
+              <a:buNone/>
+              <a:defRPr sz="1800" b="1"/>
+            </a:lvl3pPr>
+            <a:lvl4pPr marL="1371600" indent="0">
+              <a:buNone/>
+              <a:defRPr sz="1600" b="1"/>
+            </a:lvl4pPr>
+            <a:lvl5pPr marL="1828800" indent="0">
+              <a:buNone/>
+              <a:defRPr sz="1600" b="1"/>
+            </a:lvl5pPr>
+            <a:lvl6pPr marL="2286000" indent="0">
+              <a:buNone/>
+              <a:defRPr sz="1600" b="1"/>
+            </a:lvl6pPr>
+            <a:lvl7pPr marL="2743200" indent="0">
+              <a:buNone/>
+              <a:defRPr sz="1600" b="1"/>
+            </a:lvl7pPr>
+            <a:lvl8pPr marL="3200400" indent="0">
+              <a:buNone/>
+              <a:defRPr sz="1600" b="1"/>
+            </a:lvl8pPr>
+            <a:lvl9pPr marL="3657600" indent="0">
+              <a:buNone/>
+              <a:defRPr sz="1600" b="1"/>
+            </a:lvl9pPr>
+          </a:lstStyle>
+          <a:p>
+            <a:pPr lvl="0"/>
+            <a:r>
+              <a:rPr lang="he-IL"/>
+              <a:t>ערוך סגנונות טקסט של תבנית בסיס</a:t>
+            </a:r>
+          </a:p>
+        </p:txBody>
+      </p:sp>
+      <p:sp>
+        <p:nvSpPr>
+          <p:cNvPr id="4" name="Content Placeholder 3"/>
+          <p:cNvSpPr>
+            <a:spLocks noGrp="1"/>
+          </p:cNvSpPr>
+          <p:nvPr>
+            <p:ph sz="half" idx="2"/>
+          </p:nvPr>
+        </p:nvSpPr>
+        <p:spPr>
+          <a:xfrm>
+            <a:off x="839788" y="2505075"/>
+            <a:ext cx="5157787" cy="3684588"/>
+          </a:xfrm>
+        </p:spPr>
+        <p:txBody>
+          <a:bodyPr/>
+          <a:lstStyle/>
+          <a:p>
+            <a:pPr lvl="0"/>
+            <a:r>
+              <a:rPr lang="he-IL"/>
+              <a:t>ערוך סגנונות טקסט של תבנית בסיס</a:t>
+            </a:r>
+          </a:p>
+          <a:p>
+            <a:pPr lvl="1"/>
+            <a:r>
+              <a:rPr lang="he-IL"/>
+              <a:t>רמה שניה</a:t>
+            </a:r>
+          </a:p>
+          <a:p>
+            <a:pPr lvl="2"/>
+            <a:r>
+              <a:rPr lang="he-IL"/>
+              <a:t>רמה שלישית</a:t>
+            </a:r>
+          </a:p>
+          <a:p>
+            <a:pPr lvl="3"/>
+            <a:r>
+              <a:rPr lang="he-IL"/>
+              <a:t>רמה רביעית</a:t>
+            </a:r>
+          </a:p>
+          <a:p>
+            <a:pPr lvl="4"/>
+            <a:r>
+              <a:rPr lang="he-IL"/>
+              <a:t>רמה חמישית</a:t>
+            </a:r>
+            <a:endParaRPr lang="en-US" dirty="0"/>
+          </a:p>
+        </p:txBody>
+      </p:sp>
+      <p:sp>
+        <p:nvSpPr>
+          <p:cNvPr id="5" name="Text Placeholder 4"/>
+          <p:cNvSpPr>
+            <a:spLocks noGrp="1"/>
+          </p:cNvSpPr>
+          <p:nvPr>
+            <p:ph type="body" sz="quarter" idx="3"/>
+          </p:nvPr>
+        </p:nvSpPr>
+        <p:spPr>
+          <a:xfrm>
+            <a:off x="6172200" y="1681163"/>
+            <a:ext cx="5183188" cy="823912"/>
+          </a:xfrm>
+        </p:spPr>
+        <p:txBody>
+          <a:bodyPr anchor="b"/>
+          <a:lstStyle>
+            <a:lvl1pPr marL="0" indent="0">
+              <a:buNone/>
+              <a:defRPr sz="2400" b="1"/>
+            </a:lvl1pPr>
+            <a:lvl2pPr marL="457200" indent="0">
+              <a:buNone/>
+              <a:defRPr sz="2000" b="1"/>
+            </a:lvl2pPr>
+            <a:lvl3pPr marL="914400" indent="0">
+              <a:buNone/>
+              <a:defRPr sz="1800" b="1"/>
+            </a:lvl3pPr>
+            <a:lvl4pPr marL="1371600" indent="0">
+              <a:buNone/>
+              <a:defRPr sz="1600" b="1"/>
+            </a:lvl4pPr>
+            <a:lvl5pPr marL="1828800" indent="0">
+              <a:buNone/>
+              <a:defRPr sz="1600" b="1"/>
+            </a:lvl5pPr>
+            <a:lvl6pPr marL="2286000" indent="0">
+              <a:buNone/>
+              <a:defRPr sz="1600" b="1"/>
+            </a:lvl6pPr>
+            <a:lvl7pPr marL="2743200" indent="0">
+              <a:buNone/>
+              <a:defRPr sz="1600" b="1"/>
+            </a:lvl7pPr>
+            <a:lvl8pPr marL="3200400" indent="0">
+              <a:buNone/>
+              <a:defRPr sz="1600" b="1"/>
+            </a:lvl8pPr>
+            <a:lvl9pPr marL="3657600" indent="0">
+              <a:buNone/>
+              <a:defRPr sz="1600" b="1"/>
+            </a:lvl9pPr>
+          </a:lstStyle>
+          <a:p>
+            <a:pPr lvl="0"/>
+            <a:r>
+              <a:rPr lang="he-IL"/>
+              <a:t>ערוך סגנונות טקסט של תבנית בסיס</a:t>
+            </a:r>
+          </a:p>
+        </p:txBody>
+      </p:sp>
+      <p:sp>
+        <p:nvSpPr>
+          <p:cNvPr id="6" name="Content Placeholder 5"/>
+          <p:cNvSpPr>
+            <a:spLocks noGrp="1"/>
+          </p:cNvSpPr>
+          <p:nvPr>
+            <p:ph sz="quarter" idx="4"/>
+          </p:nvPr>
+        </p:nvSpPr>
+        <p:spPr>
+          <a:xfrm>
+            <a:off x="6172200" y="2505075"/>
+            <a:ext cx="5183188" cy="3684588"/>
+          </a:xfrm>
+        </p:spPr>
+        <p:txBody>
+          <a:bodyPr/>
+          <a:lstStyle/>
+          <a:p>
+            <a:pPr lvl="0"/>
+            <a:r>
+              <a:rPr lang="he-IL"/>
+              <a:t>ערוך סגנונות טקסט של תבנית בסיס</a:t>
+            </a:r>
+          </a:p>
+          <a:p>
+            <a:pPr lvl="1"/>
+            <a:r>
+              <a:rPr lang="he-IL"/>
+              <a:t>רמה שניה</a:t>
+            </a:r>
+          </a:p>
+          <a:p>
+            <a:pPr lvl="2"/>
+            <a:r>
+              <a:rPr lang="he-IL"/>
+              <a:t>רמה שלישית</a:t>
+            </a:r>
+          </a:p>
+          <a:p>
+            <a:pPr lvl="3"/>
+            <a:r>
+              <a:rPr lang="he-IL"/>
+              <a:t>רמה רביעית</a:t>
+            </a:r>
+          </a:p>
+          <a:p>
+            <a:pPr lvl="4"/>
+            <a:r>
+              <a:rPr lang="he-IL"/>
+              <a:t>רמה חמישית</a:t>
+            </a:r>
+            <a:endParaRPr lang="en-US" dirty="0"/>
+          </a:p>
+        </p:txBody>
+      </p:sp>
+      <p:sp>
+        <p:nvSpPr>
+          <p:cNvPr id="7" name="Date Placeholder 6"/>
+          <p:cNvSpPr>
+            <a:spLocks noGrp="1"/>
+          </p:cNvSpPr>
+          <p:nvPr>
+            <p:ph type="dt" sz="half" idx="10"/>
+          </p:nvPr>
+        </p:nvSpPr>
+        <p:spPr/>
+        <p:txBody>
+          <a:bodyPr/>
+          <a:lstStyle/>
+          <a:p>
+            <a:fld id="{43A498BB-9293-4519-BFD9-0EC14B22A0B9}" type="datetime1">
+              <a:rPr lang="en-US" smtClean="0"/>
+              <a:t>10/8/2017</a:t>
+            </a:fld>
+            <a:endParaRPr lang="en-US" dirty="0"/>
+          </a:p>
+        </p:txBody>
+      </p:sp>
+      <p:sp>
+        <p:nvSpPr>
+          <p:cNvPr id="8" name="Footer Placeholder 7"/>
+          <p:cNvSpPr>
+            <a:spLocks noGrp="1"/>
+          </p:cNvSpPr>
+          <p:nvPr>
+            <p:ph type="ftr" sz="quarter" idx="11"/>
+          </p:nvPr>
+        </p:nvSpPr>
+        <p:spPr/>
+        <p:txBody>
+          <a:bodyPr/>
+          <a:lstStyle/>
+          <a:p>
+            <a:endParaRPr lang="en-US" dirty="0"/>
+          </a:p>
+        </p:txBody>
+      </p:sp>
+      <p:sp>
+        <p:nvSpPr>
+          <p:cNvPr id="9" name="Slide Number Placeholder 8"/>
+          <p:cNvSpPr>
+            <a:spLocks noGrp="1"/>
+          </p:cNvSpPr>
+          <p:nvPr>
+            <p:ph type="sldNum" sz="quarter" idx="12"/>
+          </p:nvPr>
+        </p:nvSpPr>
+        <p:spPr/>
+        <p:txBody>
+          <a:bodyPr/>
+          <a:lstStyle/>
+          <a:p>
+            <a:fld id="{28EC0DFB-B55B-494E-B27A-B4FF8B9EF525}" type="slidenum">
+              <a:rPr lang="en-US" smtClean="0"/>
+              <a:t>‹#›</a:t>
+            </a:fld>
+            <a:endParaRPr lang="en-US" dirty="0"/>
+          </a:p>
+        </p:txBody>
+      </p:sp>
+    </p:spTree>
+    <p:extLst>
+      <p:ext uri="{BB962C8B-B14F-4D97-AF65-F5344CB8AC3E}">
+        <p14:creationId xmlns:p14="http://schemas.microsoft.com/office/powerpoint/2010/main" val="3161955322"/>
+      </p:ext>
+    </p:extLst>
+  </p:cSld>
+  <p:clrMapOvr>
+    <a:masterClrMapping/>
+  </p:clrMapOvr>
+</p:sldLayout>
+</file>
+
+<file path=ppt/slideLayouts/slideLayout19.xml><?xml version="1.0" encoding="utf-8"?>
+<p:sldLayout xmlns:a="http://schemas.openxmlformats.org/drawingml/2006/main" xmlns:r="http://schemas.openxmlformats.org/officeDocument/2006/relationships" xmlns:p="http://schemas.openxmlformats.org/presentationml/2006/main" type="titleOnly" preserve="1">
+  <p:cSld name="כותרת בלבד">
+    <p:spTree>
+      <p:nvGrpSpPr>
+        <p:cNvPr id="1" name=""/>
+        <p:cNvGrpSpPr/>
+        <p:nvPr/>
+      </p:nvGrpSpPr>
+      <p:grpSpPr>
+        <a:xfrm>
+          <a:off x="0" y="0"/>
+          <a:ext cx="0" cy="0"/>
+          <a:chOff x="0" y="0"/>
+          <a:chExt cx="0" cy="0"/>
+        </a:xfrm>
+      </p:grpSpPr>
+      <p:sp>
+        <p:nvSpPr>
+          <p:cNvPr id="2" name="Title 1"/>
+          <p:cNvSpPr>
+            <a:spLocks noGrp="1"/>
+          </p:cNvSpPr>
+          <p:nvPr>
+            <p:ph type="title"/>
+          </p:nvPr>
+        </p:nvSpPr>
+        <p:spPr/>
+        <p:txBody>
+          <a:bodyPr/>
+          <a:lstStyle/>
+          <a:p>
+            <a:r>
+              <a:rPr lang="he-IL"/>
+              <a:t>לחץ כדי לערוך סגנון כותרת של תבנית בסיס</a:t>
+            </a:r>
+            <a:endParaRPr lang="en-US" dirty="0"/>
+          </a:p>
+        </p:txBody>
+      </p:sp>
+      <p:sp>
+        <p:nvSpPr>
+          <p:cNvPr id="3" name="Date Placeholder 2"/>
+          <p:cNvSpPr>
+            <a:spLocks noGrp="1"/>
+          </p:cNvSpPr>
+          <p:nvPr>
+            <p:ph type="dt" sz="half" idx="10"/>
+          </p:nvPr>
+        </p:nvSpPr>
+        <p:spPr/>
+        <p:txBody>
+          <a:bodyPr/>
+          <a:lstStyle/>
+          <a:p>
+            <a:fld id="{AC8C1306-CAA9-4E4A-AA73-7D073408682F}" type="datetime1">
+              <a:rPr lang="en-US" smtClean="0"/>
+              <a:t>10/8/2017</a:t>
+            </a:fld>
+            <a:endParaRPr lang="en-US" dirty="0"/>
+          </a:p>
+        </p:txBody>
+      </p:sp>
+      <p:sp>
+        <p:nvSpPr>
+          <p:cNvPr id="4" name="Footer Placeholder 3"/>
+          <p:cNvSpPr>
+            <a:spLocks noGrp="1"/>
+          </p:cNvSpPr>
+          <p:nvPr>
+            <p:ph type="ftr" sz="quarter" idx="11"/>
+          </p:nvPr>
+        </p:nvSpPr>
+        <p:spPr/>
+        <p:txBody>
+          <a:bodyPr/>
+          <a:lstStyle/>
+          <a:p>
+            <a:endParaRPr lang="en-US" dirty="0"/>
+          </a:p>
+        </p:txBody>
+      </p:sp>
+      <p:sp>
+        <p:nvSpPr>
+          <p:cNvPr id="5" name="Slide Number Placeholder 4"/>
+          <p:cNvSpPr>
+            <a:spLocks noGrp="1"/>
+          </p:cNvSpPr>
+          <p:nvPr>
+            <p:ph type="sldNum" sz="quarter" idx="12"/>
+          </p:nvPr>
+        </p:nvSpPr>
+        <p:spPr/>
+        <p:txBody>
+          <a:bodyPr/>
+          <a:lstStyle/>
+          <a:p>
+            <a:fld id="{28EC0DFB-B55B-494E-B27A-B4FF8B9EF525}" type="slidenum">
+              <a:rPr lang="en-US" smtClean="0"/>
+              <a:t>‹#›</a:t>
+            </a:fld>
+            <a:endParaRPr lang="en-US" dirty="0"/>
+          </a:p>
+        </p:txBody>
+      </p:sp>
+    </p:spTree>
+    <p:extLst>
+      <p:ext uri="{BB962C8B-B14F-4D97-AF65-F5344CB8AC3E}">
+        <p14:creationId xmlns:p14="http://schemas.microsoft.com/office/powerpoint/2010/main" val="2005447948"/>
       </p:ext>
     </p:extLst>
   </p:cSld>
@@ -1126,13 +2970,7 @@
       </p:grpSpPr>
       <p:sp>
         <p:nvSpPr>
-          <p:cNvPr id="2" name="כותרת 1">
-            <a:extLst>
-              <a:ext uri="{FF2B5EF4-FFF2-40B4-BE49-F238E27FC236}">
-                <a16:creationId xmlns:a16="http://schemas.microsoft.com/office/drawing/2014/main" id="{287A97D3-4A7E-42C2-A4AA-E0DBD48B1F21}"/>
-              </a:ext>
-            </a:extLst>
-          </p:cNvPr>
+          <p:cNvPr id="2" name="Title 1"/>
           <p:cNvSpPr>
             <a:spLocks noGrp="1"/>
           </p:cNvSpPr>
@@ -1149,19 +2987,13 @@
               <a:rPr lang="he-IL"/>
               <a:t>לחץ כדי לערוך סגנון כותרת של תבנית בסיס</a:t>
             </a:r>
-            <a:endParaRPr lang="en-US"/>
-          </a:p>
-        </p:txBody>
-      </p:sp>
-      <p:sp>
-        <p:nvSpPr>
-          <p:cNvPr id="3" name="מציין מיקום תוכן 2">
-            <a:extLst>
-              <a:ext uri="{FF2B5EF4-FFF2-40B4-BE49-F238E27FC236}">
-                <a16:creationId xmlns:a16="http://schemas.microsoft.com/office/drawing/2014/main" id="{2C41DD61-6458-4488-9C30-9551B98B3FE9}"/>
-              </a:ext>
-            </a:extLst>
-          </p:cNvPr>
+            <a:endParaRPr lang="en-US" dirty="0"/>
+          </a:p>
+        </p:txBody>
+      </p:sp>
+      <p:sp>
+        <p:nvSpPr>
+          <p:cNvPr id="3" name="Content Placeholder 2"/>
           <p:cNvSpPr>
             <a:spLocks noGrp="1"/>
           </p:cNvSpPr>
@@ -1207,19 +3039,13 @@
               <a:rPr lang="he-IL"/>
               <a:t>רמה חמישית</a:t>
             </a:r>
-            <a:endParaRPr lang="en-US"/>
-          </a:p>
-        </p:txBody>
-      </p:sp>
-      <p:sp>
-        <p:nvSpPr>
-          <p:cNvPr id="4" name="מציין מיקום של תאריך 3">
-            <a:extLst>
-              <a:ext uri="{FF2B5EF4-FFF2-40B4-BE49-F238E27FC236}">
-                <a16:creationId xmlns:a16="http://schemas.microsoft.com/office/drawing/2014/main" id="{0306E6FF-5C22-4687-9158-4EC0735CE0CE}"/>
-              </a:ext>
-            </a:extLst>
-          </p:cNvPr>
+            <a:endParaRPr lang="en-US" dirty="0"/>
+          </a:p>
+        </p:txBody>
+      </p:sp>
+      <p:sp>
+        <p:nvSpPr>
+          <p:cNvPr id="4" name="Date Placeholder 3"/>
           <p:cNvSpPr>
             <a:spLocks noGrp="1"/>
           </p:cNvSpPr>
@@ -1232,23 +3058,17 @@
           <a:bodyPr/>
           <a:lstStyle/>
           <a:p>
-            <a:fld id="{3CDEC65A-793D-48D9-A90D-089CA926FEAD}" type="datetimeFigureOut">
+            <a:fld id="{E8EDB785-9DBB-4F06-BE0F-BE5D3CC7BC73}" type="datetime1">
               <a:rPr lang="en-US" smtClean="0"/>
-              <a:t>07-Oct-17</a:t>
+              <a:t>10/8/2017</a:t>
             </a:fld>
-            <a:endParaRPr lang="en-US"/>
-          </a:p>
-        </p:txBody>
-      </p:sp>
-      <p:sp>
-        <p:nvSpPr>
-          <p:cNvPr id="5" name="מציין מיקום של כותרת תחתונה 4">
-            <a:extLst>
-              <a:ext uri="{FF2B5EF4-FFF2-40B4-BE49-F238E27FC236}">
-                <a16:creationId xmlns:a16="http://schemas.microsoft.com/office/drawing/2014/main" id="{03BDAB8F-5DEB-4498-AF91-7823329835F4}"/>
-              </a:ext>
-            </a:extLst>
-          </p:cNvPr>
+            <a:endParaRPr lang="en-US" dirty="0"/>
+          </a:p>
+        </p:txBody>
+      </p:sp>
+      <p:sp>
+        <p:nvSpPr>
+          <p:cNvPr id="5" name="Footer Placeholder 4"/>
           <p:cNvSpPr>
             <a:spLocks noGrp="1"/>
           </p:cNvSpPr>
@@ -1261,19 +3081,13 @@
           <a:bodyPr/>
           <a:lstStyle/>
           <a:p>
-            <a:endParaRPr lang="en-US"/>
-          </a:p>
-        </p:txBody>
-      </p:sp>
-      <p:sp>
-        <p:nvSpPr>
-          <p:cNvPr id="6" name="מציין מיקום של מספר שקופית 5">
-            <a:extLst>
-              <a:ext uri="{FF2B5EF4-FFF2-40B4-BE49-F238E27FC236}">
-                <a16:creationId xmlns:a16="http://schemas.microsoft.com/office/drawing/2014/main" id="{3835C6DC-05BA-4B53-96B9-800F84241273}"/>
-              </a:ext>
-            </a:extLst>
-          </p:cNvPr>
+            <a:endParaRPr lang="en-US" dirty="0"/>
+          </a:p>
+        </p:txBody>
+      </p:sp>
+      <p:sp>
+        <p:nvSpPr>
+          <p:cNvPr id="6" name="Slide Number Placeholder 5"/>
           <p:cNvSpPr>
             <a:spLocks noGrp="1"/>
           </p:cNvSpPr>
@@ -1290,14 +3104,14 @@
               <a:rPr lang="en-US" smtClean="0"/>
               <a:t>‹#›</a:t>
             </a:fld>
-            <a:endParaRPr lang="en-US"/>
+            <a:endParaRPr lang="en-US" dirty="0"/>
           </a:p>
         </p:txBody>
       </p:sp>
     </p:spTree>
     <p:extLst>
       <p:ext uri="{BB962C8B-B14F-4D97-AF65-F5344CB8AC3E}">
-        <p14:creationId xmlns:p14="http://schemas.microsoft.com/office/powerpoint/2010/main" val="3282693229"/>
+        <p14:creationId xmlns:p14="http://schemas.microsoft.com/office/powerpoint/2010/main" val="2919372964"/>
       </p:ext>
     </p:extLst>
   </p:cSld>
@@ -1307,1108 +3121,7 @@
 </p:sldLayout>
 </file>
 
-<file path=ppt/slideLayouts/slideLayout3.xml><?xml version="1.0" encoding="utf-8"?>
-<p:sldLayout xmlns:a="http://schemas.openxmlformats.org/drawingml/2006/main" xmlns:r="http://schemas.openxmlformats.org/officeDocument/2006/relationships" xmlns:p="http://schemas.openxmlformats.org/presentationml/2006/main" type="secHead" preserve="1">
-  <p:cSld name="כותרת מקטע עליונה">
-    <p:spTree>
-      <p:nvGrpSpPr>
-        <p:cNvPr id="1" name=""/>
-        <p:cNvGrpSpPr/>
-        <p:nvPr/>
-      </p:nvGrpSpPr>
-      <p:grpSpPr>
-        <a:xfrm>
-          <a:off x="0" y="0"/>
-          <a:ext cx="0" cy="0"/>
-          <a:chOff x="0" y="0"/>
-          <a:chExt cx="0" cy="0"/>
-        </a:xfrm>
-      </p:grpSpPr>
-      <p:sp>
-        <p:nvSpPr>
-          <p:cNvPr id="2" name="כותרת 1">
-            <a:extLst>
-              <a:ext uri="{FF2B5EF4-FFF2-40B4-BE49-F238E27FC236}">
-                <a16:creationId xmlns:a16="http://schemas.microsoft.com/office/drawing/2014/main" id="{C30A15CB-D9FC-46BA-B78E-0CF62AC069B3}"/>
-              </a:ext>
-            </a:extLst>
-          </p:cNvPr>
-          <p:cNvSpPr>
-            <a:spLocks noGrp="1"/>
-          </p:cNvSpPr>
-          <p:nvPr>
-            <p:ph type="title"/>
-          </p:nvPr>
-        </p:nvSpPr>
-        <p:spPr>
-          <a:xfrm>
-            <a:off x="831850" y="1709738"/>
-            <a:ext cx="10515600" cy="2852737"/>
-          </a:xfrm>
-        </p:spPr>
-        <p:txBody>
-          <a:bodyPr anchor="b"/>
-          <a:lstStyle>
-            <a:lvl1pPr>
-              <a:defRPr sz="6000"/>
-            </a:lvl1pPr>
-          </a:lstStyle>
-          <a:p>
-            <a:r>
-              <a:rPr lang="he-IL"/>
-              <a:t>לחץ כדי לערוך סגנון כותרת של תבנית בסיס</a:t>
-            </a:r>
-            <a:endParaRPr lang="en-US"/>
-          </a:p>
-        </p:txBody>
-      </p:sp>
-      <p:sp>
-        <p:nvSpPr>
-          <p:cNvPr id="3" name="מציין מיקום טקסט 2">
-            <a:extLst>
-              <a:ext uri="{FF2B5EF4-FFF2-40B4-BE49-F238E27FC236}">
-                <a16:creationId xmlns:a16="http://schemas.microsoft.com/office/drawing/2014/main" id="{5048EC65-7322-416D-BF00-6B530B1853C1}"/>
-              </a:ext>
-            </a:extLst>
-          </p:cNvPr>
-          <p:cNvSpPr>
-            <a:spLocks noGrp="1"/>
-          </p:cNvSpPr>
-          <p:nvPr>
-            <p:ph type="body" idx="1"/>
-          </p:nvPr>
-        </p:nvSpPr>
-        <p:spPr>
-          <a:xfrm>
-            <a:off x="831850" y="4589463"/>
-            <a:ext cx="10515600" cy="1500187"/>
-          </a:xfrm>
-        </p:spPr>
-        <p:txBody>
-          <a:bodyPr/>
-          <a:lstStyle>
-            <a:lvl1pPr marL="0" indent="0">
-              <a:buNone/>
-              <a:defRPr sz="2400">
-                <a:solidFill>
-                  <a:schemeClr val="tx1">
-                    <a:tint val="75000"/>
-                  </a:schemeClr>
-                </a:solidFill>
-              </a:defRPr>
-            </a:lvl1pPr>
-            <a:lvl2pPr marL="457200" indent="0">
-              <a:buNone/>
-              <a:defRPr sz="2000">
-                <a:solidFill>
-                  <a:schemeClr val="tx1">
-                    <a:tint val="75000"/>
-                  </a:schemeClr>
-                </a:solidFill>
-              </a:defRPr>
-            </a:lvl2pPr>
-            <a:lvl3pPr marL="914400" indent="0">
-              <a:buNone/>
-              <a:defRPr sz="1800">
-                <a:solidFill>
-                  <a:schemeClr val="tx1">
-                    <a:tint val="75000"/>
-                  </a:schemeClr>
-                </a:solidFill>
-              </a:defRPr>
-            </a:lvl3pPr>
-            <a:lvl4pPr marL="1371600" indent="0">
-              <a:buNone/>
-              <a:defRPr sz="1600">
-                <a:solidFill>
-                  <a:schemeClr val="tx1">
-                    <a:tint val="75000"/>
-                  </a:schemeClr>
-                </a:solidFill>
-              </a:defRPr>
-            </a:lvl4pPr>
-            <a:lvl5pPr marL="1828800" indent="0">
-              <a:buNone/>
-              <a:defRPr sz="1600">
-                <a:solidFill>
-                  <a:schemeClr val="tx1">
-                    <a:tint val="75000"/>
-                  </a:schemeClr>
-                </a:solidFill>
-              </a:defRPr>
-            </a:lvl5pPr>
-            <a:lvl6pPr marL="2286000" indent="0">
-              <a:buNone/>
-              <a:defRPr sz="1600">
-                <a:solidFill>
-                  <a:schemeClr val="tx1">
-                    <a:tint val="75000"/>
-                  </a:schemeClr>
-                </a:solidFill>
-              </a:defRPr>
-            </a:lvl6pPr>
-            <a:lvl7pPr marL="2743200" indent="0">
-              <a:buNone/>
-              <a:defRPr sz="1600">
-                <a:solidFill>
-                  <a:schemeClr val="tx1">
-                    <a:tint val="75000"/>
-                  </a:schemeClr>
-                </a:solidFill>
-              </a:defRPr>
-            </a:lvl7pPr>
-            <a:lvl8pPr marL="3200400" indent="0">
-              <a:buNone/>
-              <a:defRPr sz="1600">
-                <a:solidFill>
-                  <a:schemeClr val="tx1">
-                    <a:tint val="75000"/>
-                  </a:schemeClr>
-                </a:solidFill>
-              </a:defRPr>
-            </a:lvl8pPr>
-            <a:lvl9pPr marL="3657600" indent="0">
-              <a:buNone/>
-              <a:defRPr sz="1600">
-                <a:solidFill>
-                  <a:schemeClr val="tx1">
-                    <a:tint val="75000"/>
-                  </a:schemeClr>
-                </a:solidFill>
-              </a:defRPr>
-            </a:lvl9pPr>
-          </a:lstStyle>
-          <a:p>
-            <a:pPr lvl="0"/>
-            <a:r>
-              <a:rPr lang="he-IL"/>
-              <a:t>ערוך סגנונות טקסט של תבנית בסיס</a:t>
-            </a:r>
-          </a:p>
-        </p:txBody>
-      </p:sp>
-      <p:sp>
-        <p:nvSpPr>
-          <p:cNvPr id="4" name="מציין מיקום של תאריך 3">
-            <a:extLst>
-              <a:ext uri="{FF2B5EF4-FFF2-40B4-BE49-F238E27FC236}">
-                <a16:creationId xmlns:a16="http://schemas.microsoft.com/office/drawing/2014/main" id="{B0FB4FC7-EB55-4688-A277-654808235063}"/>
-              </a:ext>
-            </a:extLst>
-          </p:cNvPr>
-          <p:cNvSpPr>
-            <a:spLocks noGrp="1"/>
-          </p:cNvSpPr>
-          <p:nvPr>
-            <p:ph type="dt" sz="half" idx="10"/>
-          </p:nvPr>
-        </p:nvSpPr>
-        <p:spPr/>
-        <p:txBody>
-          <a:bodyPr/>
-          <a:lstStyle/>
-          <a:p>
-            <a:fld id="{3CDEC65A-793D-48D9-A90D-089CA926FEAD}" type="datetimeFigureOut">
-              <a:rPr lang="en-US" smtClean="0"/>
-              <a:t>07-Oct-17</a:t>
-            </a:fld>
-            <a:endParaRPr lang="en-US"/>
-          </a:p>
-        </p:txBody>
-      </p:sp>
-      <p:sp>
-        <p:nvSpPr>
-          <p:cNvPr id="5" name="מציין מיקום של כותרת תחתונה 4">
-            <a:extLst>
-              <a:ext uri="{FF2B5EF4-FFF2-40B4-BE49-F238E27FC236}">
-                <a16:creationId xmlns:a16="http://schemas.microsoft.com/office/drawing/2014/main" id="{FD7F30F7-7361-4B5A-A358-64A5DBD335F1}"/>
-              </a:ext>
-            </a:extLst>
-          </p:cNvPr>
-          <p:cNvSpPr>
-            <a:spLocks noGrp="1"/>
-          </p:cNvSpPr>
-          <p:nvPr>
-            <p:ph type="ftr" sz="quarter" idx="11"/>
-          </p:nvPr>
-        </p:nvSpPr>
-        <p:spPr/>
-        <p:txBody>
-          <a:bodyPr/>
-          <a:lstStyle/>
-          <a:p>
-            <a:endParaRPr lang="en-US"/>
-          </a:p>
-        </p:txBody>
-      </p:sp>
-      <p:sp>
-        <p:nvSpPr>
-          <p:cNvPr id="6" name="מציין מיקום של מספר שקופית 5">
-            <a:extLst>
-              <a:ext uri="{FF2B5EF4-FFF2-40B4-BE49-F238E27FC236}">
-                <a16:creationId xmlns:a16="http://schemas.microsoft.com/office/drawing/2014/main" id="{695242FB-B992-4521-95B2-BDDB2D1DB240}"/>
-              </a:ext>
-            </a:extLst>
-          </p:cNvPr>
-          <p:cNvSpPr>
-            <a:spLocks noGrp="1"/>
-          </p:cNvSpPr>
-          <p:nvPr>
-            <p:ph type="sldNum" sz="quarter" idx="12"/>
-          </p:nvPr>
-        </p:nvSpPr>
-        <p:spPr/>
-        <p:txBody>
-          <a:bodyPr/>
-          <a:lstStyle/>
-          <a:p>
-            <a:fld id="{28EC0DFB-B55B-494E-B27A-B4FF8B9EF525}" type="slidenum">
-              <a:rPr lang="en-US" smtClean="0"/>
-              <a:t>‹#›</a:t>
-            </a:fld>
-            <a:endParaRPr lang="en-US"/>
-          </a:p>
-        </p:txBody>
-      </p:sp>
-    </p:spTree>
-    <p:extLst>
-      <p:ext uri="{BB962C8B-B14F-4D97-AF65-F5344CB8AC3E}">
-        <p14:creationId xmlns:p14="http://schemas.microsoft.com/office/powerpoint/2010/main" val="1407565724"/>
-      </p:ext>
-    </p:extLst>
-  </p:cSld>
-  <p:clrMapOvr>
-    <a:masterClrMapping/>
-  </p:clrMapOvr>
-</p:sldLayout>
-</file>
-
-<file path=ppt/slideLayouts/slideLayout4.xml><?xml version="1.0" encoding="utf-8"?>
-<p:sldLayout xmlns:a="http://schemas.openxmlformats.org/drawingml/2006/main" xmlns:r="http://schemas.openxmlformats.org/officeDocument/2006/relationships" xmlns:p="http://schemas.openxmlformats.org/presentationml/2006/main" type="twoObj" preserve="1">
-  <p:cSld name="שני תכנים">
-    <p:spTree>
-      <p:nvGrpSpPr>
-        <p:cNvPr id="1" name=""/>
-        <p:cNvGrpSpPr/>
-        <p:nvPr/>
-      </p:nvGrpSpPr>
-      <p:grpSpPr>
-        <a:xfrm>
-          <a:off x="0" y="0"/>
-          <a:ext cx="0" cy="0"/>
-          <a:chOff x="0" y="0"/>
-          <a:chExt cx="0" cy="0"/>
-        </a:xfrm>
-      </p:grpSpPr>
-      <p:sp>
-        <p:nvSpPr>
-          <p:cNvPr id="2" name="כותרת 1">
-            <a:extLst>
-              <a:ext uri="{FF2B5EF4-FFF2-40B4-BE49-F238E27FC236}">
-                <a16:creationId xmlns:a16="http://schemas.microsoft.com/office/drawing/2014/main" id="{77B167AC-5688-45CB-BD18-04AA2987CDA6}"/>
-              </a:ext>
-            </a:extLst>
-          </p:cNvPr>
-          <p:cNvSpPr>
-            <a:spLocks noGrp="1"/>
-          </p:cNvSpPr>
-          <p:nvPr>
-            <p:ph type="title"/>
-          </p:nvPr>
-        </p:nvSpPr>
-        <p:spPr/>
-        <p:txBody>
-          <a:bodyPr/>
-          <a:lstStyle/>
-          <a:p>
-            <a:r>
-              <a:rPr lang="he-IL"/>
-              <a:t>לחץ כדי לערוך סגנון כותרת של תבנית בסיס</a:t>
-            </a:r>
-            <a:endParaRPr lang="en-US"/>
-          </a:p>
-        </p:txBody>
-      </p:sp>
-      <p:sp>
-        <p:nvSpPr>
-          <p:cNvPr id="3" name="מציין מיקום תוכן 2">
-            <a:extLst>
-              <a:ext uri="{FF2B5EF4-FFF2-40B4-BE49-F238E27FC236}">
-                <a16:creationId xmlns:a16="http://schemas.microsoft.com/office/drawing/2014/main" id="{8CAEA32A-1111-4364-ADED-AEE19880A31C}"/>
-              </a:ext>
-            </a:extLst>
-          </p:cNvPr>
-          <p:cNvSpPr>
-            <a:spLocks noGrp="1"/>
-          </p:cNvSpPr>
-          <p:nvPr>
-            <p:ph sz="half" idx="1"/>
-          </p:nvPr>
-        </p:nvSpPr>
-        <p:spPr>
-          <a:xfrm>
-            <a:off x="838200" y="1825625"/>
-            <a:ext cx="5181600" cy="4351338"/>
-          </a:xfrm>
-        </p:spPr>
-        <p:txBody>
-          <a:bodyPr/>
-          <a:lstStyle/>
-          <a:p>
-            <a:pPr lvl="0"/>
-            <a:r>
-              <a:rPr lang="he-IL"/>
-              <a:t>ערוך סגנונות טקסט של תבנית בסיס</a:t>
-            </a:r>
-          </a:p>
-          <a:p>
-            <a:pPr lvl="1"/>
-            <a:r>
-              <a:rPr lang="he-IL"/>
-              <a:t>רמה שניה</a:t>
-            </a:r>
-          </a:p>
-          <a:p>
-            <a:pPr lvl="2"/>
-            <a:r>
-              <a:rPr lang="he-IL"/>
-              <a:t>רמה שלישית</a:t>
-            </a:r>
-          </a:p>
-          <a:p>
-            <a:pPr lvl="3"/>
-            <a:r>
-              <a:rPr lang="he-IL"/>
-              <a:t>רמה רביעית</a:t>
-            </a:r>
-          </a:p>
-          <a:p>
-            <a:pPr lvl="4"/>
-            <a:r>
-              <a:rPr lang="he-IL"/>
-              <a:t>רמה חמישית</a:t>
-            </a:r>
-            <a:endParaRPr lang="en-US"/>
-          </a:p>
-        </p:txBody>
-      </p:sp>
-      <p:sp>
-        <p:nvSpPr>
-          <p:cNvPr id="4" name="מציין מיקום תוכן 3">
-            <a:extLst>
-              <a:ext uri="{FF2B5EF4-FFF2-40B4-BE49-F238E27FC236}">
-                <a16:creationId xmlns:a16="http://schemas.microsoft.com/office/drawing/2014/main" id="{3C225308-BB0A-41DC-BC9A-4361BFAAAC21}"/>
-              </a:ext>
-            </a:extLst>
-          </p:cNvPr>
-          <p:cNvSpPr>
-            <a:spLocks noGrp="1"/>
-          </p:cNvSpPr>
-          <p:nvPr>
-            <p:ph sz="half" idx="2"/>
-          </p:nvPr>
-        </p:nvSpPr>
-        <p:spPr>
-          <a:xfrm>
-            <a:off x="6172200" y="1825625"/>
-            <a:ext cx="5181600" cy="4351338"/>
-          </a:xfrm>
-        </p:spPr>
-        <p:txBody>
-          <a:bodyPr/>
-          <a:lstStyle/>
-          <a:p>
-            <a:pPr lvl="0"/>
-            <a:r>
-              <a:rPr lang="he-IL"/>
-              <a:t>ערוך סגנונות טקסט של תבנית בסיס</a:t>
-            </a:r>
-          </a:p>
-          <a:p>
-            <a:pPr lvl="1"/>
-            <a:r>
-              <a:rPr lang="he-IL"/>
-              <a:t>רמה שניה</a:t>
-            </a:r>
-          </a:p>
-          <a:p>
-            <a:pPr lvl="2"/>
-            <a:r>
-              <a:rPr lang="he-IL"/>
-              <a:t>רמה שלישית</a:t>
-            </a:r>
-          </a:p>
-          <a:p>
-            <a:pPr lvl="3"/>
-            <a:r>
-              <a:rPr lang="he-IL"/>
-              <a:t>רמה רביעית</a:t>
-            </a:r>
-          </a:p>
-          <a:p>
-            <a:pPr lvl="4"/>
-            <a:r>
-              <a:rPr lang="he-IL"/>
-              <a:t>רמה חמישית</a:t>
-            </a:r>
-            <a:endParaRPr lang="en-US"/>
-          </a:p>
-        </p:txBody>
-      </p:sp>
-      <p:sp>
-        <p:nvSpPr>
-          <p:cNvPr id="5" name="מציין מיקום של תאריך 4">
-            <a:extLst>
-              <a:ext uri="{FF2B5EF4-FFF2-40B4-BE49-F238E27FC236}">
-                <a16:creationId xmlns:a16="http://schemas.microsoft.com/office/drawing/2014/main" id="{843C0D99-11A8-49BF-8349-1CE729C9CB6D}"/>
-              </a:ext>
-            </a:extLst>
-          </p:cNvPr>
-          <p:cNvSpPr>
-            <a:spLocks noGrp="1"/>
-          </p:cNvSpPr>
-          <p:nvPr>
-            <p:ph type="dt" sz="half" idx="10"/>
-          </p:nvPr>
-        </p:nvSpPr>
-        <p:spPr/>
-        <p:txBody>
-          <a:bodyPr/>
-          <a:lstStyle/>
-          <a:p>
-            <a:fld id="{3CDEC65A-793D-48D9-A90D-089CA926FEAD}" type="datetimeFigureOut">
-              <a:rPr lang="en-US" smtClean="0"/>
-              <a:t>07-Oct-17</a:t>
-            </a:fld>
-            <a:endParaRPr lang="en-US"/>
-          </a:p>
-        </p:txBody>
-      </p:sp>
-      <p:sp>
-        <p:nvSpPr>
-          <p:cNvPr id="6" name="מציין מיקום של כותרת תחתונה 5">
-            <a:extLst>
-              <a:ext uri="{FF2B5EF4-FFF2-40B4-BE49-F238E27FC236}">
-                <a16:creationId xmlns:a16="http://schemas.microsoft.com/office/drawing/2014/main" id="{968F19C4-1786-4E4E-A1A9-7312AB044A1E}"/>
-              </a:ext>
-            </a:extLst>
-          </p:cNvPr>
-          <p:cNvSpPr>
-            <a:spLocks noGrp="1"/>
-          </p:cNvSpPr>
-          <p:nvPr>
-            <p:ph type="ftr" sz="quarter" idx="11"/>
-          </p:nvPr>
-        </p:nvSpPr>
-        <p:spPr/>
-        <p:txBody>
-          <a:bodyPr/>
-          <a:lstStyle/>
-          <a:p>
-            <a:endParaRPr lang="en-US"/>
-          </a:p>
-        </p:txBody>
-      </p:sp>
-      <p:sp>
-        <p:nvSpPr>
-          <p:cNvPr id="7" name="מציין מיקום של מספר שקופית 6">
-            <a:extLst>
-              <a:ext uri="{FF2B5EF4-FFF2-40B4-BE49-F238E27FC236}">
-                <a16:creationId xmlns:a16="http://schemas.microsoft.com/office/drawing/2014/main" id="{FB446AEF-9531-48EA-AC72-A3EF13F678A4}"/>
-              </a:ext>
-            </a:extLst>
-          </p:cNvPr>
-          <p:cNvSpPr>
-            <a:spLocks noGrp="1"/>
-          </p:cNvSpPr>
-          <p:nvPr>
-            <p:ph type="sldNum" sz="quarter" idx="12"/>
-          </p:nvPr>
-        </p:nvSpPr>
-        <p:spPr/>
-        <p:txBody>
-          <a:bodyPr/>
-          <a:lstStyle/>
-          <a:p>
-            <a:fld id="{28EC0DFB-B55B-494E-B27A-B4FF8B9EF525}" type="slidenum">
-              <a:rPr lang="en-US" smtClean="0"/>
-              <a:t>‹#›</a:t>
-            </a:fld>
-            <a:endParaRPr lang="en-US"/>
-          </a:p>
-        </p:txBody>
-      </p:sp>
-    </p:spTree>
-    <p:extLst>
-      <p:ext uri="{BB962C8B-B14F-4D97-AF65-F5344CB8AC3E}">
-        <p14:creationId xmlns:p14="http://schemas.microsoft.com/office/powerpoint/2010/main" val="389016128"/>
-      </p:ext>
-    </p:extLst>
-  </p:cSld>
-  <p:clrMapOvr>
-    <a:masterClrMapping/>
-  </p:clrMapOvr>
-</p:sldLayout>
-</file>
-
-<file path=ppt/slideLayouts/slideLayout5.xml><?xml version="1.0" encoding="utf-8"?>
-<p:sldLayout xmlns:a="http://schemas.openxmlformats.org/drawingml/2006/main" xmlns:r="http://schemas.openxmlformats.org/officeDocument/2006/relationships" xmlns:p="http://schemas.openxmlformats.org/presentationml/2006/main" type="twoTxTwoObj" preserve="1">
-  <p:cSld name="השוואה">
-    <p:spTree>
-      <p:nvGrpSpPr>
-        <p:cNvPr id="1" name=""/>
-        <p:cNvGrpSpPr/>
-        <p:nvPr/>
-      </p:nvGrpSpPr>
-      <p:grpSpPr>
-        <a:xfrm>
-          <a:off x="0" y="0"/>
-          <a:ext cx="0" cy="0"/>
-          <a:chOff x="0" y="0"/>
-          <a:chExt cx="0" cy="0"/>
-        </a:xfrm>
-      </p:grpSpPr>
-      <p:sp>
-        <p:nvSpPr>
-          <p:cNvPr id="2" name="כותרת 1">
-            <a:extLst>
-              <a:ext uri="{FF2B5EF4-FFF2-40B4-BE49-F238E27FC236}">
-                <a16:creationId xmlns:a16="http://schemas.microsoft.com/office/drawing/2014/main" id="{3A21DD90-02B7-4946-A94A-63B821235FAD}"/>
-              </a:ext>
-            </a:extLst>
-          </p:cNvPr>
-          <p:cNvSpPr>
-            <a:spLocks noGrp="1"/>
-          </p:cNvSpPr>
-          <p:nvPr>
-            <p:ph type="title"/>
-          </p:nvPr>
-        </p:nvSpPr>
-        <p:spPr>
-          <a:xfrm>
-            <a:off x="839788" y="365125"/>
-            <a:ext cx="10515600" cy="1325563"/>
-          </a:xfrm>
-        </p:spPr>
-        <p:txBody>
-          <a:bodyPr/>
-          <a:lstStyle/>
-          <a:p>
-            <a:r>
-              <a:rPr lang="he-IL"/>
-              <a:t>לחץ כדי לערוך סגנון כותרת של תבנית בסיס</a:t>
-            </a:r>
-            <a:endParaRPr lang="en-US"/>
-          </a:p>
-        </p:txBody>
-      </p:sp>
-      <p:sp>
-        <p:nvSpPr>
-          <p:cNvPr id="3" name="מציין מיקום טקסט 2">
-            <a:extLst>
-              <a:ext uri="{FF2B5EF4-FFF2-40B4-BE49-F238E27FC236}">
-                <a16:creationId xmlns:a16="http://schemas.microsoft.com/office/drawing/2014/main" id="{F44DEC2C-CC3B-4BC6-8EBC-94872EC753F1}"/>
-              </a:ext>
-            </a:extLst>
-          </p:cNvPr>
-          <p:cNvSpPr>
-            <a:spLocks noGrp="1"/>
-          </p:cNvSpPr>
-          <p:nvPr>
-            <p:ph type="body" idx="1"/>
-          </p:nvPr>
-        </p:nvSpPr>
-        <p:spPr>
-          <a:xfrm>
-            <a:off x="839788" y="1681163"/>
-            <a:ext cx="5157787" cy="823912"/>
-          </a:xfrm>
-        </p:spPr>
-        <p:txBody>
-          <a:bodyPr anchor="b"/>
-          <a:lstStyle>
-            <a:lvl1pPr marL="0" indent="0">
-              <a:buNone/>
-              <a:defRPr sz="2400" b="1"/>
-            </a:lvl1pPr>
-            <a:lvl2pPr marL="457200" indent="0">
-              <a:buNone/>
-              <a:defRPr sz="2000" b="1"/>
-            </a:lvl2pPr>
-            <a:lvl3pPr marL="914400" indent="0">
-              <a:buNone/>
-              <a:defRPr sz="1800" b="1"/>
-            </a:lvl3pPr>
-            <a:lvl4pPr marL="1371600" indent="0">
-              <a:buNone/>
-              <a:defRPr sz="1600" b="1"/>
-            </a:lvl4pPr>
-            <a:lvl5pPr marL="1828800" indent="0">
-              <a:buNone/>
-              <a:defRPr sz="1600" b="1"/>
-            </a:lvl5pPr>
-            <a:lvl6pPr marL="2286000" indent="0">
-              <a:buNone/>
-              <a:defRPr sz="1600" b="1"/>
-            </a:lvl6pPr>
-            <a:lvl7pPr marL="2743200" indent="0">
-              <a:buNone/>
-              <a:defRPr sz="1600" b="1"/>
-            </a:lvl7pPr>
-            <a:lvl8pPr marL="3200400" indent="0">
-              <a:buNone/>
-              <a:defRPr sz="1600" b="1"/>
-            </a:lvl8pPr>
-            <a:lvl9pPr marL="3657600" indent="0">
-              <a:buNone/>
-              <a:defRPr sz="1600" b="1"/>
-            </a:lvl9pPr>
-          </a:lstStyle>
-          <a:p>
-            <a:pPr lvl="0"/>
-            <a:r>
-              <a:rPr lang="he-IL"/>
-              <a:t>ערוך סגנונות טקסט של תבנית בסיס</a:t>
-            </a:r>
-          </a:p>
-        </p:txBody>
-      </p:sp>
-      <p:sp>
-        <p:nvSpPr>
-          <p:cNvPr id="4" name="מציין מיקום תוכן 3">
-            <a:extLst>
-              <a:ext uri="{FF2B5EF4-FFF2-40B4-BE49-F238E27FC236}">
-                <a16:creationId xmlns:a16="http://schemas.microsoft.com/office/drawing/2014/main" id="{FCE07D49-1187-4669-9F01-A87178AD06B7}"/>
-              </a:ext>
-            </a:extLst>
-          </p:cNvPr>
-          <p:cNvSpPr>
-            <a:spLocks noGrp="1"/>
-          </p:cNvSpPr>
-          <p:nvPr>
-            <p:ph sz="half" idx="2"/>
-          </p:nvPr>
-        </p:nvSpPr>
-        <p:spPr>
-          <a:xfrm>
-            <a:off x="839788" y="2505075"/>
-            <a:ext cx="5157787" cy="3684588"/>
-          </a:xfrm>
-        </p:spPr>
-        <p:txBody>
-          <a:bodyPr/>
-          <a:lstStyle/>
-          <a:p>
-            <a:pPr lvl="0"/>
-            <a:r>
-              <a:rPr lang="he-IL"/>
-              <a:t>ערוך סגנונות טקסט של תבנית בסיס</a:t>
-            </a:r>
-          </a:p>
-          <a:p>
-            <a:pPr lvl="1"/>
-            <a:r>
-              <a:rPr lang="he-IL"/>
-              <a:t>רמה שניה</a:t>
-            </a:r>
-          </a:p>
-          <a:p>
-            <a:pPr lvl="2"/>
-            <a:r>
-              <a:rPr lang="he-IL"/>
-              <a:t>רמה שלישית</a:t>
-            </a:r>
-          </a:p>
-          <a:p>
-            <a:pPr lvl="3"/>
-            <a:r>
-              <a:rPr lang="he-IL"/>
-              <a:t>רמה רביעית</a:t>
-            </a:r>
-          </a:p>
-          <a:p>
-            <a:pPr lvl="4"/>
-            <a:r>
-              <a:rPr lang="he-IL"/>
-              <a:t>רמה חמישית</a:t>
-            </a:r>
-            <a:endParaRPr lang="en-US"/>
-          </a:p>
-        </p:txBody>
-      </p:sp>
-      <p:sp>
-        <p:nvSpPr>
-          <p:cNvPr id="5" name="מציין מיקום טקסט 4">
-            <a:extLst>
-              <a:ext uri="{FF2B5EF4-FFF2-40B4-BE49-F238E27FC236}">
-                <a16:creationId xmlns:a16="http://schemas.microsoft.com/office/drawing/2014/main" id="{C19DBD65-686A-4687-8EC3-C190189EF5D0}"/>
-              </a:ext>
-            </a:extLst>
-          </p:cNvPr>
-          <p:cNvSpPr>
-            <a:spLocks noGrp="1"/>
-          </p:cNvSpPr>
-          <p:nvPr>
-            <p:ph type="body" sz="quarter" idx="3"/>
-          </p:nvPr>
-        </p:nvSpPr>
-        <p:spPr>
-          <a:xfrm>
-            <a:off x="6172200" y="1681163"/>
-            <a:ext cx="5183188" cy="823912"/>
-          </a:xfrm>
-        </p:spPr>
-        <p:txBody>
-          <a:bodyPr anchor="b"/>
-          <a:lstStyle>
-            <a:lvl1pPr marL="0" indent="0">
-              <a:buNone/>
-              <a:defRPr sz="2400" b="1"/>
-            </a:lvl1pPr>
-            <a:lvl2pPr marL="457200" indent="0">
-              <a:buNone/>
-              <a:defRPr sz="2000" b="1"/>
-            </a:lvl2pPr>
-            <a:lvl3pPr marL="914400" indent="0">
-              <a:buNone/>
-              <a:defRPr sz="1800" b="1"/>
-            </a:lvl3pPr>
-            <a:lvl4pPr marL="1371600" indent="0">
-              <a:buNone/>
-              <a:defRPr sz="1600" b="1"/>
-            </a:lvl4pPr>
-            <a:lvl5pPr marL="1828800" indent="0">
-              <a:buNone/>
-              <a:defRPr sz="1600" b="1"/>
-            </a:lvl5pPr>
-            <a:lvl6pPr marL="2286000" indent="0">
-              <a:buNone/>
-              <a:defRPr sz="1600" b="1"/>
-            </a:lvl6pPr>
-            <a:lvl7pPr marL="2743200" indent="0">
-              <a:buNone/>
-              <a:defRPr sz="1600" b="1"/>
-            </a:lvl7pPr>
-            <a:lvl8pPr marL="3200400" indent="0">
-              <a:buNone/>
-              <a:defRPr sz="1600" b="1"/>
-            </a:lvl8pPr>
-            <a:lvl9pPr marL="3657600" indent="0">
-              <a:buNone/>
-              <a:defRPr sz="1600" b="1"/>
-            </a:lvl9pPr>
-          </a:lstStyle>
-          <a:p>
-            <a:pPr lvl="0"/>
-            <a:r>
-              <a:rPr lang="he-IL"/>
-              <a:t>ערוך סגנונות טקסט של תבנית בסיס</a:t>
-            </a:r>
-          </a:p>
-        </p:txBody>
-      </p:sp>
-      <p:sp>
-        <p:nvSpPr>
-          <p:cNvPr id="6" name="מציין מיקום תוכן 5">
-            <a:extLst>
-              <a:ext uri="{FF2B5EF4-FFF2-40B4-BE49-F238E27FC236}">
-                <a16:creationId xmlns:a16="http://schemas.microsoft.com/office/drawing/2014/main" id="{E3A0CCEA-2565-452F-9861-5B5B7F2B200F}"/>
-              </a:ext>
-            </a:extLst>
-          </p:cNvPr>
-          <p:cNvSpPr>
-            <a:spLocks noGrp="1"/>
-          </p:cNvSpPr>
-          <p:nvPr>
-            <p:ph sz="quarter" idx="4"/>
-          </p:nvPr>
-        </p:nvSpPr>
-        <p:spPr>
-          <a:xfrm>
-            <a:off x="6172200" y="2505075"/>
-            <a:ext cx="5183188" cy="3684588"/>
-          </a:xfrm>
-        </p:spPr>
-        <p:txBody>
-          <a:bodyPr/>
-          <a:lstStyle/>
-          <a:p>
-            <a:pPr lvl="0"/>
-            <a:r>
-              <a:rPr lang="he-IL"/>
-              <a:t>ערוך סגנונות טקסט של תבנית בסיס</a:t>
-            </a:r>
-          </a:p>
-          <a:p>
-            <a:pPr lvl="1"/>
-            <a:r>
-              <a:rPr lang="he-IL"/>
-              <a:t>רמה שניה</a:t>
-            </a:r>
-          </a:p>
-          <a:p>
-            <a:pPr lvl="2"/>
-            <a:r>
-              <a:rPr lang="he-IL"/>
-              <a:t>רמה שלישית</a:t>
-            </a:r>
-          </a:p>
-          <a:p>
-            <a:pPr lvl="3"/>
-            <a:r>
-              <a:rPr lang="he-IL"/>
-              <a:t>רמה רביעית</a:t>
-            </a:r>
-          </a:p>
-          <a:p>
-            <a:pPr lvl="4"/>
-            <a:r>
-              <a:rPr lang="he-IL"/>
-              <a:t>רמה חמישית</a:t>
-            </a:r>
-            <a:endParaRPr lang="en-US"/>
-          </a:p>
-        </p:txBody>
-      </p:sp>
-      <p:sp>
-        <p:nvSpPr>
-          <p:cNvPr id="7" name="מציין מיקום של תאריך 6">
-            <a:extLst>
-              <a:ext uri="{FF2B5EF4-FFF2-40B4-BE49-F238E27FC236}">
-                <a16:creationId xmlns:a16="http://schemas.microsoft.com/office/drawing/2014/main" id="{7CB7C86B-E072-499A-B5E4-45F783DC51AD}"/>
-              </a:ext>
-            </a:extLst>
-          </p:cNvPr>
-          <p:cNvSpPr>
-            <a:spLocks noGrp="1"/>
-          </p:cNvSpPr>
-          <p:nvPr>
-            <p:ph type="dt" sz="half" idx="10"/>
-          </p:nvPr>
-        </p:nvSpPr>
-        <p:spPr/>
-        <p:txBody>
-          <a:bodyPr/>
-          <a:lstStyle/>
-          <a:p>
-            <a:fld id="{3CDEC65A-793D-48D9-A90D-089CA926FEAD}" type="datetimeFigureOut">
-              <a:rPr lang="en-US" smtClean="0"/>
-              <a:t>07-Oct-17</a:t>
-            </a:fld>
-            <a:endParaRPr lang="en-US"/>
-          </a:p>
-        </p:txBody>
-      </p:sp>
-      <p:sp>
-        <p:nvSpPr>
-          <p:cNvPr id="8" name="מציין מיקום של כותרת תחתונה 7">
-            <a:extLst>
-              <a:ext uri="{FF2B5EF4-FFF2-40B4-BE49-F238E27FC236}">
-                <a16:creationId xmlns:a16="http://schemas.microsoft.com/office/drawing/2014/main" id="{FD370702-A377-432E-81CA-957A57FBC34F}"/>
-              </a:ext>
-            </a:extLst>
-          </p:cNvPr>
-          <p:cNvSpPr>
-            <a:spLocks noGrp="1"/>
-          </p:cNvSpPr>
-          <p:nvPr>
-            <p:ph type="ftr" sz="quarter" idx="11"/>
-          </p:nvPr>
-        </p:nvSpPr>
-        <p:spPr/>
-        <p:txBody>
-          <a:bodyPr/>
-          <a:lstStyle/>
-          <a:p>
-            <a:endParaRPr lang="en-US"/>
-          </a:p>
-        </p:txBody>
-      </p:sp>
-      <p:sp>
-        <p:nvSpPr>
-          <p:cNvPr id="9" name="מציין מיקום של מספר שקופית 8">
-            <a:extLst>
-              <a:ext uri="{FF2B5EF4-FFF2-40B4-BE49-F238E27FC236}">
-                <a16:creationId xmlns:a16="http://schemas.microsoft.com/office/drawing/2014/main" id="{ED9326A5-F8F1-4978-A48E-7AFD5A533915}"/>
-              </a:ext>
-            </a:extLst>
-          </p:cNvPr>
-          <p:cNvSpPr>
-            <a:spLocks noGrp="1"/>
-          </p:cNvSpPr>
-          <p:nvPr>
-            <p:ph type="sldNum" sz="quarter" idx="12"/>
-          </p:nvPr>
-        </p:nvSpPr>
-        <p:spPr/>
-        <p:txBody>
-          <a:bodyPr/>
-          <a:lstStyle/>
-          <a:p>
-            <a:fld id="{28EC0DFB-B55B-494E-B27A-B4FF8B9EF525}" type="slidenum">
-              <a:rPr lang="en-US" smtClean="0"/>
-              <a:t>‹#›</a:t>
-            </a:fld>
-            <a:endParaRPr lang="en-US"/>
-          </a:p>
-        </p:txBody>
-      </p:sp>
-    </p:spTree>
-    <p:extLst>
-      <p:ext uri="{BB962C8B-B14F-4D97-AF65-F5344CB8AC3E}">
-        <p14:creationId xmlns:p14="http://schemas.microsoft.com/office/powerpoint/2010/main" val="3712077553"/>
-      </p:ext>
-    </p:extLst>
-  </p:cSld>
-  <p:clrMapOvr>
-    <a:masterClrMapping/>
-  </p:clrMapOvr>
-</p:sldLayout>
-</file>
-
-<file path=ppt/slideLayouts/slideLayout6.xml><?xml version="1.0" encoding="utf-8"?>
-<p:sldLayout xmlns:a="http://schemas.openxmlformats.org/drawingml/2006/main" xmlns:r="http://schemas.openxmlformats.org/officeDocument/2006/relationships" xmlns:p="http://schemas.openxmlformats.org/presentationml/2006/main" type="titleOnly" preserve="1">
-  <p:cSld name="כותרת בלבד">
-    <p:spTree>
-      <p:nvGrpSpPr>
-        <p:cNvPr id="1" name=""/>
-        <p:cNvGrpSpPr/>
-        <p:nvPr/>
-      </p:nvGrpSpPr>
-      <p:grpSpPr>
-        <a:xfrm>
-          <a:off x="0" y="0"/>
-          <a:ext cx="0" cy="0"/>
-          <a:chOff x="0" y="0"/>
-          <a:chExt cx="0" cy="0"/>
-        </a:xfrm>
-      </p:grpSpPr>
-      <p:sp>
-        <p:nvSpPr>
-          <p:cNvPr id="2" name="כותרת 1">
-            <a:extLst>
-              <a:ext uri="{FF2B5EF4-FFF2-40B4-BE49-F238E27FC236}">
-                <a16:creationId xmlns:a16="http://schemas.microsoft.com/office/drawing/2014/main" id="{573FA2BD-65C8-4DD3-9A0B-D6D860017315}"/>
-              </a:ext>
-            </a:extLst>
-          </p:cNvPr>
-          <p:cNvSpPr>
-            <a:spLocks noGrp="1"/>
-          </p:cNvSpPr>
-          <p:nvPr>
-            <p:ph type="title"/>
-          </p:nvPr>
-        </p:nvSpPr>
-        <p:spPr/>
-        <p:txBody>
-          <a:bodyPr/>
-          <a:lstStyle/>
-          <a:p>
-            <a:r>
-              <a:rPr lang="he-IL"/>
-              <a:t>לחץ כדי לערוך סגנון כותרת של תבנית בסיס</a:t>
-            </a:r>
-            <a:endParaRPr lang="en-US"/>
-          </a:p>
-        </p:txBody>
-      </p:sp>
-      <p:sp>
-        <p:nvSpPr>
-          <p:cNvPr id="3" name="מציין מיקום של תאריך 2">
-            <a:extLst>
-              <a:ext uri="{FF2B5EF4-FFF2-40B4-BE49-F238E27FC236}">
-                <a16:creationId xmlns:a16="http://schemas.microsoft.com/office/drawing/2014/main" id="{C84DAC21-0254-4A80-B3A3-97BD07D1BECE}"/>
-              </a:ext>
-            </a:extLst>
-          </p:cNvPr>
-          <p:cNvSpPr>
-            <a:spLocks noGrp="1"/>
-          </p:cNvSpPr>
-          <p:nvPr>
-            <p:ph type="dt" sz="half" idx="10"/>
-          </p:nvPr>
-        </p:nvSpPr>
-        <p:spPr/>
-        <p:txBody>
-          <a:bodyPr/>
-          <a:lstStyle/>
-          <a:p>
-            <a:fld id="{3CDEC65A-793D-48D9-A90D-089CA926FEAD}" type="datetimeFigureOut">
-              <a:rPr lang="en-US" smtClean="0"/>
-              <a:t>07-Oct-17</a:t>
-            </a:fld>
-            <a:endParaRPr lang="en-US"/>
-          </a:p>
-        </p:txBody>
-      </p:sp>
-      <p:sp>
-        <p:nvSpPr>
-          <p:cNvPr id="4" name="מציין מיקום של כותרת תחתונה 3">
-            <a:extLst>
-              <a:ext uri="{FF2B5EF4-FFF2-40B4-BE49-F238E27FC236}">
-                <a16:creationId xmlns:a16="http://schemas.microsoft.com/office/drawing/2014/main" id="{83634129-A727-4234-BF88-4C3964681A1B}"/>
-              </a:ext>
-            </a:extLst>
-          </p:cNvPr>
-          <p:cNvSpPr>
-            <a:spLocks noGrp="1"/>
-          </p:cNvSpPr>
-          <p:nvPr>
-            <p:ph type="ftr" sz="quarter" idx="11"/>
-          </p:nvPr>
-        </p:nvSpPr>
-        <p:spPr/>
-        <p:txBody>
-          <a:bodyPr/>
-          <a:lstStyle/>
-          <a:p>
-            <a:endParaRPr lang="en-US"/>
-          </a:p>
-        </p:txBody>
-      </p:sp>
-      <p:sp>
-        <p:nvSpPr>
-          <p:cNvPr id="5" name="מציין מיקום של מספר שקופית 4">
-            <a:extLst>
-              <a:ext uri="{FF2B5EF4-FFF2-40B4-BE49-F238E27FC236}">
-                <a16:creationId xmlns:a16="http://schemas.microsoft.com/office/drawing/2014/main" id="{B1FD00A4-51EA-4C0E-ADD9-0EECF81DE455}"/>
-              </a:ext>
-            </a:extLst>
-          </p:cNvPr>
-          <p:cNvSpPr>
-            <a:spLocks noGrp="1"/>
-          </p:cNvSpPr>
-          <p:nvPr>
-            <p:ph type="sldNum" sz="quarter" idx="12"/>
-          </p:nvPr>
-        </p:nvSpPr>
-        <p:spPr/>
-        <p:txBody>
-          <a:bodyPr/>
-          <a:lstStyle/>
-          <a:p>
-            <a:fld id="{28EC0DFB-B55B-494E-B27A-B4FF8B9EF525}" type="slidenum">
-              <a:rPr lang="en-US" smtClean="0"/>
-              <a:t>‹#›</a:t>
-            </a:fld>
-            <a:endParaRPr lang="en-US"/>
-          </a:p>
-        </p:txBody>
-      </p:sp>
-    </p:spTree>
-    <p:extLst>
-      <p:ext uri="{BB962C8B-B14F-4D97-AF65-F5344CB8AC3E}">
-        <p14:creationId xmlns:p14="http://schemas.microsoft.com/office/powerpoint/2010/main" val="1734218741"/>
-      </p:ext>
-    </p:extLst>
-  </p:cSld>
-  <p:clrMapOvr>
-    <a:masterClrMapping/>
-  </p:clrMapOvr>
-</p:sldLayout>
-</file>
-
-<file path=ppt/slideLayouts/slideLayout7.xml><?xml version="1.0" encoding="utf-8"?>
+<file path=ppt/slideLayouts/slideLayout20.xml><?xml version="1.0" encoding="utf-8"?>
 <p:sldLayout xmlns:a="http://schemas.openxmlformats.org/drawingml/2006/main" xmlns:r="http://schemas.openxmlformats.org/officeDocument/2006/relationships" xmlns:p="http://schemas.openxmlformats.org/presentationml/2006/main" type="blank" preserve="1">
   <p:cSld name="ריק">
     <p:spTree>
@@ -2427,13 +3140,7 @@
       </p:grpSpPr>
       <p:sp>
         <p:nvSpPr>
-          <p:cNvPr id="2" name="מציין מיקום של תאריך 1">
-            <a:extLst>
-              <a:ext uri="{FF2B5EF4-FFF2-40B4-BE49-F238E27FC236}">
-                <a16:creationId xmlns:a16="http://schemas.microsoft.com/office/drawing/2014/main" id="{C2793CCF-67C5-4290-BE92-CA726E44E8C4}"/>
-              </a:ext>
-            </a:extLst>
-          </p:cNvPr>
+          <p:cNvPr id="2" name="Date Placeholder 1"/>
           <p:cNvSpPr>
             <a:spLocks noGrp="1"/>
           </p:cNvSpPr>
@@ -2446,23 +3153,17 @@
           <a:bodyPr/>
           <a:lstStyle/>
           <a:p>
-            <a:fld id="{3CDEC65A-793D-48D9-A90D-089CA926FEAD}" type="datetimeFigureOut">
+            <a:fld id="{6CF62ECF-A3EB-4AC6-8449-F6B01A33436D}" type="datetime1">
               <a:rPr lang="en-US" smtClean="0"/>
-              <a:t>07-Oct-17</a:t>
+              <a:t>10/8/2017</a:t>
             </a:fld>
-            <a:endParaRPr lang="en-US"/>
-          </a:p>
-        </p:txBody>
-      </p:sp>
-      <p:sp>
-        <p:nvSpPr>
-          <p:cNvPr id="3" name="מציין מיקום של כותרת תחתונה 2">
-            <a:extLst>
-              <a:ext uri="{FF2B5EF4-FFF2-40B4-BE49-F238E27FC236}">
-                <a16:creationId xmlns:a16="http://schemas.microsoft.com/office/drawing/2014/main" id="{7A0A632A-DF5C-4489-A9B2-796225F1999D}"/>
-              </a:ext>
-            </a:extLst>
-          </p:cNvPr>
+            <a:endParaRPr lang="en-US" dirty="0"/>
+          </a:p>
+        </p:txBody>
+      </p:sp>
+      <p:sp>
+        <p:nvSpPr>
+          <p:cNvPr id="3" name="Footer Placeholder 2"/>
           <p:cNvSpPr>
             <a:spLocks noGrp="1"/>
           </p:cNvSpPr>
@@ -2475,19 +3176,13 @@
           <a:bodyPr/>
           <a:lstStyle/>
           <a:p>
-            <a:endParaRPr lang="en-US"/>
-          </a:p>
-        </p:txBody>
-      </p:sp>
-      <p:sp>
-        <p:nvSpPr>
-          <p:cNvPr id="4" name="מציין מיקום של מספר שקופית 3">
-            <a:extLst>
-              <a:ext uri="{FF2B5EF4-FFF2-40B4-BE49-F238E27FC236}">
-                <a16:creationId xmlns:a16="http://schemas.microsoft.com/office/drawing/2014/main" id="{9DDE78E1-AFC2-4122-B46C-685BB4E3E3B0}"/>
-              </a:ext>
-            </a:extLst>
-          </p:cNvPr>
+            <a:endParaRPr lang="en-US" dirty="0"/>
+          </a:p>
+        </p:txBody>
+      </p:sp>
+      <p:sp>
+        <p:nvSpPr>
+          <p:cNvPr id="4" name="Slide Number Placeholder 3"/>
           <p:cNvSpPr>
             <a:spLocks noGrp="1"/>
           </p:cNvSpPr>
@@ -2504,14 +3199,14 @@
               <a:rPr lang="en-US" smtClean="0"/>
               <a:t>‹#›</a:t>
             </a:fld>
-            <a:endParaRPr lang="en-US"/>
+            <a:endParaRPr lang="en-US" dirty="0"/>
           </a:p>
         </p:txBody>
       </p:sp>
     </p:spTree>
     <p:extLst>
       <p:ext uri="{BB962C8B-B14F-4D97-AF65-F5344CB8AC3E}">
-        <p14:creationId xmlns:p14="http://schemas.microsoft.com/office/powerpoint/2010/main" val="3592534660"/>
+        <p14:creationId xmlns:p14="http://schemas.microsoft.com/office/powerpoint/2010/main" val="1948194076"/>
       </p:ext>
     </p:extLst>
   </p:cSld>
@@ -2521,7 +3216,7 @@
 </p:sldLayout>
 </file>
 
-<file path=ppt/slideLayouts/slideLayout8.xml><?xml version="1.0" encoding="utf-8"?>
+<file path=ppt/slideLayouts/slideLayout21.xml><?xml version="1.0" encoding="utf-8"?>
 <p:sldLayout xmlns:a="http://schemas.openxmlformats.org/drawingml/2006/main" xmlns:r="http://schemas.openxmlformats.org/officeDocument/2006/relationships" xmlns:p="http://schemas.openxmlformats.org/presentationml/2006/main" type="objTx" preserve="1">
   <p:cSld name="תוכן עם כיתוב">
     <p:spTree>
@@ -2540,13 +3235,7 @@
       </p:grpSpPr>
       <p:sp>
         <p:nvSpPr>
-          <p:cNvPr id="2" name="כותרת 1">
-            <a:extLst>
-              <a:ext uri="{FF2B5EF4-FFF2-40B4-BE49-F238E27FC236}">
-                <a16:creationId xmlns:a16="http://schemas.microsoft.com/office/drawing/2014/main" id="{2F61ABEF-E8FE-43E9-A160-DA22467E195D}"/>
-              </a:ext>
-            </a:extLst>
-          </p:cNvPr>
+          <p:cNvPr id="2" name="Title 1"/>
           <p:cNvSpPr>
             <a:spLocks noGrp="1"/>
           </p:cNvSpPr>
@@ -2572,19 +3261,13 @@
               <a:rPr lang="he-IL"/>
               <a:t>לחץ כדי לערוך סגנון כותרת של תבנית בסיס</a:t>
             </a:r>
-            <a:endParaRPr lang="en-US"/>
-          </a:p>
-        </p:txBody>
-      </p:sp>
-      <p:sp>
-        <p:nvSpPr>
-          <p:cNvPr id="3" name="מציין מיקום תוכן 2">
-            <a:extLst>
-              <a:ext uri="{FF2B5EF4-FFF2-40B4-BE49-F238E27FC236}">
-                <a16:creationId xmlns:a16="http://schemas.microsoft.com/office/drawing/2014/main" id="{88F8CDC8-E9A7-45DE-8444-98A62666B27D}"/>
-              </a:ext>
-            </a:extLst>
-          </p:cNvPr>
+            <a:endParaRPr lang="en-US" dirty="0"/>
+          </a:p>
+        </p:txBody>
+      </p:sp>
+      <p:sp>
+        <p:nvSpPr>
+          <p:cNvPr id="3" name="Content Placeholder 2"/>
           <p:cNvSpPr>
             <a:spLocks noGrp="1"/>
           </p:cNvSpPr>
@@ -2663,19 +3346,13 @@
               <a:rPr lang="he-IL"/>
               <a:t>רמה חמישית</a:t>
             </a:r>
-            <a:endParaRPr lang="en-US"/>
-          </a:p>
-        </p:txBody>
-      </p:sp>
-      <p:sp>
-        <p:nvSpPr>
-          <p:cNvPr id="4" name="מציין מיקום טקסט 3">
-            <a:extLst>
-              <a:ext uri="{FF2B5EF4-FFF2-40B4-BE49-F238E27FC236}">
-                <a16:creationId xmlns:a16="http://schemas.microsoft.com/office/drawing/2014/main" id="{0FA8080F-3FF9-4EBE-BF78-1B812A584202}"/>
-              </a:ext>
-            </a:extLst>
-          </p:cNvPr>
+            <a:endParaRPr lang="en-US" dirty="0"/>
+          </a:p>
+        </p:txBody>
+      </p:sp>
+      <p:sp>
+        <p:nvSpPr>
+          <p:cNvPr id="4" name="Text Placeholder 3"/>
           <p:cNvSpPr>
             <a:spLocks noGrp="1"/>
           </p:cNvSpPr>
@@ -2740,13 +3417,7 @@
       </p:sp>
       <p:sp>
         <p:nvSpPr>
-          <p:cNvPr id="5" name="מציין מיקום של תאריך 4">
-            <a:extLst>
-              <a:ext uri="{FF2B5EF4-FFF2-40B4-BE49-F238E27FC236}">
-                <a16:creationId xmlns:a16="http://schemas.microsoft.com/office/drawing/2014/main" id="{F0FAB36A-9D0E-440E-BCA3-15ADC3E01803}"/>
-              </a:ext>
-            </a:extLst>
-          </p:cNvPr>
+          <p:cNvPr id="5" name="Date Placeholder 4"/>
           <p:cNvSpPr>
             <a:spLocks noGrp="1"/>
           </p:cNvSpPr>
@@ -2759,23 +3430,17 @@
           <a:bodyPr/>
           <a:lstStyle/>
           <a:p>
-            <a:fld id="{3CDEC65A-793D-48D9-A90D-089CA926FEAD}" type="datetimeFigureOut">
+            <a:fld id="{62A3E63A-3D58-4243-BB22-F718508CB576}" type="datetime1">
               <a:rPr lang="en-US" smtClean="0"/>
-              <a:t>07-Oct-17</a:t>
+              <a:t>10/8/2017</a:t>
             </a:fld>
-            <a:endParaRPr lang="en-US"/>
-          </a:p>
-        </p:txBody>
-      </p:sp>
-      <p:sp>
-        <p:nvSpPr>
-          <p:cNvPr id="6" name="מציין מיקום של כותרת תחתונה 5">
-            <a:extLst>
-              <a:ext uri="{FF2B5EF4-FFF2-40B4-BE49-F238E27FC236}">
-                <a16:creationId xmlns:a16="http://schemas.microsoft.com/office/drawing/2014/main" id="{22D9DB05-5B26-4C3C-979E-30E5CD93F4D3}"/>
-              </a:ext>
-            </a:extLst>
-          </p:cNvPr>
+            <a:endParaRPr lang="en-US" dirty="0"/>
+          </a:p>
+        </p:txBody>
+      </p:sp>
+      <p:sp>
+        <p:nvSpPr>
+          <p:cNvPr id="6" name="Footer Placeholder 5"/>
           <p:cNvSpPr>
             <a:spLocks noGrp="1"/>
           </p:cNvSpPr>
@@ -2788,19 +3453,13 @@
           <a:bodyPr/>
           <a:lstStyle/>
           <a:p>
-            <a:endParaRPr lang="en-US"/>
-          </a:p>
-        </p:txBody>
-      </p:sp>
-      <p:sp>
-        <p:nvSpPr>
-          <p:cNvPr id="7" name="מציין מיקום של מספר שקופית 6">
-            <a:extLst>
-              <a:ext uri="{FF2B5EF4-FFF2-40B4-BE49-F238E27FC236}">
-                <a16:creationId xmlns:a16="http://schemas.microsoft.com/office/drawing/2014/main" id="{FC7FB0FB-46D7-4289-A61C-3D9B61082509}"/>
-              </a:ext>
-            </a:extLst>
-          </p:cNvPr>
+            <a:endParaRPr lang="en-US" dirty="0"/>
+          </a:p>
+        </p:txBody>
+      </p:sp>
+      <p:sp>
+        <p:nvSpPr>
+          <p:cNvPr id="7" name="Slide Number Placeholder 6"/>
           <p:cNvSpPr>
             <a:spLocks noGrp="1"/>
           </p:cNvSpPr>
@@ -2817,14 +3476,1971 @@
               <a:rPr lang="en-US" smtClean="0"/>
               <a:t>‹#›</a:t>
             </a:fld>
-            <a:endParaRPr lang="en-US"/>
+            <a:endParaRPr lang="en-US" dirty="0"/>
           </a:p>
         </p:txBody>
       </p:sp>
     </p:spTree>
     <p:extLst>
       <p:ext uri="{BB962C8B-B14F-4D97-AF65-F5344CB8AC3E}">
-        <p14:creationId xmlns:p14="http://schemas.microsoft.com/office/powerpoint/2010/main" val="1364712542"/>
+        <p14:creationId xmlns:p14="http://schemas.microsoft.com/office/powerpoint/2010/main" val="1953961875"/>
+      </p:ext>
+    </p:extLst>
+  </p:cSld>
+  <p:clrMapOvr>
+    <a:masterClrMapping/>
+  </p:clrMapOvr>
+</p:sldLayout>
+</file>
+
+<file path=ppt/slideLayouts/slideLayout22.xml><?xml version="1.0" encoding="utf-8"?>
+<p:sldLayout xmlns:a="http://schemas.openxmlformats.org/drawingml/2006/main" xmlns:r="http://schemas.openxmlformats.org/officeDocument/2006/relationships" xmlns:p="http://schemas.openxmlformats.org/presentationml/2006/main" type="picTx" preserve="1">
+  <p:cSld name="תמונה עם כיתוב">
+    <p:spTree>
+      <p:nvGrpSpPr>
+        <p:cNvPr id="1" name=""/>
+        <p:cNvGrpSpPr/>
+        <p:nvPr/>
+      </p:nvGrpSpPr>
+      <p:grpSpPr>
+        <a:xfrm>
+          <a:off x="0" y="0"/>
+          <a:ext cx="0" cy="0"/>
+          <a:chOff x="0" y="0"/>
+          <a:chExt cx="0" cy="0"/>
+        </a:xfrm>
+      </p:grpSpPr>
+      <p:sp>
+        <p:nvSpPr>
+          <p:cNvPr id="2" name="Title 1"/>
+          <p:cNvSpPr>
+            <a:spLocks noGrp="1"/>
+          </p:cNvSpPr>
+          <p:nvPr>
+            <p:ph type="title"/>
+          </p:nvPr>
+        </p:nvSpPr>
+        <p:spPr>
+          <a:xfrm>
+            <a:off x="839788" y="457200"/>
+            <a:ext cx="3932237" cy="1600200"/>
+          </a:xfrm>
+        </p:spPr>
+        <p:txBody>
+          <a:bodyPr anchor="b"/>
+          <a:lstStyle>
+            <a:lvl1pPr>
+              <a:defRPr sz="3200"/>
+            </a:lvl1pPr>
+          </a:lstStyle>
+          <a:p>
+            <a:r>
+              <a:rPr lang="he-IL"/>
+              <a:t>לחץ כדי לערוך סגנון כותרת של תבנית בסיס</a:t>
+            </a:r>
+            <a:endParaRPr lang="en-US" dirty="0"/>
+          </a:p>
+        </p:txBody>
+      </p:sp>
+      <p:sp>
+        <p:nvSpPr>
+          <p:cNvPr id="3" name="Picture Placeholder 2"/>
+          <p:cNvSpPr>
+            <a:spLocks noGrp="1" noChangeAspect="1"/>
+          </p:cNvSpPr>
+          <p:nvPr>
+            <p:ph type="pic" idx="1"/>
+          </p:nvPr>
+        </p:nvSpPr>
+        <p:spPr>
+          <a:xfrm>
+            <a:off x="5183188" y="987425"/>
+            <a:ext cx="6172200" cy="4873625"/>
+          </a:xfrm>
+        </p:spPr>
+        <p:txBody>
+          <a:bodyPr anchor="t"/>
+          <a:lstStyle>
+            <a:lvl1pPr marL="0" indent="0">
+              <a:buNone/>
+              <a:defRPr sz="3200"/>
+            </a:lvl1pPr>
+            <a:lvl2pPr marL="457200" indent="0">
+              <a:buNone/>
+              <a:defRPr sz="2800"/>
+            </a:lvl2pPr>
+            <a:lvl3pPr marL="914400" indent="0">
+              <a:buNone/>
+              <a:defRPr sz="2400"/>
+            </a:lvl3pPr>
+            <a:lvl4pPr marL="1371600" indent="0">
+              <a:buNone/>
+              <a:defRPr sz="2000"/>
+            </a:lvl4pPr>
+            <a:lvl5pPr marL="1828800" indent="0">
+              <a:buNone/>
+              <a:defRPr sz="2000"/>
+            </a:lvl5pPr>
+            <a:lvl6pPr marL="2286000" indent="0">
+              <a:buNone/>
+              <a:defRPr sz="2000"/>
+            </a:lvl6pPr>
+            <a:lvl7pPr marL="2743200" indent="0">
+              <a:buNone/>
+              <a:defRPr sz="2000"/>
+            </a:lvl7pPr>
+            <a:lvl8pPr marL="3200400" indent="0">
+              <a:buNone/>
+              <a:defRPr sz="2000"/>
+            </a:lvl8pPr>
+            <a:lvl9pPr marL="3657600" indent="0">
+              <a:buNone/>
+              <a:defRPr sz="2000"/>
+            </a:lvl9pPr>
+          </a:lstStyle>
+          <a:p>
+            <a:r>
+              <a:rPr lang="he-IL" dirty="0"/>
+              <a:t>לחץ על הסמל כדי להוסיף תמונה</a:t>
+            </a:r>
+            <a:endParaRPr lang="en-US" dirty="0"/>
+          </a:p>
+        </p:txBody>
+      </p:sp>
+      <p:sp>
+        <p:nvSpPr>
+          <p:cNvPr id="4" name="Text Placeholder 3"/>
+          <p:cNvSpPr>
+            <a:spLocks noGrp="1"/>
+          </p:cNvSpPr>
+          <p:nvPr>
+            <p:ph type="body" sz="half" idx="2"/>
+          </p:nvPr>
+        </p:nvSpPr>
+        <p:spPr>
+          <a:xfrm>
+            <a:off x="839788" y="2057400"/>
+            <a:ext cx="3932237" cy="3811588"/>
+          </a:xfrm>
+        </p:spPr>
+        <p:txBody>
+          <a:bodyPr/>
+          <a:lstStyle>
+            <a:lvl1pPr marL="0" indent="0">
+              <a:buNone/>
+              <a:defRPr sz="1600"/>
+            </a:lvl1pPr>
+            <a:lvl2pPr marL="457200" indent="0">
+              <a:buNone/>
+              <a:defRPr sz="1400"/>
+            </a:lvl2pPr>
+            <a:lvl3pPr marL="914400" indent="0">
+              <a:buNone/>
+              <a:defRPr sz="1200"/>
+            </a:lvl3pPr>
+            <a:lvl4pPr marL="1371600" indent="0">
+              <a:buNone/>
+              <a:defRPr sz="1000"/>
+            </a:lvl4pPr>
+            <a:lvl5pPr marL="1828800" indent="0">
+              <a:buNone/>
+              <a:defRPr sz="1000"/>
+            </a:lvl5pPr>
+            <a:lvl6pPr marL="2286000" indent="0">
+              <a:buNone/>
+              <a:defRPr sz="1000"/>
+            </a:lvl6pPr>
+            <a:lvl7pPr marL="2743200" indent="0">
+              <a:buNone/>
+              <a:defRPr sz="1000"/>
+            </a:lvl7pPr>
+            <a:lvl8pPr marL="3200400" indent="0">
+              <a:buNone/>
+              <a:defRPr sz="1000"/>
+            </a:lvl8pPr>
+            <a:lvl9pPr marL="3657600" indent="0">
+              <a:buNone/>
+              <a:defRPr sz="1000"/>
+            </a:lvl9pPr>
+          </a:lstStyle>
+          <a:p>
+            <a:pPr lvl="0"/>
+            <a:r>
+              <a:rPr lang="he-IL"/>
+              <a:t>ערוך סגנונות טקסט של תבנית בסיס</a:t>
+            </a:r>
+          </a:p>
+        </p:txBody>
+      </p:sp>
+      <p:sp>
+        <p:nvSpPr>
+          <p:cNvPr id="5" name="Date Placeholder 4"/>
+          <p:cNvSpPr>
+            <a:spLocks noGrp="1"/>
+          </p:cNvSpPr>
+          <p:nvPr>
+            <p:ph type="dt" sz="half" idx="10"/>
+          </p:nvPr>
+        </p:nvSpPr>
+        <p:spPr/>
+        <p:txBody>
+          <a:bodyPr/>
+          <a:lstStyle/>
+          <a:p>
+            <a:fld id="{1E8BC3C8-EB5B-4D72-B23C-CA2D29F6AB7C}" type="datetime1">
+              <a:rPr lang="en-US" smtClean="0"/>
+              <a:t>10/8/2017</a:t>
+            </a:fld>
+            <a:endParaRPr lang="en-US" dirty="0"/>
+          </a:p>
+        </p:txBody>
+      </p:sp>
+      <p:sp>
+        <p:nvSpPr>
+          <p:cNvPr id="6" name="Footer Placeholder 5"/>
+          <p:cNvSpPr>
+            <a:spLocks noGrp="1"/>
+          </p:cNvSpPr>
+          <p:nvPr>
+            <p:ph type="ftr" sz="quarter" idx="11"/>
+          </p:nvPr>
+        </p:nvSpPr>
+        <p:spPr/>
+        <p:txBody>
+          <a:bodyPr/>
+          <a:lstStyle/>
+          <a:p>
+            <a:endParaRPr lang="en-US" dirty="0"/>
+          </a:p>
+        </p:txBody>
+      </p:sp>
+      <p:sp>
+        <p:nvSpPr>
+          <p:cNvPr id="7" name="Slide Number Placeholder 6"/>
+          <p:cNvSpPr>
+            <a:spLocks noGrp="1"/>
+          </p:cNvSpPr>
+          <p:nvPr>
+            <p:ph type="sldNum" sz="quarter" idx="12"/>
+          </p:nvPr>
+        </p:nvSpPr>
+        <p:spPr/>
+        <p:txBody>
+          <a:bodyPr/>
+          <a:lstStyle/>
+          <a:p>
+            <a:fld id="{28EC0DFB-B55B-494E-B27A-B4FF8B9EF525}" type="slidenum">
+              <a:rPr lang="en-US" smtClean="0"/>
+              <a:t>‹#›</a:t>
+            </a:fld>
+            <a:endParaRPr lang="en-US" dirty="0"/>
+          </a:p>
+        </p:txBody>
+      </p:sp>
+    </p:spTree>
+    <p:extLst>
+      <p:ext uri="{BB962C8B-B14F-4D97-AF65-F5344CB8AC3E}">
+        <p14:creationId xmlns:p14="http://schemas.microsoft.com/office/powerpoint/2010/main" val="431498572"/>
+      </p:ext>
+    </p:extLst>
+  </p:cSld>
+  <p:clrMapOvr>
+    <a:masterClrMapping/>
+  </p:clrMapOvr>
+</p:sldLayout>
+</file>
+
+<file path=ppt/slideLayouts/slideLayout23.xml><?xml version="1.0" encoding="utf-8"?>
+<p:sldLayout xmlns:a="http://schemas.openxmlformats.org/drawingml/2006/main" xmlns:r="http://schemas.openxmlformats.org/officeDocument/2006/relationships" xmlns:p="http://schemas.openxmlformats.org/presentationml/2006/main" type="vertTx" preserve="1">
+  <p:cSld name="כותרת וטקסט אנכי">
+    <p:spTree>
+      <p:nvGrpSpPr>
+        <p:cNvPr id="1" name=""/>
+        <p:cNvGrpSpPr/>
+        <p:nvPr/>
+      </p:nvGrpSpPr>
+      <p:grpSpPr>
+        <a:xfrm>
+          <a:off x="0" y="0"/>
+          <a:ext cx="0" cy="0"/>
+          <a:chOff x="0" y="0"/>
+          <a:chExt cx="0" cy="0"/>
+        </a:xfrm>
+      </p:grpSpPr>
+      <p:sp>
+        <p:nvSpPr>
+          <p:cNvPr id="2" name="Title 1"/>
+          <p:cNvSpPr>
+            <a:spLocks noGrp="1"/>
+          </p:cNvSpPr>
+          <p:nvPr>
+            <p:ph type="title"/>
+          </p:nvPr>
+        </p:nvSpPr>
+        <p:spPr/>
+        <p:txBody>
+          <a:bodyPr/>
+          <a:lstStyle/>
+          <a:p>
+            <a:r>
+              <a:rPr lang="he-IL"/>
+              <a:t>לחץ כדי לערוך סגנון כותרת של תבנית בסיס</a:t>
+            </a:r>
+            <a:endParaRPr lang="en-US" dirty="0"/>
+          </a:p>
+        </p:txBody>
+      </p:sp>
+      <p:sp>
+        <p:nvSpPr>
+          <p:cNvPr id="3" name="Vertical Text Placeholder 2"/>
+          <p:cNvSpPr>
+            <a:spLocks noGrp="1"/>
+          </p:cNvSpPr>
+          <p:nvPr>
+            <p:ph type="body" orient="vert" idx="1"/>
+          </p:nvPr>
+        </p:nvSpPr>
+        <p:spPr/>
+        <p:txBody>
+          <a:bodyPr vert="eaVert"/>
+          <a:lstStyle/>
+          <a:p>
+            <a:pPr lvl="0"/>
+            <a:r>
+              <a:rPr lang="he-IL"/>
+              <a:t>ערוך סגנונות טקסט של תבנית בסיס</a:t>
+            </a:r>
+          </a:p>
+          <a:p>
+            <a:pPr lvl="1"/>
+            <a:r>
+              <a:rPr lang="he-IL"/>
+              <a:t>רמה שניה</a:t>
+            </a:r>
+          </a:p>
+          <a:p>
+            <a:pPr lvl="2"/>
+            <a:r>
+              <a:rPr lang="he-IL"/>
+              <a:t>רמה שלישית</a:t>
+            </a:r>
+          </a:p>
+          <a:p>
+            <a:pPr lvl="3"/>
+            <a:r>
+              <a:rPr lang="he-IL"/>
+              <a:t>רמה רביעית</a:t>
+            </a:r>
+          </a:p>
+          <a:p>
+            <a:pPr lvl="4"/>
+            <a:r>
+              <a:rPr lang="he-IL"/>
+              <a:t>רמה חמישית</a:t>
+            </a:r>
+            <a:endParaRPr lang="en-US" dirty="0"/>
+          </a:p>
+        </p:txBody>
+      </p:sp>
+      <p:sp>
+        <p:nvSpPr>
+          <p:cNvPr id="4" name="Date Placeholder 3"/>
+          <p:cNvSpPr>
+            <a:spLocks noGrp="1"/>
+          </p:cNvSpPr>
+          <p:nvPr>
+            <p:ph type="dt" sz="half" idx="10"/>
+          </p:nvPr>
+        </p:nvSpPr>
+        <p:spPr/>
+        <p:txBody>
+          <a:bodyPr/>
+          <a:lstStyle/>
+          <a:p>
+            <a:fld id="{C3CB169A-1A6B-431C-9B32-3FED15513A2E}" type="datetime1">
+              <a:rPr lang="en-US" smtClean="0"/>
+              <a:t>10/8/2017</a:t>
+            </a:fld>
+            <a:endParaRPr lang="en-US" dirty="0"/>
+          </a:p>
+        </p:txBody>
+      </p:sp>
+      <p:sp>
+        <p:nvSpPr>
+          <p:cNvPr id="5" name="Footer Placeholder 4"/>
+          <p:cNvSpPr>
+            <a:spLocks noGrp="1"/>
+          </p:cNvSpPr>
+          <p:nvPr>
+            <p:ph type="ftr" sz="quarter" idx="11"/>
+          </p:nvPr>
+        </p:nvSpPr>
+        <p:spPr/>
+        <p:txBody>
+          <a:bodyPr/>
+          <a:lstStyle/>
+          <a:p>
+            <a:endParaRPr lang="en-US" dirty="0"/>
+          </a:p>
+        </p:txBody>
+      </p:sp>
+      <p:sp>
+        <p:nvSpPr>
+          <p:cNvPr id="6" name="Slide Number Placeholder 5"/>
+          <p:cNvSpPr>
+            <a:spLocks noGrp="1"/>
+          </p:cNvSpPr>
+          <p:nvPr>
+            <p:ph type="sldNum" sz="quarter" idx="12"/>
+          </p:nvPr>
+        </p:nvSpPr>
+        <p:spPr/>
+        <p:txBody>
+          <a:bodyPr/>
+          <a:lstStyle/>
+          <a:p>
+            <a:fld id="{28EC0DFB-B55B-494E-B27A-B4FF8B9EF525}" type="slidenum">
+              <a:rPr lang="en-US" smtClean="0"/>
+              <a:t>‹#›</a:t>
+            </a:fld>
+            <a:endParaRPr lang="en-US" dirty="0"/>
+          </a:p>
+        </p:txBody>
+      </p:sp>
+    </p:spTree>
+    <p:extLst>
+      <p:ext uri="{BB962C8B-B14F-4D97-AF65-F5344CB8AC3E}">
+        <p14:creationId xmlns:p14="http://schemas.microsoft.com/office/powerpoint/2010/main" val="2012416343"/>
+      </p:ext>
+    </p:extLst>
+  </p:cSld>
+  <p:clrMapOvr>
+    <a:masterClrMapping/>
+  </p:clrMapOvr>
+</p:sldLayout>
+</file>
+
+<file path=ppt/slideLayouts/slideLayout24.xml><?xml version="1.0" encoding="utf-8"?>
+<p:sldLayout xmlns:a="http://schemas.openxmlformats.org/drawingml/2006/main" xmlns:r="http://schemas.openxmlformats.org/officeDocument/2006/relationships" xmlns:p="http://schemas.openxmlformats.org/presentationml/2006/main" type="vertTitleAndTx" preserve="1">
+  <p:cSld name="כותרת אנכית וטקסט">
+    <p:spTree>
+      <p:nvGrpSpPr>
+        <p:cNvPr id="1" name=""/>
+        <p:cNvGrpSpPr/>
+        <p:nvPr/>
+      </p:nvGrpSpPr>
+      <p:grpSpPr>
+        <a:xfrm>
+          <a:off x="0" y="0"/>
+          <a:ext cx="0" cy="0"/>
+          <a:chOff x="0" y="0"/>
+          <a:chExt cx="0" cy="0"/>
+        </a:xfrm>
+      </p:grpSpPr>
+      <p:sp>
+        <p:nvSpPr>
+          <p:cNvPr id="2" name="Vertical Title 1"/>
+          <p:cNvSpPr>
+            <a:spLocks noGrp="1"/>
+          </p:cNvSpPr>
+          <p:nvPr>
+            <p:ph type="title" orient="vert"/>
+          </p:nvPr>
+        </p:nvSpPr>
+        <p:spPr>
+          <a:xfrm>
+            <a:off x="8724900" y="365125"/>
+            <a:ext cx="2628900" cy="5811838"/>
+          </a:xfrm>
+        </p:spPr>
+        <p:txBody>
+          <a:bodyPr vert="eaVert"/>
+          <a:lstStyle/>
+          <a:p>
+            <a:r>
+              <a:rPr lang="he-IL"/>
+              <a:t>לחץ כדי לערוך סגנון כותרת של תבנית בסיס</a:t>
+            </a:r>
+            <a:endParaRPr lang="en-US" dirty="0"/>
+          </a:p>
+        </p:txBody>
+      </p:sp>
+      <p:sp>
+        <p:nvSpPr>
+          <p:cNvPr id="3" name="Vertical Text Placeholder 2"/>
+          <p:cNvSpPr>
+            <a:spLocks noGrp="1"/>
+          </p:cNvSpPr>
+          <p:nvPr>
+            <p:ph type="body" orient="vert" idx="1"/>
+          </p:nvPr>
+        </p:nvSpPr>
+        <p:spPr>
+          <a:xfrm>
+            <a:off x="838200" y="365125"/>
+            <a:ext cx="7734300" cy="5811838"/>
+          </a:xfrm>
+        </p:spPr>
+        <p:txBody>
+          <a:bodyPr vert="eaVert"/>
+          <a:lstStyle/>
+          <a:p>
+            <a:pPr lvl="0"/>
+            <a:r>
+              <a:rPr lang="he-IL"/>
+              <a:t>ערוך סגנונות טקסט של תבנית בסיס</a:t>
+            </a:r>
+          </a:p>
+          <a:p>
+            <a:pPr lvl="1"/>
+            <a:r>
+              <a:rPr lang="he-IL"/>
+              <a:t>רמה שניה</a:t>
+            </a:r>
+          </a:p>
+          <a:p>
+            <a:pPr lvl="2"/>
+            <a:r>
+              <a:rPr lang="he-IL"/>
+              <a:t>רמה שלישית</a:t>
+            </a:r>
+          </a:p>
+          <a:p>
+            <a:pPr lvl="3"/>
+            <a:r>
+              <a:rPr lang="he-IL"/>
+              <a:t>רמה רביעית</a:t>
+            </a:r>
+          </a:p>
+          <a:p>
+            <a:pPr lvl="4"/>
+            <a:r>
+              <a:rPr lang="he-IL"/>
+              <a:t>רמה חמישית</a:t>
+            </a:r>
+            <a:endParaRPr lang="en-US" dirty="0"/>
+          </a:p>
+        </p:txBody>
+      </p:sp>
+      <p:sp>
+        <p:nvSpPr>
+          <p:cNvPr id="4" name="Date Placeholder 3"/>
+          <p:cNvSpPr>
+            <a:spLocks noGrp="1"/>
+          </p:cNvSpPr>
+          <p:nvPr>
+            <p:ph type="dt" sz="half" idx="10"/>
+          </p:nvPr>
+        </p:nvSpPr>
+        <p:spPr/>
+        <p:txBody>
+          <a:bodyPr/>
+          <a:lstStyle/>
+          <a:p>
+            <a:fld id="{D3D6B4B9-F5CF-47AD-B206-609E1EE4E877}" type="datetime1">
+              <a:rPr lang="en-US" smtClean="0"/>
+              <a:t>10/8/2017</a:t>
+            </a:fld>
+            <a:endParaRPr lang="en-US" dirty="0"/>
+          </a:p>
+        </p:txBody>
+      </p:sp>
+      <p:sp>
+        <p:nvSpPr>
+          <p:cNvPr id="5" name="Footer Placeholder 4"/>
+          <p:cNvSpPr>
+            <a:spLocks noGrp="1"/>
+          </p:cNvSpPr>
+          <p:nvPr>
+            <p:ph type="ftr" sz="quarter" idx="11"/>
+          </p:nvPr>
+        </p:nvSpPr>
+        <p:spPr/>
+        <p:txBody>
+          <a:bodyPr/>
+          <a:lstStyle/>
+          <a:p>
+            <a:endParaRPr lang="en-US" dirty="0"/>
+          </a:p>
+        </p:txBody>
+      </p:sp>
+      <p:sp>
+        <p:nvSpPr>
+          <p:cNvPr id="6" name="Slide Number Placeholder 5"/>
+          <p:cNvSpPr>
+            <a:spLocks noGrp="1"/>
+          </p:cNvSpPr>
+          <p:nvPr>
+            <p:ph type="sldNum" sz="quarter" idx="12"/>
+          </p:nvPr>
+        </p:nvSpPr>
+        <p:spPr/>
+        <p:txBody>
+          <a:bodyPr/>
+          <a:lstStyle/>
+          <a:p>
+            <a:fld id="{28EC0DFB-B55B-494E-B27A-B4FF8B9EF525}" type="slidenum">
+              <a:rPr lang="en-US" smtClean="0"/>
+              <a:t>‹#›</a:t>
+            </a:fld>
+            <a:endParaRPr lang="en-US" dirty="0"/>
+          </a:p>
+        </p:txBody>
+      </p:sp>
+    </p:spTree>
+    <p:extLst>
+      <p:ext uri="{BB962C8B-B14F-4D97-AF65-F5344CB8AC3E}">
+        <p14:creationId xmlns:p14="http://schemas.microsoft.com/office/powerpoint/2010/main" val="111181956"/>
+      </p:ext>
+    </p:extLst>
+  </p:cSld>
+  <p:clrMapOvr>
+    <a:masterClrMapping/>
+  </p:clrMapOvr>
+</p:sldLayout>
+</file>
+
+<file path=ppt/slideLayouts/slideLayout3.xml><?xml version="1.0" encoding="utf-8"?>
+<p:sldLayout xmlns:a="http://schemas.openxmlformats.org/drawingml/2006/main" xmlns:r="http://schemas.openxmlformats.org/officeDocument/2006/relationships" xmlns:p="http://schemas.openxmlformats.org/presentationml/2006/main" type="secHead" preserve="1">
+  <p:cSld name="כותרת מקטע עליונה">
+    <p:spTree>
+      <p:nvGrpSpPr>
+        <p:cNvPr id="1" name=""/>
+        <p:cNvGrpSpPr/>
+        <p:nvPr/>
+      </p:nvGrpSpPr>
+      <p:grpSpPr>
+        <a:xfrm>
+          <a:off x="0" y="0"/>
+          <a:ext cx="0" cy="0"/>
+          <a:chOff x="0" y="0"/>
+          <a:chExt cx="0" cy="0"/>
+        </a:xfrm>
+      </p:grpSpPr>
+      <p:sp>
+        <p:nvSpPr>
+          <p:cNvPr id="2" name="Title 1"/>
+          <p:cNvSpPr>
+            <a:spLocks noGrp="1"/>
+          </p:cNvSpPr>
+          <p:nvPr>
+            <p:ph type="title"/>
+          </p:nvPr>
+        </p:nvSpPr>
+        <p:spPr>
+          <a:xfrm>
+            <a:off x="831850" y="1712423"/>
+            <a:ext cx="10515600" cy="2851208"/>
+          </a:xfrm>
+        </p:spPr>
+        <p:txBody>
+          <a:bodyPr anchor="b">
+            <a:normAutofit/>
+          </a:bodyPr>
+          <a:lstStyle>
+            <a:lvl1pPr>
+              <a:defRPr sz="6000" b="0"/>
+            </a:lvl1pPr>
+          </a:lstStyle>
+          <a:p>
+            <a:r>
+              <a:rPr lang="he-IL"/>
+              <a:t>לחץ כדי לערוך סגנון כותרת של תבנית בסיס</a:t>
+            </a:r>
+            <a:endParaRPr lang="en-US" dirty="0"/>
+          </a:p>
+        </p:txBody>
+      </p:sp>
+      <p:sp>
+        <p:nvSpPr>
+          <p:cNvPr id="3" name="Text Placeholder 2"/>
+          <p:cNvSpPr>
+            <a:spLocks noGrp="1"/>
+          </p:cNvSpPr>
+          <p:nvPr>
+            <p:ph type="body" idx="1"/>
+          </p:nvPr>
+        </p:nvSpPr>
+        <p:spPr>
+          <a:xfrm>
+            <a:off x="831850" y="4552633"/>
+            <a:ext cx="10515600" cy="1500187"/>
+          </a:xfrm>
+        </p:spPr>
+        <p:txBody>
+          <a:bodyPr anchor="t">
+            <a:normAutofit/>
+          </a:bodyPr>
+          <a:lstStyle>
+            <a:lvl1pPr marL="0" indent="0">
+              <a:buNone/>
+              <a:defRPr sz="2400">
+                <a:solidFill>
+                  <a:schemeClr val="tx1">
+                    <a:lumMod val="75000"/>
+                    <a:lumOff val="25000"/>
+                  </a:schemeClr>
+                </a:solidFill>
+              </a:defRPr>
+            </a:lvl1pPr>
+            <a:lvl2pPr marL="457200" indent="0">
+              <a:buNone/>
+              <a:defRPr sz="1800">
+                <a:solidFill>
+                  <a:schemeClr val="tx1">
+                    <a:tint val="75000"/>
+                  </a:schemeClr>
+                </a:solidFill>
+              </a:defRPr>
+            </a:lvl2pPr>
+            <a:lvl3pPr marL="914400" indent="0">
+              <a:buNone/>
+              <a:defRPr sz="1600">
+                <a:solidFill>
+                  <a:schemeClr val="tx1">
+                    <a:tint val="75000"/>
+                  </a:schemeClr>
+                </a:solidFill>
+              </a:defRPr>
+            </a:lvl3pPr>
+            <a:lvl4pPr marL="1371600" indent="0">
+              <a:buNone/>
+              <a:defRPr sz="1400">
+                <a:solidFill>
+                  <a:schemeClr val="tx1">
+                    <a:tint val="75000"/>
+                  </a:schemeClr>
+                </a:solidFill>
+              </a:defRPr>
+            </a:lvl4pPr>
+            <a:lvl5pPr marL="1828800" indent="0">
+              <a:buNone/>
+              <a:defRPr sz="1400">
+                <a:solidFill>
+                  <a:schemeClr val="tx1">
+                    <a:tint val="75000"/>
+                  </a:schemeClr>
+                </a:solidFill>
+              </a:defRPr>
+            </a:lvl5pPr>
+            <a:lvl6pPr marL="2286000" indent="0">
+              <a:buNone/>
+              <a:defRPr sz="1400">
+                <a:solidFill>
+                  <a:schemeClr val="tx1">
+                    <a:tint val="75000"/>
+                  </a:schemeClr>
+                </a:solidFill>
+              </a:defRPr>
+            </a:lvl6pPr>
+            <a:lvl7pPr marL="2743200" indent="0">
+              <a:buNone/>
+              <a:defRPr sz="1400">
+                <a:solidFill>
+                  <a:schemeClr val="tx1">
+                    <a:tint val="75000"/>
+                  </a:schemeClr>
+                </a:solidFill>
+              </a:defRPr>
+            </a:lvl7pPr>
+            <a:lvl8pPr marL="3200400" indent="0">
+              <a:buNone/>
+              <a:defRPr sz="1400">
+                <a:solidFill>
+                  <a:schemeClr val="tx1">
+                    <a:tint val="75000"/>
+                  </a:schemeClr>
+                </a:solidFill>
+              </a:defRPr>
+            </a:lvl8pPr>
+            <a:lvl9pPr marL="3657600" indent="0">
+              <a:buNone/>
+              <a:defRPr sz="1400">
+                <a:solidFill>
+                  <a:schemeClr val="tx1">
+                    <a:tint val="75000"/>
+                  </a:schemeClr>
+                </a:solidFill>
+              </a:defRPr>
+            </a:lvl9pPr>
+          </a:lstStyle>
+          <a:p>
+            <a:pPr lvl="0"/>
+            <a:r>
+              <a:rPr lang="he-IL"/>
+              <a:t>ערוך סגנונות טקסט של תבנית בסיס</a:t>
+            </a:r>
+          </a:p>
+        </p:txBody>
+      </p:sp>
+      <p:sp>
+        <p:nvSpPr>
+          <p:cNvPr id="4" name="Date Placeholder 3"/>
+          <p:cNvSpPr>
+            <a:spLocks noGrp="1"/>
+          </p:cNvSpPr>
+          <p:nvPr>
+            <p:ph type="dt" sz="half" idx="10"/>
+          </p:nvPr>
+        </p:nvSpPr>
+        <p:spPr/>
+        <p:txBody>
+          <a:bodyPr/>
+          <a:lstStyle/>
+          <a:p>
+            <a:fld id="{BC2745A0-C5E7-4C79-816B-D0E9FB625D8E}" type="datetime1">
+              <a:rPr lang="en-US" smtClean="0"/>
+              <a:t>10/8/2017</a:t>
+            </a:fld>
+            <a:endParaRPr lang="en-US" dirty="0"/>
+          </a:p>
+        </p:txBody>
+      </p:sp>
+      <p:sp>
+        <p:nvSpPr>
+          <p:cNvPr id="5" name="Footer Placeholder 4"/>
+          <p:cNvSpPr>
+            <a:spLocks noGrp="1"/>
+          </p:cNvSpPr>
+          <p:nvPr>
+            <p:ph type="ftr" sz="quarter" idx="11"/>
+          </p:nvPr>
+        </p:nvSpPr>
+        <p:spPr/>
+        <p:txBody>
+          <a:bodyPr/>
+          <a:lstStyle/>
+          <a:p>
+            <a:endParaRPr lang="en-US" dirty="0"/>
+          </a:p>
+        </p:txBody>
+      </p:sp>
+      <p:sp>
+        <p:nvSpPr>
+          <p:cNvPr id="6" name="Slide Number Placeholder 5"/>
+          <p:cNvSpPr>
+            <a:spLocks noGrp="1"/>
+          </p:cNvSpPr>
+          <p:nvPr>
+            <p:ph type="sldNum" sz="quarter" idx="12"/>
+          </p:nvPr>
+        </p:nvSpPr>
+        <p:spPr/>
+        <p:txBody>
+          <a:bodyPr/>
+          <a:lstStyle/>
+          <a:p>
+            <a:fld id="{28EC0DFB-B55B-494E-B27A-B4FF8B9EF525}" type="slidenum">
+              <a:rPr lang="en-US" smtClean="0"/>
+              <a:t>‹#›</a:t>
+            </a:fld>
+            <a:endParaRPr lang="en-US" dirty="0"/>
+          </a:p>
+        </p:txBody>
+      </p:sp>
+    </p:spTree>
+    <p:extLst>
+      <p:ext uri="{BB962C8B-B14F-4D97-AF65-F5344CB8AC3E}">
+        <p14:creationId xmlns:p14="http://schemas.microsoft.com/office/powerpoint/2010/main" val="3831646123"/>
+      </p:ext>
+    </p:extLst>
+  </p:cSld>
+  <p:clrMapOvr>
+    <a:masterClrMapping/>
+  </p:clrMapOvr>
+</p:sldLayout>
+</file>
+
+<file path=ppt/slideLayouts/slideLayout4.xml><?xml version="1.0" encoding="utf-8"?>
+<p:sldLayout xmlns:a="http://schemas.openxmlformats.org/drawingml/2006/main" xmlns:r="http://schemas.openxmlformats.org/officeDocument/2006/relationships" xmlns:p="http://schemas.openxmlformats.org/presentationml/2006/main" type="twoObj" preserve="1">
+  <p:cSld name="שני תכנים">
+    <p:spTree>
+      <p:nvGrpSpPr>
+        <p:cNvPr id="1" name=""/>
+        <p:cNvGrpSpPr/>
+        <p:nvPr/>
+      </p:nvGrpSpPr>
+      <p:grpSpPr>
+        <a:xfrm>
+          <a:off x="0" y="0"/>
+          <a:ext cx="0" cy="0"/>
+          <a:chOff x="0" y="0"/>
+          <a:chExt cx="0" cy="0"/>
+        </a:xfrm>
+      </p:grpSpPr>
+      <p:sp>
+        <p:nvSpPr>
+          <p:cNvPr id="2" name="Title 1"/>
+          <p:cNvSpPr>
+            <a:spLocks noGrp="1"/>
+          </p:cNvSpPr>
+          <p:nvPr>
+            <p:ph type="title"/>
+          </p:nvPr>
+        </p:nvSpPr>
+        <p:spPr/>
+        <p:txBody>
+          <a:bodyPr/>
+          <a:lstStyle/>
+          <a:p>
+            <a:r>
+              <a:rPr lang="he-IL"/>
+              <a:t>לחץ כדי לערוך סגנון כותרת של תבנית בסיס</a:t>
+            </a:r>
+            <a:endParaRPr lang="en-US" dirty="0"/>
+          </a:p>
+        </p:txBody>
+      </p:sp>
+      <p:sp>
+        <p:nvSpPr>
+          <p:cNvPr id="3" name="Content Placeholder 2"/>
+          <p:cNvSpPr>
+            <a:spLocks noGrp="1"/>
+          </p:cNvSpPr>
+          <p:nvPr>
+            <p:ph sz="half" idx="1"/>
+          </p:nvPr>
+        </p:nvSpPr>
+        <p:spPr>
+          <a:xfrm>
+            <a:off x="845127" y="1828800"/>
+            <a:ext cx="5181600" cy="4351337"/>
+          </a:xfrm>
+        </p:spPr>
+        <p:txBody>
+          <a:bodyPr/>
+          <a:lstStyle/>
+          <a:p>
+            <a:pPr lvl="0"/>
+            <a:r>
+              <a:rPr lang="he-IL"/>
+              <a:t>ערוך סגנונות טקסט של תבנית בסיס</a:t>
+            </a:r>
+          </a:p>
+          <a:p>
+            <a:pPr lvl="1"/>
+            <a:r>
+              <a:rPr lang="he-IL"/>
+              <a:t>רמה שניה</a:t>
+            </a:r>
+          </a:p>
+          <a:p>
+            <a:pPr lvl="2"/>
+            <a:r>
+              <a:rPr lang="he-IL"/>
+              <a:t>רמה שלישית</a:t>
+            </a:r>
+          </a:p>
+          <a:p>
+            <a:pPr lvl="3"/>
+            <a:r>
+              <a:rPr lang="he-IL"/>
+              <a:t>רמה רביעית</a:t>
+            </a:r>
+          </a:p>
+          <a:p>
+            <a:pPr lvl="4"/>
+            <a:r>
+              <a:rPr lang="he-IL"/>
+              <a:t>רמה חמישית</a:t>
+            </a:r>
+            <a:endParaRPr lang="en-US" dirty="0"/>
+          </a:p>
+        </p:txBody>
+      </p:sp>
+      <p:sp>
+        <p:nvSpPr>
+          <p:cNvPr id="4" name="Content Placeholder 3"/>
+          <p:cNvSpPr>
+            <a:spLocks noGrp="1"/>
+          </p:cNvSpPr>
+          <p:nvPr>
+            <p:ph sz="half" idx="2"/>
+          </p:nvPr>
+        </p:nvSpPr>
+        <p:spPr>
+          <a:xfrm>
+            <a:off x="6172200" y="1828800"/>
+            <a:ext cx="5181600" cy="4351337"/>
+          </a:xfrm>
+        </p:spPr>
+        <p:txBody>
+          <a:bodyPr/>
+          <a:lstStyle/>
+          <a:p>
+            <a:pPr lvl="0"/>
+            <a:r>
+              <a:rPr lang="he-IL"/>
+              <a:t>ערוך סגנונות טקסט של תבנית בסיס</a:t>
+            </a:r>
+          </a:p>
+          <a:p>
+            <a:pPr lvl="1"/>
+            <a:r>
+              <a:rPr lang="he-IL"/>
+              <a:t>רמה שניה</a:t>
+            </a:r>
+          </a:p>
+          <a:p>
+            <a:pPr lvl="2"/>
+            <a:r>
+              <a:rPr lang="he-IL"/>
+              <a:t>רמה שלישית</a:t>
+            </a:r>
+          </a:p>
+          <a:p>
+            <a:pPr lvl="3"/>
+            <a:r>
+              <a:rPr lang="he-IL"/>
+              <a:t>רמה רביעית</a:t>
+            </a:r>
+          </a:p>
+          <a:p>
+            <a:pPr lvl="4"/>
+            <a:r>
+              <a:rPr lang="he-IL"/>
+              <a:t>רמה חמישית</a:t>
+            </a:r>
+            <a:endParaRPr lang="en-US" dirty="0"/>
+          </a:p>
+        </p:txBody>
+      </p:sp>
+      <p:sp>
+        <p:nvSpPr>
+          <p:cNvPr id="5" name="Date Placeholder 4"/>
+          <p:cNvSpPr>
+            <a:spLocks noGrp="1"/>
+          </p:cNvSpPr>
+          <p:nvPr>
+            <p:ph type="dt" sz="half" idx="10"/>
+          </p:nvPr>
+        </p:nvSpPr>
+        <p:spPr/>
+        <p:txBody>
+          <a:bodyPr/>
+          <a:lstStyle/>
+          <a:p>
+            <a:fld id="{59B184F9-EDD8-48E2-B242-2D51F079F995}" type="datetime1">
+              <a:rPr lang="en-US" smtClean="0"/>
+              <a:t>10/8/2017</a:t>
+            </a:fld>
+            <a:endParaRPr lang="en-US" dirty="0"/>
+          </a:p>
+        </p:txBody>
+      </p:sp>
+      <p:sp>
+        <p:nvSpPr>
+          <p:cNvPr id="6" name="Footer Placeholder 5"/>
+          <p:cNvSpPr>
+            <a:spLocks noGrp="1"/>
+          </p:cNvSpPr>
+          <p:nvPr>
+            <p:ph type="ftr" sz="quarter" idx="11"/>
+          </p:nvPr>
+        </p:nvSpPr>
+        <p:spPr/>
+        <p:txBody>
+          <a:bodyPr/>
+          <a:lstStyle/>
+          <a:p>
+            <a:endParaRPr lang="en-US" dirty="0"/>
+          </a:p>
+        </p:txBody>
+      </p:sp>
+      <p:sp>
+        <p:nvSpPr>
+          <p:cNvPr id="7" name="Slide Number Placeholder 6"/>
+          <p:cNvSpPr>
+            <a:spLocks noGrp="1"/>
+          </p:cNvSpPr>
+          <p:nvPr>
+            <p:ph type="sldNum" sz="quarter" idx="12"/>
+          </p:nvPr>
+        </p:nvSpPr>
+        <p:spPr/>
+        <p:txBody>
+          <a:bodyPr/>
+          <a:lstStyle/>
+          <a:p>
+            <a:fld id="{28EC0DFB-B55B-494E-B27A-B4FF8B9EF525}" type="slidenum">
+              <a:rPr lang="en-US" smtClean="0"/>
+              <a:t>‹#›</a:t>
+            </a:fld>
+            <a:endParaRPr lang="en-US" dirty="0"/>
+          </a:p>
+        </p:txBody>
+      </p:sp>
+    </p:spTree>
+    <p:extLst>
+      <p:ext uri="{BB962C8B-B14F-4D97-AF65-F5344CB8AC3E}">
+        <p14:creationId xmlns:p14="http://schemas.microsoft.com/office/powerpoint/2010/main" val="1667675725"/>
+      </p:ext>
+    </p:extLst>
+  </p:cSld>
+  <p:clrMapOvr>
+    <a:masterClrMapping/>
+  </p:clrMapOvr>
+</p:sldLayout>
+</file>
+
+<file path=ppt/slideLayouts/slideLayout5.xml><?xml version="1.0" encoding="utf-8"?>
+<p:sldLayout xmlns:a="http://schemas.openxmlformats.org/drawingml/2006/main" xmlns:r="http://schemas.openxmlformats.org/officeDocument/2006/relationships" xmlns:p="http://schemas.openxmlformats.org/presentationml/2006/main" preserve="1">
+  <p:cSld name="השוואה">
+    <p:spTree>
+      <p:nvGrpSpPr>
+        <p:cNvPr id="1" name=""/>
+        <p:cNvGrpSpPr/>
+        <p:nvPr/>
+      </p:nvGrpSpPr>
+      <p:grpSpPr>
+        <a:xfrm>
+          <a:off x="0" y="0"/>
+          <a:ext cx="0" cy="0"/>
+          <a:chOff x="0" y="0"/>
+          <a:chExt cx="0" cy="0"/>
+        </a:xfrm>
+      </p:grpSpPr>
+      <p:sp>
+        <p:nvSpPr>
+          <p:cNvPr id="3" name="Text Placeholder 2"/>
+          <p:cNvSpPr>
+            <a:spLocks noGrp="1"/>
+          </p:cNvSpPr>
+          <p:nvPr>
+            <p:ph type="body" idx="1"/>
+          </p:nvPr>
+        </p:nvSpPr>
+        <p:spPr>
+          <a:xfrm>
+            <a:off x="845127" y="1681850"/>
+            <a:ext cx="5156200" cy="825699"/>
+          </a:xfrm>
+        </p:spPr>
+        <p:txBody>
+          <a:bodyPr anchor="b">
+            <a:normAutofit/>
+          </a:bodyPr>
+          <a:lstStyle>
+            <a:lvl1pPr marL="0" indent="0">
+              <a:spcBef>
+                <a:spcPts val="0"/>
+              </a:spcBef>
+              <a:buNone/>
+              <a:defRPr sz="2400" b="1"/>
+            </a:lvl1pPr>
+            <a:lvl2pPr marL="457200" indent="0">
+              <a:buNone/>
+              <a:defRPr sz="2000" b="1"/>
+            </a:lvl2pPr>
+            <a:lvl3pPr marL="914400" indent="0">
+              <a:buNone/>
+              <a:defRPr sz="1800" b="1"/>
+            </a:lvl3pPr>
+            <a:lvl4pPr marL="1371600" indent="0">
+              <a:buNone/>
+              <a:defRPr sz="1600" b="1"/>
+            </a:lvl4pPr>
+            <a:lvl5pPr marL="1828800" indent="0">
+              <a:buNone/>
+              <a:defRPr sz="1600" b="1"/>
+            </a:lvl5pPr>
+            <a:lvl6pPr marL="2286000" indent="0">
+              <a:buNone/>
+              <a:defRPr sz="1600" b="1"/>
+            </a:lvl6pPr>
+            <a:lvl7pPr marL="2743200" indent="0">
+              <a:buNone/>
+              <a:defRPr sz="1600" b="1"/>
+            </a:lvl7pPr>
+            <a:lvl8pPr marL="3200400" indent="0">
+              <a:buNone/>
+              <a:defRPr sz="1600" b="1"/>
+            </a:lvl8pPr>
+            <a:lvl9pPr marL="3657600" indent="0">
+              <a:buNone/>
+              <a:defRPr sz="1600" b="1"/>
+            </a:lvl9pPr>
+          </a:lstStyle>
+          <a:p>
+            <a:pPr lvl="0"/>
+            <a:r>
+              <a:rPr lang="he-IL"/>
+              <a:t>ערוך סגנונות טקסט של תבנית בסיס</a:t>
+            </a:r>
+          </a:p>
+        </p:txBody>
+      </p:sp>
+      <p:sp>
+        <p:nvSpPr>
+          <p:cNvPr id="4" name="Content Placeholder 3"/>
+          <p:cNvSpPr>
+            <a:spLocks noGrp="1"/>
+          </p:cNvSpPr>
+          <p:nvPr>
+            <p:ph sz="half" idx="2"/>
+          </p:nvPr>
+        </p:nvSpPr>
+        <p:spPr>
+          <a:xfrm>
+            <a:off x="845127" y="2507550"/>
+            <a:ext cx="5156200" cy="3680525"/>
+          </a:xfrm>
+        </p:spPr>
+        <p:txBody>
+          <a:bodyPr/>
+          <a:lstStyle/>
+          <a:p>
+            <a:pPr lvl="0"/>
+            <a:r>
+              <a:rPr lang="he-IL"/>
+              <a:t>ערוך סגנונות טקסט של תבנית בסיס</a:t>
+            </a:r>
+          </a:p>
+          <a:p>
+            <a:pPr lvl="1"/>
+            <a:r>
+              <a:rPr lang="he-IL"/>
+              <a:t>רמה שניה</a:t>
+            </a:r>
+          </a:p>
+          <a:p>
+            <a:pPr lvl="2"/>
+            <a:r>
+              <a:rPr lang="he-IL"/>
+              <a:t>רמה שלישית</a:t>
+            </a:r>
+          </a:p>
+          <a:p>
+            <a:pPr lvl="3"/>
+            <a:r>
+              <a:rPr lang="he-IL"/>
+              <a:t>רמה רביעית</a:t>
+            </a:r>
+          </a:p>
+          <a:p>
+            <a:pPr lvl="4"/>
+            <a:r>
+              <a:rPr lang="he-IL"/>
+              <a:t>רמה חמישית</a:t>
+            </a:r>
+            <a:endParaRPr lang="en-US" dirty="0"/>
+          </a:p>
+        </p:txBody>
+      </p:sp>
+      <p:sp>
+        <p:nvSpPr>
+          <p:cNvPr id="5" name="Text Placeholder 4"/>
+          <p:cNvSpPr>
+            <a:spLocks noGrp="1"/>
+          </p:cNvSpPr>
+          <p:nvPr>
+            <p:ph type="body" sz="quarter" idx="3"/>
+          </p:nvPr>
+        </p:nvSpPr>
+        <p:spPr>
+          <a:xfrm>
+            <a:off x="6172200" y="1681851"/>
+            <a:ext cx="5181601" cy="825698"/>
+          </a:xfrm>
+        </p:spPr>
+        <p:txBody>
+          <a:bodyPr anchor="b"/>
+          <a:lstStyle>
+            <a:lvl1pPr marL="0" indent="0">
+              <a:spcBef>
+                <a:spcPts val="0"/>
+              </a:spcBef>
+              <a:buNone/>
+              <a:defRPr sz="2400" b="1"/>
+            </a:lvl1pPr>
+            <a:lvl2pPr marL="457200" indent="0">
+              <a:buNone/>
+              <a:defRPr sz="2000" b="1"/>
+            </a:lvl2pPr>
+            <a:lvl3pPr marL="914400" indent="0">
+              <a:buNone/>
+              <a:defRPr sz="1800" b="1"/>
+            </a:lvl3pPr>
+            <a:lvl4pPr marL="1371600" indent="0">
+              <a:buNone/>
+              <a:defRPr sz="1600" b="1"/>
+            </a:lvl4pPr>
+            <a:lvl5pPr marL="1828800" indent="0">
+              <a:buNone/>
+              <a:defRPr sz="1600" b="1"/>
+            </a:lvl5pPr>
+            <a:lvl6pPr marL="2286000" indent="0">
+              <a:buNone/>
+              <a:defRPr sz="1600" b="1"/>
+            </a:lvl6pPr>
+            <a:lvl7pPr marL="2743200" indent="0">
+              <a:buNone/>
+              <a:defRPr sz="1600" b="1"/>
+            </a:lvl7pPr>
+            <a:lvl8pPr marL="3200400" indent="0">
+              <a:buNone/>
+              <a:defRPr sz="1600" b="1"/>
+            </a:lvl8pPr>
+            <a:lvl9pPr marL="3657600" indent="0">
+              <a:buNone/>
+              <a:defRPr sz="1600" b="1"/>
+            </a:lvl9pPr>
+          </a:lstStyle>
+          <a:p>
+            <a:pPr lvl="0"/>
+            <a:r>
+              <a:rPr lang="he-IL"/>
+              <a:t>ערוך סגנונות טקסט של תבנית בסיס</a:t>
+            </a:r>
+          </a:p>
+        </p:txBody>
+      </p:sp>
+      <p:sp>
+        <p:nvSpPr>
+          <p:cNvPr id="6" name="Content Placeholder 5"/>
+          <p:cNvSpPr>
+            <a:spLocks noGrp="1"/>
+          </p:cNvSpPr>
+          <p:nvPr>
+            <p:ph sz="quarter" idx="4"/>
+          </p:nvPr>
+        </p:nvSpPr>
+        <p:spPr>
+          <a:xfrm>
+            <a:off x="6172200" y="2507550"/>
+            <a:ext cx="5181601" cy="3680525"/>
+          </a:xfrm>
+        </p:spPr>
+        <p:txBody>
+          <a:bodyPr/>
+          <a:lstStyle/>
+          <a:p>
+            <a:pPr lvl="0"/>
+            <a:r>
+              <a:rPr lang="he-IL"/>
+              <a:t>ערוך סגנונות טקסט של תבנית בסיס</a:t>
+            </a:r>
+          </a:p>
+          <a:p>
+            <a:pPr lvl="1"/>
+            <a:r>
+              <a:rPr lang="he-IL"/>
+              <a:t>רמה שניה</a:t>
+            </a:r>
+          </a:p>
+          <a:p>
+            <a:pPr lvl="2"/>
+            <a:r>
+              <a:rPr lang="he-IL"/>
+              <a:t>רמה שלישית</a:t>
+            </a:r>
+          </a:p>
+          <a:p>
+            <a:pPr lvl="3"/>
+            <a:r>
+              <a:rPr lang="he-IL"/>
+              <a:t>רמה רביעית</a:t>
+            </a:r>
+          </a:p>
+          <a:p>
+            <a:pPr lvl="4"/>
+            <a:r>
+              <a:rPr lang="he-IL"/>
+              <a:t>רמה חמישית</a:t>
+            </a:r>
+            <a:endParaRPr lang="en-US"/>
+          </a:p>
+        </p:txBody>
+      </p:sp>
+      <p:sp>
+        <p:nvSpPr>
+          <p:cNvPr id="7" name="Date Placeholder 6"/>
+          <p:cNvSpPr>
+            <a:spLocks noGrp="1"/>
+          </p:cNvSpPr>
+          <p:nvPr>
+            <p:ph type="dt" sz="half" idx="10"/>
+          </p:nvPr>
+        </p:nvSpPr>
+        <p:spPr/>
+        <p:txBody>
+          <a:bodyPr/>
+          <a:lstStyle/>
+          <a:p>
+            <a:fld id="{FD60C457-D73D-40FB-A778-999800B0982A}" type="datetime1">
+              <a:rPr lang="en-US" smtClean="0"/>
+              <a:t>10/8/2017</a:t>
+            </a:fld>
+            <a:endParaRPr lang="en-US" dirty="0"/>
+          </a:p>
+        </p:txBody>
+      </p:sp>
+      <p:sp>
+        <p:nvSpPr>
+          <p:cNvPr id="8" name="Footer Placeholder 7"/>
+          <p:cNvSpPr>
+            <a:spLocks noGrp="1"/>
+          </p:cNvSpPr>
+          <p:nvPr>
+            <p:ph type="ftr" sz="quarter" idx="11"/>
+          </p:nvPr>
+        </p:nvSpPr>
+        <p:spPr/>
+        <p:txBody>
+          <a:bodyPr/>
+          <a:lstStyle/>
+          <a:p>
+            <a:endParaRPr lang="en-US" dirty="0"/>
+          </a:p>
+        </p:txBody>
+      </p:sp>
+      <p:sp>
+        <p:nvSpPr>
+          <p:cNvPr id="9" name="Slide Number Placeholder 8"/>
+          <p:cNvSpPr>
+            <a:spLocks noGrp="1"/>
+          </p:cNvSpPr>
+          <p:nvPr>
+            <p:ph type="sldNum" sz="quarter" idx="12"/>
+          </p:nvPr>
+        </p:nvSpPr>
+        <p:spPr/>
+        <p:txBody>
+          <a:bodyPr/>
+          <a:lstStyle/>
+          <a:p>
+            <a:fld id="{28EC0DFB-B55B-494E-B27A-B4FF8B9EF525}" type="slidenum">
+              <a:rPr lang="en-US" smtClean="0"/>
+              <a:t>‹#›</a:t>
+            </a:fld>
+            <a:endParaRPr lang="en-US" dirty="0"/>
+          </a:p>
+        </p:txBody>
+      </p:sp>
+      <p:sp>
+        <p:nvSpPr>
+          <p:cNvPr id="10" name="Title 9"/>
+          <p:cNvSpPr>
+            <a:spLocks noGrp="1"/>
+          </p:cNvSpPr>
+          <p:nvPr>
+            <p:ph type="title"/>
+          </p:nvPr>
+        </p:nvSpPr>
+        <p:spPr/>
+        <p:txBody>
+          <a:bodyPr/>
+          <a:lstStyle/>
+          <a:p>
+            <a:r>
+              <a:rPr lang="he-IL"/>
+              <a:t>לחץ כדי לערוך סגנון כותרת של תבנית בסיס</a:t>
+            </a:r>
+            <a:endParaRPr lang="en-US" dirty="0"/>
+          </a:p>
+        </p:txBody>
+      </p:sp>
+    </p:spTree>
+    <p:extLst>
+      <p:ext uri="{BB962C8B-B14F-4D97-AF65-F5344CB8AC3E}">
+        <p14:creationId xmlns:p14="http://schemas.microsoft.com/office/powerpoint/2010/main" val="3561520063"/>
+      </p:ext>
+    </p:extLst>
+  </p:cSld>
+  <p:clrMapOvr>
+    <a:masterClrMapping/>
+  </p:clrMapOvr>
+</p:sldLayout>
+</file>
+
+<file path=ppt/slideLayouts/slideLayout6.xml><?xml version="1.0" encoding="utf-8"?>
+<p:sldLayout xmlns:a="http://schemas.openxmlformats.org/drawingml/2006/main" xmlns:r="http://schemas.openxmlformats.org/officeDocument/2006/relationships" xmlns:p="http://schemas.openxmlformats.org/presentationml/2006/main" preserve="1">
+  <p:cSld name="כותרת בלבד">
+    <p:spTree>
+      <p:nvGrpSpPr>
+        <p:cNvPr id="1" name=""/>
+        <p:cNvGrpSpPr/>
+        <p:nvPr/>
+      </p:nvGrpSpPr>
+      <p:grpSpPr>
+        <a:xfrm>
+          <a:off x="0" y="0"/>
+          <a:ext cx="0" cy="0"/>
+          <a:chOff x="0" y="0"/>
+          <a:chExt cx="0" cy="0"/>
+        </a:xfrm>
+      </p:grpSpPr>
+      <p:sp>
+        <p:nvSpPr>
+          <p:cNvPr id="3" name="Date Placeholder 2"/>
+          <p:cNvSpPr>
+            <a:spLocks noGrp="1"/>
+          </p:cNvSpPr>
+          <p:nvPr>
+            <p:ph type="dt" sz="half" idx="10"/>
+          </p:nvPr>
+        </p:nvSpPr>
+        <p:spPr/>
+        <p:txBody>
+          <a:bodyPr/>
+          <a:lstStyle/>
+          <a:p>
+            <a:fld id="{BFD3383F-9CA8-4EF4-8951-294209C72768}" type="datetime1">
+              <a:rPr lang="en-US" smtClean="0"/>
+              <a:t>10/8/2017</a:t>
+            </a:fld>
+            <a:endParaRPr lang="en-US" dirty="0"/>
+          </a:p>
+        </p:txBody>
+      </p:sp>
+      <p:sp>
+        <p:nvSpPr>
+          <p:cNvPr id="4" name="Footer Placeholder 3"/>
+          <p:cNvSpPr>
+            <a:spLocks noGrp="1"/>
+          </p:cNvSpPr>
+          <p:nvPr>
+            <p:ph type="ftr" sz="quarter" idx="11"/>
+          </p:nvPr>
+        </p:nvSpPr>
+        <p:spPr/>
+        <p:txBody>
+          <a:bodyPr/>
+          <a:lstStyle/>
+          <a:p>
+            <a:endParaRPr lang="en-US" dirty="0"/>
+          </a:p>
+        </p:txBody>
+      </p:sp>
+      <p:sp>
+        <p:nvSpPr>
+          <p:cNvPr id="5" name="Slide Number Placeholder 4"/>
+          <p:cNvSpPr>
+            <a:spLocks noGrp="1"/>
+          </p:cNvSpPr>
+          <p:nvPr>
+            <p:ph type="sldNum" sz="quarter" idx="12"/>
+          </p:nvPr>
+        </p:nvSpPr>
+        <p:spPr/>
+        <p:txBody>
+          <a:bodyPr/>
+          <a:lstStyle/>
+          <a:p>
+            <a:fld id="{28EC0DFB-B55B-494E-B27A-B4FF8B9EF525}" type="slidenum">
+              <a:rPr lang="en-US" smtClean="0"/>
+              <a:t>‹#›</a:t>
+            </a:fld>
+            <a:endParaRPr lang="en-US" dirty="0"/>
+          </a:p>
+        </p:txBody>
+      </p:sp>
+      <p:sp>
+        <p:nvSpPr>
+          <p:cNvPr id="6" name="Title 5"/>
+          <p:cNvSpPr>
+            <a:spLocks noGrp="1"/>
+          </p:cNvSpPr>
+          <p:nvPr>
+            <p:ph type="title"/>
+          </p:nvPr>
+        </p:nvSpPr>
+        <p:spPr/>
+        <p:txBody>
+          <a:bodyPr/>
+          <a:lstStyle/>
+          <a:p>
+            <a:r>
+              <a:rPr lang="he-IL"/>
+              <a:t>לחץ כדי לערוך סגנון כותרת של תבנית בסיס</a:t>
+            </a:r>
+            <a:endParaRPr lang="en-US"/>
+          </a:p>
+        </p:txBody>
+      </p:sp>
+    </p:spTree>
+    <p:extLst>
+      <p:ext uri="{BB962C8B-B14F-4D97-AF65-F5344CB8AC3E}">
+        <p14:creationId xmlns:p14="http://schemas.microsoft.com/office/powerpoint/2010/main" val="1419368648"/>
+      </p:ext>
+    </p:extLst>
+  </p:cSld>
+  <p:clrMapOvr>
+    <a:masterClrMapping/>
+  </p:clrMapOvr>
+</p:sldLayout>
+</file>
+
+<file path=ppt/slideLayouts/slideLayout7.xml><?xml version="1.0" encoding="utf-8"?>
+<p:sldLayout xmlns:a="http://schemas.openxmlformats.org/drawingml/2006/main" xmlns:r="http://schemas.openxmlformats.org/officeDocument/2006/relationships" xmlns:p="http://schemas.openxmlformats.org/presentationml/2006/main" type="blank" preserve="1">
+  <p:cSld name="ריק">
+    <p:spTree>
+      <p:nvGrpSpPr>
+        <p:cNvPr id="1" name=""/>
+        <p:cNvGrpSpPr/>
+        <p:nvPr/>
+      </p:nvGrpSpPr>
+      <p:grpSpPr>
+        <a:xfrm>
+          <a:off x="0" y="0"/>
+          <a:ext cx="0" cy="0"/>
+          <a:chOff x="0" y="0"/>
+          <a:chExt cx="0" cy="0"/>
+        </a:xfrm>
+      </p:grpSpPr>
+      <p:sp>
+        <p:nvSpPr>
+          <p:cNvPr id="2" name="Date Placeholder 1"/>
+          <p:cNvSpPr>
+            <a:spLocks noGrp="1"/>
+          </p:cNvSpPr>
+          <p:nvPr>
+            <p:ph type="dt" sz="half" idx="10"/>
+          </p:nvPr>
+        </p:nvSpPr>
+        <p:spPr/>
+        <p:txBody>
+          <a:bodyPr/>
+          <a:lstStyle/>
+          <a:p>
+            <a:fld id="{EA6497FF-B9B3-4EEF-8FCC-425CB2E8DE3F}" type="datetime1">
+              <a:rPr lang="en-US" smtClean="0"/>
+              <a:t>10/8/2017</a:t>
+            </a:fld>
+            <a:endParaRPr lang="en-US" dirty="0"/>
+          </a:p>
+        </p:txBody>
+      </p:sp>
+      <p:sp>
+        <p:nvSpPr>
+          <p:cNvPr id="3" name="Footer Placeholder 2"/>
+          <p:cNvSpPr>
+            <a:spLocks noGrp="1"/>
+          </p:cNvSpPr>
+          <p:nvPr>
+            <p:ph type="ftr" sz="quarter" idx="11"/>
+          </p:nvPr>
+        </p:nvSpPr>
+        <p:spPr/>
+        <p:txBody>
+          <a:bodyPr/>
+          <a:lstStyle/>
+          <a:p>
+            <a:endParaRPr lang="en-US" dirty="0"/>
+          </a:p>
+        </p:txBody>
+      </p:sp>
+      <p:sp>
+        <p:nvSpPr>
+          <p:cNvPr id="4" name="Slide Number Placeholder 3"/>
+          <p:cNvSpPr>
+            <a:spLocks noGrp="1"/>
+          </p:cNvSpPr>
+          <p:nvPr>
+            <p:ph type="sldNum" sz="quarter" idx="12"/>
+          </p:nvPr>
+        </p:nvSpPr>
+        <p:spPr/>
+        <p:txBody>
+          <a:bodyPr/>
+          <a:lstStyle/>
+          <a:p>
+            <a:fld id="{28EC0DFB-B55B-494E-B27A-B4FF8B9EF525}" type="slidenum">
+              <a:rPr lang="en-US" smtClean="0"/>
+              <a:t>‹#›</a:t>
+            </a:fld>
+            <a:endParaRPr lang="en-US" dirty="0"/>
+          </a:p>
+        </p:txBody>
+      </p:sp>
+    </p:spTree>
+    <p:extLst>
+      <p:ext uri="{BB962C8B-B14F-4D97-AF65-F5344CB8AC3E}">
+        <p14:creationId xmlns:p14="http://schemas.microsoft.com/office/powerpoint/2010/main" val="1728808555"/>
+      </p:ext>
+    </p:extLst>
+  </p:cSld>
+  <p:clrMapOvr>
+    <a:masterClrMapping/>
+  </p:clrMapOvr>
+</p:sldLayout>
+</file>
+
+<file path=ppt/slideLayouts/slideLayout8.xml><?xml version="1.0" encoding="utf-8"?>
+<p:sldLayout xmlns:a="http://schemas.openxmlformats.org/drawingml/2006/main" xmlns:r="http://schemas.openxmlformats.org/officeDocument/2006/relationships" xmlns:p="http://schemas.openxmlformats.org/presentationml/2006/main" type="objTx" preserve="1">
+  <p:cSld name="תוכן עם כיתוב">
+    <p:spTree>
+      <p:nvGrpSpPr>
+        <p:cNvPr id="1" name=""/>
+        <p:cNvGrpSpPr/>
+        <p:nvPr/>
+      </p:nvGrpSpPr>
+      <p:grpSpPr>
+        <a:xfrm>
+          <a:off x="0" y="0"/>
+          <a:ext cx="0" cy="0"/>
+          <a:chOff x="0" y="0"/>
+          <a:chExt cx="0" cy="0"/>
+        </a:xfrm>
+      </p:grpSpPr>
+      <p:sp>
+        <p:nvSpPr>
+          <p:cNvPr id="2" name="Title 1"/>
+          <p:cNvSpPr>
+            <a:spLocks noGrp="1"/>
+          </p:cNvSpPr>
+          <p:nvPr>
+            <p:ph type="title"/>
+          </p:nvPr>
+        </p:nvSpPr>
+        <p:spPr>
+          <a:xfrm>
+            <a:off x="841248" y="457200"/>
+            <a:ext cx="3931920" cy="1600197"/>
+          </a:xfrm>
+        </p:spPr>
+        <p:txBody>
+          <a:bodyPr anchor="b">
+            <a:normAutofit/>
+          </a:bodyPr>
+          <a:lstStyle>
+            <a:lvl1pPr>
+              <a:defRPr sz="3200" b="0"/>
+            </a:lvl1pPr>
+          </a:lstStyle>
+          <a:p>
+            <a:r>
+              <a:rPr lang="he-IL"/>
+              <a:t>לחץ כדי לערוך סגנון כותרת של תבנית בסיס</a:t>
+            </a:r>
+            <a:endParaRPr lang="en-US" dirty="0"/>
+          </a:p>
+        </p:txBody>
+      </p:sp>
+      <p:sp>
+        <p:nvSpPr>
+          <p:cNvPr id="3" name="Content Placeholder 2"/>
+          <p:cNvSpPr>
+            <a:spLocks noGrp="1"/>
+          </p:cNvSpPr>
+          <p:nvPr>
+            <p:ph idx="1"/>
+          </p:nvPr>
+        </p:nvSpPr>
+        <p:spPr>
+          <a:xfrm>
+            <a:off x="5181600" y="990600"/>
+            <a:ext cx="6172200" cy="4876800"/>
+          </a:xfrm>
+        </p:spPr>
+        <p:txBody>
+          <a:bodyPr/>
+          <a:lstStyle>
+            <a:lvl1pPr>
+              <a:defRPr sz="3200"/>
+            </a:lvl1pPr>
+            <a:lvl2pPr>
+              <a:defRPr sz="2800"/>
+            </a:lvl2pPr>
+            <a:lvl3pPr>
+              <a:defRPr sz="2400"/>
+            </a:lvl3pPr>
+            <a:lvl4pPr>
+              <a:defRPr sz="2000"/>
+            </a:lvl4pPr>
+            <a:lvl5pPr>
+              <a:defRPr sz="2000"/>
+            </a:lvl5pPr>
+            <a:lvl6pPr>
+              <a:defRPr sz="2000"/>
+            </a:lvl6pPr>
+            <a:lvl7pPr>
+              <a:defRPr sz="2000"/>
+            </a:lvl7pPr>
+            <a:lvl8pPr>
+              <a:defRPr sz="2000"/>
+            </a:lvl8pPr>
+            <a:lvl9pPr>
+              <a:defRPr sz="2000"/>
+            </a:lvl9pPr>
+          </a:lstStyle>
+          <a:p>
+            <a:pPr lvl="0"/>
+            <a:r>
+              <a:rPr lang="he-IL"/>
+              <a:t>ערוך סגנונות טקסט של תבנית בסיס</a:t>
+            </a:r>
+          </a:p>
+          <a:p>
+            <a:pPr lvl="1"/>
+            <a:r>
+              <a:rPr lang="he-IL"/>
+              <a:t>רמה שניה</a:t>
+            </a:r>
+          </a:p>
+          <a:p>
+            <a:pPr lvl="2"/>
+            <a:r>
+              <a:rPr lang="he-IL"/>
+              <a:t>רמה שלישית</a:t>
+            </a:r>
+          </a:p>
+          <a:p>
+            <a:pPr lvl="3"/>
+            <a:r>
+              <a:rPr lang="he-IL"/>
+              <a:t>רמה רביעית</a:t>
+            </a:r>
+          </a:p>
+          <a:p>
+            <a:pPr lvl="4"/>
+            <a:r>
+              <a:rPr lang="he-IL"/>
+              <a:t>רמה חמישית</a:t>
+            </a:r>
+            <a:endParaRPr lang="en-US" dirty="0"/>
+          </a:p>
+        </p:txBody>
+      </p:sp>
+      <p:sp>
+        <p:nvSpPr>
+          <p:cNvPr id="4" name="Text Placeholder 3"/>
+          <p:cNvSpPr>
+            <a:spLocks noGrp="1"/>
+          </p:cNvSpPr>
+          <p:nvPr>
+            <p:ph type="body" sz="half" idx="2"/>
+          </p:nvPr>
+        </p:nvSpPr>
+        <p:spPr>
+          <a:xfrm>
+            <a:off x="841248" y="2057399"/>
+            <a:ext cx="3931920" cy="3810001"/>
+          </a:xfrm>
+        </p:spPr>
+        <p:txBody>
+          <a:bodyPr>
+            <a:normAutofit/>
+          </a:bodyPr>
+          <a:lstStyle>
+            <a:lvl1pPr marL="0" indent="0">
+              <a:lnSpc>
+                <a:spcPct val="90000"/>
+              </a:lnSpc>
+              <a:buNone/>
+              <a:defRPr sz="1600"/>
+            </a:lvl1pPr>
+            <a:lvl2pPr marL="457200" indent="0">
+              <a:buNone/>
+              <a:defRPr sz="1200"/>
+            </a:lvl2pPr>
+            <a:lvl3pPr marL="914400" indent="0">
+              <a:buNone/>
+              <a:defRPr sz="1000"/>
+            </a:lvl3pPr>
+            <a:lvl4pPr marL="1371600" indent="0">
+              <a:buNone/>
+              <a:defRPr sz="900"/>
+            </a:lvl4pPr>
+            <a:lvl5pPr marL="1828800" indent="0">
+              <a:buNone/>
+              <a:defRPr sz="900"/>
+            </a:lvl5pPr>
+            <a:lvl6pPr marL="2286000" indent="0">
+              <a:buNone/>
+              <a:defRPr sz="900"/>
+            </a:lvl6pPr>
+            <a:lvl7pPr marL="2743200" indent="0">
+              <a:buNone/>
+              <a:defRPr sz="900"/>
+            </a:lvl7pPr>
+            <a:lvl8pPr marL="3200400" indent="0">
+              <a:buNone/>
+              <a:defRPr sz="900"/>
+            </a:lvl8pPr>
+            <a:lvl9pPr marL="3657600" indent="0">
+              <a:buNone/>
+              <a:defRPr sz="900"/>
+            </a:lvl9pPr>
+          </a:lstStyle>
+          <a:p>
+            <a:pPr lvl="0"/>
+            <a:r>
+              <a:rPr lang="he-IL"/>
+              <a:t>ערוך סגנונות טקסט של תבנית בסיס</a:t>
+            </a:r>
+          </a:p>
+        </p:txBody>
+      </p:sp>
+      <p:sp>
+        <p:nvSpPr>
+          <p:cNvPr id="5" name="Date Placeholder 4"/>
+          <p:cNvSpPr>
+            <a:spLocks noGrp="1"/>
+          </p:cNvSpPr>
+          <p:nvPr>
+            <p:ph type="dt" sz="half" idx="10"/>
+          </p:nvPr>
+        </p:nvSpPr>
+        <p:spPr/>
+        <p:txBody>
+          <a:bodyPr/>
+          <a:lstStyle/>
+          <a:p>
+            <a:fld id="{7DEB2623-FAF9-4757-8769-EF73EA851B7D}" type="datetime1">
+              <a:rPr lang="en-US" smtClean="0"/>
+              <a:t>10/8/2017</a:t>
+            </a:fld>
+            <a:endParaRPr lang="en-US" dirty="0"/>
+          </a:p>
+        </p:txBody>
+      </p:sp>
+      <p:sp>
+        <p:nvSpPr>
+          <p:cNvPr id="6" name="Footer Placeholder 5"/>
+          <p:cNvSpPr>
+            <a:spLocks noGrp="1"/>
+          </p:cNvSpPr>
+          <p:nvPr>
+            <p:ph type="ftr" sz="quarter" idx="11"/>
+          </p:nvPr>
+        </p:nvSpPr>
+        <p:spPr/>
+        <p:txBody>
+          <a:bodyPr/>
+          <a:lstStyle/>
+          <a:p>
+            <a:endParaRPr lang="en-US" dirty="0"/>
+          </a:p>
+        </p:txBody>
+      </p:sp>
+      <p:sp>
+        <p:nvSpPr>
+          <p:cNvPr id="7" name="Slide Number Placeholder 6"/>
+          <p:cNvSpPr>
+            <a:spLocks noGrp="1"/>
+          </p:cNvSpPr>
+          <p:nvPr>
+            <p:ph type="sldNum" sz="quarter" idx="12"/>
+          </p:nvPr>
+        </p:nvSpPr>
+        <p:spPr/>
+        <p:txBody>
+          <a:bodyPr/>
+          <a:lstStyle/>
+          <a:p>
+            <a:fld id="{28EC0DFB-B55B-494E-B27A-B4FF8B9EF525}" type="slidenum">
+              <a:rPr lang="en-US" smtClean="0"/>
+              <a:t>‹#›</a:t>
+            </a:fld>
+            <a:endParaRPr lang="en-US" dirty="0"/>
+          </a:p>
+        </p:txBody>
+      </p:sp>
+    </p:spTree>
+    <p:extLst>
+      <p:ext uri="{BB962C8B-B14F-4D97-AF65-F5344CB8AC3E}">
+        <p14:creationId xmlns:p14="http://schemas.microsoft.com/office/powerpoint/2010/main" val="1338743165"/>
       </p:ext>
     </p:extLst>
   </p:cSld>
@@ -2853,13 +5469,7 @@
       </p:grpSpPr>
       <p:sp>
         <p:nvSpPr>
-          <p:cNvPr id="2" name="כותרת 1">
-            <a:extLst>
-              <a:ext uri="{FF2B5EF4-FFF2-40B4-BE49-F238E27FC236}">
-                <a16:creationId xmlns:a16="http://schemas.microsoft.com/office/drawing/2014/main" id="{170ABFE2-1E3C-4FD6-A124-A2BD8CC113B0}"/>
-              </a:ext>
-            </a:extLst>
-          </p:cNvPr>
+          <p:cNvPr id="2" name="Title 1"/>
           <p:cNvSpPr>
             <a:spLocks noGrp="1"/>
           </p:cNvSpPr>
@@ -2869,15 +5479,17 @@
         </p:nvSpPr>
         <p:spPr>
           <a:xfrm>
-            <a:off x="839788" y="457200"/>
-            <a:ext cx="3932237" cy="1600200"/>
+            <a:off x="841248" y="457200"/>
+            <a:ext cx="3931920" cy="1600200"/>
           </a:xfrm>
         </p:spPr>
         <p:txBody>
-          <a:bodyPr anchor="b"/>
+          <a:bodyPr anchor="b">
+            <a:normAutofit/>
+          </a:bodyPr>
           <a:lstStyle>
             <a:lvl1pPr>
-              <a:defRPr sz="3200"/>
+              <a:defRPr sz="3200" b="0"/>
             </a:lvl1pPr>
           </a:lstStyle>
           <a:p>
@@ -2885,19 +5497,13 @@
               <a:rPr lang="he-IL"/>
               <a:t>לחץ כדי לערוך סגנון כותרת של תבנית בסיס</a:t>
             </a:r>
-            <a:endParaRPr lang="en-US"/>
-          </a:p>
-        </p:txBody>
-      </p:sp>
-      <p:sp>
-        <p:nvSpPr>
-          <p:cNvPr id="3" name="מציין מיקום של תמונה 2">
-            <a:extLst>
-              <a:ext uri="{FF2B5EF4-FFF2-40B4-BE49-F238E27FC236}">
-                <a16:creationId xmlns:a16="http://schemas.microsoft.com/office/drawing/2014/main" id="{8908064F-B894-4D88-8FA1-0850219B7480}"/>
-              </a:ext>
-            </a:extLst>
-          </p:cNvPr>
+            <a:endParaRPr lang="en-US" dirty="0"/>
+          </a:p>
+        </p:txBody>
+      </p:sp>
+      <p:sp>
+        <p:nvSpPr>
+          <p:cNvPr id="3" name="Picture Placeholder 2"/>
           <p:cNvSpPr>
             <a:spLocks noGrp="1"/>
           </p:cNvSpPr>
@@ -2907,8 +5513,8 @@
         </p:nvSpPr>
         <p:spPr>
           <a:xfrm>
-            <a:off x="5183188" y="987425"/>
-            <a:ext cx="6172200" cy="4873625"/>
+            <a:off x="5181600" y="990600"/>
+            <a:ext cx="6172200" cy="4876800"/>
           </a:xfrm>
         </p:spPr>
         <p:txBody>
@@ -2952,19 +5558,17 @@
             </a:lvl9pPr>
           </a:lstStyle>
           <a:p>
-            <a:endParaRPr lang="en-US"/>
-          </a:p>
-        </p:txBody>
-      </p:sp>
-      <p:sp>
-        <p:nvSpPr>
-          <p:cNvPr id="4" name="מציין מיקום טקסט 3">
-            <a:extLst>
-              <a:ext uri="{FF2B5EF4-FFF2-40B4-BE49-F238E27FC236}">
-                <a16:creationId xmlns:a16="http://schemas.microsoft.com/office/drawing/2014/main" id="{CD6B58A7-89B1-467C-A1E3-B1529089EAD3}"/>
-              </a:ext>
-            </a:extLst>
-          </p:cNvPr>
+            <a:r>
+              <a:rPr lang="he-IL" dirty="0"/>
+              <a:t>לחץ על הסמל כדי להוסיף תמונה</a:t>
+            </a:r>
+            <a:endParaRPr lang="en-US" dirty="0"/>
+          </a:p>
+        </p:txBody>
+      </p:sp>
+      <p:sp>
+        <p:nvSpPr>
+          <p:cNvPr id="4" name="Text Placeholder 3"/>
           <p:cNvSpPr>
             <a:spLocks noGrp="1"/>
           </p:cNvSpPr>
@@ -2974,48 +5578,53 @@
         </p:nvSpPr>
         <p:spPr>
           <a:xfrm>
-            <a:off x="839788" y="2057400"/>
-            <a:ext cx="3932237" cy="3811588"/>
+            <a:off x="841248" y="2057400"/>
+            <a:ext cx="3931920" cy="3810000"/>
           </a:xfrm>
         </p:spPr>
         <p:txBody>
-          <a:bodyPr/>
+          <a:bodyPr>
+            <a:normAutofit/>
+          </a:bodyPr>
           <a:lstStyle>
             <a:lvl1pPr marL="0" indent="0">
+              <a:lnSpc>
+                <a:spcPct val="90000"/>
+              </a:lnSpc>
               <a:buNone/>
               <a:defRPr sz="1600"/>
             </a:lvl1pPr>
             <a:lvl2pPr marL="457200" indent="0">
               <a:buNone/>
-              <a:defRPr sz="1400"/>
+              <a:defRPr sz="1200"/>
             </a:lvl2pPr>
             <a:lvl3pPr marL="914400" indent="0">
               <a:buNone/>
-              <a:defRPr sz="1200"/>
+              <a:defRPr sz="1000"/>
             </a:lvl3pPr>
             <a:lvl4pPr marL="1371600" indent="0">
               <a:buNone/>
-              <a:defRPr sz="1000"/>
+              <a:defRPr sz="900"/>
             </a:lvl4pPr>
             <a:lvl5pPr marL="1828800" indent="0">
               <a:buNone/>
-              <a:defRPr sz="1000"/>
+              <a:defRPr sz="900"/>
             </a:lvl5pPr>
             <a:lvl6pPr marL="2286000" indent="0">
               <a:buNone/>
-              <a:defRPr sz="1000"/>
+              <a:defRPr sz="900"/>
             </a:lvl6pPr>
             <a:lvl7pPr marL="2743200" indent="0">
               <a:buNone/>
-              <a:defRPr sz="1000"/>
+              <a:defRPr sz="900"/>
             </a:lvl7pPr>
             <a:lvl8pPr marL="3200400" indent="0">
               <a:buNone/>
-              <a:defRPr sz="1000"/>
+              <a:defRPr sz="900"/>
             </a:lvl8pPr>
             <a:lvl9pPr marL="3657600" indent="0">
               <a:buNone/>
-              <a:defRPr sz="1000"/>
+              <a:defRPr sz="900"/>
             </a:lvl9pPr>
           </a:lstStyle>
           <a:p>
@@ -3029,13 +5638,7 @@
       </p:sp>
       <p:sp>
         <p:nvSpPr>
-          <p:cNvPr id="5" name="מציין מיקום של תאריך 4">
-            <a:extLst>
-              <a:ext uri="{FF2B5EF4-FFF2-40B4-BE49-F238E27FC236}">
-                <a16:creationId xmlns:a16="http://schemas.microsoft.com/office/drawing/2014/main" id="{8CB15691-821C-44EC-9BE1-2AC2EE2ADAC4}"/>
-              </a:ext>
-            </a:extLst>
-          </p:cNvPr>
+          <p:cNvPr id="5" name="Date Placeholder 4"/>
           <p:cNvSpPr>
             <a:spLocks noGrp="1"/>
           </p:cNvSpPr>
@@ -3048,23 +5651,17 @@
           <a:bodyPr/>
           <a:lstStyle/>
           <a:p>
-            <a:fld id="{3CDEC65A-793D-48D9-A90D-089CA926FEAD}" type="datetimeFigureOut">
+            <a:fld id="{A8D3501F-92D5-495D-A85D-C724B9F70BB9}" type="datetime1">
               <a:rPr lang="en-US" smtClean="0"/>
-              <a:t>07-Oct-17</a:t>
+              <a:t>10/8/2017</a:t>
             </a:fld>
-            <a:endParaRPr lang="en-US"/>
-          </a:p>
-        </p:txBody>
-      </p:sp>
-      <p:sp>
-        <p:nvSpPr>
-          <p:cNvPr id="6" name="מציין מיקום של כותרת תחתונה 5">
-            <a:extLst>
-              <a:ext uri="{FF2B5EF4-FFF2-40B4-BE49-F238E27FC236}">
-                <a16:creationId xmlns:a16="http://schemas.microsoft.com/office/drawing/2014/main" id="{BFC0A67B-A723-404B-BA0E-4B47F2C35ACC}"/>
-              </a:ext>
-            </a:extLst>
-          </p:cNvPr>
+            <a:endParaRPr lang="en-US" dirty="0"/>
+          </a:p>
+        </p:txBody>
+      </p:sp>
+      <p:sp>
+        <p:nvSpPr>
+          <p:cNvPr id="6" name="Footer Placeholder 5"/>
           <p:cNvSpPr>
             <a:spLocks noGrp="1"/>
           </p:cNvSpPr>
@@ -3077,19 +5674,13 @@
           <a:bodyPr/>
           <a:lstStyle/>
           <a:p>
-            <a:endParaRPr lang="en-US"/>
-          </a:p>
-        </p:txBody>
-      </p:sp>
-      <p:sp>
-        <p:nvSpPr>
-          <p:cNvPr id="7" name="מציין מיקום של מספר שקופית 6">
-            <a:extLst>
-              <a:ext uri="{FF2B5EF4-FFF2-40B4-BE49-F238E27FC236}">
-                <a16:creationId xmlns:a16="http://schemas.microsoft.com/office/drawing/2014/main" id="{A2A3D940-5551-4B8A-ACF8-2780E055E723}"/>
-              </a:ext>
-            </a:extLst>
-          </p:cNvPr>
+            <a:endParaRPr lang="en-US" dirty="0"/>
+          </a:p>
+        </p:txBody>
+      </p:sp>
+      <p:sp>
+        <p:nvSpPr>
+          <p:cNvPr id="7" name="Slide Number Placeholder 6"/>
           <p:cNvSpPr>
             <a:spLocks noGrp="1"/>
           </p:cNvSpPr>
@@ -3106,14 +5697,14 @@
               <a:rPr lang="en-US" smtClean="0"/>
               <a:t>‹#›</a:t>
             </a:fld>
-            <a:endParaRPr lang="en-US"/>
+            <a:endParaRPr lang="en-US" dirty="0"/>
           </a:p>
         </p:txBody>
       </p:sp>
     </p:spTree>
     <p:extLst>
       <p:ext uri="{BB962C8B-B14F-4D97-AF65-F5344CB8AC3E}">
-        <p14:creationId xmlns:p14="http://schemas.microsoft.com/office/powerpoint/2010/main" val="2541106942"/>
+        <p14:creationId xmlns:p14="http://schemas.microsoft.com/office/powerpoint/2010/main" val="2550084254"/>
       </p:ext>
     </p:extLst>
   </p:cSld>
@@ -3124,6 +5715,539 @@
 </file>
 
 <file path=ppt/slideMasters/slideMaster1.xml><?xml version="1.0" encoding="utf-8"?>
+<p:sldMaster xmlns:a="http://schemas.openxmlformats.org/drawingml/2006/main" xmlns:r="http://schemas.openxmlformats.org/officeDocument/2006/relationships" xmlns:p="http://schemas.openxmlformats.org/presentationml/2006/main" preserve="1">
+  <p:cSld>
+    <p:bg>
+      <p:bgRef idx="1001">
+        <a:schemeClr val="bg1"/>
+      </p:bgRef>
+    </p:bg>
+    <p:spTree>
+      <p:nvGrpSpPr>
+        <p:cNvPr id="1" name=""/>
+        <p:cNvGrpSpPr/>
+        <p:nvPr/>
+      </p:nvGrpSpPr>
+      <p:grpSpPr>
+        <a:xfrm>
+          <a:off x="0" y="0"/>
+          <a:ext cx="0" cy="0"/>
+          <a:chOff x="0" y="0"/>
+          <a:chExt cx="0" cy="0"/>
+        </a:xfrm>
+      </p:grpSpPr>
+      <p:sp>
+        <p:nvSpPr>
+          <p:cNvPr id="2" name="Title Placeholder 1"/>
+          <p:cNvSpPr>
+            <a:spLocks noGrp="1"/>
+          </p:cNvSpPr>
+          <p:nvPr>
+            <p:ph type="title"/>
+          </p:nvPr>
+        </p:nvSpPr>
+        <p:spPr>
+          <a:xfrm>
+            <a:off x="845127" y="365760"/>
+            <a:ext cx="10515600" cy="1325562"/>
+          </a:xfrm>
+          <a:prstGeom prst="rect">
+            <a:avLst/>
+          </a:prstGeom>
+        </p:spPr>
+        <p:txBody>
+          <a:bodyPr vert="horz" lIns="91440" tIns="45720" rIns="91440" bIns="45720" rtlCol="0" anchor="ctr">
+            <a:normAutofit/>
+          </a:bodyPr>
+          <a:lstStyle/>
+          <a:p>
+            <a:r>
+              <a:rPr lang="he-IL"/>
+              <a:t>לחץ כדי לערוך סגנון כותרת של תבנית בסיס</a:t>
+            </a:r>
+            <a:endParaRPr lang="en-US" dirty="0"/>
+          </a:p>
+        </p:txBody>
+      </p:sp>
+      <p:sp>
+        <p:nvSpPr>
+          <p:cNvPr id="3" name="Text Placeholder 2"/>
+          <p:cNvSpPr>
+            <a:spLocks noGrp="1"/>
+          </p:cNvSpPr>
+          <p:nvPr>
+            <p:ph type="body" idx="1"/>
+          </p:nvPr>
+        </p:nvSpPr>
+        <p:spPr>
+          <a:xfrm>
+            <a:off x="845127" y="1828800"/>
+            <a:ext cx="10515600" cy="4351337"/>
+          </a:xfrm>
+          <a:prstGeom prst="rect">
+            <a:avLst/>
+          </a:prstGeom>
+        </p:spPr>
+        <p:txBody>
+          <a:bodyPr vert="horz" lIns="91440" tIns="45720" rIns="91440" bIns="45720" rtlCol="0">
+            <a:normAutofit/>
+          </a:bodyPr>
+          <a:lstStyle/>
+          <a:p>
+            <a:pPr lvl="0"/>
+            <a:r>
+              <a:rPr lang="he-IL"/>
+              <a:t>ערוך סגנונות טקסט של תבנית בסיס</a:t>
+            </a:r>
+          </a:p>
+          <a:p>
+            <a:pPr lvl="1"/>
+            <a:r>
+              <a:rPr lang="he-IL"/>
+              <a:t>רמה שניה</a:t>
+            </a:r>
+          </a:p>
+          <a:p>
+            <a:pPr lvl="2"/>
+            <a:r>
+              <a:rPr lang="he-IL"/>
+              <a:t>רמה שלישית</a:t>
+            </a:r>
+          </a:p>
+          <a:p>
+            <a:pPr lvl="3"/>
+            <a:r>
+              <a:rPr lang="he-IL"/>
+              <a:t>רמה רביעית</a:t>
+            </a:r>
+          </a:p>
+          <a:p>
+            <a:pPr lvl="4"/>
+            <a:r>
+              <a:rPr lang="he-IL"/>
+              <a:t>רמה חמישית</a:t>
+            </a:r>
+            <a:endParaRPr lang="en-US" dirty="0"/>
+          </a:p>
+        </p:txBody>
+      </p:sp>
+      <p:sp>
+        <p:nvSpPr>
+          <p:cNvPr id="4" name="Date Placeholder 3"/>
+          <p:cNvSpPr>
+            <a:spLocks noGrp="1"/>
+          </p:cNvSpPr>
+          <p:nvPr>
+            <p:ph type="dt" sz="half" idx="2"/>
+          </p:nvPr>
+        </p:nvSpPr>
+        <p:spPr>
+          <a:xfrm>
+            <a:off x="838200" y="6356350"/>
+            <a:ext cx="2743200" cy="365125"/>
+          </a:xfrm>
+          <a:prstGeom prst="rect">
+            <a:avLst/>
+          </a:prstGeom>
+        </p:spPr>
+        <p:txBody>
+          <a:bodyPr vert="horz" lIns="91440" tIns="45720" rIns="91440" bIns="45720" rtlCol="0" anchor="ctr"/>
+          <a:lstStyle>
+            <a:lvl1pPr algn="l">
+              <a:defRPr sz="1100">
+                <a:solidFill>
+                  <a:schemeClr val="tx1">
+                    <a:lumMod val="65000"/>
+                    <a:lumOff val="35000"/>
+                  </a:schemeClr>
+                </a:solidFill>
+              </a:defRPr>
+            </a:lvl1pPr>
+          </a:lstStyle>
+          <a:p>
+            <a:fld id="{E30241EB-D659-4287-8333-4462AB00BB18}" type="datetime1">
+              <a:rPr lang="en-US" smtClean="0"/>
+              <a:t>10/8/2017</a:t>
+            </a:fld>
+            <a:endParaRPr lang="en-US" dirty="0"/>
+          </a:p>
+        </p:txBody>
+      </p:sp>
+      <p:sp>
+        <p:nvSpPr>
+          <p:cNvPr id="5" name="Footer Placeholder 4"/>
+          <p:cNvSpPr>
+            <a:spLocks noGrp="1"/>
+          </p:cNvSpPr>
+          <p:nvPr>
+            <p:ph type="ftr" sz="quarter" idx="3"/>
+          </p:nvPr>
+        </p:nvSpPr>
+        <p:spPr>
+          <a:xfrm>
+            <a:off x="4038600" y="6356350"/>
+            <a:ext cx="4114800" cy="365125"/>
+          </a:xfrm>
+          <a:prstGeom prst="rect">
+            <a:avLst/>
+          </a:prstGeom>
+        </p:spPr>
+        <p:txBody>
+          <a:bodyPr vert="horz" lIns="91440" tIns="45720" rIns="91440" bIns="45720" rtlCol="0" anchor="ctr"/>
+          <a:lstStyle>
+            <a:lvl1pPr algn="ctr">
+              <a:defRPr sz="1100">
+                <a:solidFill>
+                  <a:schemeClr val="tx1">
+                    <a:lumMod val="65000"/>
+                    <a:lumOff val="35000"/>
+                  </a:schemeClr>
+                </a:solidFill>
+              </a:defRPr>
+            </a:lvl1pPr>
+          </a:lstStyle>
+          <a:p>
+            <a:endParaRPr lang="en-US" dirty="0"/>
+          </a:p>
+        </p:txBody>
+      </p:sp>
+      <p:sp>
+        <p:nvSpPr>
+          <p:cNvPr id="6" name="Slide Number Placeholder 5"/>
+          <p:cNvSpPr>
+            <a:spLocks noGrp="1"/>
+          </p:cNvSpPr>
+          <p:nvPr>
+            <p:ph type="sldNum" sz="quarter" idx="4"/>
+          </p:nvPr>
+        </p:nvSpPr>
+        <p:spPr>
+          <a:xfrm>
+            <a:off x="8617527" y="6356350"/>
+            <a:ext cx="2743200" cy="365125"/>
+          </a:xfrm>
+          <a:prstGeom prst="rect">
+            <a:avLst/>
+          </a:prstGeom>
+        </p:spPr>
+        <p:txBody>
+          <a:bodyPr vert="horz" lIns="91440" tIns="45720" rIns="91440" bIns="45720" rtlCol="0" anchor="ctr"/>
+          <a:lstStyle>
+            <a:lvl1pPr algn="r">
+              <a:defRPr sz="1100">
+                <a:solidFill>
+                  <a:schemeClr val="tx1">
+                    <a:tint val="75000"/>
+                  </a:schemeClr>
+                </a:solidFill>
+              </a:defRPr>
+            </a:lvl1pPr>
+          </a:lstStyle>
+          <a:p>
+            <a:fld id="{28EC0DFB-B55B-494E-B27A-B4FF8B9EF525}" type="slidenum">
+              <a:rPr lang="en-US" smtClean="0"/>
+              <a:t>‹#›</a:t>
+            </a:fld>
+            <a:endParaRPr lang="en-US" dirty="0"/>
+          </a:p>
+        </p:txBody>
+      </p:sp>
+    </p:spTree>
+    <p:extLst>
+      <p:ext uri="{BB962C8B-B14F-4D97-AF65-F5344CB8AC3E}">
+        <p14:creationId xmlns:p14="http://schemas.microsoft.com/office/powerpoint/2010/main" val="1259859178"/>
+      </p:ext>
+    </p:extLst>
+  </p:cSld>
+  <p:clrMap bg1="lt1" tx1="dk1" bg2="lt2" tx2="dk2" accent1="accent1" accent2="accent2" accent3="accent3" accent4="accent4" accent5="accent5" accent6="accent6" hlink="hlink" folHlink="folHlink"/>
+  <p:sldLayoutIdLst>
+    <p:sldLayoutId id="2147483729" r:id="rId1"/>
+    <p:sldLayoutId id="2147483730" r:id="rId2"/>
+    <p:sldLayoutId id="2147483731" r:id="rId3"/>
+    <p:sldLayoutId id="2147483732" r:id="rId4"/>
+    <p:sldLayoutId id="2147483733" r:id="rId5"/>
+    <p:sldLayoutId id="2147483734" r:id="rId6"/>
+    <p:sldLayoutId id="2147483735" r:id="rId7"/>
+    <p:sldLayoutId id="2147483736" r:id="rId8"/>
+    <p:sldLayoutId id="2147483737" r:id="rId9"/>
+    <p:sldLayoutId id="2147483738" r:id="rId10"/>
+    <p:sldLayoutId id="2147483739" r:id="rId11"/>
+    <p:sldLayoutId id="2147483684" r:id="rId12"/>
+    <p:sldLayoutId id="2147483685" r:id="rId13"/>
+  </p:sldLayoutIdLst>
+  <p:hf hdr="0" ftr="0" dt="0"/>
+  <p:txStyles>
+    <p:titleStyle>
+      <a:lvl1pPr algn="l" defTabSz="914400" rtl="1" eaLnBrk="1" latinLnBrk="0" hangingPunct="1">
+        <a:lnSpc>
+          <a:spcPct val="90000"/>
+        </a:lnSpc>
+        <a:spcBef>
+          <a:spcPct val="0"/>
+        </a:spcBef>
+        <a:buNone/>
+        <a:defRPr sz="4400" kern="1200">
+          <a:solidFill>
+            <a:schemeClr val="tx1"/>
+          </a:solidFill>
+          <a:latin typeface="+mj-lt"/>
+          <a:ea typeface="+mj-ea"/>
+          <a:cs typeface="+mj-cs"/>
+        </a:defRPr>
+      </a:lvl1pPr>
+    </p:titleStyle>
+    <p:bodyStyle>
+      <a:lvl1pPr marL="228600" indent="-228600" algn="r" defTabSz="914400" rtl="1" eaLnBrk="1" latinLnBrk="0" hangingPunct="1">
+        <a:lnSpc>
+          <a:spcPct val="90000"/>
+        </a:lnSpc>
+        <a:spcBef>
+          <a:spcPts val="1000"/>
+        </a:spcBef>
+        <a:buFont typeface="Wingdings 2" pitchFamily="18" charset="2"/>
+        <a:buChar char=""/>
+        <a:defRPr sz="2800" kern="1200">
+          <a:solidFill>
+            <a:schemeClr val="tx1"/>
+          </a:solidFill>
+          <a:latin typeface="+mn-lt"/>
+          <a:ea typeface="+mn-ea"/>
+          <a:cs typeface="+mn-cs"/>
+        </a:defRPr>
+      </a:lvl1pPr>
+      <a:lvl2pPr marL="685800" indent="-228600" algn="r" defTabSz="914400" rtl="1" eaLnBrk="1" latinLnBrk="0" hangingPunct="1">
+        <a:lnSpc>
+          <a:spcPct val="90000"/>
+        </a:lnSpc>
+        <a:spcBef>
+          <a:spcPts val="500"/>
+        </a:spcBef>
+        <a:buFont typeface="Wingdings 2" pitchFamily="18" charset="2"/>
+        <a:buChar char=""/>
+        <a:defRPr sz="2400" kern="1200">
+          <a:solidFill>
+            <a:schemeClr val="tx1"/>
+          </a:solidFill>
+          <a:latin typeface="+mn-lt"/>
+          <a:ea typeface="+mn-ea"/>
+          <a:cs typeface="+mn-cs"/>
+        </a:defRPr>
+      </a:lvl2pPr>
+      <a:lvl3pPr marL="1143000" indent="-228600" algn="r" defTabSz="914400" rtl="1" eaLnBrk="1" latinLnBrk="0" hangingPunct="1">
+        <a:lnSpc>
+          <a:spcPct val="90000"/>
+        </a:lnSpc>
+        <a:spcBef>
+          <a:spcPts val="500"/>
+        </a:spcBef>
+        <a:buFont typeface="Wingdings 2" pitchFamily="18" charset="2"/>
+        <a:buChar char=""/>
+        <a:defRPr sz="2000" kern="1200">
+          <a:solidFill>
+            <a:schemeClr val="tx1"/>
+          </a:solidFill>
+          <a:latin typeface="+mn-lt"/>
+          <a:ea typeface="+mn-ea"/>
+          <a:cs typeface="+mn-cs"/>
+        </a:defRPr>
+      </a:lvl3pPr>
+      <a:lvl4pPr marL="1600200" indent="-228600" algn="r" defTabSz="914400" rtl="1" eaLnBrk="1" latinLnBrk="0" hangingPunct="1">
+        <a:lnSpc>
+          <a:spcPct val="90000"/>
+        </a:lnSpc>
+        <a:spcBef>
+          <a:spcPts val="500"/>
+        </a:spcBef>
+        <a:buFont typeface="Wingdings 2" pitchFamily="18" charset="2"/>
+        <a:buChar char=""/>
+        <a:defRPr sz="1800" kern="1200">
+          <a:solidFill>
+            <a:schemeClr val="tx1"/>
+          </a:solidFill>
+          <a:latin typeface="+mn-lt"/>
+          <a:ea typeface="+mn-ea"/>
+          <a:cs typeface="+mn-cs"/>
+        </a:defRPr>
+      </a:lvl4pPr>
+      <a:lvl5pPr marL="2057400" indent="-228600" algn="r" defTabSz="914400" rtl="1" eaLnBrk="1" latinLnBrk="0" hangingPunct="1">
+        <a:lnSpc>
+          <a:spcPct val="90000"/>
+        </a:lnSpc>
+        <a:spcBef>
+          <a:spcPts val="500"/>
+        </a:spcBef>
+        <a:buFont typeface="Wingdings 2" pitchFamily="18" charset="2"/>
+        <a:buChar char=""/>
+        <a:defRPr sz="1800" kern="1200">
+          <a:solidFill>
+            <a:schemeClr val="tx1"/>
+          </a:solidFill>
+          <a:latin typeface="+mn-lt"/>
+          <a:ea typeface="+mn-ea"/>
+          <a:cs typeface="+mn-cs"/>
+        </a:defRPr>
+      </a:lvl5pPr>
+      <a:lvl6pPr marL="2514600" indent="-228600" algn="r" defTabSz="914400" rtl="1" eaLnBrk="1" latinLnBrk="0" hangingPunct="1">
+        <a:spcBef>
+          <a:spcPct val="20000"/>
+        </a:spcBef>
+        <a:buFont typeface="Wingdings 2" pitchFamily="18" charset="2"/>
+        <a:buChar char=""/>
+        <a:defRPr sz="1800" kern="1200">
+          <a:solidFill>
+            <a:schemeClr val="tx1"/>
+          </a:solidFill>
+          <a:latin typeface="+mn-lt"/>
+          <a:ea typeface="+mn-ea"/>
+          <a:cs typeface="+mn-cs"/>
+        </a:defRPr>
+      </a:lvl6pPr>
+      <a:lvl7pPr marL="2971800" indent="-228600" algn="r" defTabSz="914400" rtl="1" eaLnBrk="1" latinLnBrk="0" hangingPunct="1">
+        <a:spcBef>
+          <a:spcPct val="20000"/>
+        </a:spcBef>
+        <a:buFont typeface="Wingdings 2" pitchFamily="18" charset="2"/>
+        <a:buChar char=""/>
+        <a:defRPr sz="1800" kern="1200">
+          <a:solidFill>
+            <a:schemeClr val="tx1"/>
+          </a:solidFill>
+          <a:latin typeface="+mn-lt"/>
+          <a:ea typeface="+mn-ea"/>
+          <a:cs typeface="+mn-cs"/>
+        </a:defRPr>
+      </a:lvl7pPr>
+      <a:lvl8pPr marL="3429000" indent="-228600" algn="r" defTabSz="914400" rtl="1" eaLnBrk="1" latinLnBrk="0" hangingPunct="1">
+        <a:spcBef>
+          <a:spcPct val="20000"/>
+        </a:spcBef>
+        <a:buFont typeface="Wingdings 2" pitchFamily="18" charset="2"/>
+        <a:buChar char=""/>
+        <a:defRPr sz="1800" kern="1200">
+          <a:solidFill>
+            <a:schemeClr val="tx1"/>
+          </a:solidFill>
+          <a:latin typeface="+mn-lt"/>
+          <a:ea typeface="+mn-ea"/>
+          <a:cs typeface="+mn-cs"/>
+        </a:defRPr>
+      </a:lvl8pPr>
+      <a:lvl9pPr marL="3886200" indent="-228600" algn="r" defTabSz="914400" rtl="1" eaLnBrk="1" latinLnBrk="0" hangingPunct="1">
+        <a:spcBef>
+          <a:spcPct val="20000"/>
+        </a:spcBef>
+        <a:buFont typeface="Wingdings 2" pitchFamily="18" charset="2"/>
+        <a:buChar char=""/>
+        <a:defRPr sz="1800" kern="1200">
+          <a:solidFill>
+            <a:schemeClr val="tx1"/>
+          </a:solidFill>
+          <a:latin typeface="+mn-lt"/>
+          <a:ea typeface="+mn-ea"/>
+          <a:cs typeface="+mn-cs"/>
+        </a:defRPr>
+      </a:lvl9pPr>
+    </p:bodyStyle>
+    <p:otherStyle>
+      <a:defPPr>
+        <a:defRPr lang="en-US"/>
+      </a:defPPr>
+      <a:lvl1pPr marL="0" algn="r" defTabSz="914400" rtl="1" eaLnBrk="1" latinLnBrk="0" hangingPunct="1">
+        <a:defRPr sz="1800" kern="1200">
+          <a:solidFill>
+            <a:schemeClr val="tx1"/>
+          </a:solidFill>
+          <a:latin typeface="+mn-lt"/>
+          <a:ea typeface="+mn-ea"/>
+          <a:cs typeface="+mn-cs"/>
+        </a:defRPr>
+      </a:lvl1pPr>
+      <a:lvl2pPr marL="457200" algn="r" defTabSz="914400" rtl="1" eaLnBrk="1" latinLnBrk="0" hangingPunct="1">
+        <a:defRPr sz="1800" kern="1200">
+          <a:solidFill>
+            <a:schemeClr val="tx1"/>
+          </a:solidFill>
+          <a:latin typeface="+mn-lt"/>
+          <a:ea typeface="+mn-ea"/>
+          <a:cs typeface="+mn-cs"/>
+        </a:defRPr>
+      </a:lvl2pPr>
+      <a:lvl3pPr marL="914400" algn="r" defTabSz="914400" rtl="1" eaLnBrk="1" latinLnBrk="0" hangingPunct="1">
+        <a:defRPr sz="1800" kern="1200">
+          <a:solidFill>
+            <a:schemeClr val="tx1"/>
+          </a:solidFill>
+          <a:latin typeface="+mn-lt"/>
+          <a:ea typeface="+mn-ea"/>
+          <a:cs typeface="+mn-cs"/>
+        </a:defRPr>
+      </a:lvl3pPr>
+      <a:lvl4pPr marL="1371600" algn="r" defTabSz="914400" rtl="1" eaLnBrk="1" latinLnBrk="0" hangingPunct="1">
+        <a:defRPr sz="1800" kern="1200">
+          <a:solidFill>
+            <a:schemeClr val="tx1"/>
+          </a:solidFill>
+          <a:latin typeface="+mn-lt"/>
+          <a:ea typeface="+mn-ea"/>
+          <a:cs typeface="+mn-cs"/>
+        </a:defRPr>
+      </a:lvl4pPr>
+      <a:lvl5pPr marL="1828800" algn="r" defTabSz="914400" rtl="1" eaLnBrk="1" latinLnBrk="0" hangingPunct="1">
+        <a:defRPr sz="1800" kern="1200">
+          <a:solidFill>
+            <a:schemeClr val="tx1"/>
+          </a:solidFill>
+          <a:latin typeface="+mn-lt"/>
+          <a:ea typeface="+mn-ea"/>
+          <a:cs typeface="+mn-cs"/>
+        </a:defRPr>
+      </a:lvl5pPr>
+      <a:lvl6pPr marL="2286000" algn="r" defTabSz="914400" rtl="1" eaLnBrk="1" latinLnBrk="0" hangingPunct="1">
+        <a:defRPr sz="1800" kern="1200">
+          <a:solidFill>
+            <a:schemeClr val="tx1"/>
+          </a:solidFill>
+          <a:latin typeface="+mn-lt"/>
+          <a:ea typeface="+mn-ea"/>
+          <a:cs typeface="+mn-cs"/>
+        </a:defRPr>
+      </a:lvl6pPr>
+      <a:lvl7pPr marL="2743200" algn="r" defTabSz="914400" rtl="1" eaLnBrk="1" latinLnBrk="0" hangingPunct="1">
+        <a:defRPr sz="1800" kern="1200">
+          <a:solidFill>
+            <a:schemeClr val="tx1"/>
+          </a:solidFill>
+          <a:latin typeface="+mn-lt"/>
+          <a:ea typeface="+mn-ea"/>
+          <a:cs typeface="+mn-cs"/>
+        </a:defRPr>
+      </a:lvl7pPr>
+      <a:lvl8pPr marL="3200400" algn="r" defTabSz="914400" rtl="1" eaLnBrk="1" latinLnBrk="0" hangingPunct="1">
+        <a:defRPr sz="1800" kern="1200">
+          <a:solidFill>
+            <a:schemeClr val="tx1"/>
+          </a:solidFill>
+          <a:latin typeface="+mn-lt"/>
+          <a:ea typeface="+mn-ea"/>
+          <a:cs typeface="+mn-cs"/>
+        </a:defRPr>
+      </a:lvl8pPr>
+      <a:lvl9pPr marL="3657600" algn="r" defTabSz="914400" rtl="1" eaLnBrk="1" latinLnBrk="0" hangingPunct="1">
+        <a:defRPr sz="1800" kern="1200">
+          <a:solidFill>
+            <a:schemeClr val="tx1"/>
+          </a:solidFill>
+          <a:latin typeface="+mn-lt"/>
+          <a:ea typeface="+mn-ea"/>
+          <a:cs typeface="+mn-cs"/>
+        </a:defRPr>
+      </a:lvl9pPr>
+    </p:otherStyle>
+  </p:txStyles>
+</p:sldMaster>
+</file>
+
+<file path=ppt/slideMasters/slideMaster2.xml><?xml version="1.0" encoding="utf-8"?>
 <p:sldMaster xmlns:a="http://schemas.openxmlformats.org/drawingml/2006/main" xmlns:r="http://schemas.openxmlformats.org/officeDocument/2006/relationships" xmlns:p="http://schemas.openxmlformats.org/presentationml/2006/main">
   <p:cSld>
     <p:bg>
@@ -3147,13 +6271,7 @@
       </p:grpSpPr>
       <p:sp>
         <p:nvSpPr>
-          <p:cNvPr id="2" name="מציין מיקום של כותרת 1">
-            <a:extLst>
-              <a:ext uri="{FF2B5EF4-FFF2-40B4-BE49-F238E27FC236}">
-                <a16:creationId xmlns:a16="http://schemas.microsoft.com/office/drawing/2014/main" id="{81ECA984-7CF5-4A65-8644-3CF4362F77E7}"/>
-              </a:ext>
-            </a:extLst>
-          </p:cNvPr>
+          <p:cNvPr id="2" name="Title Placeholder 1"/>
           <p:cNvSpPr>
             <a:spLocks noGrp="1"/>
           </p:cNvSpPr>
@@ -3171,7 +6289,7 @@
           </a:prstGeom>
         </p:spPr>
         <p:txBody>
-          <a:bodyPr vert="horz" lIns="91440" tIns="45720" rIns="91440" bIns="45720" rtlCol="1" anchor="ctr">
+          <a:bodyPr vert="horz" lIns="91440" tIns="45720" rIns="91440" bIns="45720" rtlCol="0" anchor="ctr">
             <a:normAutofit/>
           </a:bodyPr>
           <a:lstStyle/>
@@ -3180,19 +6298,13 @@
               <a:rPr lang="he-IL"/>
               <a:t>לחץ כדי לערוך סגנון כותרת של תבנית בסיס</a:t>
             </a:r>
-            <a:endParaRPr lang="en-US"/>
-          </a:p>
-        </p:txBody>
-      </p:sp>
-      <p:sp>
-        <p:nvSpPr>
-          <p:cNvPr id="3" name="מציין מיקום טקסט 2">
-            <a:extLst>
-              <a:ext uri="{FF2B5EF4-FFF2-40B4-BE49-F238E27FC236}">
-                <a16:creationId xmlns:a16="http://schemas.microsoft.com/office/drawing/2014/main" id="{54750C67-FE7A-4957-9A7A-68ED40C320CD}"/>
-              </a:ext>
-            </a:extLst>
-          </p:cNvPr>
+            <a:endParaRPr lang="en-US" dirty="0"/>
+          </a:p>
+        </p:txBody>
+      </p:sp>
+      <p:sp>
+        <p:nvSpPr>
+          <p:cNvPr id="3" name="Text Placeholder 2"/>
           <p:cNvSpPr>
             <a:spLocks noGrp="1"/>
           </p:cNvSpPr>
@@ -3210,7 +6322,7 @@
           </a:prstGeom>
         </p:spPr>
         <p:txBody>
-          <a:bodyPr vert="horz" lIns="91440" tIns="45720" rIns="91440" bIns="45720" rtlCol="1">
+          <a:bodyPr vert="horz" lIns="91440" tIns="45720" rIns="91440" bIns="45720" rtlCol="0">
             <a:normAutofit/>
           </a:bodyPr>
           <a:lstStyle/>
@@ -3248,19 +6360,13 @@
               <a:rPr lang="he-IL"/>
               <a:t>רמה חמישית</a:t>
             </a:r>
-            <a:endParaRPr lang="en-US"/>
-          </a:p>
-        </p:txBody>
-      </p:sp>
-      <p:sp>
-        <p:nvSpPr>
-          <p:cNvPr id="4" name="מציין מיקום של תאריך 3">
-            <a:extLst>
-              <a:ext uri="{FF2B5EF4-FFF2-40B4-BE49-F238E27FC236}">
-                <a16:creationId xmlns:a16="http://schemas.microsoft.com/office/drawing/2014/main" id="{1B0B913B-613D-4A6F-8300-92C7BC141B05}"/>
-              </a:ext>
-            </a:extLst>
-          </p:cNvPr>
+            <a:endParaRPr lang="en-US" dirty="0"/>
+          </a:p>
+        </p:txBody>
+      </p:sp>
+      <p:sp>
+        <p:nvSpPr>
+          <p:cNvPr id="4" name="Date Placeholder 3"/>
           <p:cNvSpPr>
             <a:spLocks noGrp="1"/>
           </p:cNvSpPr>
@@ -3270,7 +6376,7 @@
         </p:nvSpPr>
         <p:spPr>
           <a:xfrm>
-            <a:off x="8610600" y="6356350"/>
+            <a:off x="838200" y="6356350"/>
             <a:ext cx="2743200" cy="365125"/>
           </a:xfrm>
           <a:prstGeom prst="rect">
@@ -3278,7 +6384,7 @@
           </a:prstGeom>
         </p:spPr>
         <p:txBody>
-          <a:bodyPr vert="horz" lIns="91440" tIns="45720" rIns="91440" bIns="45720" rtlCol="1" anchor="ctr"/>
+          <a:bodyPr vert="horz" lIns="91440" tIns="45720" rIns="91440" bIns="45720" rtlCol="0" anchor="ctr"/>
           <a:lstStyle>
             <a:lvl1pPr algn="l">
               <a:defRPr sz="1200">
@@ -3291,23 +6397,17 @@
             </a:lvl1pPr>
           </a:lstStyle>
           <a:p>
-            <a:fld id="{3CDEC65A-793D-48D9-A90D-089CA926FEAD}" type="datetimeFigureOut">
+            <a:fld id="{771E0797-F8C8-48EE-B2AB-6D56EB3ED1A1}" type="datetime1">
               <a:rPr lang="en-US" smtClean="0"/>
-              <a:t>07-Oct-17</a:t>
+              <a:t>10/8/2017</a:t>
             </a:fld>
-            <a:endParaRPr lang="en-US"/>
-          </a:p>
-        </p:txBody>
-      </p:sp>
-      <p:sp>
-        <p:nvSpPr>
-          <p:cNvPr id="5" name="מציין מיקום של כותרת תחתונה 4">
-            <a:extLst>
-              <a:ext uri="{FF2B5EF4-FFF2-40B4-BE49-F238E27FC236}">
-                <a16:creationId xmlns:a16="http://schemas.microsoft.com/office/drawing/2014/main" id="{9C3446F8-693F-4D85-AB84-50367ADFCAAE}"/>
-              </a:ext>
-            </a:extLst>
-          </p:cNvPr>
+            <a:endParaRPr lang="en-US" dirty="0"/>
+          </a:p>
+        </p:txBody>
+      </p:sp>
+      <p:sp>
+        <p:nvSpPr>
+          <p:cNvPr id="5" name="Footer Placeholder 4"/>
           <p:cNvSpPr>
             <a:spLocks noGrp="1"/>
           </p:cNvSpPr>
@@ -3325,7 +6425,7 @@
           </a:prstGeom>
         </p:spPr>
         <p:txBody>
-          <a:bodyPr vert="horz" lIns="91440" tIns="45720" rIns="91440" bIns="45720" rtlCol="1" anchor="ctr"/>
+          <a:bodyPr vert="horz" lIns="91440" tIns="45720" rIns="91440" bIns="45720" rtlCol="0" anchor="ctr"/>
           <a:lstStyle>
             <a:lvl1pPr algn="ctr">
               <a:defRPr sz="1200">
@@ -3338,19 +6438,13 @@
             </a:lvl1pPr>
           </a:lstStyle>
           <a:p>
-            <a:endParaRPr lang="en-US"/>
-          </a:p>
-        </p:txBody>
-      </p:sp>
-      <p:sp>
-        <p:nvSpPr>
-          <p:cNvPr id="6" name="מציין מיקום של מספר שקופית 5">
-            <a:extLst>
-              <a:ext uri="{FF2B5EF4-FFF2-40B4-BE49-F238E27FC236}">
-                <a16:creationId xmlns:a16="http://schemas.microsoft.com/office/drawing/2014/main" id="{21B73F0B-27D1-454F-8913-0B7C899C2AAA}"/>
-              </a:ext>
-            </a:extLst>
-          </p:cNvPr>
+            <a:endParaRPr lang="en-US" dirty="0"/>
+          </a:p>
+        </p:txBody>
+      </p:sp>
+      <p:sp>
+        <p:nvSpPr>
+          <p:cNvPr id="6" name="Slide Number Placeholder 5"/>
           <p:cNvSpPr>
             <a:spLocks noGrp="1"/>
           </p:cNvSpPr>
@@ -3360,7 +6454,7 @@
         </p:nvSpPr>
         <p:spPr>
           <a:xfrm>
-            <a:off x="838200" y="6356350"/>
+            <a:off x="8610600" y="6356350"/>
             <a:ext cx="2743200" cy="365125"/>
           </a:xfrm>
           <a:prstGeom prst="rect">
@@ -3368,7 +6462,7 @@
           </a:prstGeom>
         </p:spPr>
         <p:txBody>
-          <a:bodyPr vert="horz" lIns="91440" tIns="45720" rIns="91440" bIns="45720" rtlCol="1" anchor="ctr"/>
+          <a:bodyPr vert="horz" lIns="91440" tIns="45720" rIns="91440" bIns="45720" rtlCol="0" anchor="ctr"/>
           <a:lstStyle>
             <a:lvl1pPr algn="r">
               <a:defRPr sz="1200">
@@ -3385,34 +6479,35 @@
               <a:rPr lang="en-US" smtClean="0"/>
               <a:t>‹#›</a:t>
             </a:fld>
-            <a:endParaRPr lang="en-US"/>
+            <a:endParaRPr lang="en-US" dirty="0"/>
           </a:p>
         </p:txBody>
       </p:sp>
     </p:spTree>
     <p:extLst>
       <p:ext uri="{BB962C8B-B14F-4D97-AF65-F5344CB8AC3E}">
-        <p14:creationId xmlns:p14="http://schemas.microsoft.com/office/powerpoint/2010/main" val="3666361835"/>
+        <p14:creationId xmlns:p14="http://schemas.microsoft.com/office/powerpoint/2010/main" val="1741648067"/>
       </p:ext>
     </p:extLst>
   </p:cSld>
   <p:clrMap bg1="lt1" tx1="dk1" bg2="lt2" tx2="dk2" accent1="accent1" accent2="accent2" accent3="accent3" accent4="accent4" accent5="accent5" accent6="accent6" hlink="hlink" folHlink="folHlink"/>
   <p:sldLayoutIdLst>
-    <p:sldLayoutId id="2147483649" r:id="rId1"/>
-    <p:sldLayoutId id="2147483650" r:id="rId2"/>
-    <p:sldLayoutId id="2147483651" r:id="rId3"/>
-    <p:sldLayoutId id="2147483652" r:id="rId4"/>
-    <p:sldLayoutId id="2147483653" r:id="rId5"/>
-    <p:sldLayoutId id="2147483654" r:id="rId6"/>
-    <p:sldLayoutId id="2147483655" r:id="rId7"/>
-    <p:sldLayoutId id="2147483656" r:id="rId8"/>
-    <p:sldLayoutId id="2147483657" r:id="rId9"/>
-    <p:sldLayoutId id="2147483658" r:id="rId10"/>
-    <p:sldLayoutId id="2147483659" r:id="rId11"/>
+    <p:sldLayoutId id="2147483753" r:id="rId1"/>
+    <p:sldLayoutId id="2147483754" r:id="rId2"/>
+    <p:sldLayoutId id="2147483755" r:id="rId3"/>
+    <p:sldLayoutId id="2147483756" r:id="rId4"/>
+    <p:sldLayoutId id="2147483757" r:id="rId5"/>
+    <p:sldLayoutId id="2147483758" r:id="rId6"/>
+    <p:sldLayoutId id="2147483759" r:id="rId7"/>
+    <p:sldLayoutId id="2147483760" r:id="rId8"/>
+    <p:sldLayoutId id="2147483761" r:id="rId9"/>
+    <p:sldLayoutId id="2147483762" r:id="rId10"/>
+    <p:sldLayoutId id="2147483763" r:id="rId11"/>
   </p:sldLayoutIdLst>
+  <p:hf hdr="0" ftr="0" dt="0"/>
   <p:txStyles>
     <p:titleStyle>
-      <a:lvl1pPr algn="r" defTabSz="914400" rtl="1" eaLnBrk="1" latinLnBrk="0" hangingPunct="1">
+      <a:lvl1pPr algn="l" defTabSz="914400" rtl="1" eaLnBrk="1" latinLnBrk="0" hangingPunct="1">
         <a:lnSpc>
           <a:spcPct val="90000"/>
         </a:lnSpc>
@@ -3785,7 +6880,7 @@
         </p:nvSpPr>
         <p:spPr>
           <a:xfrm>
-            <a:off x="239489" y="4015818"/>
+            <a:off x="358837" y="4699868"/>
             <a:ext cx="11715088" cy="1077218"/>
           </a:xfrm>
           <a:prstGeom prst="rect">
@@ -3801,7 +6896,7 @@
           <a:p>
             <a:pPr algn="ctr"/>
             <a:r>
-              <a:rPr lang="en-US" sz="3600" b="1" dirty="0"/>
+              <a:rPr lang="en-US" sz="3600" b="1" u="sng" dirty="0"/>
               <a:t>GOAL</a:t>
             </a:r>
             <a:br>
@@ -3812,57 +6907,6 @@
               <a:t>predict patients’ telomere length according to genome and gene mutations. </a:t>
             </a:r>
             <a:endParaRPr lang="he-IL" sz="3600" b="1" dirty="0"/>
-          </a:p>
-        </p:txBody>
-      </p:sp>
-      <p:sp>
-        <p:nvSpPr>
-          <p:cNvPr id="7" name="TextBox 6">
-            <a:extLst>
-              <a:ext uri="{FF2B5EF4-FFF2-40B4-BE49-F238E27FC236}">
-                <a16:creationId xmlns:a16="http://schemas.microsoft.com/office/drawing/2014/main" id="{113C7B30-C5A6-4182-A7BF-A3ED7149B613}"/>
-              </a:ext>
-            </a:extLst>
-          </p:cNvPr>
-          <p:cNvSpPr txBox="1"/>
-          <p:nvPr/>
-        </p:nvSpPr>
-        <p:spPr>
-          <a:xfrm>
-            <a:off x="239489" y="12451"/>
-            <a:ext cx="3267282" cy="369332"/>
-          </a:xfrm>
-          <a:prstGeom prst="rect">
-            <a:avLst/>
-          </a:prstGeom>
-          <a:noFill/>
-        </p:spPr>
-        <p:txBody>
-          <a:bodyPr wrap="square" rtlCol="0">
-            <a:spAutoFit/>
-          </a:bodyPr>
-          <a:lstStyle/>
-          <a:p>
-            <a:r>
-              <a:rPr lang="en-US" dirty="0"/>
-              <a:t>Baruch </a:t>
-            </a:r>
-            <a:r>
-              <a:rPr lang="en-US" dirty="0" err="1"/>
-              <a:t>Makro</a:t>
-            </a:r>
-            <a:r>
-              <a:rPr lang="en-US" dirty="0"/>
-              <a:t>       Mari </a:t>
-            </a:r>
-            <a:r>
-              <a:rPr lang="en-US" dirty="0" err="1"/>
-              <a:t>Mishel</a:t>
-            </a:r>
-            <a:r>
-              <a:rPr lang="en-US" dirty="0"/>
-              <a:t>     </a:t>
-            </a:r>
           </a:p>
         </p:txBody>
       </p:sp>
@@ -3881,7 +6925,7 @@
         <p:spPr>
           <a:xfrm>
             <a:off x="433633" y="1769633"/>
-            <a:ext cx="10925666" cy="1200329"/>
+            <a:ext cx="10925666" cy="2308324"/>
           </a:xfrm>
           <a:prstGeom prst="rect">
             <a:avLst/>
@@ -3896,23 +6940,52 @@
           <a:p>
             <a:pPr algn="l"/>
             <a:r>
-              <a:rPr lang="en-US" dirty="0"/>
+              <a:rPr lang="en-US" sz="2400" dirty="0"/>
               <a:t>Telomere: A telomere is a region of repetitive nucleotide sequences at each end of a chromosome, which protects the end of the chromosome from deterioration or from fusion with neighboring chromosomes. </a:t>
             </a:r>
           </a:p>
           <a:p>
             <a:pPr algn="l"/>
             <a:r>
-              <a:rPr lang="en-US" dirty="0"/>
+              <a:rPr lang="en-US" sz="2400" dirty="0"/>
               <a:t>With every division of the cell, the telomere length is getting shorter and shorter. </a:t>
             </a:r>
             <a:br>
-              <a:rPr lang="en-US" dirty="0"/>
+              <a:rPr lang="en-US" sz="2400" dirty="0"/>
             </a:br>
             <a:r>
-              <a:rPr lang="en-US" dirty="0"/>
+              <a:rPr lang="en-US" sz="2400" dirty="0"/>
               <a:t>Cancer patients has shorter telomere than other people with  the same age and gander. </a:t>
             </a:r>
+          </a:p>
+        </p:txBody>
+      </p:sp>
+      <p:sp>
+        <p:nvSpPr>
+          <p:cNvPr id="3" name="מציין מיקום של מספר שקופית 2">
+            <a:extLst>
+              <a:ext uri="{FF2B5EF4-FFF2-40B4-BE49-F238E27FC236}">
+                <a16:creationId xmlns:a16="http://schemas.microsoft.com/office/drawing/2014/main" id="{8E3BBCBF-3106-4A76-93CA-B023369E3DC2}"/>
+              </a:ext>
+            </a:extLst>
+          </p:cNvPr>
+          <p:cNvSpPr>
+            <a:spLocks noGrp="1"/>
+          </p:cNvSpPr>
+          <p:nvPr>
+            <p:ph type="sldNum" sz="quarter" idx="12"/>
+          </p:nvPr>
+        </p:nvSpPr>
+        <p:spPr/>
+        <p:txBody>
+          <a:bodyPr/>
+          <a:lstStyle/>
+          <a:p>
+            <a:fld id="{28EC0DFB-B55B-494E-B27A-B4FF8B9EF525}" type="slidenum">
+              <a:rPr lang="en-US" smtClean="0"/>
+              <a:t>1</a:t>
+            </a:fld>
+            <a:endParaRPr lang="en-US" dirty="0"/>
           </a:p>
         </p:txBody>
       </p:sp>
@@ -4097,7 +7170,7 @@
         </p:blipFill>
         <p:spPr>
           <a:xfrm>
-            <a:off x="180052" y="1481596"/>
+            <a:off x="264892" y="1137019"/>
             <a:ext cx="7863212" cy="5206721"/>
           </a:xfrm>
           <a:prstGeom prst="rect">
@@ -4138,6 +7211,35 @@
               <a:rPr lang="en-US" dirty="0"/>
               <a:t>Scatter plots for age and normal Telomer Length across each normal tissue type</a:t>
             </a:r>
+          </a:p>
+        </p:txBody>
+      </p:sp>
+      <p:sp>
+        <p:nvSpPr>
+          <p:cNvPr id="2" name="מציין מיקום של מספר שקופית 1">
+            <a:extLst>
+              <a:ext uri="{FF2B5EF4-FFF2-40B4-BE49-F238E27FC236}">
+                <a16:creationId xmlns:a16="http://schemas.microsoft.com/office/drawing/2014/main" id="{6F58968E-76CF-4C13-9EE5-B4008A8EAE87}"/>
+              </a:ext>
+            </a:extLst>
+          </p:cNvPr>
+          <p:cNvSpPr>
+            <a:spLocks noGrp="1"/>
+          </p:cNvSpPr>
+          <p:nvPr>
+            <p:ph type="sldNum" sz="quarter" idx="12"/>
+          </p:nvPr>
+        </p:nvSpPr>
+        <p:spPr/>
+        <p:txBody>
+          <a:bodyPr/>
+          <a:lstStyle/>
+          <a:p>
+            <a:fld id="{28EC0DFB-B55B-494E-B27A-B4FF8B9EF525}" type="slidenum">
+              <a:rPr lang="en-US" smtClean="0"/>
+              <a:t>2</a:t>
+            </a:fld>
+            <a:endParaRPr lang="en-US" dirty="0"/>
           </a:p>
         </p:txBody>
       </p:sp>
@@ -4185,8 +7287,8 @@
         </p:nvSpPr>
         <p:spPr>
           <a:xfrm>
-            <a:off x="1003275" y="261842"/>
-            <a:ext cx="9808391" cy="923330"/>
+            <a:off x="3612980" y="540137"/>
+            <a:ext cx="4403450" cy="923330"/>
           </a:xfrm>
           <a:prstGeom prst="rect">
             <a:avLst/>
@@ -4216,22 +7318,19 @@
               </a:rPr>
               <a:t>Gene Ontology</a:t>
             </a:r>
-            <a:r>
-              <a:rPr lang="en-US" sz="5400" dirty="0">
-                <a:ln w="0"/>
-                <a:solidFill>
-                  <a:schemeClr val="accent1"/>
-                </a:solidFill>
-                <a:effectLst>
-                  <a:outerShdw blurRad="38100" dist="25400" dir="5400000" algn="ctr" rotWithShape="0">
-                    <a:srgbClr val="6E747A">
-                      <a:alpha val="43000"/>
-                    </a:srgbClr>
-                  </a:outerShdw>
-                </a:effectLst>
-              </a:rPr>
-              <a:t> annotation project</a:t>
-            </a:r>
+            <a:endParaRPr lang="en-US" sz="5400" dirty="0">
+              <a:ln w="0"/>
+              <a:solidFill>
+                <a:schemeClr val="accent1"/>
+              </a:solidFill>
+              <a:effectLst>
+                <a:outerShdw blurRad="38100" dist="25400" dir="5400000" algn="ctr" rotWithShape="0">
+                  <a:srgbClr val="6E747A">
+                    <a:alpha val="43000"/>
+                  </a:srgbClr>
+                </a:outerShdw>
+              </a:effectLst>
+            </a:endParaRPr>
           </a:p>
         </p:txBody>
       </p:sp>
@@ -4249,8 +7348,8 @@
         </p:nvSpPr>
         <p:spPr>
           <a:xfrm>
-            <a:off x="2384981" y="1640262"/>
-            <a:ext cx="7937370" cy="2585323"/>
+            <a:off x="1876260" y="1670346"/>
+            <a:ext cx="8468549" cy="3170099"/>
           </a:xfrm>
           <a:prstGeom prst="rect">
             <a:avLst/>
@@ -4258,39 +7357,67 @@
           <a:noFill/>
         </p:spPr>
         <p:txBody>
-          <a:bodyPr wrap="square" rtlCol="0">
+          <a:bodyPr wrap="square" rtlCol="0" anchor="ctr">
             <a:spAutoFit/>
           </a:bodyPr>
           <a:lstStyle/>
           <a:p>
             <a:r>
-              <a:rPr lang="he-IL" dirty="0"/>
-              <a:t>המידע מהפרויקט מכיל מאגר נתונים על הגנים האנושיים. המאגר חוזה את התוצאה של שילוב מוטציות בשני גנים. </a:t>
-            </a:r>
-          </a:p>
-          <a:p>
-            <a:r>
-              <a:rPr lang="he-IL" dirty="0"/>
-              <a:t>בעזרת מאגר זה ניתן לבנות עץ, שכן כל תוצאה היא האב של שתי המוטציות תחתיו. </a:t>
-            </a:r>
-            <a:endParaRPr lang="en-US" dirty="0"/>
-          </a:p>
-          <a:p>
-            <a:pPr algn="l"/>
-            <a:endParaRPr lang="en-US" dirty="0"/>
-          </a:p>
-          <a:p>
-            <a:pPr algn="l"/>
-            <a:r>
-              <a:rPr lang="en-US" dirty="0"/>
-              <a:t>The data from  GOA project has databases on human genes. The database predicts the outcome on mutations in two genes. Using this database, we are able to build a tree in which the father is the outcome of two gene-children. </a:t>
-            </a:r>
-          </a:p>
-          <a:p>
-            <a:pPr algn="l"/>
-            <a:endParaRPr lang="he-IL" dirty="0"/>
-          </a:p>
-          <a:p>
+              <a:rPr lang="en-US" sz="2000" dirty="0"/>
+              <a:t>Gene ontology (GO) is a major bioinformatics initiative to unify the representation of gene and gene product attributes across all species.</a:t>
+            </a:r>
+          </a:p>
+          <a:p>
+            <a:r>
+              <a:rPr lang="en-US" sz="2000" dirty="0"/>
+              <a:t>More specifically, the project aims to:</a:t>
+            </a:r>
+          </a:p>
+          <a:p>
+            <a:r>
+              <a:rPr lang="en-US" sz="2000" dirty="0"/>
+              <a:t> 1) maintain and develop its controlled vocabulary of gene and gene product attributes</a:t>
+            </a:r>
+          </a:p>
+          <a:p>
+            <a:r>
+              <a:rPr lang="en-US" sz="2000" dirty="0"/>
+              <a:t> 2) annotate genes and gene products, and assimilate and disseminate annotation data.</a:t>
+            </a:r>
+          </a:p>
+          <a:p>
+            <a:r>
+              <a:rPr lang="en-US" sz="2000" dirty="0"/>
+              <a:t> 3) provide tools for easy access to all aspects of the data provided by the project, and to enable functional interpretation of experimental data using the GO, for example via enrichment analysis. </a:t>
+            </a:r>
+          </a:p>
+        </p:txBody>
+      </p:sp>
+      <p:sp>
+        <p:nvSpPr>
+          <p:cNvPr id="2" name="מציין מיקום של מספר שקופית 1">
+            <a:extLst>
+              <a:ext uri="{FF2B5EF4-FFF2-40B4-BE49-F238E27FC236}">
+                <a16:creationId xmlns:a16="http://schemas.microsoft.com/office/drawing/2014/main" id="{FB802191-602A-4983-92AC-FA37C9F02042}"/>
+              </a:ext>
+            </a:extLst>
+          </p:cNvPr>
+          <p:cNvSpPr>
+            <a:spLocks noGrp="1"/>
+          </p:cNvSpPr>
+          <p:nvPr>
+            <p:ph type="sldNum" sz="quarter" idx="12"/>
+          </p:nvPr>
+        </p:nvSpPr>
+        <p:spPr/>
+        <p:txBody>
+          <a:bodyPr/>
+          <a:lstStyle/>
+          <a:p>
+            <a:fld id="{28EC0DFB-B55B-494E-B27A-B4FF8B9EF525}" type="slidenum">
+              <a:rPr lang="en-US" smtClean="0"/>
+              <a:t>3</a:t>
+            </a:fld>
             <a:endParaRPr lang="en-US" dirty="0"/>
           </a:p>
         </p:txBody>
@@ -4340,7 +7467,7 @@
         <p:spPr>
           <a:xfrm>
             <a:off x="1370893" y="1524538"/>
-            <a:ext cx="9793034" cy="3139321"/>
+            <a:ext cx="9793034" cy="4401205"/>
           </a:xfrm>
           <a:prstGeom prst="rect">
             <a:avLst/>
@@ -4355,51 +7482,61 @@
           <a:p>
             <a:pPr algn="l"/>
             <a:r>
-              <a:rPr lang="en-US" dirty="0"/>
+              <a:rPr lang="en-US" sz="2000" dirty="0"/>
               <a:t>We have the following data: </a:t>
             </a:r>
             <a:br>
-              <a:rPr lang="en-US" dirty="0"/>
+              <a:rPr lang="en-US" sz="2000" dirty="0"/>
             </a:br>
             <a:r>
-              <a:rPr lang="en-US" u="sng" dirty="0"/>
+              <a:rPr lang="en-US" sz="2000" u="sng" dirty="0"/>
               <a:t>Clinical data</a:t>
             </a:r>
             <a:r>
-              <a:rPr lang="en-US" dirty="0"/>
+              <a:rPr lang="en-US" sz="2000" dirty="0"/>
               <a:t> – has lists of patients with their samples and clinical info such as gender and age. </a:t>
             </a:r>
             <a:br>
-              <a:rPr lang="en-US" dirty="0"/>
+              <a:rPr lang="en-US" sz="2000" dirty="0"/>
             </a:br>
             <a:r>
-              <a:rPr lang="en-US" u="sng" dirty="0"/>
+              <a:rPr lang="en-US" sz="2000" u="sng" dirty="0"/>
               <a:t>Mutations data</a:t>
             </a:r>
             <a:r>
-              <a:rPr lang="en-US" dirty="0"/>
+              <a:rPr lang="en-US" sz="2000" dirty="0"/>
               <a:t> – list of genes with mutations for each sample of patient. Only 3 types of mutations    	were taken: Missense Mutation, Frame Shift Del, Nonsense Mutation</a:t>
             </a:r>
-            <a:endParaRPr lang="he-IL" dirty="0"/>
-          </a:p>
-          <a:p>
-            <a:endParaRPr lang="en-US" dirty="0"/>
+            <a:endParaRPr lang="he-IL" sz="2000" dirty="0"/>
+          </a:p>
+          <a:p>
+            <a:endParaRPr lang="en-US" sz="2000" dirty="0"/>
           </a:p>
           <a:p>
             <a:pPr algn="l"/>
             <a:r>
-              <a:rPr lang="en-US" dirty="0"/>
+              <a:rPr lang="en-US" sz="2000" dirty="0"/>
               <a:t>The telomere lengths in the database are binary. The mean lengths is found (~1), length above are written as 1 and bellow as 0. </a:t>
             </a:r>
           </a:p>
           <a:p>
-            <a:endParaRPr lang="he-IL" dirty="0"/>
+            <a:endParaRPr lang="he-IL" sz="2000" dirty="0"/>
           </a:p>
           <a:p>
             <a:pPr algn="l"/>
             <a:r>
-              <a:rPr lang="en-US" dirty="0"/>
+              <a:rPr lang="en-US" sz="2000" dirty="0"/>
               <a:t>Crossing those databases with the patients’ database from previous research, we created a new database with genes binary vector for each sample- 1 for gene with a mutation and 0 for gene without a mutation. </a:t>
+            </a:r>
+          </a:p>
+          <a:p>
+            <a:pPr algn="l"/>
+            <a:endParaRPr lang="en-US" sz="2000" dirty="0"/>
+          </a:p>
+          <a:p>
+            <a:r>
+              <a:rPr lang="en-US" sz="2000" dirty="0"/>
+              <a:t>Finally, using cross validation (20%-80%), an algorithm was built to predict telomere lengths. </a:t>
             </a:r>
           </a:p>
         </p:txBody>
@@ -4467,37 +7604,30 @@
       </p:sp>
       <p:sp>
         <p:nvSpPr>
-          <p:cNvPr id="6" name="TextBox 5">
+          <p:cNvPr id="2" name="מציין מיקום של מספר שקופית 1">
             <a:extLst>
               <a:ext uri="{FF2B5EF4-FFF2-40B4-BE49-F238E27FC236}">
-                <a16:creationId xmlns:a16="http://schemas.microsoft.com/office/drawing/2014/main" id="{6FD832DF-5338-460C-9BFE-7ADA0A2ACC55}"/>
+                <a16:creationId xmlns:a16="http://schemas.microsoft.com/office/drawing/2014/main" id="{B05E0FCE-A842-4CDA-811C-6915F4A5AB70}"/>
               </a:ext>
             </a:extLst>
           </p:cNvPr>
-          <p:cNvSpPr txBox="1"/>
-          <p:nvPr/>
-        </p:nvSpPr>
-        <p:spPr>
-          <a:xfrm>
-            <a:off x="1304905" y="4873063"/>
-            <a:ext cx="9687926" cy="369332"/>
-          </a:xfrm>
-          <a:prstGeom prst="rect">
-            <a:avLst/>
-          </a:prstGeom>
-          <a:noFill/>
-        </p:spPr>
-        <p:txBody>
-          <a:bodyPr wrap="square" rtlCol="0">
-            <a:spAutoFit/>
-          </a:bodyPr>
-          <a:lstStyle/>
-          <a:p>
-            <a:pPr algn="l"/>
-            <a:r>
-              <a:rPr lang="en-US" dirty="0"/>
-              <a:t>Finally, using cross validation (20%-80%), an algorithm was built to predict telomere lengths. </a:t>
-            </a:r>
+          <p:cNvSpPr>
+            <a:spLocks noGrp="1"/>
+          </p:cNvSpPr>
+          <p:nvPr>
+            <p:ph type="sldNum" sz="quarter" idx="12"/>
+          </p:nvPr>
+        </p:nvSpPr>
+        <p:spPr/>
+        <p:txBody>
+          <a:bodyPr/>
+          <a:lstStyle/>
+          <a:p>
+            <a:fld id="{28EC0DFB-B55B-494E-B27A-B4FF8B9EF525}" type="slidenum">
+              <a:rPr lang="en-US" smtClean="0"/>
+              <a:t>4</a:t>
+            </a:fld>
+            <a:endParaRPr lang="en-US" dirty="0"/>
           </a:p>
         </p:txBody>
       </p:sp>
@@ -4531,127 +7661,6 @@
           <a:chExt cx="0" cy="0"/>
         </a:xfrm>
       </p:grpSpPr>
-      <p:sp>
-        <p:nvSpPr>
-          <p:cNvPr id="4" name="מלבן 3">
-            <a:extLst>
-              <a:ext uri="{FF2B5EF4-FFF2-40B4-BE49-F238E27FC236}">
-                <a16:creationId xmlns:a16="http://schemas.microsoft.com/office/drawing/2014/main" id="{7B59AA88-39BB-445F-9E37-CD60D3ED41E2}"/>
-              </a:ext>
-            </a:extLst>
-          </p:cNvPr>
-          <p:cNvSpPr/>
-          <p:nvPr/>
-        </p:nvSpPr>
-        <p:spPr>
-          <a:xfrm>
-            <a:off x="3224422" y="657768"/>
-            <a:ext cx="5799729" cy="923330"/>
-          </a:xfrm>
-          <a:prstGeom prst="rect">
-            <a:avLst/>
-          </a:prstGeom>
-          <a:noFill/>
-        </p:spPr>
-        <p:txBody>
-          <a:bodyPr wrap="none" lIns="91440" tIns="45720" rIns="91440" bIns="45720">
-            <a:spAutoFit/>
-          </a:bodyPr>
-          <a:lstStyle/>
-          <a:p>
-            <a:pPr algn="ctr"/>
-            <a:r>
-              <a:rPr lang="en-US" sz="5400" b="0" cap="none" spc="0" dirty="0" err="1">
-                <a:ln w="0"/>
-                <a:solidFill>
-                  <a:schemeClr val="accent1"/>
-                </a:solidFill>
-                <a:effectLst>
-                  <a:outerShdw blurRad="38100" dist="25400" dir="5400000" algn="ctr" rotWithShape="0">
-                    <a:srgbClr val="6E747A">
-                      <a:alpha val="43000"/>
-                    </a:srgbClr>
-                  </a:outerShdw>
-                </a:effectLst>
-              </a:rPr>
-              <a:t>Ontotype</a:t>
-            </a:r>
-            <a:r>
-              <a:rPr lang="en-US" sz="5400" b="0" cap="none" spc="0" dirty="0">
-                <a:ln w="0"/>
-                <a:solidFill>
-                  <a:schemeClr val="accent1"/>
-                </a:solidFill>
-                <a:effectLst>
-                  <a:outerShdw blurRad="38100" dist="25400" dir="5400000" algn="ctr" rotWithShape="0">
-                    <a:srgbClr val="6E747A">
-                      <a:alpha val="43000"/>
-                    </a:srgbClr>
-                  </a:outerShdw>
-                </a:effectLst>
-              </a:rPr>
-              <a:t> Algorithm</a:t>
-            </a:r>
-            <a:endParaRPr lang="he-IL" sz="5400" b="0" cap="none" spc="0" dirty="0">
-              <a:ln w="0"/>
-              <a:solidFill>
-                <a:schemeClr val="accent1"/>
-              </a:solidFill>
-              <a:effectLst>
-                <a:outerShdw blurRad="38100" dist="25400" dir="5400000" algn="ctr" rotWithShape="0">
-                  <a:srgbClr val="6E747A">
-                    <a:alpha val="43000"/>
-                  </a:srgbClr>
-                </a:outerShdw>
-              </a:effectLst>
-            </a:endParaRPr>
-          </a:p>
-        </p:txBody>
-      </p:sp>
-      <p:sp>
-        <p:nvSpPr>
-          <p:cNvPr id="5" name="TextBox 4">
-            <a:extLst>
-              <a:ext uri="{FF2B5EF4-FFF2-40B4-BE49-F238E27FC236}">
-                <a16:creationId xmlns:a16="http://schemas.microsoft.com/office/drawing/2014/main" id="{328F1437-52BF-4FF2-9C5C-E35A8060BEE4}"/>
-              </a:ext>
-            </a:extLst>
-          </p:cNvPr>
-          <p:cNvSpPr txBox="1"/>
-          <p:nvPr/>
-        </p:nvSpPr>
-        <p:spPr>
-          <a:xfrm>
-            <a:off x="405353" y="1762813"/>
-            <a:ext cx="10907398" cy="923330"/>
-          </a:xfrm>
-          <a:prstGeom prst="rect">
-            <a:avLst/>
-          </a:prstGeom>
-          <a:noFill/>
-        </p:spPr>
-        <p:txBody>
-          <a:bodyPr wrap="square" rtlCol="0">
-            <a:spAutoFit/>
-          </a:bodyPr>
-          <a:lstStyle/>
-          <a:p>
-            <a:pPr algn="l"/>
-            <a:r>
-              <a:rPr lang="en-US" dirty="0"/>
-              <a:t>The algorithm builds a graph with genes in leaves and GO terms in vertexes. Every sample with gene-vector influences graph values.  </a:t>
-            </a:r>
-            <a:br>
-              <a:rPr lang="en-US" dirty="0"/>
-            </a:br>
-            <a:r>
-              <a:rPr lang="en-US" dirty="0"/>
-              <a:t>Sub-graph:</a:t>
-            </a:r>
-            <a:endParaRPr lang="he-IL" dirty="0"/>
-          </a:p>
-        </p:txBody>
-      </p:sp>
       <p:pic>
         <p:nvPicPr>
           <p:cNvPr id="6" name="תמונה 5">
@@ -4674,7 +7683,7 @@
         </p:blipFill>
         <p:spPr>
           <a:xfrm>
-            <a:off x="314960" y="2659165"/>
+            <a:off x="1120486" y="2463234"/>
             <a:ext cx="10007600" cy="3893116"/>
           </a:xfrm>
           <a:prstGeom prst="rect">
@@ -4682,6 +7691,140 @@
           </a:prstGeom>
         </p:spPr>
       </p:pic>
+      <p:sp>
+        <p:nvSpPr>
+          <p:cNvPr id="4" name="מלבן 3">
+            <a:extLst>
+              <a:ext uri="{FF2B5EF4-FFF2-40B4-BE49-F238E27FC236}">
+                <a16:creationId xmlns:a16="http://schemas.microsoft.com/office/drawing/2014/main" id="{7B59AA88-39BB-445F-9E37-CD60D3ED41E2}"/>
+              </a:ext>
+            </a:extLst>
+          </p:cNvPr>
+          <p:cNvSpPr/>
+          <p:nvPr/>
+        </p:nvSpPr>
+        <p:spPr>
+          <a:xfrm>
+            <a:off x="3224422" y="657768"/>
+            <a:ext cx="5799729" cy="923330"/>
+          </a:xfrm>
+          <a:prstGeom prst="rect">
+            <a:avLst/>
+          </a:prstGeom>
+          <a:noFill/>
+        </p:spPr>
+        <p:txBody>
+          <a:bodyPr wrap="none" lIns="91440" tIns="45720" rIns="91440" bIns="45720">
+            <a:spAutoFit/>
+          </a:bodyPr>
+          <a:lstStyle/>
+          <a:p>
+            <a:pPr algn="ctr"/>
+            <a:r>
+              <a:rPr lang="en-US" sz="5400" b="0" cap="none" spc="0" dirty="0">
+                <a:ln w="0"/>
+                <a:solidFill>
+                  <a:schemeClr val="accent1"/>
+                </a:solidFill>
+                <a:effectLst>
+                  <a:outerShdw blurRad="38100" dist="25400" dir="5400000" algn="ctr" rotWithShape="0">
+                    <a:srgbClr val="6E747A">
+                      <a:alpha val="43000"/>
+                    </a:srgbClr>
+                  </a:outerShdw>
+                </a:effectLst>
+              </a:rPr>
+              <a:t>Ontotype Algorithm</a:t>
+            </a:r>
+            <a:endParaRPr lang="he-IL" sz="5400" b="0" cap="none" spc="0" dirty="0">
+              <a:ln w="0"/>
+              <a:solidFill>
+                <a:schemeClr val="accent1"/>
+              </a:solidFill>
+              <a:effectLst>
+                <a:outerShdw blurRad="38100" dist="25400" dir="5400000" algn="ctr" rotWithShape="0">
+                  <a:srgbClr val="6E747A">
+                    <a:alpha val="43000"/>
+                  </a:srgbClr>
+                </a:outerShdw>
+              </a:effectLst>
+            </a:endParaRPr>
+          </a:p>
+        </p:txBody>
+      </p:sp>
+      <p:sp>
+        <p:nvSpPr>
+          <p:cNvPr id="5" name="TextBox 4">
+            <a:extLst>
+              <a:ext uri="{FF2B5EF4-FFF2-40B4-BE49-F238E27FC236}">
+                <a16:creationId xmlns:a16="http://schemas.microsoft.com/office/drawing/2014/main" id="{328F1437-52BF-4FF2-9C5C-E35A8060BEE4}"/>
+              </a:ext>
+            </a:extLst>
+          </p:cNvPr>
+          <p:cNvSpPr txBox="1"/>
+          <p:nvPr/>
+        </p:nvSpPr>
+        <p:spPr>
+          <a:xfrm>
+            <a:off x="405353" y="1762813"/>
+            <a:ext cx="10907398" cy="1015663"/>
+          </a:xfrm>
+          <a:prstGeom prst="rect">
+            <a:avLst/>
+          </a:prstGeom>
+          <a:noFill/>
+        </p:spPr>
+        <p:txBody>
+          <a:bodyPr wrap="square" rtlCol="0">
+            <a:spAutoFit/>
+          </a:bodyPr>
+          <a:lstStyle/>
+          <a:p>
+            <a:pPr algn="l"/>
+            <a:r>
+              <a:rPr lang="en-US" sz="2000" dirty="0"/>
+              <a:t>The algorithm builds a graph with genes in leaves and GO terms in vertexes. Every sample with gene-vector influences graph values.  </a:t>
+            </a:r>
+            <a:br>
+              <a:rPr lang="en-US" sz="2000" dirty="0"/>
+            </a:br>
+            <a:r>
+              <a:rPr lang="en-US" sz="2000" dirty="0"/>
+              <a:t>Sub-graph:</a:t>
+            </a:r>
+            <a:endParaRPr lang="he-IL" sz="2000" dirty="0"/>
+          </a:p>
+        </p:txBody>
+      </p:sp>
+      <p:sp>
+        <p:nvSpPr>
+          <p:cNvPr id="2" name="מציין מיקום של מספר שקופית 1">
+            <a:extLst>
+              <a:ext uri="{FF2B5EF4-FFF2-40B4-BE49-F238E27FC236}">
+                <a16:creationId xmlns:a16="http://schemas.microsoft.com/office/drawing/2014/main" id="{53C9618D-3152-40B4-A420-970D52824240}"/>
+              </a:ext>
+            </a:extLst>
+          </p:cNvPr>
+          <p:cNvSpPr>
+            <a:spLocks noGrp="1"/>
+          </p:cNvSpPr>
+          <p:nvPr>
+            <p:ph type="sldNum" sz="quarter" idx="12"/>
+          </p:nvPr>
+        </p:nvSpPr>
+        <p:spPr/>
+        <p:txBody>
+          <a:bodyPr/>
+          <a:lstStyle/>
+          <a:p>
+            <a:fld id="{28EC0DFB-B55B-494E-B27A-B4FF8B9EF525}" type="slidenum">
+              <a:rPr lang="en-US" smtClean="0"/>
+              <a:t>5</a:t>
+            </a:fld>
+            <a:endParaRPr lang="en-US" dirty="0"/>
+          </a:p>
+        </p:txBody>
+      </p:sp>
     </p:spTree>
     <p:extLst>
       <p:ext uri="{BB962C8B-B14F-4D97-AF65-F5344CB8AC3E}">
@@ -4775,41 +7918,6 @@
       </p:sp>
       <p:sp>
         <p:nvSpPr>
-          <p:cNvPr id="5" name="TextBox 4">
-            <a:extLst>
-              <a:ext uri="{FF2B5EF4-FFF2-40B4-BE49-F238E27FC236}">
-                <a16:creationId xmlns:a16="http://schemas.microsoft.com/office/drawing/2014/main" id="{197BA136-8275-4EBA-8FC5-AE48D276CD58}"/>
-              </a:ext>
-            </a:extLst>
-          </p:cNvPr>
-          <p:cNvSpPr txBox="1"/>
-          <p:nvPr/>
-        </p:nvSpPr>
-        <p:spPr>
-          <a:xfrm>
-            <a:off x="9294099" y="473102"/>
-            <a:ext cx="2432845" cy="369332"/>
-          </a:xfrm>
-          <a:prstGeom prst="rect">
-            <a:avLst/>
-          </a:prstGeom>
-          <a:noFill/>
-        </p:spPr>
-        <p:txBody>
-          <a:bodyPr wrap="none" rtlCol="0">
-            <a:spAutoFit/>
-          </a:bodyPr>
-          <a:lstStyle/>
-          <a:p>
-            <a:r>
-              <a:rPr lang="en-US" dirty="0"/>
-              <a:t>Random forest classifier</a:t>
-            </a:r>
-          </a:p>
-        </p:txBody>
-      </p:sp>
-      <p:sp>
-        <p:nvSpPr>
           <p:cNvPr id="6" name="TextBox 5">
             <a:extLst>
               <a:ext uri="{FF2B5EF4-FFF2-40B4-BE49-F238E27FC236}">
@@ -4823,7 +7931,7 @@
         <p:spPr>
           <a:xfrm>
             <a:off x="584462" y="1649691"/>
-            <a:ext cx="11142482" cy="2031325"/>
+            <a:ext cx="11142482" cy="3046988"/>
           </a:xfrm>
           <a:prstGeom prst="rect">
             <a:avLst/>
@@ -4838,14 +7946,14 @@
           <a:p>
             <a:pPr algn="l"/>
             <a:r>
-              <a:rPr lang="en-US" dirty="0"/>
+              <a:rPr lang="en-US" sz="2400" dirty="0"/>
               <a:t>We used a random forest classifier algorithm with cross validation and calculate the ROC curve and AUC. </a:t>
             </a:r>
             <a:br>
-              <a:rPr lang="en-US" dirty="0"/>
+              <a:rPr lang="en-US" sz="2400" dirty="0"/>
             </a:br>
             <a:r>
-              <a:rPr lang="en-US" dirty="0"/>
+              <a:rPr lang="en-US" sz="2400" dirty="0"/>
               <a:t>This process was run twice:</a:t>
             </a:r>
           </a:p>
@@ -4855,7 +7963,7 @@
               <a:buChar char="•"/>
             </a:pPr>
             <a:r>
-              <a:rPr lang="en-US" dirty="0"/>
+              <a:rPr lang="en-US" sz="2400" dirty="0"/>
               <a:t>On samples database with gander, age and gene-vector.</a:t>
             </a:r>
           </a:p>
@@ -4865,7 +7973,7 @@
               <a:buChar char="•"/>
             </a:pPr>
             <a:r>
-              <a:rPr lang="en-US" dirty="0"/>
+              <a:rPr lang="en-US" sz="2400" dirty="0"/>
               <a:t>On samples database with only gender and age. </a:t>
             </a:r>
           </a:p>
@@ -4874,14 +7982,43 @@
               <a:buFont typeface="Arial" panose="020B0604020202020204" pitchFamily="34" charset="0"/>
               <a:buChar char="•"/>
             </a:pPr>
-            <a:endParaRPr lang="en-US" dirty="0"/>
+            <a:endParaRPr lang="en-US" sz="2400" dirty="0"/>
           </a:p>
           <a:p>
             <a:pPr algn="l" rtl="0"/>
             <a:r>
-              <a:rPr lang="en-US" dirty="0"/>
+              <a:rPr lang="en-US" sz="2400" dirty="0"/>
               <a:t>If the first run gives better results, we can conclude the genes and mutations data is useful in predicting telomere lengths. </a:t>
             </a:r>
+          </a:p>
+        </p:txBody>
+      </p:sp>
+      <p:sp>
+        <p:nvSpPr>
+          <p:cNvPr id="2" name="מציין מיקום של מספר שקופית 1">
+            <a:extLst>
+              <a:ext uri="{FF2B5EF4-FFF2-40B4-BE49-F238E27FC236}">
+                <a16:creationId xmlns:a16="http://schemas.microsoft.com/office/drawing/2014/main" id="{E744D65B-A8FF-4C07-986F-2AF2324EF2F4}"/>
+              </a:ext>
+            </a:extLst>
+          </p:cNvPr>
+          <p:cNvSpPr>
+            <a:spLocks noGrp="1"/>
+          </p:cNvSpPr>
+          <p:nvPr>
+            <p:ph type="sldNum" sz="quarter" idx="12"/>
+          </p:nvPr>
+        </p:nvSpPr>
+        <p:spPr/>
+        <p:txBody>
+          <a:bodyPr/>
+          <a:lstStyle/>
+          <a:p>
+            <a:fld id="{28EC0DFB-B55B-494E-B27A-B4FF8B9EF525}" type="slidenum">
+              <a:rPr lang="en-US" smtClean="0"/>
+              <a:t>6</a:t>
+            </a:fld>
+            <a:endParaRPr lang="en-US" dirty="0"/>
           </a:p>
         </p:txBody>
       </p:sp>
@@ -5022,8 +8159,8 @@
         </p:nvSpPr>
         <p:spPr>
           <a:xfrm>
-            <a:off x="688157" y="1581098"/>
-            <a:ext cx="4854804" cy="923330"/>
+            <a:off x="688156" y="1581098"/>
+            <a:ext cx="5555531" cy="984885"/>
           </a:xfrm>
           <a:prstGeom prst="rect">
             <a:avLst/>
@@ -5038,14 +8175,14 @@
           <a:p>
             <a:pPr algn="l"/>
             <a:r>
-              <a:rPr lang="en-US" dirty="0"/>
+              <a:rPr lang="en-US" sz="2000" dirty="0"/>
               <a:t>First run results: </a:t>
             </a:r>
             <a:br>
-              <a:rPr lang="en-US" dirty="0"/>
+              <a:rPr lang="en-US" sz="2000" dirty="0"/>
             </a:br>
             <a:r>
-              <a:rPr lang="en-US" dirty="0"/>
+              <a:rPr lang="en-US" sz="2000" dirty="0"/>
               <a:t>AUC of Random Forest Classifier: 0.912412733529</a:t>
             </a:r>
           </a:p>
@@ -5070,7 +8207,7 @@
         <p:spPr>
           <a:xfrm>
             <a:off x="6243687" y="1581098"/>
-            <a:ext cx="5948313" cy="646331"/>
+            <a:ext cx="5948313" cy="707886"/>
           </a:xfrm>
           <a:prstGeom prst="rect">
             <a:avLst/>
@@ -5085,17 +8222,16 @@
           <a:p>
             <a:pPr algn="l"/>
             <a:r>
-              <a:rPr lang="en-US"/>
+              <a:rPr lang="en-US" sz="2000" dirty="0"/>
               <a:t>Second run results:</a:t>
             </a:r>
           </a:p>
           <a:p>
             <a:pPr algn="l"/>
             <a:r>
-              <a:rPr lang="en-US"/>
+              <a:rPr lang="en-US" sz="2000" dirty="0"/>
               <a:t>AUC of Random Forest Classifier: 0.578167763269</a:t>
             </a:r>
-            <a:endParaRPr lang="en-US" dirty="0"/>
           </a:p>
         </p:txBody>
       </p:sp>
@@ -5171,6 +8307,35 @@
           </a:prstGeom>
         </p:spPr>
       </p:pic>
+      <p:sp>
+        <p:nvSpPr>
+          <p:cNvPr id="2" name="מציין מיקום של מספר שקופית 1">
+            <a:extLst>
+              <a:ext uri="{FF2B5EF4-FFF2-40B4-BE49-F238E27FC236}">
+                <a16:creationId xmlns:a16="http://schemas.microsoft.com/office/drawing/2014/main" id="{2F9FBE64-673D-4CCF-B269-DE0BE082A7E2}"/>
+              </a:ext>
+            </a:extLst>
+          </p:cNvPr>
+          <p:cNvSpPr>
+            <a:spLocks noGrp="1"/>
+          </p:cNvSpPr>
+          <p:nvPr>
+            <p:ph type="sldNum" sz="quarter" idx="12"/>
+          </p:nvPr>
+        </p:nvSpPr>
+        <p:spPr/>
+        <p:txBody>
+          <a:bodyPr/>
+          <a:lstStyle/>
+          <a:p>
+            <a:fld id="{28EC0DFB-B55B-494E-B27A-B4FF8B9EF525}" type="slidenum">
+              <a:rPr lang="en-US" smtClean="0"/>
+              <a:t>7</a:t>
+            </a:fld>
+            <a:endParaRPr lang="en-US" dirty="0"/>
+          </a:p>
+        </p:txBody>
+      </p:sp>
     </p:spTree>
     <p:extLst>
       <p:ext uri="{BB962C8B-B14F-4D97-AF65-F5344CB8AC3E}">
@@ -5185,6 +8350,554 @@
 </file>
 
 <file path=ppt/theme/theme1.xml><?xml version="1.0" encoding="utf-8"?>
+<a:theme xmlns:a="http://schemas.openxmlformats.org/drawingml/2006/main" name="HDOfficeLightV0">
+  <a:themeElements>
+    <a:clrScheme name="Office">
+      <a:dk1>
+        <a:sysClr val="windowText" lastClr="000000"/>
+      </a:dk1>
+      <a:lt1>
+        <a:sysClr val="window" lastClr="FFFFFF"/>
+      </a:lt1>
+      <a:dk2>
+        <a:srgbClr val="44546A"/>
+      </a:dk2>
+      <a:lt2>
+        <a:srgbClr val="E7E6E6"/>
+      </a:lt2>
+      <a:accent1>
+        <a:srgbClr val="5B9BD5"/>
+      </a:accent1>
+      <a:accent2>
+        <a:srgbClr val="ED7D31"/>
+      </a:accent2>
+      <a:accent3>
+        <a:srgbClr val="A5A5A5"/>
+      </a:accent3>
+      <a:accent4>
+        <a:srgbClr val="FFC000"/>
+      </a:accent4>
+      <a:accent5>
+        <a:srgbClr val="4472C4"/>
+      </a:accent5>
+      <a:accent6>
+        <a:srgbClr val="70AD47"/>
+      </a:accent6>
+      <a:hlink>
+        <a:srgbClr val="0563C1"/>
+      </a:hlink>
+      <a:folHlink>
+        <a:srgbClr val="954F72"/>
+      </a:folHlink>
+    </a:clrScheme>
+    <a:fontScheme name="Office">
+      <a:majorFont>
+        <a:latin typeface="Calibri Light"/>
+        <a:ea typeface=""/>
+        <a:cs typeface=""/>
+        <a:font script="Jpan" typeface="ＭＳ Ｐゴシック"/>
+        <a:font script="Hang" typeface="맑은 고딕"/>
+        <a:font script="Hans" typeface="宋体"/>
+        <a:font script="Hant" typeface="新細明體"/>
+        <a:font script="Arab" typeface="Times New Roman"/>
+        <a:font script="Hebr" typeface="Times New Roman"/>
+        <a:font script="Thai" typeface="Angsana New"/>
+        <a:font script="Ethi" typeface="Nyala"/>
+        <a:font script="Beng" typeface="Vrinda"/>
+        <a:font script="Gujr" typeface="Shruti"/>
+        <a:font script="Khmr" typeface="MoolBoran"/>
+        <a:font script="Knda" typeface="Tunga"/>
+        <a:font script="Guru" typeface="Raavi"/>
+        <a:font script="Cans" typeface="Euphemia"/>
+        <a:font script="Cher" typeface="Plantagenet Cherokee"/>
+        <a:font script="Yiii" typeface="Microsoft Yi Baiti"/>
+        <a:font script="Tibt" typeface="Microsoft Himalaya"/>
+        <a:font script="Thaa" typeface="MV Boli"/>
+        <a:font script="Deva" typeface="Mangal"/>
+        <a:font script="Telu" typeface="Gautami"/>
+        <a:font script="Taml" typeface="Latha"/>
+        <a:font script="Syrc" typeface="Estrangelo Edessa"/>
+        <a:font script="Orya" typeface="Kalinga"/>
+        <a:font script="Mlym" typeface="Kartika"/>
+        <a:font script="Laoo" typeface="DokChampa"/>
+        <a:font script="Sinh" typeface="Iskoola Pota"/>
+        <a:font script="Mong" typeface="Mongolian Baiti"/>
+        <a:font script="Viet" typeface="Times New Roman"/>
+        <a:font script="Uigh" typeface="Microsoft Uighur"/>
+        <a:font script="Geor" typeface="Sylfaen"/>
+      </a:majorFont>
+      <a:minorFont>
+        <a:latin typeface="Calibri"/>
+        <a:ea typeface=""/>
+        <a:cs typeface=""/>
+        <a:font script="Jpan" typeface="ＭＳ Ｐゴシック"/>
+        <a:font script="Hang" typeface="맑은 고딕"/>
+        <a:font script="Hans" typeface="宋体"/>
+        <a:font script="Hant" typeface="新細明體"/>
+        <a:font script="Arab" typeface="Arial"/>
+        <a:font script="Hebr" typeface="Arial"/>
+        <a:font script="Thai" typeface="Cordia New"/>
+        <a:font script="Ethi" typeface="Nyala"/>
+        <a:font script="Beng" typeface="Vrinda"/>
+        <a:font script="Gujr" typeface="Shruti"/>
+        <a:font script="Khmr" typeface="DaunPenh"/>
+        <a:font script="Knda" typeface="Tunga"/>
+        <a:font script="Guru" typeface="Raavi"/>
+        <a:font script="Cans" typeface="Euphemia"/>
+        <a:font script="Cher" typeface="Plantagenet Cherokee"/>
+        <a:font script="Yiii" typeface="Microsoft Yi Baiti"/>
+        <a:font script="Tibt" typeface="Microsoft Himalaya"/>
+        <a:font script="Thaa" typeface="MV Boli"/>
+        <a:font script="Deva" typeface="Mangal"/>
+        <a:font script="Telu" typeface="Gautami"/>
+        <a:font script="Taml" typeface="Latha"/>
+        <a:font script="Syrc" typeface="Estrangelo Edessa"/>
+        <a:font script="Orya" typeface="Kalinga"/>
+        <a:font script="Mlym" typeface="Kartika"/>
+        <a:font script="Laoo" typeface="DokChampa"/>
+        <a:font script="Sinh" typeface="Iskoola Pota"/>
+        <a:font script="Mong" typeface="Mongolian Baiti"/>
+        <a:font script="Viet" typeface="Arial"/>
+        <a:font script="Uigh" typeface="Microsoft Uighur"/>
+        <a:font script="Geor" typeface="Sylfaen"/>
+      </a:minorFont>
+    </a:fontScheme>
+    <a:fmtScheme name="Office">
+      <a:fillStyleLst>
+        <a:solidFill>
+          <a:schemeClr val="phClr"/>
+        </a:solidFill>
+        <a:gradFill rotWithShape="1">
+          <a:gsLst>
+            <a:gs pos="0">
+              <a:schemeClr val="phClr">
+                <a:tint val="67000"/>
+                <a:satMod val="105000"/>
+                <a:lumMod val="110000"/>
+              </a:schemeClr>
+            </a:gs>
+            <a:gs pos="50000">
+              <a:schemeClr val="phClr">
+                <a:tint val="73000"/>
+                <a:satMod val="103000"/>
+                <a:lumMod val="105000"/>
+              </a:schemeClr>
+            </a:gs>
+            <a:gs pos="100000">
+              <a:schemeClr val="phClr">
+                <a:tint val="81000"/>
+                <a:satMod val="109000"/>
+                <a:lumMod val="105000"/>
+              </a:schemeClr>
+            </a:gs>
+          </a:gsLst>
+          <a:lin ang="5400000" scaled="0"/>
+        </a:gradFill>
+        <a:gradFill rotWithShape="1">
+          <a:gsLst>
+            <a:gs pos="0">
+              <a:schemeClr val="phClr">
+                <a:tint val="94000"/>
+                <a:satMod val="103000"/>
+                <a:lumMod val="102000"/>
+              </a:schemeClr>
+            </a:gs>
+            <a:gs pos="50000">
+              <a:schemeClr val="phClr">
+                <a:shade val="100000"/>
+                <a:satMod val="110000"/>
+                <a:lumMod val="100000"/>
+              </a:schemeClr>
+            </a:gs>
+            <a:gs pos="100000">
+              <a:schemeClr val="phClr">
+                <a:shade val="78000"/>
+                <a:satMod val="120000"/>
+                <a:lumMod val="99000"/>
+              </a:schemeClr>
+            </a:gs>
+          </a:gsLst>
+          <a:lin ang="5400000" scaled="0"/>
+        </a:gradFill>
+      </a:fillStyleLst>
+      <a:lnStyleLst>
+        <a:ln w="6350" cap="flat" cmpd="sng" algn="ctr">
+          <a:solidFill>
+            <a:schemeClr val="phClr"/>
+          </a:solidFill>
+          <a:prstDash val="solid"/>
+        </a:ln>
+        <a:ln w="12700" cap="flat" cmpd="sng" algn="ctr">
+          <a:solidFill>
+            <a:schemeClr val="phClr"/>
+          </a:solidFill>
+          <a:prstDash val="solid"/>
+        </a:ln>
+        <a:ln w="19050" cap="flat" cmpd="sng" algn="ctr">
+          <a:solidFill>
+            <a:schemeClr val="phClr"/>
+          </a:solidFill>
+          <a:prstDash val="solid"/>
+        </a:ln>
+      </a:lnStyleLst>
+      <a:effectStyleLst>
+        <a:effectStyle>
+          <a:effectLst/>
+        </a:effectStyle>
+        <a:effectStyle>
+          <a:effectLst/>
+        </a:effectStyle>
+        <a:effectStyle>
+          <a:effectLst>
+            <a:outerShdw blurRad="57150" dist="19050" dir="5400000" algn="ctr" rotWithShape="0">
+              <a:srgbClr val="000000">
+                <a:alpha val="63000"/>
+              </a:srgbClr>
+            </a:outerShdw>
+          </a:effectLst>
+        </a:effectStyle>
+      </a:effectStyleLst>
+      <a:bgFillStyleLst>
+        <a:solidFill>
+          <a:schemeClr val="phClr"/>
+        </a:solidFill>
+        <a:solidFill>
+          <a:schemeClr val="phClr">
+            <a:tint val="95000"/>
+            <a:satMod val="170000"/>
+          </a:schemeClr>
+        </a:solidFill>
+        <a:gradFill rotWithShape="1">
+          <a:gsLst>
+            <a:gs pos="0">
+              <a:schemeClr val="phClr">
+                <a:tint val="93000"/>
+                <a:shade val="98000"/>
+                <a:satMod val="150000"/>
+                <a:lumMod val="102000"/>
+              </a:schemeClr>
+            </a:gs>
+            <a:gs pos="50000">
+              <a:schemeClr val="phClr">
+                <a:tint val="98000"/>
+                <a:shade val="90000"/>
+                <a:satMod val="130000"/>
+                <a:lumMod val="103000"/>
+              </a:schemeClr>
+            </a:gs>
+            <a:gs pos="100000">
+              <a:schemeClr val="phClr">
+                <a:shade val="63000"/>
+                <a:satMod val="120000"/>
+              </a:schemeClr>
+            </a:gs>
+          </a:gsLst>
+          <a:lin ang="5400000" scaled="0"/>
+        </a:gradFill>
+      </a:bgFillStyleLst>
+    </a:fmtScheme>
+  </a:themeElements>
+  <a:objectDefaults/>
+  <a:extraClrSchemeLst/>
+</a:theme>
+</file>
+
+<file path=ppt/theme/theme2.xml><?xml version="1.0" encoding="utf-8"?>
+<a:theme xmlns:a="http://schemas.openxmlformats.org/drawingml/2006/main" name="Office Theme">
+  <a:themeElements>
+    <a:clrScheme name="ערכת נושא Office">
+      <a:dk1>
+        <a:sysClr val="windowText" lastClr="000000"/>
+      </a:dk1>
+      <a:lt1>
+        <a:sysClr val="window" lastClr="FFFFFF"/>
+      </a:lt1>
+      <a:dk2>
+        <a:srgbClr val="44546A"/>
+      </a:dk2>
+      <a:lt2>
+        <a:srgbClr val="E7E6E6"/>
+      </a:lt2>
+      <a:accent1>
+        <a:srgbClr val="1D9A78"/>
+      </a:accent1>
+      <a:accent2>
+        <a:srgbClr val="8BC145"/>
+      </a:accent2>
+      <a:accent3>
+        <a:srgbClr val="36AFCE"/>
+      </a:accent3>
+      <a:accent4>
+        <a:srgbClr val="1D6FA9"/>
+      </a:accent4>
+      <a:accent5>
+        <a:srgbClr val="B74919"/>
+      </a:accent5>
+      <a:accent6>
+        <a:srgbClr val="F19D19"/>
+      </a:accent6>
+      <a:hlink>
+        <a:srgbClr val="0563C1"/>
+      </a:hlink>
+      <a:folHlink>
+        <a:srgbClr val="954F72"/>
+      </a:folHlink>
+    </a:clrScheme>
+    <a:fontScheme name="Office">
+      <a:majorFont>
+        <a:latin typeface="Calibri Light" panose="020F0302020204030204"/>
+        <a:ea typeface=""/>
+        <a:cs typeface=""/>
+        <a:font script="Jpan" typeface="游ゴシック Light"/>
+        <a:font script="Hang" typeface="맑은 고딕"/>
+        <a:font script="Hans" typeface="等线 Light"/>
+        <a:font script="Hant" typeface="新細明體"/>
+        <a:font script="Arab" typeface="Times New Roman"/>
+        <a:font script="Hebr" typeface="Times New Roman"/>
+        <a:font script="Thai" typeface="Angsana New"/>
+        <a:font script="Ethi" typeface="Nyala"/>
+        <a:font script="Beng" typeface="Vrinda"/>
+        <a:font script="Gujr" typeface="Shruti"/>
+        <a:font script="Khmr" typeface="MoolBoran"/>
+        <a:font script="Knda" typeface="Tunga"/>
+        <a:font script="Guru" typeface="Raavi"/>
+        <a:font script="Cans" typeface="Euphemia"/>
+        <a:font script="Cher" typeface="Plantagenet Cherokee"/>
+        <a:font script="Yiii" typeface="Microsoft Yi Baiti"/>
+        <a:font script="Tibt" typeface="Microsoft Himalaya"/>
+        <a:font script="Thaa" typeface="MV Boli"/>
+        <a:font script="Deva" typeface="Mangal"/>
+        <a:font script="Telu" typeface="Gautami"/>
+        <a:font script="Taml" typeface="Latha"/>
+        <a:font script="Syrc" typeface="Estrangelo Edessa"/>
+        <a:font script="Orya" typeface="Kalinga"/>
+        <a:font script="Mlym" typeface="Kartika"/>
+        <a:font script="Laoo" typeface="DokChampa"/>
+        <a:font script="Sinh" typeface="Iskoola Pota"/>
+        <a:font script="Mong" typeface="Mongolian Baiti"/>
+        <a:font script="Viet" typeface="Times New Roman"/>
+        <a:font script="Uigh" typeface="Microsoft Uighur"/>
+        <a:font script="Geor" typeface="Sylfaen"/>
+        <a:font script="Armn" typeface="Arial"/>
+        <a:font script="Bugi" typeface="Leelawadee UI"/>
+        <a:font script="Bopo" typeface="Microsoft JhengHei"/>
+        <a:font script="Java" typeface="Javanese Text"/>
+        <a:font script="Lisu" typeface="Segoe UI"/>
+        <a:font script="Mymr" typeface="Myanmar Text"/>
+        <a:font script="Nkoo" typeface="Ebrima"/>
+        <a:font script="Olck" typeface="Nirmala UI"/>
+        <a:font script="Osma" typeface="Ebrima"/>
+        <a:font script="Phag" typeface="Phagspa"/>
+        <a:font script="Syrn" typeface="Estrangelo Edessa"/>
+        <a:font script="Syrj" typeface="Estrangelo Edessa"/>
+        <a:font script="Syre" typeface="Estrangelo Edessa"/>
+        <a:font script="Sora" typeface="Nirmala UI"/>
+        <a:font script="Tale" typeface="Microsoft Tai Le"/>
+        <a:font script="Talu" typeface="Microsoft New Tai Lue"/>
+        <a:font script="Tfng" typeface="Ebrima"/>
+      </a:majorFont>
+      <a:minorFont>
+        <a:latin typeface="Calibri" panose="020F0502020204030204"/>
+        <a:ea typeface=""/>
+        <a:cs typeface=""/>
+        <a:font script="Jpan" typeface="游ゴシック"/>
+        <a:font script="Hang" typeface="맑은 고딕"/>
+        <a:font script="Hans" typeface="等线"/>
+        <a:font script="Hant" typeface="新細明體"/>
+        <a:font script="Arab" typeface="Arial"/>
+        <a:font script="Hebr" typeface="Arial"/>
+        <a:font script="Thai" typeface="Cordia New"/>
+        <a:font script="Ethi" typeface="Nyala"/>
+        <a:font script="Beng" typeface="Vrinda"/>
+        <a:font script="Gujr" typeface="Shruti"/>
+        <a:font script="Khmr" typeface="DaunPenh"/>
+        <a:font script="Knda" typeface="Tunga"/>
+        <a:font script="Guru" typeface="Raavi"/>
+        <a:font script="Cans" typeface="Euphemia"/>
+        <a:font script="Cher" typeface="Plantagenet Cherokee"/>
+        <a:font script="Yiii" typeface="Microsoft Yi Baiti"/>
+        <a:font script="Tibt" typeface="Microsoft Himalaya"/>
+        <a:font script="Thaa" typeface="MV Boli"/>
+        <a:font script="Deva" typeface="Mangal"/>
+        <a:font script="Telu" typeface="Gautami"/>
+        <a:font script="Taml" typeface="Latha"/>
+        <a:font script="Syrc" typeface="Estrangelo Edessa"/>
+        <a:font script="Orya" typeface="Kalinga"/>
+        <a:font script="Mlym" typeface="Kartika"/>
+        <a:font script="Laoo" typeface="DokChampa"/>
+        <a:font script="Sinh" typeface="Iskoola Pota"/>
+        <a:font script="Mong" typeface="Mongolian Baiti"/>
+        <a:font script="Viet" typeface="Arial"/>
+        <a:font script="Uigh" typeface="Microsoft Uighur"/>
+        <a:font script="Geor" typeface="Sylfaen"/>
+        <a:font script="Armn" typeface="Arial"/>
+        <a:font script="Bugi" typeface="Leelawadee UI"/>
+        <a:font script="Bopo" typeface="Microsoft JhengHei"/>
+        <a:font script="Java" typeface="Javanese Text"/>
+        <a:font script="Lisu" typeface="Segoe UI"/>
+        <a:font script="Mymr" typeface="Myanmar Text"/>
+        <a:font script="Nkoo" typeface="Ebrima"/>
+        <a:font script="Olck" typeface="Nirmala UI"/>
+        <a:font script="Osma" typeface="Ebrima"/>
+        <a:font script="Phag" typeface="Phagspa"/>
+        <a:font script="Syrn" typeface="Estrangelo Edessa"/>
+        <a:font script="Syrj" typeface="Estrangelo Edessa"/>
+        <a:font script="Syre" typeface="Estrangelo Edessa"/>
+        <a:font script="Sora" typeface="Nirmala UI"/>
+        <a:font script="Tale" typeface="Microsoft Tai Le"/>
+        <a:font script="Talu" typeface="Microsoft New Tai Lue"/>
+        <a:font script="Tfng" typeface="Ebrima"/>
+      </a:minorFont>
+    </a:fontScheme>
+    <a:fmtScheme name="ערכת נושא Office">
+      <a:fillStyleLst>
+        <a:solidFill>
+          <a:schemeClr val="phClr"/>
+        </a:solidFill>
+        <a:gradFill rotWithShape="1">
+          <a:gsLst>
+            <a:gs pos="0">
+              <a:schemeClr val="phClr">
+                <a:lumMod val="110000"/>
+                <a:satMod val="105000"/>
+                <a:tint val="67000"/>
+              </a:schemeClr>
+            </a:gs>
+            <a:gs pos="50000">
+              <a:schemeClr val="phClr">
+                <a:lumMod val="105000"/>
+                <a:satMod val="103000"/>
+                <a:tint val="73000"/>
+              </a:schemeClr>
+            </a:gs>
+            <a:gs pos="100000">
+              <a:schemeClr val="phClr">
+                <a:lumMod val="105000"/>
+                <a:satMod val="109000"/>
+                <a:tint val="81000"/>
+              </a:schemeClr>
+            </a:gs>
+          </a:gsLst>
+          <a:lin ang="5400000" scaled="0"/>
+        </a:gradFill>
+        <a:gradFill rotWithShape="1">
+          <a:gsLst>
+            <a:gs pos="0">
+              <a:schemeClr val="phClr">
+                <a:satMod val="103000"/>
+                <a:lumMod val="102000"/>
+                <a:tint val="94000"/>
+              </a:schemeClr>
+            </a:gs>
+            <a:gs pos="50000">
+              <a:schemeClr val="phClr">
+                <a:satMod val="110000"/>
+                <a:lumMod val="100000"/>
+                <a:shade val="100000"/>
+              </a:schemeClr>
+            </a:gs>
+            <a:gs pos="100000">
+              <a:schemeClr val="phClr">
+                <a:lumMod val="99000"/>
+                <a:satMod val="120000"/>
+                <a:shade val="78000"/>
+              </a:schemeClr>
+            </a:gs>
+          </a:gsLst>
+          <a:lin ang="5400000" scaled="0"/>
+        </a:gradFill>
+      </a:fillStyleLst>
+      <a:lnStyleLst>
+        <a:ln w="6350" cap="flat" cmpd="sng" algn="ctr">
+          <a:solidFill>
+            <a:schemeClr val="phClr"/>
+          </a:solidFill>
+          <a:prstDash val="solid"/>
+          <a:miter lim="800000"/>
+        </a:ln>
+        <a:ln w="12700" cap="flat" cmpd="sng" algn="ctr">
+          <a:solidFill>
+            <a:schemeClr val="phClr"/>
+          </a:solidFill>
+          <a:prstDash val="solid"/>
+          <a:miter lim="800000"/>
+        </a:ln>
+        <a:ln w="19050" cap="flat" cmpd="sng" algn="ctr">
+          <a:solidFill>
+            <a:schemeClr val="phClr"/>
+          </a:solidFill>
+          <a:prstDash val="solid"/>
+          <a:miter lim="800000"/>
+        </a:ln>
+      </a:lnStyleLst>
+      <a:effectStyleLst>
+        <a:effectStyle>
+          <a:effectLst/>
+        </a:effectStyle>
+        <a:effectStyle>
+          <a:effectLst/>
+        </a:effectStyle>
+        <a:effectStyle>
+          <a:effectLst>
+            <a:outerShdw blurRad="57150" dist="19050" dir="5400000" algn="ctr" rotWithShape="0">
+              <a:srgbClr val="000000">
+                <a:alpha val="63000"/>
+              </a:srgbClr>
+            </a:outerShdw>
+          </a:effectLst>
+        </a:effectStyle>
+      </a:effectStyleLst>
+      <a:bgFillStyleLst>
+        <a:solidFill>
+          <a:schemeClr val="phClr"/>
+        </a:solidFill>
+        <a:solidFill>
+          <a:schemeClr val="phClr">
+            <a:tint val="95000"/>
+            <a:satMod val="170000"/>
+          </a:schemeClr>
+        </a:solidFill>
+        <a:gradFill rotWithShape="1">
+          <a:gsLst>
+            <a:gs pos="0">
+              <a:schemeClr val="phClr">
+                <a:tint val="93000"/>
+                <a:satMod val="150000"/>
+                <a:shade val="98000"/>
+                <a:lumMod val="102000"/>
+              </a:schemeClr>
+            </a:gs>
+            <a:gs pos="50000">
+              <a:schemeClr val="phClr">
+                <a:tint val="98000"/>
+                <a:satMod val="130000"/>
+                <a:shade val="90000"/>
+                <a:lumMod val="103000"/>
+              </a:schemeClr>
+            </a:gs>
+            <a:gs pos="100000">
+              <a:schemeClr val="phClr">
+                <a:shade val="63000"/>
+                <a:satMod val="120000"/>
+              </a:schemeClr>
+            </a:gs>
+          </a:gsLst>
+          <a:lin ang="5400000" scaled="0"/>
+        </a:gradFill>
+      </a:bgFillStyleLst>
+    </a:fmtScheme>
+  </a:themeElements>
+  <a:objectDefaults/>
+  <a:extraClrSchemeLst/>
+  <a:extLst>
+    <a:ext uri="{05A4C25C-085E-4340-85A3-A5531E510DB2}">
+      <thm15:themeFamily xmlns:thm15="http://schemas.microsoft.com/office/thememl/2012/main" name="Office Theme" id="{62F939B6-93AF-4DB8-9C6B-D6C7DFDC589F}" vid="{AE6F2518-B084-4896-AF52-66CC2144AA26}"/>
+    </a:ext>
+  </a:extLst>
+</a:theme>
+</file>
+
+<file path=ppt/theme/theme3.xml><?xml version="1.0" encoding="utf-8"?>
 <a:theme xmlns:a="http://schemas.openxmlformats.org/drawingml/2006/main" name="ערכת נושא Office">
   <a:themeElements>
     <a:clrScheme name="Office">
@@ -5479,7 +9192,7 @@
 </a:theme>
 </file>
 
-<file path=ppt/theme/theme2.xml><?xml version="1.0" encoding="utf-8"?>
+<file path=ppt/theme/theme4.xml><?xml version="1.0" encoding="utf-8"?>
 <a:theme xmlns:a="http://schemas.openxmlformats.org/drawingml/2006/main" name="ערכת נושא Office">
   <a:themeElements>
     <a:clrScheme name="Office">

--- a/presentation.pptx
+++ b/presentation.pptx
@@ -6,10 +6,10 @@
     <p:sldMasterId id="2147483752" r:id="rId2"/>
   </p:sldMasterIdLst>
   <p:notesMasterIdLst>
-    <p:notesMasterId r:id="rId10"/>
+    <p:notesMasterId r:id="rId12"/>
   </p:notesMasterIdLst>
   <p:handoutMasterIdLst>
-    <p:handoutMasterId r:id="rId11"/>
+    <p:handoutMasterId r:id="rId13"/>
   </p:handoutMasterIdLst>
   <p:sldIdLst>
     <p:sldId id="256" r:id="rId3"/>
@@ -19,6 +19,8 @@
     <p:sldId id="258" r:id="rId7"/>
     <p:sldId id="262" r:id="rId8"/>
     <p:sldId id="263" r:id="rId9"/>
+    <p:sldId id="265" r:id="rId10"/>
+    <p:sldId id="264" r:id="rId11"/>
   </p:sldIdLst>
   <p:sldSz cx="12192000" cy="6858000"/>
   <p:notesSz cx="6858000" cy="9144000"/>
@@ -121,6 +123,9 @@
     <p:ext uri="{EFAFB233-063F-42B5-8137-9DF3F51BA10A}">
       <p15:sldGuideLst xmlns:p15="http://schemas.microsoft.com/office/powerpoint/2012/main"/>
     </p:ext>
+    <p:ext uri="{2D200454-40CA-4A62-9FC3-DE9A4176ACB9}">
+      <p15:notesGuideLst xmlns:p15="http://schemas.microsoft.com/office/powerpoint/2012/main"/>
+    </p:ext>
   </p:extLst>
 </p:presentation>
 </file>
@@ -135,10 +140,6 @@
     </p:extLst>
   </p:cmAuthor>
 </p:cmAuthorLst>
-</file>
-
-<file path=ppt/revisionInfo.xml><?xml version="1.0" encoding="utf-8"?>
-<p1510:revInfo xmlns:a="http://schemas.openxmlformats.org/drawingml/2006/main" xmlns:r="http://schemas.openxmlformats.org/officeDocument/2006/relationships" xmlns:p1510="http://schemas.microsoft.com/office/powerpoint/2015/10/main"/>
 </file>
 
 <file path=ppt/handoutMasters/handoutMaster1.xml><?xml version="1.0" encoding="utf-8"?>
@@ -379,7 +380,7 @@
           <a:p>
             <a:fld id="{A580F231-D6C1-46FE-BB12-C1D6E54C7F64}" type="datetimeFigureOut">
               <a:rPr lang="en-US" smtClean="0"/>
-              <a:t>10/8/2017</a:t>
+              <a:t>21-Oct-17</a:t>
             </a:fld>
             <a:endParaRPr lang="en-US" dirty="0"/>
           </a:p>
@@ -874,7 +875,7 @@
           <a:p>
             <a:fld id="{85C7E2EA-0B63-4782-B0A2-D1820704ACAC}" type="datetime1">
               <a:rPr lang="en-US" smtClean="0"/>
-              <a:t>10/8/2017</a:t>
+              <a:t>21-Oct-17</a:t>
             </a:fld>
             <a:endParaRPr lang="en-US" dirty="0"/>
           </a:p>
@@ -1044,7 +1045,7 @@
           <a:p>
             <a:fld id="{9DD2DDD0-1666-496C-BFA0-BBB8A2DFBA98}" type="datetime1">
               <a:rPr lang="en-US" smtClean="0"/>
-              <a:t>10/8/2017</a:t>
+              <a:t>21-Oct-17</a:t>
             </a:fld>
             <a:endParaRPr lang="en-US" dirty="0"/>
           </a:p>
@@ -1224,7 +1225,7 @@
           <a:p>
             <a:fld id="{335CE6C8-95FA-4211-B452-5F2AC49D10F5}" type="datetime1">
               <a:rPr lang="en-US" smtClean="0"/>
-              <a:t>10/8/2017</a:t>
+              <a:t>21-Oct-17</a:t>
             </a:fld>
             <a:endParaRPr lang="en-US" dirty="0"/>
           </a:p>
@@ -1353,7 +1354,7 @@
           <a:p>
             <a:fld id="{A60C36D3-DFBB-4DCE-B44F-FEFD77496B89}" type="datetime1">
               <a:rPr lang="en-US" smtClean="0"/>
-              <a:t>10/8/2017</a:t>
+              <a:t>21-Oct-17</a:t>
             </a:fld>
             <a:endParaRPr lang="en-US" dirty="0"/>
           </a:p>
@@ -1494,7 +1495,7 @@
           <a:p>
             <a:fld id="{24A2D068-8FDA-4EC6-8081-C29671AFF31D}" type="datetime1">
               <a:rPr lang="en-US" smtClean="0"/>
-              <a:t>10/8/2017</a:t>
+              <a:t>21-Oct-17</a:t>
             </a:fld>
             <a:endParaRPr lang="en-US" dirty="0"/>
           </a:p>
@@ -1698,7 +1699,7 @@
           <a:p>
             <a:fld id="{1761E6B2-446E-4D20-96A1-A4DB5335A725}" type="datetime1">
               <a:rPr lang="en-US" smtClean="0"/>
-              <a:t>10/8/2017</a:t>
+              <a:t>21-Oct-17</a:t>
             </a:fld>
             <a:endParaRPr lang="en-US" dirty="0"/>
           </a:p>
@@ -1927,7 +1928,7 @@
           <a:p>
             <a:fld id="{7A338D65-5DC5-4A3F-8C30-DDCB78553476}" type="datetime1">
               <a:rPr lang="en-US" smtClean="0"/>
-              <a:t>10/8/2017</a:t>
+              <a:t>21-Oct-17</a:t>
             </a:fld>
             <a:endParaRPr lang="en-US" dirty="0"/>
           </a:p>
@@ -2173,7 +2174,7 @@
           <a:p>
             <a:fld id="{2E52C290-29B8-4481-ABCC-4124D7F2A3F8}" type="datetime1">
               <a:rPr lang="en-US" smtClean="0"/>
-              <a:t>10/8/2017</a:t>
+              <a:t>21-Oct-17</a:t>
             </a:fld>
             <a:endParaRPr lang="en-US" dirty="0"/>
           </a:p>
@@ -2405,7 +2406,7 @@
           <a:p>
             <a:fld id="{64134C16-AE74-463C-95A5-0B65E535CDAC}" type="datetime1">
               <a:rPr lang="en-US" smtClean="0"/>
-              <a:t>10/8/2017</a:t>
+              <a:t>21-Oct-17</a:t>
             </a:fld>
             <a:endParaRPr lang="en-US" dirty="0"/>
           </a:p>
@@ -2772,7 +2773,7 @@
           <a:p>
             <a:fld id="{43A498BB-9293-4519-BFD9-0EC14B22A0B9}" type="datetime1">
               <a:rPr lang="en-US" smtClean="0"/>
-              <a:t>10/8/2017</a:t>
+              <a:t>21-Oct-17</a:t>
             </a:fld>
             <a:endParaRPr lang="en-US" dirty="0"/>
           </a:p>
@@ -2890,7 +2891,7 @@
           <a:p>
             <a:fld id="{AC8C1306-CAA9-4E4A-AA73-7D073408682F}" type="datetime1">
               <a:rPr lang="en-US" smtClean="0"/>
-              <a:t>10/8/2017</a:t>
+              <a:t>21-Oct-17</a:t>
             </a:fld>
             <a:endParaRPr lang="en-US" dirty="0"/>
           </a:p>
@@ -3060,7 +3061,7 @@
           <a:p>
             <a:fld id="{E8EDB785-9DBB-4F06-BE0F-BE5D3CC7BC73}" type="datetime1">
               <a:rPr lang="en-US" smtClean="0"/>
-              <a:t>10/8/2017</a:t>
+              <a:t>21-Oct-17</a:t>
             </a:fld>
             <a:endParaRPr lang="en-US" dirty="0"/>
           </a:p>
@@ -3155,7 +3156,7 @@
           <a:p>
             <a:fld id="{6CF62ECF-A3EB-4AC6-8449-F6B01A33436D}" type="datetime1">
               <a:rPr lang="en-US" smtClean="0"/>
-              <a:t>10/8/2017</a:t>
+              <a:t>21-Oct-17</a:t>
             </a:fld>
             <a:endParaRPr lang="en-US" dirty="0"/>
           </a:p>
@@ -3432,7 +3433,7 @@
           <a:p>
             <a:fld id="{62A3E63A-3D58-4243-BB22-F718508CB576}" type="datetime1">
               <a:rPr lang="en-US" smtClean="0"/>
-              <a:t>10/8/2017</a:t>
+              <a:t>21-Oct-17</a:t>
             </a:fld>
             <a:endParaRPr lang="en-US" dirty="0"/>
           </a:p>
@@ -3689,7 +3690,7 @@
           <a:p>
             <a:fld id="{1E8BC3C8-EB5B-4D72-B23C-CA2D29F6AB7C}" type="datetime1">
               <a:rPr lang="en-US" smtClean="0"/>
-              <a:t>10/8/2017</a:t>
+              <a:t>21-Oct-17</a:t>
             </a:fld>
             <a:endParaRPr lang="en-US" dirty="0"/>
           </a:p>
@@ -3859,7 +3860,7 @@
           <a:p>
             <a:fld id="{C3CB169A-1A6B-431C-9B32-3FED15513A2E}" type="datetime1">
               <a:rPr lang="en-US" smtClean="0"/>
-              <a:t>10/8/2017</a:t>
+              <a:t>21-Oct-17</a:t>
             </a:fld>
             <a:endParaRPr lang="en-US" dirty="0"/>
           </a:p>
@@ -4039,7 +4040,7 @@
           <a:p>
             <a:fld id="{D3D6B4B9-F5CF-47AD-B206-609E1EE4E877}" type="datetime1">
               <a:rPr lang="en-US" smtClean="0"/>
-              <a:t>10/8/2017</a:t>
+              <a:t>21-Oct-17</a:t>
             </a:fld>
             <a:endParaRPr lang="en-US" dirty="0"/>
           </a:p>
@@ -4290,7 +4291,7 @@
           <a:p>
             <a:fld id="{BC2745A0-C5E7-4C79-816B-D0E9FB625D8E}" type="datetime1">
               <a:rPr lang="en-US" smtClean="0"/>
-              <a:t>10/8/2017</a:t>
+              <a:t>21-Oct-17</a:t>
             </a:fld>
             <a:endParaRPr lang="en-US" dirty="0"/>
           </a:p>
@@ -4522,7 +4523,7 @@
           <a:p>
             <a:fld id="{59B184F9-EDD8-48E2-B242-2D51F079F995}" type="datetime1">
               <a:rPr lang="en-US" smtClean="0"/>
-              <a:t>10/8/2017</a:t>
+              <a:t>21-Oct-17</a:t>
             </a:fld>
             <a:endParaRPr lang="en-US" dirty="0"/>
           </a:p>
@@ -4869,7 +4870,7 @@
           <a:p>
             <a:fld id="{FD60C457-D73D-40FB-A778-999800B0982A}" type="datetime1">
               <a:rPr lang="en-US" smtClean="0"/>
-              <a:t>10/8/2017</a:t>
+              <a:t>21-Oct-17</a:t>
             </a:fld>
             <a:endParaRPr lang="en-US" dirty="0"/>
           </a:p>
@@ -4987,7 +4988,7 @@
           <a:p>
             <a:fld id="{BFD3383F-9CA8-4EF4-8951-294209C72768}" type="datetime1">
               <a:rPr lang="en-US" smtClean="0"/>
-              <a:t>10/8/2017</a:t>
+              <a:t>21-Oct-17</a:t>
             </a:fld>
             <a:endParaRPr lang="en-US" dirty="0"/>
           </a:p>
@@ -5105,7 +5106,7 @@
           <a:p>
             <a:fld id="{EA6497FF-B9B3-4EEF-8FCC-425CB2E8DE3F}" type="datetime1">
               <a:rPr lang="en-US" smtClean="0"/>
-              <a:t>10/8/2017</a:t>
+              <a:t>21-Oct-17</a:t>
             </a:fld>
             <a:endParaRPr lang="en-US" dirty="0"/>
           </a:p>
@@ -5389,7 +5390,7 @@
           <a:p>
             <a:fld id="{7DEB2623-FAF9-4757-8769-EF73EA851B7D}" type="datetime1">
               <a:rPr lang="en-US" smtClean="0"/>
-              <a:t>10/8/2017</a:t>
+              <a:t>21-Oct-17</a:t>
             </a:fld>
             <a:endParaRPr lang="en-US" dirty="0"/>
           </a:p>
@@ -5653,7 +5654,7 @@
           <a:p>
             <a:fld id="{A8D3501F-92D5-495D-A85D-C724B9F70BB9}" type="datetime1">
               <a:rPr lang="en-US" smtClean="0"/>
-              <a:t>10/8/2017</a:t>
+              <a:t>21-Oct-17</a:t>
             </a:fld>
             <a:endParaRPr lang="en-US" dirty="0"/>
           </a:p>
@@ -5867,7 +5868,7 @@
           <a:p>
             <a:fld id="{E30241EB-D659-4287-8333-4462AB00BB18}" type="datetime1">
               <a:rPr lang="en-US" smtClean="0"/>
-              <a:t>10/8/2017</a:t>
+              <a:t>21-Oct-17</a:t>
             </a:fld>
             <a:endParaRPr lang="en-US" dirty="0"/>
           </a:p>
@@ -6399,7 +6400,7 @@
           <a:p>
             <a:fld id="{771E0797-F8C8-48EE-B2AB-6D56EB3ED1A1}" type="datetime1">
               <a:rPr lang="en-US" smtClean="0"/>
-              <a:t>10/8/2017</a:t>
+              <a:t>21-Oct-17</a:t>
             </a:fld>
             <a:endParaRPr lang="en-US" dirty="0"/>
           </a:p>
@@ -7467,7 +7468,7 @@
         <p:spPr>
           <a:xfrm>
             <a:off x="1370893" y="1524538"/>
-            <a:ext cx="9793034" cy="4401205"/>
+            <a:ext cx="9793034" cy="4708981"/>
           </a:xfrm>
           <a:prstGeom prst="rect">
             <a:avLst/>
@@ -7523,10 +7524,17 @@
             <a:endParaRPr lang="he-IL" sz="2000" dirty="0"/>
           </a:p>
           <a:p>
-            <a:pPr algn="l"/>
             <a:r>
               <a:rPr lang="en-US" sz="2000" dirty="0"/>
-              <a:t>Crossing those databases with the patients’ database from previous research, we created a new database with genes binary vector for each sample- 1 for gene with a mutation and 0 for gene without a mutation. </a:t>
+              <a:t>Crossing those databases with the patients’ database from previous research, we created a new database with genes binary vector for each sample- 1 for gene with a mutation and 0 for gene without a mutation. This database contains </a:t>
+            </a:r>
+            <a:r>
+              <a:rPr lang="en-US" dirty="0"/>
+              <a:t>11132</a:t>
+            </a:r>
+            <a:r>
+              <a:rPr lang="en-US" sz="2000" dirty="0"/>
+              <a:t> samples. There are 16395 different genes in the vector. An average sample has data about 300 genes.  </a:t>
             </a:r>
           </a:p>
           <a:p>
@@ -7766,7 +7774,7 @@
         </p:nvSpPr>
         <p:spPr>
           <a:xfrm>
-            <a:off x="405353" y="1762813"/>
+            <a:off x="446402" y="1581098"/>
             <a:ext cx="10907398" cy="1015663"/>
           </a:xfrm>
           <a:prstGeom prst="rect">
@@ -7780,10 +7788,29 @@
           </a:bodyPr>
           <a:lstStyle/>
           <a:p>
-            <a:pPr algn="l"/>
             <a:r>
               <a:rPr lang="en-US" sz="2000" dirty="0"/>
-              <a:t>The algorithm builds a graph with genes in leaves and GO terms in vertexes. Every sample with gene-vector influences graph values.  </a:t>
+              <a:t>The algorithm builds a graph with genes in leaves and GO terms in vertexes. Every sample with gene-vector influences graph values. </a:t>
+            </a:r>
+            <a:r>
+              <a:rPr lang="en-US" sz="2000"/>
+              <a:t>There </a:t>
+            </a:r>
+            <a:r>
+              <a:rPr lang="en-US"/>
+              <a:t>17249 </a:t>
+            </a:r>
+            <a:r>
+              <a:rPr lang="en-US" sz="2000"/>
+              <a:t>are </a:t>
+            </a:r>
+            <a:r>
+              <a:rPr lang="en-US" sz="2000" dirty="0"/>
+              <a:t>features of age, gender </a:t>
+            </a:r>
+            <a:r>
+              <a:rPr lang="en-US" sz="2000"/>
+              <a:t>and go-terms.   </a:t>
             </a:r>
             <a:br>
               <a:rPr lang="en-US" sz="2000" dirty="0"/>
@@ -7931,7 +7958,7 @@
         <p:spPr>
           <a:xfrm>
             <a:off x="584462" y="1649691"/>
-            <a:ext cx="11142482" cy="3046988"/>
+            <a:ext cx="11142482" cy="3785652"/>
           </a:xfrm>
           <a:prstGeom prst="rect">
             <a:avLst/>
@@ -7954,7 +7981,7 @@
             </a:br>
             <a:r>
               <a:rPr lang="en-US" sz="2400" dirty="0"/>
-              <a:t>This process was run twice:</a:t>
+              <a:t>This process was run three times:</a:t>
             </a:r>
           </a:p>
           <a:p>
@@ -7975,6 +8002,32 @@
             <a:r>
               <a:rPr lang="en-US" sz="2400" dirty="0"/>
               <a:t>On samples database with only gender and age. </a:t>
+            </a:r>
+          </a:p>
+          <a:p>
+            <a:pPr marL="285750" indent="-285750" algn="l" rtl="0">
+              <a:buFont typeface="Arial" panose="020B0604020202020204" pitchFamily="34" charset="0"/>
+              <a:buChar char="•"/>
+            </a:pPr>
+            <a:r>
+              <a:rPr lang="en-US" sz="2400" dirty="0"/>
+              <a:t>On samples database with gender, age and gene-vector, while the genes are randomized before the </a:t>
+            </a:r>
+            <a:r>
+              <a:rPr lang="en-US" sz="2400" dirty="0" err="1"/>
+              <a:t>ontotype</a:t>
+            </a:r>
+            <a:r>
+              <a:rPr lang="en-US" sz="2400" dirty="0"/>
+              <a:t> process for checking the </a:t>
+            </a:r>
+            <a:r>
+              <a:rPr lang="en-US" sz="2400" dirty="0" err="1"/>
+              <a:t>corectness</a:t>
+            </a:r>
+            <a:r>
+              <a:rPr lang="en-US" sz="2400" dirty="0"/>
+              <a:t> of the first run.</a:t>
             </a:r>
           </a:p>
           <a:p>
@@ -7988,7 +8041,15 @@
             <a:pPr algn="l" rtl="0"/>
             <a:r>
               <a:rPr lang="en-US" sz="2400" dirty="0"/>
-              <a:t>If the first run gives better results, we can conclude the genes and mutations data is useful in predicting telomere lengths. </a:t>
+              <a:t>If the first run gives better results</a:t>
+            </a:r>
+            <a:r>
+              <a:rPr lang="he-IL" sz="2400" dirty="0"/>
+              <a:t> </a:t>
+            </a:r>
+            <a:r>
+              <a:rPr lang="en-US" sz="2400" dirty="0"/>
+              <a:t>than the other two, we can conclude the genes and mutations data is useful in predicting telomere lengths. </a:t>
             </a:r>
           </a:p>
         </p:txBody>
@@ -8147,10 +8208,39 @@
       </p:sp>
       <p:sp>
         <p:nvSpPr>
-          <p:cNvPr id="5" name="TextBox 4">
+          <p:cNvPr id="2" name="מציין מיקום של מספר שקופית 1">
             <a:extLst>
               <a:ext uri="{FF2B5EF4-FFF2-40B4-BE49-F238E27FC236}">
-                <a16:creationId xmlns:a16="http://schemas.microsoft.com/office/drawing/2014/main" id="{0AFD510F-F161-41F6-B611-47BBB07BF887}"/>
+                <a16:creationId xmlns:a16="http://schemas.microsoft.com/office/drawing/2014/main" id="{2F9FBE64-673D-4CCF-B269-DE0BE082A7E2}"/>
+              </a:ext>
+            </a:extLst>
+          </p:cNvPr>
+          <p:cNvSpPr>
+            <a:spLocks noGrp="1"/>
+          </p:cNvSpPr>
+          <p:nvPr>
+            <p:ph type="sldNum" sz="quarter" idx="12"/>
+          </p:nvPr>
+        </p:nvSpPr>
+        <p:spPr/>
+        <p:txBody>
+          <a:bodyPr/>
+          <a:lstStyle/>
+          <a:p>
+            <a:fld id="{28EC0DFB-B55B-494E-B27A-B4FF8B9EF525}" type="slidenum">
+              <a:rPr lang="en-US" smtClean="0"/>
+              <a:t>7</a:t>
+            </a:fld>
+            <a:endParaRPr lang="en-US" dirty="0"/>
+          </a:p>
+        </p:txBody>
+      </p:sp>
+      <p:sp>
+        <p:nvSpPr>
+          <p:cNvPr id="9" name="TextBox 8">
+            <a:extLst>
+              <a:ext uri="{FF2B5EF4-FFF2-40B4-BE49-F238E27FC236}">
+                <a16:creationId xmlns:a16="http://schemas.microsoft.com/office/drawing/2014/main" id="{33F234D2-654B-403A-9DAE-45CABF94F432}"/>
               </a:ext>
             </a:extLst>
           </p:cNvPr>
@@ -8176,7 +8266,7 @@
             <a:pPr algn="l"/>
             <a:r>
               <a:rPr lang="en-US" sz="2000" dirty="0"/>
-              <a:t>First run results: </a:t>
+              <a:t>Third run results: </a:t>
             </a:r>
             <a:br>
               <a:rPr lang="en-US" sz="2000" dirty="0"/>
@@ -8192,55 +8282,12 @@
           </a:p>
         </p:txBody>
       </p:sp>
-      <p:sp>
-        <p:nvSpPr>
-          <p:cNvPr id="6" name="TextBox 5">
+      <p:pic>
+        <p:nvPicPr>
+          <p:cNvPr id="11" name="תמונה 10">
             <a:extLst>
               <a:ext uri="{FF2B5EF4-FFF2-40B4-BE49-F238E27FC236}">
-                <a16:creationId xmlns:a16="http://schemas.microsoft.com/office/drawing/2014/main" id="{3EA663C4-B689-406E-A444-5D3BCDF8768A}"/>
-              </a:ext>
-            </a:extLst>
-          </p:cNvPr>
-          <p:cNvSpPr txBox="1"/>
-          <p:nvPr/>
-        </p:nvSpPr>
-        <p:spPr>
-          <a:xfrm>
-            <a:off x="6243687" y="1581098"/>
-            <a:ext cx="5948313" cy="707886"/>
-          </a:xfrm>
-          <a:prstGeom prst="rect">
-            <a:avLst/>
-          </a:prstGeom>
-          <a:noFill/>
-        </p:spPr>
-        <p:txBody>
-          <a:bodyPr wrap="square" rtlCol="0">
-            <a:spAutoFit/>
-          </a:bodyPr>
-          <a:lstStyle/>
-          <a:p>
-            <a:pPr algn="l"/>
-            <a:r>
-              <a:rPr lang="en-US" sz="2000" dirty="0"/>
-              <a:t>Second run results:</a:t>
-            </a:r>
-          </a:p>
-          <a:p>
-            <a:pPr algn="l"/>
-            <a:r>
-              <a:rPr lang="en-US" sz="2000" dirty="0"/>
-              <a:t>AUC of Random Forest Classifier: 0.578167763269</a:t>
-            </a:r>
-          </a:p>
-        </p:txBody>
-      </p:sp>
-      <p:pic>
-        <p:nvPicPr>
-          <p:cNvPr id="8" name="תמונה 7">
-            <a:extLst>
-              <a:ext uri="{FF2B5EF4-FFF2-40B4-BE49-F238E27FC236}">
-                <a16:creationId xmlns:a16="http://schemas.microsoft.com/office/drawing/2014/main" id="{16BF8ED2-B25E-4B6B-89E9-9833766F0957}"/>
+                <a16:creationId xmlns:a16="http://schemas.microsoft.com/office/drawing/2014/main" id="{C487FF7D-191B-4535-B8BA-57B8D99BAC8D}"/>
               </a:ext>
             </a:extLst>
           </p:cNvPr>
@@ -8263,20 +8310,215 @@
         </p:blipFill>
         <p:spPr>
           <a:xfrm>
-            <a:off x="6446887" y="2504428"/>
-            <a:ext cx="5003433" cy="3777943"/>
+            <a:off x="688157" y="2504427"/>
+            <a:ext cx="5001130" cy="3777943"/>
           </a:xfrm>
           <a:prstGeom prst="rect">
             <a:avLst/>
           </a:prstGeom>
         </p:spPr>
       </p:pic>
+    </p:spTree>
+    <p:extLst>
+      <p:ext uri="{BB962C8B-B14F-4D97-AF65-F5344CB8AC3E}">
+        <p14:creationId xmlns:p14="http://schemas.microsoft.com/office/powerpoint/2010/main" val="1785286163"/>
+      </p:ext>
+    </p:extLst>
+  </p:cSld>
+  <p:clrMapOvr>
+    <a:masterClrMapping/>
+  </p:clrMapOvr>
+</p:sld>
+</file>
+
+<file path=ppt/slides/slide8.xml><?xml version="1.0" encoding="utf-8"?>
+<p:sld xmlns:a="http://schemas.openxmlformats.org/drawingml/2006/main" xmlns:r="http://schemas.openxmlformats.org/officeDocument/2006/relationships" xmlns:p="http://schemas.openxmlformats.org/presentationml/2006/main">
+  <p:cSld>
+    <p:spTree>
+      <p:nvGrpSpPr>
+        <p:cNvPr id="1" name=""/>
+        <p:cNvGrpSpPr/>
+        <p:nvPr/>
+      </p:nvGrpSpPr>
+      <p:grpSpPr>
+        <a:xfrm>
+          <a:off x="0" y="0"/>
+          <a:ext cx="0" cy="0"/>
+          <a:chOff x="0" y="0"/>
+          <a:chExt cx="0" cy="0"/>
+        </a:xfrm>
+      </p:grpSpPr>
+      <p:sp>
+        <p:nvSpPr>
+          <p:cNvPr id="4" name="מציין מיקום של מספר שקופית 3">
+            <a:extLst>
+              <a:ext uri="{FF2B5EF4-FFF2-40B4-BE49-F238E27FC236}">
+                <a16:creationId xmlns:a16="http://schemas.microsoft.com/office/drawing/2014/main" id="{8A8900C5-94A6-48CA-8C4D-22AF81AA6589}"/>
+              </a:ext>
+            </a:extLst>
+          </p:cNvPr>
+          <p:cNvSpPr>
+            <a:spLocks noGrp="1"/>
+          </p:cNvSpPr>
+          <p:nvPr>
+            <p:ph type="sldNum" sz="quarter" idx="12"/>
+          </p:nvPr>
+        </p:nvSpPr>
+        <p:spPr/>
+        <p:txBody>
+          <a:bodyPr/>
+          <a:lstStyle/>
+          <a:p>
+            <a:fld id="{28EC0DFB-B55B-494E-B27A-B4FF8B9EF525}" type="slidenum">
+              <a:rPr lang="en-US" smtClean="0"/>
+              <a:t>8</a:t>
+            </a:fld>
+            <a:endParaRPr lang="en-US" dirty="0"/>
+          </a:p>
+        </p:txBody>
+      </p:sp>
+      <p:sp>
+        <p:nvSpPr>
+          <p:cNvPr id="5" name="מלבן 4">
+            <a:extLst>
+              <a:ext uri="{FF2B5EF4-FFF2-40B4-BE49-F238E27FC236}">
+                <a16:creationId xmlns:a16="http://schemas.microsoft.com/office/drawing/2014/main" id="{A9E945E7-7BCA-4C17-9C0A-4E117BF424D2}"/>
+              </a:ext>
+            </a:extLst>
+          </p:cNvPr>
+          <p:cNvSpPr/>
+          <p:nvPr/>
+        </p:nvSpPr>
+        <p:spPr>
+          <a:xfrm>
+            <a:off x="3514675" y="657768"/>
+            <a:ext cx="5219249" cy="923330"/>
+          </a:xfrm>
+          <a:prstGeom prst="rect">
+            <a:avLst/>
+          </a:prstGeom>
+          <a:noFill/>
+        </p:spPr>
+        <p:txBody>
+          <a:bodyPr wrap="none" lIns="91440" tIns="45720" rIns="91440" bIns="45720">
+            <a:spAutoFit/>
+          </a:bodyPr>
+          <a:lstStyle/>
+          <a:p>
+            <a:pPr algn="ctr"/>
+            <a:r>
+              <a:rPr lang="en-US" sz="5400" b="0" cap="none" spc="0" dirty="0">
+                <a:ln w="0"/>
+                <a:solidFill>
+                  <a:schemeClr val="accent1"/>
+                </a:solidFill>
+                <a:effectLst>
+                  <a:outerShdw blurRad="38100" dist="25400" dir="5400000" algn="ctr" rotWithShape="0">
+                    <a:srgbClr val="6E747A">
+                      <a:alpha val="43000"/>
+                    </a:srgbClr>
+                  </a:outerShdw>
+                </a:effectLst>
+              </a:rPr>
+              <a:t>Prediction </a:t>
+            </a:r>
+            <a:r>
+              <a:rPr lang="en-US" sz="5400" dirty="0">
+                <a:ln w="0"/>
+                <a:solidFill>
+                  <a:schemeClr val="accent1"/>
+                </a:solidFill>
+                <a:effectLst>
+                  <a:outerShdw blurRad="38100" dist="25400" dir="5400000" algn="ctr" rotWithShape="0">
+                    <a:srgbClr val="6E747A">
+                      <a:alpha val="43000"/>
+                    </a:srgbClr>
+                  </a:outerShdw>
+                </a:effectLst>
+              </a:rPr>
+              <a:t>R</a:t>
+            </a:r>
+            <a:r>
+              <a:rPr lang="en-US" sz="5400" b="0" cap="none" spc="0" dirty="0">
+                <a:ln w="0"/>
+                <a:solidFill>
+                  <a:schemeClr val="accent1"/>
+                </a:solidFill>
+                <a:effectLst>
+                  <a:outerShdw blurRad="38100" dist="25400" dir="5400000" algn="ctr" rotWithShape="0">
+                    <a:srgbClr val="6E747A">
+                      <a:alpha val="43000"/>
+                    </a:srgbClr>
+                  </a:outerShdw>
+                </a:effectLst>
+              </a:rPr>
+              <a:t>esults</a:t>
+            </a:r>
+            <a:endParaRPr lang="he-IL" sz="5400" b="0" cap="none" spc="0" dirty="0">
+              <a:ln w="0"/>
+              <a:solidFill>
+                <a:schemeClr val="accent1"/>
+              </a:solidFill>
+              <a:effectLst>
+                <a:outerShdw blurRad="38100" dist="25400" dir="5400000" algn="ctr" rotWithShape="0">
+                  <a:srgbClr val="6E747A">
+                    <a:alpha val="43000"/>
+                  </a:srgbClr>
+                </a:outerShdw>
+              </a:effectLst>
+            </a:endParaRPr>
+          </a:p>
+        </p:txBody>
+      </p:sp>
+      <p:sp>
+        <p:nvSpPr>
+          <p:cNvPr id="8" name="TextBox 7">
+            <a:extLst>
+              <a:ext uri="{FF2B5EF4-FFF2-40B4-BE49-F238E27FC236}">
+                <a16:creationId xmlns:a16="http://schemas.microsoft.com/office/drawing/2014/main" id="{50FDBB85-B22F-45B6-B03D-844B86C018EB}"/>
+              </a:ext>
+            </a:extLst>
+          </p:cNvPr>
+          <p:cNvSpPr txBox="1"/>
+          <p:nvPr/>
+        </p:nvSpPr>
+        <p:spPr>
+          <a:xfrm>
+            <a:off x="840441" y="1581098"/>
+            <a:ext cx="5948313" cy="707886"/>
+          </a:xfrm>
+          <a:prstGeom prst="rect">
+            <a:avLst/>
+          </a:prstGeom>
+          <a:noFill/>
+        </p:spPr>
+        <p:txBody>
+          <a:bodyPr wrap="square" rtlCol="0">
+            <a:spAutoFit/>
+          </a:bodyPr>
+          <a:lstStyle/>
+          <a:p>
+            <a:pPr algn="l"/>
+            <a:r>
+              <a:rPr lang="en-US" sz="2000" dirty="0"/>
+              <a:t>Second run results:</a:t>
+            </a:r>
+          </a:p>
+          <a:p>
+            <a:pPr algn="l"/>
+            <a:r>
+              <a:rPr lang="en-US" sz="2000" dirty="0"/>
+              <a:t>AUC of Random Forest Classifier: 0.578167763269</a:t>
+            </a:r>
+          </a:p>
+        </p:txBody>
+      </p:sp>
       <p:pic>
         <p:nvPicPr>
-          <p:cNvPr id="10" name="תמונה 9">
+          <p:cNvPr id="9" name="תמונה 8">
             <a:extLst>
               <a:ext uri="{FF2B5EF4-FFF2-40B4-BE49-F238E27FC236}">
-                <a16:creationId xmlns:a16="http://schemas.microsoft.com/office/drawing/2014/main" id="{9F481D7E-05B5-42C2-BA78-D5DECDA25F07}"/>
+                <a16:creationId xmlns:a16="http://schemas.microsoft.com/office/drawing/2014/main" id="{521E7730-A8C5-45FD-8C68-1A554C916B69}"/>
               </a:ext>
             </a:extLst>
           </p:cNvPr>
@@ -8286,7 +8528,7 @@
           <p:nvPr/>
         </p:nvPicPr>
         <p:blipFill>
-          <a:blip r:embed="rId3">
+          <a:blip r:embed="rId2">
             <a:extLst>
               <a:ext uri="{28A0092B-C50C-407E-A947-70E740481C1C}">
                 <a14:useLocalDpi xmlns:a14="http://schemas.microsoft.com/office/drawing/2010/main" val="0"/>
@@ -8299,20 +8541,50 @@
         </p:blipFill>
         <p:spPr>
           <a:xfrm>
-            <a:off x="688157" y="2504427"/>
-            <a:ext cx="5001130" cy="3777943"/>
+            <a:off x="840441" y="2335463"/>
+            <a:ext cx="5434347" cy="4103313"/>
           </a:xfrm>
           <a:prstGeom prst="rect">
             <a:avLst/>
           </a:prstGeom>
         </p:spPr>
       </p:pic>
-      <p:sp>
-        <p:nvSpPr>
-          <p:cNvPr id="2" name="מציין מיקום של מספר שקופית 1">
+    </p:spTree>
+    <p:extLst>
+      <p:ext uri="{BB962C8B-B14F-4D97-AF65-F5344CB8AC3E}">
+        <p14:creationId xmlns:p14="http://schemas.microsoft.com/office/powerpoint/2010/main" val="147908386"/>
+      </p:ext>
+    </p:extLst>
+  </p:cSld>
+  <p:clrMapOvr>
+    <a:masterClrMapping/>
+  </p:clrMapOvr>
+</p:sld>
+</file>
+
+<file path=ppt/slides/slide9.xml><?xml version="1.0" encoding="utf-8"?>
+<p:sld xmlns:a="http://schemas.openxmlformats.org/drawingml/2006/main" xmlns:r="http://schemas.openxmlformats.org/officeDocument/2006/relationships" xmlns:p="http://schemas.openxmlformats.org/presentationml/2006/main">
+  <p:cSld>
+    <p:spTree>
+      <p:nvGrpSpPr>
+        <p:cNvPr id="1" name=""/>
+        <p:cNvGrpSpPr/>
+        <p:nvPr/>
+      </p:nvGrpSpPr>
+      <p:grpSpPr>
+        <a:xfrm>
+          <a:off x="0" y="0"/>
+          <a:ext cx="0" cy="0"/>
+          <a:chOff x="0" y="0"/>
+          <a:chExt cx="0" cy="0"/>
+        </a:xfrm>
+      </p:grpSpPr>
+      <p:sp>
+        <p:nvSpPr>
+          <p:cNvPr id="4" name="מציין מיקום של מספר שקופית 3">
             <a:extLst>
               <a:ext uri="{FF2B5EF4-FFF2-40B4-BE49-F238E27FC236}">
-                <a16:creationId xmlns:a16="http://schemas.microsoft.com/office/drawing/2014/main" id="{2F9FBE64-673D-4CCF-B269-DE0BE082A7E2}"/>
+                <a16:creationId xmlns:a16="http://schemas.microsoft.com/office/drawing/2014/main" id="{73EDF378-6AE5-43EC-A0F6-D46C72D33771}"/>
               </a:ext>
             </a:extLst>
           </p:cNvPr>
@@ -8330,16 +8602,231 @@
           <a:p>
             <a:fld id="{28EC0DFB-B55B-494E-B27A-B4FF8B9EF525}" type="slidenum">
               <a:rPr lang="en-US" smtClean="0"/>
-              <a:t>7</a:t>
+              <a:t>9</a:t>
             </a:fld>
             <a:endParaRPr lang="en-US" dirty="0"/>
+          </a:p>
+        </p:txBody>
+      </p:sp>
+      <p:sp>
+        <p:nvSpPr>
+          <p:cNvPr id="5" name="מלבן 4">
+            <a:extLst>
+              <a:ext uri="{FF2B5EF4-FFF2-40B4-BE49-F238E27FC236}">
+                <a16:creationId xmlns:a16="http://schemas.microsoft.com/office/drawing/2014/main" id="{E2327D39-C523-4670-94EE-E2C1424E7C08}"/>
+              </a:ext>
+            </a:extLst>
+          </p:cNvPr>
+          <p:cNvSpPr/>
+          <p:nvPr/>
+        </p:nvSpPr>
+        <p:spPr>
+          <a:xfrm>
+            <a:off x="3514675" y="657768"/>
+            <a:ext cx="5219249" cy="923330"/>
+          </a:xfrm>
+          <a:prstGeom prst="rect">
+            <a:avLst/>
+          </a:prstGeom>
+          <a:noFill/>
+        </p:spPr>
+        <p:txBody>
+          <a:bodyPr wrap="none" lIns="91440" tIns="45720" rIns="91440" bIns="45720">
+            <a:spAutoFit/>
+          </a:bodyPr>
+          <a:lstStyle/>
+          <a:p>
+            <a:pPr algn="ctr"/>
+            <a:r>
+              <a:rPr lang="en-US" sz="5400" b="0" cap="none" spc="0" dirty="0">
+                <a:ln w="0"/>
+                <a:solidFill>
+                  <a:schemeClr val="accent1"/>
+                </a:solidFill>
+                <a:effectLst>
+                  <a:outerShdw blurRad="38100" dist="25400" dir="5400000" algn="ctr" rotWithShape="0">
+                    <a:srgbClr val="6E747A">
+                      <a:alpha val="43000"/>
+                    </a:srgbClr>
+                  </a:outerShdw>
+                </a:effectLst>
+              </a:rPr>
+              <a:t>Prediction </a:t>
+            </a:r>
+            <a:r>
+              <a:rPr lang="en-US" sz="5400" dirty="0">
+                <a:ln w="0"/>
+                <a:solidFill>
+                  <a:schemeClr val="accent1"/>
+                </a:solidFill>
+                <a:effectLst>
+                  <a:outerShdw blurRad="38100" dist="25400" dir="5400000" algn="ctr" rotWithShape="0">
+                    <a:srgbClr val="6E747A">
+                      <a:alpha val="43000"/>
+                    </a:srgbClr>
+                  </a:outerShdw>
+                </a:effectLst>
+              </a:rPr>
+              <a:t>R</a:t>
+            </a:r>
+            <a:r>
+              <a:rPr lang="en-US" sz="5400" b="0" cap="none" spc="0" dirty="0">
+                <a:ln w="0"/>
+                <a:solidFill>
+                  <a:schemeClr val="accent1"/>
+                </a:solidFill>
+                <a:effectLst>
+                  <a:outerShdw blurRad="38100" dist="25400" dir="5400000" algn="ctr" rotWithShape="0">
+                    <a:srgbClr val="6E747A">
+                      <a:alpha val="43000"/>
+                    </a:srgbClr>
+                  </a:outerShdw>
+                </a:effectLst>
+              </a:rPr>
+              <a:t>esults</a:t>
+            </a:r>
+            <a:endParaRPr lang="he-IL" sz="5400" b="0" cap="none" spc="0" dirty="0">
+              <a:ln w="0"/>
+              <a:solidFill>
+                <a:schemeClr val="accent1"/>
+              </a:solidFill>
+              <a:effectLst>
+                <a:outerShdw blurRad="38100" dist="25400" dir="5400000" algn="ctr" rotWithShape="0">
+                  <a:srgbClr val="6E747A">
+                    <a:alpha val="43000"/>
+                  </a:srgbClr>
+                </a:outerShdw>
+              </a:effectLst>
+            </a:endParaRPr>
+          </a:p>
+        </p:txBody>
+      </p:sp>
+      <p:sp>
+        <p:nvSpPr>
+          <p:cNvPr id="6" name="TextBox 5">
+            <a:extLst>
+              <a:ext uri="{FF2B5EF4-FFF2-40B4-BE49-F238E27FC236}">
+                <a16:creationId xmlns:a16="http://schemas.microsoft.com/office/drawing/2014/main" id="{8BBB4F40-C53D-4E8D-BDBE-9461D22D4D43}"/>
+              </a:ext>
+            </a:extLst>
+          </p:cNvPr>
+          <p:cNvSpPr txBox="1"/>
+          <p:nvPr/>
+        </p:nvSpPr>
+        <p:spPr>
+          <a:xfrm>
+            <a:off x="688156" y="1581098"/>
+            <a:ext cx="5555531" cy="984885"/>
+          </a:xfrm>
+          <a:prstGeom prst="rect">
+            <a:avLst/>
+          </a:prstGeom>
+          <a:noFill/>
+        </p:spPr>
+        <p:txBody>
+          <a:bodyPr wrap="square" rtlCol="0">
+            <a:spAutoFit/>
+          </a:bodyPr>
+          <a:lstStyle/>
+          <a:p>
+            <a:r>
+              <a:rPr lang="en-US" sz="2000" dirty="0"/>
+              <a:t>Third run results: </a:t>
+            </a:r>
+            <a:br>
+              <a:rPr lang="en-US" sz="2000" dirty="0"/>
+            </a:br>
+            <a:r>
+              <a:rPr lang="en-US" sz="2000" dirty="0"/>
+              <a:t>AUC of Random Forest Classifier: </a:t>
+            </a:r>
+            <a:r>
+              <a:rPr lang="en-US" dirty="0"/>
+              <a:t>0.532217214098</a:t>
+            </a:r>
+            <a:endParaRPr lang="en-US" sz="2000" dirty="0"/>
+          </a:p>
+          <a:p>
+            <a:pPr algn="l"/>
+            <a:endParaRPr lang="en-US" dirty="0"/>
+          </a:p>
+        </p:txBody>
+      </p:sp>
+      <p:pic>
+        <p:nvPicPr>
+          <p:cNvPr id="8" name="תמונה 7">
+            <a:extLst>
+              <a:ext uri="{FF2B5EF4-FFF2-40B4-BE49-F238E27FC236}">
+                <a16:creationId xmlns:a16="http://schemas.microsoft.com/office/drawing/2014/main" id="{A7C8D732-2BEE-4D02-AA7D-E059EC4272F7}"/>
+              </a:ext>
+            </a:extLst>
+          </p:cNvPr>
+          <p:cNvPicPr>
+            <a:picLocks noChangeAspect="1"/>
+          </p:cNvPicPr>
+          <p:nvPr/>
+        </p:nvPicPr>
+        <p:blipFill>
+          <a:blip r:embed="rId2">
+            <a:extLst>
+              <a:ext uri="{28A0092B-C50C-407E-A947-70E740481C1C}">
+                <a14:useLocalDpi xmlns:a14="http://schemas.microsoft.com/office/drawing/2010/main" val="0"/>
+              </a:ext>
+            </a:extLst>
+          </a:blip>
+          <a:stretch>
+            <a:fillRect/>
+          </a:stretch>
+        </p:blipFill>
+        <p:spPr>
+          <a:xfrm>
+            <a:off x="874643" y="2386763"/>
+            <a:ext cx="5471710" cy="4157134"/>
+          </a:xfrm>
+          <a:prstGeom prst="rect">
+            <a:avLst/>
+          </a:prstGeom>
+        </p:spPr>
+      </p:pic>
+      <p:sp>
+        <p:nvSpPr>
+          <p:cNvPr id="9" name="TextBox 8">
+            <a:extLst>
+              <a:ext uri="{FF2B5EF4-FFF2-40B4-BE49-F238E27FC236}">
+                <a16:creationId xmlns:a16="http://schemas.microsoft.com/office/drawing/2014/main" id="{3A78DCE6-0F93-4FE6-AB01-39DA415C2F1A}"/>
+              </a:ext>
+            </a:extLst>
+          </p:cNvPr>
+          <p:cNvSpPr txBox="1"/>
+          <p:nvPr/>
+        </p:nvSpPr>
+        <p:spPr>
+          <a:xfrm>
+            <a:off x="6858000" y="4507587"/>
+            <a:ext cx="4621696" cy="2031325"/>
+          </a:xfrm>
+          <a:prstGeom prst="rect">
+            <a:avLst/>
+          </a:prstGeom>
+          <a:noFill/>
+        </p:spPr>
+        <p:txBody>
+          <a:bodyPr wrap="square" rtlCol="0">
+            <a:spAutoFit/>
+          </a:bodyPr>
+          <a:lstStyle/>
+          <a:p>
+            <a:r>
+              <a:rPr lang="en-US" dirty="0"/>
+              <a:t>The results here are similar to the second run, and very far from the first run results. Therefore, the learning process was not affected by non biological parameters. Also, the results from the first run indicate about a connection between the telomere length and gene mutation. </a:t>
+            </a:r>
           </a:p>
         </p:txBody>
       </p:sp>
     </p:spTree>
     <p:extLst>
       <p:ext uri="{BB962C8B-B14F-4D97-AF65-F5344CB8AC3E}">
-        <p14:creationId xmlns:p14="http://schemas.microsoft.com/office/powerpoint/2010/main" val="1785286163"/>
+        <p14:creationId xmlns:p14="http://schemas.microsoft.com/office/powerpoint/2010/main" val="198189941"/>
       </p:ext>
     </p:extLst>
   </p:cSld>
